--- a/trjr.pptx
+++ b/trjr.pptx
@@ -4,6 +4,9 @@
   <p:sldMasterIdLst>
     <p:sldMasterId id="2147483648" r:id="rId1"/>
   </p:sldMasterIdLst>
+  <p:notesMasterIdLst>
+    <p:notesMasterId r:id="rId14"/>
+  </p:notesMasterIdLst>
   <p:sldIdLst>
     <p:sldId id="256" r:id="rId2"/>
     <p:sldId id="257" r:id="rId3"/>
@@ -14,10 +17,9 @@
     <p:sldId id="262" r:id="rId8"/>
     <p:sldId id="263" r:id="rId9"/>
     <p:sldId id="264" r:id="rId10"/>
-    <p:sldId id="265" r:id="rId11"/>
-    <p:sldId id="266" r:id="rId12"/>
-    <p:sldId id="267" r:id="rId13"/>
-    <p:sldId id="268" r:id="rId14"/>
+    <p:sldId id="266" r:id="rId11"/>
+    <p:sldId id="267" r:id="rId12"/>
+    <p:sldId id="268" r:id="rId13"/>
   </p:sldIdLst>
   <p:sldSz cx="9144000" cy="5143500" type="screen16x9"/>
   <p:notesSz cx="6858000" cy="9144000"/>
@@ -116,7 +118,544 @@
       </a:defRPr>
     </a:lvl9pPr>
   </p:defaultTextStyle>
+  <p:extLst>
+    <p:ext uri="{EFAFB233-063F-42B5-8137-9DF3F51BA10A}">
+      <p15:sldGuideLst xmlns:p15="http://schemas.microsoft.com/office/powerpoint/2012/main">
+        <p15:guide id="1" orient="horz" pos="1620">
+          <p15:clr>
+            <a:srgbClr val="A4A3A4"/>
+          </p15:clr>
+        </p15:guide>
+        <p15:guide id="2" pos="2880">
+          <p15:clr>
+            <a:srgbClr val="A4A3A4"/>
+          </p15:clr>
+        </p15:guide>
+      </p15:sldGuideLst>
+    </p:ext>
+  </p:extLst>
 </p:presentation>
+</file>
+
+<file path=ppt/notesMasters/notesMaster1.xml><?xml version="1.0" encoding="utf-8"?>
+<p:notesMaster xmlns:a="http://schemas.openxmlformats.org/drawingml/2006/main" xmlns:r="http://schemas.openxmlformats.org/officeDocument/2006/relationships" xmlns:p="http://schemas.openxmlformats.org/presentationml/2006/main">
+  <p:cSld>
+    <p:bg>
+      <p:bgRef idx="1001">
+        <a:schemeClr val="bg1"/>
+      </p:bgRef>
+    </p:bg>
+    <p:spTree>
+      <p:nvGrpSpPr>
+        <p:cNvPr id="1" name=""/>
+        <p:cNvGrpSpPr/>
+        <p:nvPr/>
+      </p:nvGrpSpPr>
+      <p:grpSpPr>
+        <a:xfrm>
+          <a:off x="0" y="0"/>
+          <a:ext cx="0" cy="0"/>
+          <a:chOff x="0" y="0"/>
+          <a:chExt cx="0" cy="0"/>
+        </a:xfrm>
+      </p:grpSpPr>
+      <p:sp>
+        <p:nvSpPr>
+          <p:cNvPr id="2" name="Верхний колонтитул 1"/>
+          <p:cNvSpPr>
+            <a:spLocks noGrp="1"/>
+          </p:cNvSpPr>
+          <p:nvPr>
+            <p:ph type="hdr" sz="quarter"/>
+          </p:nvPr>
+        </p:nvSpPr>
+        <p:spPr>
+          <a:xfrm>
+            <a:off x="0" y="0"/>
+            <a:ext cx="2971800" cy="458788"/>
+          </a:xfrm>
+          <a:prstGeom prst="rect">
+            <a:avLst/>
+          </a:prstGeom>
+        </p:spPr>
+        <p:txBody>
+          <a:bodyPr vert="horz" lIns="91440" tIns="45720" rIns="91440" bIns="45720" rtlCol="0"/>
+          <a:lstStyle>
+            <a:lvl1pPr algn="l">
+              <a:defRPr sz="1200"/>
+            </a:lvl1pPr>
+          </a:lstStyle>
+          <a:p>
+            <a:endParaRPr lang="ru-RU"/>
+          </a:p>
+        </p:txBody>
+      </p:sp>
+      <p:sp>
+        <p:nvSpPr>
+          <p:cNvPr id="3" name="Дата 2"/>
+          <p:cNvSpPr>
+            <a:spLocks noGrp="1"/>
+          </p:cNvSpPr>
+          <p:nvPr>
+            <p:ph type="dt" idx="1"/>
+          </p:nvPr>
+        </p:nvSpPr>
+        <p:spPr>
+          <a:xfrm>
+            <a:off x="3884613" y="0"/>
+            <a:ext cx="2971800" cy="458788"/>
+          </a:xfrm>
+          <a:prstGeom prst="rect">
+            <a:avLst/>
+          </a:prstGeom>
+        </p:spPr>
+        <p:txBody>
+          <a:bodyPr vert="horz" lIns="91440" tIns="45720" rIns="91440" bIns="45720" rtlCol="0"/>
+          <a:lstStyle>
+            <a:lvl1pPr algn="r">
+              <a:defRPr sz="1200"/>
+            </a:lvl1pPr>
+          </a:lstStyle>
+          <a:p>
+            <a:fld id="{CB0F38E5-0B20-4F1C-938E-621F67937C58}" type="datetimeFigureOut">
+              <a:rPr lang="ru-RU" smtClean="0"/>
+              <a:t>28.04.2021</a:t>
+            </a:fld>
+            <a:endParaRPr lang="ru-RU"/>
+          </a:p>
+        </p:txBody>
+      </p:sp>
+      <p:sp>
+        <p:nvSpPr>
+          <p:cNvPr id="4" name="Образ слайда 3"/>
+          <p:cNvSpPr>
+            <a:spLocks noGrp="1" noRot="1" noChangeAspect="1"/>
+          </p:cNvSpPr>
+          <p:nvPr>
+            <p:ph type="sldImg" idx="2"/>
+          </p:nvPr>
+        </p:nvSpPr>
+        <p:spPr>
+          <a:xfrm>
+            <a:off x="685800" y="1143000"/>
+            <a:ext cx="5486400" cy="3086100"/>
+          </a:xfrm>
+          <a:prstGeom prst="rect">
+            <a:avLst/>
+          </a:prstGeom>
+          <a:noFill/>
+          <a:ln w="12700">
+            <a:solidFill>
+              <a:prstClr val="black"/>
+            </a:solidFill>
+          </a:ln>
+        </p:spPr>
+        <p:txBody>
+          <a:bodyPr vert="horz" lIns="91440" tIns="45720" rIns="91440" bIns="45720" rtlCol="0" anchor="ctr"/>
+          <a:lstStyle/>
+          <a:p>
+            <a:endParaRPr lang="ru-RU"/>
+          </a:p>
+        </p:txBody>
+      </p:sp>
+      <p:sp>
+        <p:nvSpPr>
+          <p:cNvPr id="5" name="Заметки 4"/>
+          <p:cNvSpPr>
+            <a:spLocks noGrp="1"/>
+          </p:cNvSpPr>
+          <p:nvPr>
+            <p:ph type="body" sz="quarter" idx="3"/>
+          </p:nvPr>
+        </p:nvSpPr>
+        <p:spPr>
+          <a:xfrm>
+            <a:off x="685800" y="4400550"/>
+            <a:ext cx="5486400" cy="3600450"/>
+          </a:xfrm>
+          <a:prstGeom prst="rect">
+            <a:avLst/>
+          </a:prstGeom>
+        </p:spPr>
+        <p:txBody>
+          <a:bodyPr vert="horz" lIns="91440" tIns="45720" rIns="91440" bIns="45720" rtlCol="0"/>
+          <a:lstStyle/>
+          <a:p>
+            <a:pPr lvl="0"/>
+            <a:r>
+              <a:rPr lang="ru-RU"/>
+              <a:t>Образец текста</a:t>
+            </a:r>
+          </a:p>
+          <a:p>
+            <a:pPr lvl="1"/>
+            <a:r>
+              <a:rPr lang="ru-RU"/>
+              <a:t>Второй уровень</a:t>
+            </a:r>
+          </a:p>
+          <a:p>
+            <a:pPr lvl="2"/>
+            <a:r>
+              <a:rPr lang="ru-RU"/>
+              <a:t>Третий уровень</a:t>
+            </a:r>
+          </a:p>
+          <a:p>
+            <a:pPr lvl="3"/>
+            <a:r>
+              <a:rPr lang="ru-RU"/>
+              <a:t>Четвертый уровень</a:t>
+            </a:r>
+          </a:p>
+          <a:p>
+            <a:pPr lvl="4"/>
+            <a:r>
+              <a:rPr lang="ru-RU"/>
+              <a:t>Пятый уровень</a:t>
+            </a:r>
+          </a:p>
+        </p:txBody>
+      </p:sp>
+      <p:sp>
+        <p:nvSpPr>
+          <p:cNvPr id="6" name="Нижний колонтитул 5"/>
+          <p:cNvSpPr>
+            <a:spLocks noGrp="1"/>
+          </p:cNvSpPr>
+          <p:nvPr>
+            <p:ph type="ftr" sz="quarter" idx="4"/>
+          </p:nvPr>
+        </p:nvSpPr>
+        <p:spPr>
+          <a:xfrm>
+            <a:off x="0" y="8685213"/>
+            <a:ext cx="2971800" cy="458787"/>
+          </a:xfrm>
+          <a:prstGeom prst="rect">
+            <a:avLst/>
+          </a:prstGeom>
+        </p:spPr>
+        <p:txBody>
+          <a:bodyPr vert="horz" lIns="91440" tIns="45720" rIns="91440" bIns="45720" rtlCol="0" anchor="b"/>
+          <a:lstStyle>
+            <a:lvl1pPr algn="l">
+              <a:defRPr sz="1200"/>
+            </a:lvl1pPr>
+          </a:lstStyle>
+          <a:p>
+            <a:endParaRPr lang="ru-RU"/>
+          </a:p>
+        </p:txBody>
+      </p:sp>
+      <p:sp>
+        <p:nvSpPr>
+          <p:cNvPr id="7" name="Номер слайда 6"/>
+          <p:cNvSpPr>
+            <a:spLocks noGrp="1"/>
+          </p:cNvSpPr>
+          <p:nvPr>
+            <p:ph type="sldNum" sz="quarter" idx="5"/>
+          </p:nvPr>
+        </p:nvSpPr>
+        <p:spPr>
+          <a:xfrm>
+            <a:off x="3884613" y="8685213"/>
+            <a:ext cx="2971800" cy="458787"/>
+          </a:xfrm>
+          <a:prstGeom prst="rect">
+            <a:avLst/>
+          </a:prstGeom>
+        </p:spPr>
+        <p:txBody>
+          <a:bodyPr vert="horz" lIns="91440" tIns="45720" rIns="91440" bIns="45720" rtlCol="0" anchor="b"/>
+          <a:lstStyle>
+            <a:lvl1pPr algn="r">
+              <a:defRPr sz="1200"/>
+            </a:lvl1pPr>
+          </a:lstStyle>
+          <a:p>
+            <a:fld id="{C46CACF8-0B57-4309-A89D-3207156BD671}" type="slidenum">
+              <a:rPr lang="ru-RU" smtClean="0"/>
+              <a:t>‹#›</a:t>
+            </a:fld>
+            <a:endParaRPr lang="ru-RU"/>
+          </a:p>
+        </p:txBody>
+      </p:sp>
+    </p:spTree>
+    <p:extLst>
+      <p:ext uri="{BB962C8B-B14F-4D97-AF65-F5344CB8AC3E}">
+        <p14:creationId xmlns:p14="http://schemas.microsoft.com/office/powerpoint/2010/main" val="1421561053"/>
+      </p:ext>
+    </p:extLst>
+  </p:cSld>
+  <p:clrMap bg1="lt1" tx1="dk1" bg2="lt2" tx2="dk2" accent1="accent1" accent2="accent2" accent3="accent3" accent4="accent4" accent5="accent5" accent6="accent6" hlink="hlink" folHlink="folHlink"/>
+  <p:notesStyle>
+    <a:lvl1pPr marL="0" algn="l" defTabSz="914400" rtl="0" eaLnBrk="1" latinLnBrk="0" hangingPunct="1">
+      <a:defRPr sz="1200" kern="1200">
+        <a:solidFill>
+          <a:schemeClr val="tx1"/>
+        </a:solidFill>
+        <a:latin typeface="+mn-lt"/>
+        <a:ea typeface="+mn-ea"/>
+        <a:cs typeface="+mn-cs"/>
+      </a:defRPr>
+    </a:lvl1pPr>
+    <a:lvl2pPr marL="457200" algn="l" defTabSz="914400" rtl="0" eaLnBrk="1" latinLnBrk="0" hangingPunct="1">
+      <a:defRPr sz="1200" kern="1200">
+        <a:solidFill>
+          <a:schemeClr val="tx1"/>
+        </a:solidFill>
+        <a:latin typeface="+mn-lt"/>
+        <a:ea typeface="+mn-ea"/>
+        <a:cs typeface="+mn-cs"/>
+      </a:defRPr>
+    </a:lvl2pPr>
+    <a:lvl3pPr marL="914400" algn="l" defTabSz="914400" rtl="0" eaLnBrk="1" latinLnBrk="0" hangingPunct="1">
+      <a:defRPr sz="1200" kern="1200">
+        <a:solidFill>
+          <a:schemeClr val="tx1"/>
+        </a:solidFill>
+        <a:latin typeface="+mn-lt"/>
+        <a:ea typeface="+mn-ea"/>
+        <a:cs typeface="+mn-cs"/>
+      </a:defRPr>
+    </a:lvl3pPr>
+    <a:lvl4pPr marL="1371600" algn="l" defTabSz="914400" rtl="0" eaLnBrk="1" latinLnBrk="0" hangingPunct="1">
+      <a:defRPr sz="1200" kern="1200">
+        <a:solidFill>
+          <a:schemeClr val="tx1"/>
+        </a:solidFill>
+        <a:latin typeface="+mn-lt"/>
+        <a:ea typeface="+mn-ea"/>
+        <a:cs typeface="+mn-cs"/>
+      </a:defRPr>
+    </a:lvl4pPr>
+    <a:lvl5pPr marL="1828800" algn="l" defTabSz="914400" rtl="0" eaLnBrk="1" latinLnBrk="0" hangingPunct="1">
+      <a:defRPr sz="1200" kern="1200">
+        <a:solidFill>
+          <a:schemeClr val="tx1"/>
+        </a:solidFill>
+        <a:latin typeface="+mn-lt"/>
+        <a:ea typeface="+mn-ea"/>
+        <a:cs typeface="+mn-cs"/>
+      </a:defRPr>
+    </a:lvl5pPr>
+    <a:lvl6pPr marL="2286000" algn="l" defTabSz="914400" rtl="0" eaLnBrk="1" latinLnBrk="0" hangingPunct="1">
+      <a:defRPr sz="1200" kern="1200">
+        <a:solidFill>
+          <a:schemeClr val="tx1"/>
+        </a:solidFill>
+        <a:latin typeface="+mn-lt"/>
+        <a:ea typeface="+mn-ea"/>
+        <a:cs typeface="+mn-cs"/>
+      </a:defRPr>
+    </a:lvl6pPr>
+    <a:lvl7pPr marL="2743200" algn="l" defTabSz="914400" rtl="0" eaLnBrk="1" latinLnBrk="0" hangingPunct="1">
+      <a:defRPr sz="1200" kern="1200">
+        <a:solidFill>
+          <a:schemeClr val="tx1"/>
+        </a:solidFill>
+        <a:latin typeface="+mn-lt"/>
+        <a:ea typeface="+mn-ea"/>
+        <a:cs typeface="+mn-cs"/>
+      </a:defRPr>
+    </a:lvl7pPr>
+    <a:lvl8pPr marL="3200400" algn="l" defTabSz="914400" rtl="0" eaLnBrk="1" latinLnBrk="0" hangingPunct="1">
+      <a:defRPr sz="1200" kern="1200">
+        <a:solidFill>
+          <a:schemeClr val="tx1"/>
+        </a:solidFill>
+        <a:latin typeface="+mn-lt"/>
+        <a:ea typeface="+mn-ea"/>
+        <a:cs typeface="+mn-cs"/>
+      </a:defRPr>
+    </a:lvl8pPr>
+    <a:lvl9pPr marL="3657600" algn="l" defTabSz="914400" rtl="0" eaLnBrk="1" latinLnBrk="0" hangingPunct="1">
+      <a:defRPr sz="1200" kern="1200">
+        <a:solidFill>
+          <a:schemeClr val="tx1"/>
+        </a:solidFill>
+        <a:latin typeface="+mn-lt"/>
+        <a:ea typeface="+mn-ea"/>
+        <a:cs typeface="+mn-cs"/>
+      </a:defRPr>
+    </a:lvl9pPr>
+  </p:notesStyle>
+</p:notesMaster>
+</file>
+
+<file path=ppt/notesSlides/notesSlide1.xml><?xml version="1.0" encoding="utf-8"?>
+<p:notes xmlns:a="http://schemas.openxmlformats.org/drawingml/2006/main" xmlns:r="http://schemas.openxmlformats.org/officeDocument/2006/relationships" xmlns:p="http://schemas.openxmlformats.org/presentationml/2006/main">
+  <p:cSld>
+    <p:spTree>
+      <p:nvGrpSpPr>
+        <p:cNvPr id="1" name=""/>
+        <p:cNvGrpSpPr/>
+        <p:nvPr/>
+      </p:nvGrpSpPr>
+      <p:grpSpPr>
+        <a:xfrm>
+          <a:off x="0" y="0"/>
+          <a:ext cx="0" cy="0"/>
+          <a:chOff x="0" y="0"/>
+          <a:chExt cx="0" cy="0"/>
+        </a:xfrm>
+      </p:grpSpPr>
+      <p:sp>
+        <p:nvSpPr>
+          <p:cNvPr id="2" name="Образ слайда 1"/>
+          <p:cNvSpPr>
+            <a:spLocks noGrp="1" noRot="1" noChangeAspect="1"/>
+          </p:cNvSpPr>
+          <p:nvPr>
+            <p:ph type="sldImg"/>
+          </p:nvPr>
+        </p:nvSpPr>
+        <p:spPr/>
+      </p:sp>
+      <p:sp>
+        <p:nvSpPr>
+          <p:cNvPr id="3" name="Заметки 2"/>
+          <p:cNvSpPr>
+            <a:spLocks noGrp="1"/>
+          </p:cNvSpPr>
+          <p:nvPr>
+            <p:ph type="body" idx="1"/>
+          </p:nvPr>
+        </p:nvSpPr>
+        <p:spPr/>
+        <p:txBody>
+          <a:bodyPr/>
+          <a:lstStyle/>
+          <a:p>
+            <a:r>
+              <a:rPr lang="en-US" dirty="0"/>
+              <a:t>TODO: Shop screen not implemented yet</a:t>
+            </a:r>
+            <a:endParaRPr lang="ru-RU" dirty="0"/>
+          </a:p>
+        </p:txBody>
+      </p:sp>
+      <p:sp>
+        <p:nvSpPr>
+          <p:cNvPr id="4" name="Номер слайда 3"/>
+          <p:cNvSpPr>
+            <a:spLocks noGrp="1"/>
+          </p:cNvSpPr>
+          <p:nvPr>
+            <p:ph type="sldNum" sz="quarter" idx="5"/>
+          </p:nvPr>
+        </p:nvSpPr>
+        <p:spPr/>
+        <p:txBody>
+          <a:bodyPr/>
+          <a:lstStyle/>
+          <a:p>
+            <a:fld id="{C46CACF8-0B57-4309-A89D-3207156BD671}" type="slidenum">
+              <a:rPr lang="ru-RU" smtClean="0"/>
+              <a:t>7</a:t>
+            </a:fld>
+            <a:endParaRPr lang="ru-RU"/>
+          </a:p>
+        </p:txBody>
+      </p:sp>
+    </p:spTree>
+    <p:extLst>
+      <p:ext uri="{BB962C8B-B14F-4D97-AF65-F5344CB8AC3E}">
+        <p14:creationId xmlns:p14="http://schemas.microsoft.com/office/powerpoint/2010/main" val="2300801756"/>
+      </p:ext>
+    </p:extLst>
+  </p:cSld>
+  <p:clrMapOvr>
+    <a:masterClrMapping/>
+  </p:clrMapOvr>
+</p:notes>
+</file>
+
+<file path=ppt/notesSlides/notesSlide2.xml><?xml version="1.0" encoding="utf-8"?>
+<p:notes xmlns:a="http://schemas.openxmlformats.org/drawingml/2006/main" xmlns:r="http://schemas.openxmlformats.org/officeDocument/2006/relationships" xmlns:p="http://schemas.openxmlformats.org/presentationml/2006/main">
+  <p:cSld>
+    <p:spTree>
+      <p:nvGrpSpPr>
+        <p:cNvPr id="1" name=""/>
+        <p:cNvGrpSpPr/>
+        <p:nvPr/>
+      </p:nvGrpSpPr>
+      <p:grpSpPr>
+        <a:xfrm>
+          <a:off x="0" y="0"/>
+          <a:ext cx="0" cy="0"/>
+          <a:chOff x="0" y="0"/>
+          <a:chExt cx="0" cy="0"/>
+        </a:xfrm>
+      </p:grpSpPr>
+      <p:sp>
+        <p:nvSpPr>
+          <p:cNvPr id="2" name="Образ слайда 1"/>
+          <p:cNvSpPr>
+            <a:spLocks noGrp="1" noRot="1" noChangeAspect="1"/>
+          </p:cNvSpPr>
+          <p:nvPr>
+            <p:ph type="sldImg"/>
+          </p:nvPr>
+        </p:nvSpPr>
+        <p:spPr/>
+      </p:sp>
+      <p:sp>
+        <p:nvSpPr>
+          <p:cNvPr id="3" name="Заметки 2"/>
+          <p:cNvSpPr>
+            <a:spLocks noGrp="1"/>
+          </p:cNvSpPr>
+          <p:nvPr>
+            <p:ph type="body" idx="1"/>
+          </p:nvPr>
+        </p:nvSpPr>
+        <p:spPr/>
+        <p:txBody>
+          <a:bodyPr/>
+          <a:lstStyle/>
+          <a:p>
+            <a:endParaRPr lang="ru-RU" dirty="0"/>
+          </a:p>
+        </p:txBody>
+      </p:sp>
+      <p:sp>
+        <p:nvSpPr>
+          <p:cNvPr id="4" name="Номер слайда 3"/>
+          <p:cNvSpPr>
+            <a:spLocks noGrp="1"/>
+          </p:cNvSpPr>
+          <p:nvPr>
+            <p:ph type="sldNum" sz="quarter" idx="5"/>
+          </p:nvPr>
+        </p:nvSpPr>
+        <p:spPr/>
+        <p:txBody>
+          <a:bodyPr/>
+          <a:lstStyle/>
+          <a:p>
+            <a:fld id="{C46CACF8-0B57-4309-A89D-3207156BD671}" type="slidenum">
+              <a:rPr lang="ru-RU" smtClean="0"/>
+              <a:t>9</a:t>
+            </a:fld>
+            <a:endParaRPr lang="ru-RU"/>
+          </a:p>
+        </p:txBody>
+      </p:sp>
+    </p:spTree>
+    <p:extLst>
+      <p:ext uri="{BB962C8B-B14F-4D97-AF65-F5344CB8AC3E}">
+        <p14:creationId xmlns:p14="http://schemas.microsoft.com/office/powerpoint/2010/main" val="3617734989"/>
+      </p:ext>
+    </p:extLst>
+  </p:cSld>
+  <p:clrMapOvr>
+    <a:masterClrMapping/>
+  </p:clrMapOvr>
+</p:notes>
 </file>
 
 <file path=ppt/slideLayouts/slideLayout1.xml><?xml version="1.0" encoding="utf-8"?>
@@ -157,7 +696,7 @@
           <a:lstStyle/>
           <a:p>
             <a:r>
-              <a:rPr lang="en-US" smtClean="0"/>
+              <a:rPr lang="en-US"/>
               <a:t>Click to edit Master title style</a:t>
             </a:r>
             <a:endParaRPr lang="ru-RU"/>
@@ -276,7 +815,7 @@
           </a:lstStyle>
           <a:p>
             <a:r>
-              <a:rPr lang="en-US" smtClean="0"/>
+              <a:rPr lang="en-US"/>
               <a:t>Click to edit Master subtitle style</a:t>
             </a:r>
             <a:endParaRPr lang="ru-RU"/>
@@ -300,7 +839,7 @@
           <a:p>
             <a:fld id="{F0EE7724-7823-4826-8C76-C9FB60324DDB}" type="datetimeFigureOut">
               <a:rPr lang="ru-RU" smtClean="0"/>
-              <a:t>22.04.2021</a:t>
+              <a:t>28.04.2021</a:t>
             </a:fld>
             <a:endParaRPr lang="ru-RU"/>
           </a:p>
@@ -394,7 +933,7 @@
           <a:lstStyle/>
           <a:p>
             <a:r>
-              <a:rPr lang="en-US" smtClean="0"/>
+              <a:rPr lang="en-US"/>
               <a:t>Click to edit Master title style</a:t>
             </a:r>
             <a:endParaRPr lang="ru-RU"/>
@@ -418,35 +957,35 @@
           <a:p>
             <a:pPr lvl="0"/>
             <a:r>
-              <a:rPr lang="en-US" smtClean="0"/>
+              <a:rPr lang="en-US"/>
               <a:t>Click to edit Master text styles</a:t>
             </a:r>
           </a:p>
           <a:p>
             <a:pPr lvl="1"/>
             <a:r>
-              <a:rPr lang="en-US" smtClean="0"/>
+              <a:rPr lang="en-US"/>
               <a:t>Second level</a:t>
             </a:r>
           </a:p>
           <a:p>
             <a:pPr lvl="2"/>
             <a:r>
-              <a:rPr lang="en-US" smtClean="0"/>
+              <a:rPr lang="en-US"/>
               <a:t>Third level</a:t>
             </a:r>
           </a:p>
           <a:p>
             <a:pPr lvl="3"/>
             <a:r>
-              <a:rPr lang="en-US" smtClean="0"/>
+              <a:rPr lang="en-US"/>
               <a:t>Fourth level</a:t>
             </a:r>
           </a:p>
           <a:p>
             <a:pPr lvl="4"/>
             <a:r>
-              <a:rPr lang="en-US" smtClean="0"/>
+              <a:rPr lang="en-US"/>
               <a:t>Fifth level</a:t>
             </a:r>
             <a:endParaRPr lang="ru-RU"/>
@@ -470,7 +1009,7 @@
           <a:p>
             <a:fld id="{F0EE7724-7823-4826-8C76-C9FB60324DDB}" type="datetimeFigureOut">
               <a:rPr lang="ru-RU" smtClean="0"/>
-              <a:t>22.04.2021</a:t>
+              <a:t>28.04.2021</a:t>
             </a:fld>
             <a:endParaRPr lang="ru-RU"/>
           </a:p>
@@ -569,7 +1108,7 @@
           <a:lstStyle/>
           <a:p>
             <a:r>
-              <a:rPr lang="en-US" smtClean="0"/>
+              <a:rPr lang="en-US"/>
               <a:t>Click to edit Master title style</a:t>
             </a:r>
             <a:endParaRPr lang="ru-RU"/>
@@ -598,35 +1137,35 @@
           <a:p>
             <a:pPr lvl="0"/>
             <a:r>
-              <a:rPr lang="en-US" smtClean="0"/>
+              <a:rPr lang="en-US"/>
               <a:t>Click to edit Master text styles</a:t>
             </a:r>
           </a:p>
           <a:p>
             <a:pPr lvl="1"/>
             <a:r>
-              <a:rPr lang="en-US" smtClean="0"/>
+              <a:rPr lang="en-US"/>
               <a:t>Second level</a:t>
             </a:r>
           </a:p>
           <a:p>
             <a:pPr lvl="2"/>
             <a:r>
-              <a:rPr lang="en-US" smtClean="0"/>
+              <a:rPr lang="en-US"/>
               <a:t>Third level</a:t>
             </a:r>
           </a:p>
           <a:p>
             <a:pPr lvl="3"/>
             <a:r>
-              <a:rPr lang="en-US" smtClean="0"/>
+              <a:rPr lang="en-US"/>
               <a:t>Fourth level</a:t>
             </a:r>
           </a:p>
           <a:p>
             <a:pPr lvl="4"/>
             <a:r>
-              <a:rPr lang="en-US" smtClean="0"/>
+              <a:rPr lang="en-US"/>
               <a:t>Fifth level</a:t>
             </a:r>
             <a:endParaRPr lang="ru-RU"/>
@@ -650,7 +1189,7 @@
           <a:p>
             <a:fld id="{F0EE7724-7823-4826-8C76-C9FB60324DDB}" type="datetimeFigureOut">
               <a:rPr lang="ru-RU" smtClean="0"/>
-              <a:t>22.04.2021</a:t>
+              <a:t>28.04.2021</a:t>
             </a:fld>
             <a:endParaRPr lang="ru-RU"/>
           </a:p>
@@ -744,7 +1283,7 @@
           <a:lstStyle/>
           <a:p>
             <a:r>
-              <a:rPr lang="en-US" smtClean="0"/>
+              <a:rPr lang="en-US"/>
               <a:t>Click to edit Master title style</a:t>
             </a:r>
             <a:endParaRPr lang="ru-RU"/>
@@ -768,35 +1307,35 @@
           <a:p>
             <a:pPr lvl="0"/>
             <a:r>
-              <a:rPr lang="en-US" smtClean="0"/>
+              <a:rPr lang="en-US"/>
               <a:t>Click to edit Master text styles</a:t>
             </a:r>
           </a:p>
           <a:p>
             <a:pPr lvl="1"/>
             <a:r>
-              <a:rPr lang="en-US" smtClean="0"/>
+              <a:rPr lang="en-US"/>
               <a:t>Second level</a:t>
             </a:r>
           </a:p>
           <a:p>
             <a:pPr lvl="2"/>
             <a:r>
-              <a:rPr lang="en-US" smtClean="0"/>
+              <a:rPr lang="en-US"/>
               <a:t>Third level</a:t>
             </a:r>
           </a:p>
           <a:p>
             <a:pPr lvl="3"/>
             <a:r>
-              <a:rPr lang="en-US" smtClean="0"/>
+              <a:rPr lang="en-US"/>
               <a:t>Fourth level</a:t>
             </a:r>
           </a:p>
           <a:p>
             <a:pPr lvl="4"/>
             <a:r>
-              <a:rPr lang="en-US" smtClean="0"/>
+              <a:rPr lang="en-US"/>
               <a:t>Fifth level</a:t>
             </a:r>
             <a:endParaRPr lang="ru-RU"/>
@@ -820,7 +1359,7 @@
           <a:p>
             <a:fld id="{F0EE7724-7823-4826-8C76-C9FB60324DDB}" type="datetimeFigureOut">
               <a:rPr lang="ru-RU" smtClean="0"/>
-              <a:t>22.04.2021</a:t>
+              <a:t>28.04.2021</a:t>
             </a:fld>
             <a:endParaRPr lang="ru-RU"/>
           </a:p>
@@ -923,7 +1462,7 @@
           </a:lstStyle>
           <a:p>
             <a:r>
-              <a:rPr lang="en-US" smtClean="0"/>
+              <a:rPr lang="en-US"/>
               <a:t>Click to edit Master title style</a:t>
             </a:r>
             <a:endParaRPr lang="ru-RU"/>
@@ -1043,7 +1582,7 @@
           <a:p>
             <a:pPr lvl="0"/>
             <a:r>
-              <a:rPr lang="en-US" smtClean="0"/>
+              <a:rPr lang="en-US"/>
               <a:t>Click to edit Master text styles</a:t>
             </a:r>
           </a:p>
@@ -1066,7 +1605,7 @@
           <a:p>
             <a:fld id="{F0EE7724-7823-4826-8C76-C9FB60324DDB}" type="datetimeFigureOut">
               <a:rPr lang="ru-RU" smtClean="0"/>
-              <a:t>22.04.2021</a:t>
+              <a:t>28.04.2021</a:t>
             </a:fld>
             <a:endParaRPr lang="ru-RU"/>
           </a:p>
@@ -1160,7 +1699,7 @@
           <a:lstStyle/>
           <a:p>
             <a:r>
-              <a:rPr lang="en-US" smtClean="0"/>
+              <a:rPr lang="en-US"/>
               <a:t>Click to edit Master title style</a:t>
             </a:r>
             <a:endParaRPr lang="ru-RU"/>
@@ -1217,35 +1756,35 @@
           <a:p>
             <a:pPr lvl="0"/>
             <a:r>
-              <a:rPr lang="en-US" smtClean="0"/>
+              <a:rPr lang="en-US"/>
               <a:t>Click to edit Master text styles</a:t>
             </a:r>
           </a:p>
           <a:p>
             <a:pPr lvl="1"/>
             <a:r>
-              <a:rPr lang="en-US" smtClean="0"/>
+              <a:rPr lang="en-US"/>
               <a:t>Second level</a:t>
             </a:r>
           </a:p>
           <a:p>
             <a:pPr lvl="2"/>
             <a:r>
-              <a:rPr lang="en-US" smtClean="0"/>
+              <a:rPr lang="en-US"/>
               <a:t>Third level</a:t>
             </a:r>
           </a:p>
           <a:p>
             <a:pPr lvl="3"/>
             <a:r>
-              <a:rPr lang="en-US" smtClean="0"/>
+              <a:rPr lang="en-US"/>
               <a:t>Fourth level</a:t>
             </a:r>
           </a:p>
           <a:p>
             <a:pPr lvl="4"/>
             <a:r>
-              <a:rPr lang="en-US" smtClean="0"/>
+              <a:rPr lang="en-US"/>
               <a:t>Fifth level</a:t>
             </a:r>
             <a:endParaRPr lang="ru-RU"/>
@@ -1302,35 +1841,35 @@
           <a:p>
             <a:pPr lvl="0"/>
             <a:r>
-              <a:rPr lang="en-US" smtClean="0"/>
+              <a:rPr lang="en-US"/>
               <a:t>Click to edit Master text styles</a:t>
             </a:r>
           </a:p>
           <a:p>
             <a:pPr lvl="1"/>
             <a:r>
-              <a:rPr lang="en-US" smtClean="0"/>
+              <a:rPr lang="en-US"/>
               <a:t>Second level</a:t>
             </a:r>
           </a:p>
           <a:p>
             <a:pPr lvl="2"/>
             <a:r>
-              <a:rPr lang="en-US" smtClean="0"/>
+              <a:rPr lang="en-US"/>
               <a:t>Third level</a:t>
             </a:r>
           </a:p>
           <a:p>
             <a:pPr lvl="3"/>
             <a:r>
-              <a:rPr lang="en-US" smtClean="0"/>
+              <a:rPr lang="en-US"/>
               <a:t>Fourth level</a:t>
             </a:r>
           </a:p>
           <a:p>
             <a:pPr lvl="4"/>
             <a:r>
-              <a:rPr lang="en-US" smtClean="0"/>
+              <a:rPr lang="en-US"/>
               <a:t>Fifth level</a:t>
             </a:r>
             <a:endParaRPr lang="ru-RU"/>
@@ -1354,7 +1893,7 @@
           <a:p>
             <a:fld id="{F0EE7724-7823-4826-8C76-C9FB60324DDB}" type="datetimeFigureOut">
               <a:rPr lang="ru-RU" smtClean="0"/>
-              <a:t>22.04.2021</a:t>
+              <a:t>28.04.2021</a:t>
             </a:fld>
             <a:endParaRPr lang="ru-RU"/>
           </a:p>
@@ -1452,7 +1991,7 @@
           </a:lstStyle>
           <a:p>
             <a:r>
-              <a:rPr lang="en-US" smtClean="0"/>
+              <a:rPr lang="en-US"/>
               <a:t>Click to edit Master title style</a:t>
             </a:r>
             <a:endParaRPr lang="ru-RU"/>
@@ -1518,7 +2057,7 @@
           <a:p>
             <a:pPr lvl="0"/>
             <a:r>
-              <a:rPr lang="en-US" smtClean="0"/>
+              <a:rPr lang="en-US"/>
               <a:t>Click to edit Master text styles</a:t>
             </a:r>
           </a:p>
@@ -1574,35 +2113,35 @@
           <a:p>
             <a:pPr lvl="0"/>
             <a:r>
-              <a:rPr lang="en-US" smtClean="0"/>
+              <a:rPr lang="en-US"/>
               <a:t>Click to edit Master text styles</a:t>
             </a:r>
           </a:p>
           <a:p>
             <a:pPr lvl="1"/>
             <a:r>
-              <a:rPr lang="en-US" smtClean="0"/>
+              <a:rPr lang="en-US"/>
               <a:t>Second level</a:t>
             </a:r>
           </a:p>
           <a:p>
             <a:pPr lvl="2"/>
             <a:r>
-              <a:rPr lang="en-US" smtClean="0"/>
+              <a:rPr lang="en-US"/>
               <a:t>Third level</a:t>
             </a:r>
           </a:p>
           <a:p>
             <a:pPr lvl="3"/>
             <a:r>
-              <a:rPr lang="en-US" smtClean="0"/>
+              <a:rPr lang="en-US"/>
               <a:t>Fourth level</a:t>
             </a:r>
           </a:p>
           <a:p>
             <a:pPr lvl="4"/>
             <a:r>
-              <a:rPr lang="en-US" smtClean="0"/>
+              <a:rPr lang="en-US"/>
               <a:t>Fifth level</a:t>
             </a:r>
             <a:endParaRPr lang="ru-RU"/>
@@ -1668,7 +2207,7 @@
           <a:p>
             <a:pPr lvl="0"/>
             <a:r>
-              <a:rPr lang="en-US" smtClean="0"/>
+              <a:rPr lang="en-US"/>
               <a:t>Click to edit Master text styles</a:t>
             </a:r>
           </a:p>
@@ -1724,35 +2263,35 @@
           <a:p>
             <a:pPr lvl="0"/>
             <a:r>
-              <a:rPr lang="en-US" smtClean="0"/>
+              <a:rPr lang="en-US"/>
               <a:t>Click to edit Master text styles</a:t>
             </a:r>
           </a:p>
           <a:p>
             <a:pPr lvl="1"/>
             <a:r>
-              <a:rPr lang="en-US" smtClean="0"/>
+              <a:rPr lang="en-US"/>
               <a:t>Second level</a:t>
             </a:r>
           </a:p>
           <a:p>
             <a:pPr lvl="2"/>
             <a:r>
-              <a:rPr lang="en-US" smtClean="0"/>
+              <a:rPr lang="en-US"/>
               <a:t>Third level</a:t>
             </a:r>
           </a:p>
           <a:p>
             <a:pPr lvl="3"/>
             <a:r>
-              <a:rPr lang="en-US" smtClean="0"/>
+              <a:rPr lang="en-US"/>
               <a:t>Fourth level</a:t>
             </a:r>
           </a:p>
           <a:p>
             <a:pPr lvl="4"/>
             <a:r>
-              <a:rPr lang="en-US" smtClean="0"/>
+              <a:rPr lang="en-US"/>
               <a:t>Fifth level</a:t>
             </a:r>
             <a:endParaRPr lang="ru-RU"/>
@@ -1776,7 +2315,7 @@
           <a:p>
             <a:fld id="{F0EE7724-7823-4826-8C76-C9FB60324DDB}" type="datetimeFigureOut">
               <a:rPr lang="ru-RU" smtClean="0"/>
-              <a:t>22.04.2021</a:t>
+              <a:t>28.04.2021</a:t>
             </a:fld>
             <a:endParaRPr lang="ru-RU"/>
           </a:p>
@@ -1870,7 +2409,7 @@
           <a:lstStyle/>
           <a:p>
             <a:r>
-              <a:rPr lang="en-US" smtClean="0"/>
+              <a:rPr lang="en-US"/>
               <a:t>Click to edit Master title style</a:t>
             </a:r>
             <a:endParaRPr lang="ru-RU"/>
@@ -1894,7 +2433,7 @@
           <a:p>
             <a:fld id="{F0EE7724-7823-4826-8C76-C9FB60324DDB}" type="datetimeFigureOut">
               <a:rPr lang="ru-RU" smtClean="0"/>
-              <a:t>22.04.2021</a:t>
+              <a:t>28.04.2021</a:t>
             </a:fld>
             <a:endParaRPr lang="ru-RU"/>
           </a:p>
@@ -1989,7 +2528,7 @@
           <a:p>
             <a:fld id="{F0EE7724-7823-4826-8C76-C9FB60324DDB}" type="datetimeFigureOut">
               <a:rPr lang="ru-RU" smtClean="0"/>
-              <a:t>22.04.2021</a:t>
+              <a:t>28.04.2021</a:t>
             </a:fld>
             <a:endParaRPr lang="ru-RU"/>
           </a:p>
@@ -2092,7 +2631,7 @@
           </a:lstStyle>
           <a:p>
             <a:r>
-              <a:rPr lang="en-US" smtClean="0"/>
+              <a:rPr lang="en-US"/>
               <a:t>Click to edit Master title style</a:t>
             </a:r>
             <a:endParaRPr lang="ru-RU"/>
@@ -2149,35 +2688,35 @@
           <a:p>
             <a:pPr lvl="0"/>
             <a:r>
-              <a:rPr lang="en-US" smtClean="0"/>
+              <a:rPr lang="en-US"/>
               <a:t>Click to edit Master text styles</a:t>
             </a:r>
           </a:p>
           <a:p>
             <a:pPr lvl="1"/>
             <a:r>
-              <a:rPr lang="en-US" smtClean="0"/>
+              <a:rPr lang="en-US"/>
               <a:t>Second level</a:t>
             </a:r>
           </a:p>
           <a:p>
             <a:pPr lvl="2"/>
             <a:r>
-              <a:rPr lang="en-US" smtClean="0"/>
+              <a:rPr lang="en-US"/>
               <a:t>Third level</a:t>
             </a:r>
           </a:p>
           <a:p>
             <a:pPr lvl="3"/>
             <a:r>
-              <a:rPr lang="en-US" smtClean="0"/>
+              <a:rPr lang="en-US"/>
               <a:t>Fourth level</a:t>
             </a:r>
           </a:p>
           <a:p>
             <a:pPr lvl="4"/>
             <a:r>
-              <a:rPr lang="en-US" smtClean="0"/>
+              <a:rPr lang="en-US"/>
               <a:t>Fifth level</a:t>
             </a:r>
             <a:endParaRPr lang="ru-RU"/>
@@ -2243,7 +2782,7 @@
           <a:p>
             <a:pPr lvl="0"/>
             <a:r>
-              <a:rPr lang="en-US" smtClean="0"/>
+              <a:rPr lang="en-US"/>
               <a:t>Click to edit Master text styles</a:t>
             </a:r>
           </a:p>
@@ -2266,7 +2805,7 @@
           <a:p>
             <a:fld id="{F0EE7724-7823-4826-8C76-C9FB60324DDB}" type="datetimeFigureOut">
               <a:rPr lang="ru-RU" smtClean="0"/>
-              <a:t>22.04.2021</a:t>
+              <a:t>28.04.2021</a:t>
             </a:fld>
             <a:endParaRPr lang="ru-RU"/>
           </a:p>
@@ -2369,7 +2908,7 @@
           </a:lstStyle>
           <a:p>
             <a:r>
-              <a:rPr lang="en-US" smtClean="0"/>
+              <a:rPr lang="en-US"/>
               <a:t>Click to edit Master title style</a:t>
             </a:r>
             <a:endParaRPr lang="ru-RU"/>
@@ -2496,7 +3035,7 @@
           <a:p>
             <a:pPr lvl="0"/>
             <a:r>
-              <a:rPr lang="en-US" smtClean="0"/>
+              <a:rPr lang="en-US"/>
               <a:t>Click to edit Master text styles</a:t>
             </a:r>
           </a:p>
@@ -2519,7 +3058,7 @@
           <a:p>
             <a:fld id="{F0EE7724-7823-4826-8C76-C9FB60324DDB}" type="datetimeFigureOut">
               <a:rPr lang="ru-RU" smtClean="0"/>
-              <a:t>22.04.2021</a:t>
+              <a:t>28.04.2021</a:t>
             </a:fld>
             <a:endParaRPr lang="ru-RU"/>
           </a:p>
@@ -2628,7 +3167,7 @@
           <a:lstStyle/>
           <a:p>
             <a:r>
-              <a:rPr lang="en-US" smtClean="0"/>
+              <a:rPr lang="en-US"/>
               <a:t>Click to edit Master title style</a:t>
             </a:r>
             <a:endParaRPr lang="ru-RU"/>
@@ -2662,35 +3201,35 @@
           <a:p>
             <a:pPr lvl="0"/>
             <a:r>
-              <a:rPr lang="en-US" smtClean="0"/>
+              <a:rPr lang="en-US"/>
               <a:t>Click to edit Master text styles</a:t>
             </a:r>
           </a:p>
           <a:p>
             <a:pPr lvl="1"/>
             <a:r>
-              <a:rPr lang="en-US" smtClean="0"/>
+              <a:rPr lang="en-US"/>
               <a:t>Second level</a:t>
             </a:r>
           </a:p>
           <a:p>
             <a:pPr lvl="2"/>
             <a:r>
-              <a:rPr lang="en-US" smtClean="0"/>
+              <a:rPr lang="en-US"/>
               <a:t>Third level</a:t>
             </a:r>
           </a:p>
           <a:p>
             <a:pPr lvl="3"/>
             <a:r>
-              <a:rPr lang="en-US" smtClean="0"/>
+              <a:rPr lang="en-US"/>
               <a:t>Fourth level</a:t>
             </a:r>
           </a:p>
           <a:p>
             <a:pPr lvl="4"/>
             <a:r>
-              <a:rPr lang="en-US" smtClean="0"/>
+              <a:rPr lang="en-US"/>
               <a:t>Fifth level</a:t>
             </a:r>
             <a:endParaRPr lang="ru-RU"/>
@@ -2732,7 +3271,7 @@
           <a:p>
             <a:fld id="{F0EE7724-7823-4826-8C76-C9FB60324DDB}" type="datetimeFigureOut">
               <a:rPr lang="ru-RU" smtClean="0"/>
-              <a:t>22.04.2021</a:t>
+              <a:t>28.04.2021</a:t>
             </a:fld>
             <a:endParaRPr lang="ru-RU"/>
           </a:p>
@@ -3131,25 +3670,26 @@
           <a:p>
             <a:pPr algn="l"/>
             <a:r>
-              <a:rPr lang="ru-RU" sz="3200" smtClean="0"/>
+              <a:rPr lang="ru-RU" sz="3200" dirty="0"/>
               <a:t>Индивидуальный проект</a:t>
             </a:r>
             <a:br>
-              <a:rPr lang="ru-RU" sz="3200" smtClean="0"/>
+              <a:rPr lang="ru-RU" sz="3200" dirty="0"/>
             </a:br>
             <a:r>
-              <a:rPr lang="en-US" sz="2800" smtClean="0">
+              <a:rPr lang="en-US" sz="2800" dirty="0">
                 <a:solidFill>
                   <a:srgbClr val="66FFFF"/>
                 </a:solidFill>
-                <a:latin typeface="Ricasso" pitchFamily="2" charset="0"/>
+                <a:latin typeface="Bahnschrift SemiBold" panose="020B0502040204020203" pitchFamily="34" charset="0"/>
               </a:rPr>
               <a:t>Trance Journey</a:t>
             </a:r>
-            <a:endParaRPr lang="ru-RU" sz="2800">
+            <a:endParaRPr lang="ru-RU" sz="2800" dirty="0">
               <a:solidFill>
                 <a:srgbClr val="66FFFF"/>
               </a:solidFill>
+              <a:latin typeface="Bahnschrift SemiBold" panose="020B0502040204020203" pitchFamily="34" charset="0"/>
             </a:endParaRPr>
           </a:p>
         </p:txBody>
@@ -3178,25 +3718,23 @@
           <a:p>
             <a:pPr algn="l"/>
             <a:r>
-              <a:rPr lang="ru-RU" sz="2000" smtClean="0"/>
+              <a:rPr lang="ru-RU" sz="2000"/>
               <a:t>Учащийся: Лапутин Станислав</a:t>
             </a:r>
           </a:p>
           <a:p>
             <a:pPr algn="l"/>
             <a:r>
-              <a:rPr lang="ru-RU" sz="2000" smtClean="0"/>
+              <a:rPr lang="ru-RU" sz="2000"/>
               <a:t>Преподаватель: Евгений Коновалов </a:t>
             </a:r>
-            <a:endParaRPr lang="ru-RU" sz="2000"/>
           </a:p>
           <a:p>
             <a:pPr algn="l"/>
             <a:r>
-              <a:rPr lang="ru-RU" sz="2000" smtClean="0"/>
+              <a:rPr lang="ru-RU" sz="2000"/>
               <a:t>г. Москва, РУДН Орджоникидзе, 2021</a:t>
             </a:r>
-            <a:endParaRPr lang="ru-RU" sz="2000"/>
           </a:p>
         </p:txBody>
       </p:sp>
@@ -3570,13 +4108,6 @@
   <p:clrMapOvr>
     <a:masterClrMapping/>
   </p:clrMapOvr>
-  <p:timing>
-    <p:tnLst>
-      <p:par>
-        <p:cTn id="1" dur="indefinite" restart="never" nodeType="tmRoot"/>
-      </p:par>
-    </p:tnLst>
-  </p:timing>
 </p:sld>
 </file>
 
@@ -3616,16 +4147,175 @@
           <a:p>
             <a:pPr algn="l"/>
             <a:r>
-              <a:rPr lang="ru-RU" sz="3200" smtClean="0">
+              <a:rPr lang="ru-RU" sz="3200">
                 <a:solidFill>
                   <a:srgbClr val="66FFFF"/>
                 </a:solidFill>
               </a:rPr>
-              <a:t>Как выглядит</a:t>
-            </a:r>
-            <a:endParaRPr lang="ru-RU" sz="3200">
+              <a:t>Итог</a:t>
+            </a:r>
+          </a:p>
+        </p:txBody>
+      </p:sp>
+      <p:sp>
+        <p:nvSpPr>
+          <p:cNvPr id="3" name="Content Placeholder 2"/>
+          <p:cNvSpPr>
+            <a:spLocks noGrp="1"/>
+          </p:cNvSpPr>
+          <p:nvPr>
+            <p:ph idx="1"/>
+          </p:nvPr>
+        </p:nvSpPr>
+        <p:spPr>
+          <a:xfrm>
+            <a:off x="457200" y="1635647"/>
+            <a:ext cx="8229600" cy="2958976"/>
+          </a:xfrm>
+        </p:spPr>
+        <p:txBody>
+          <a:bodyPr>
+            <a:normAutofit/>
+          </a:bodyPr>
+          <a:lstStyle/>
+          <a:p>
+            <a:pPr marL="0" indent="0">
+              <a:buNone/>
+            </a:pPr>
+            <a:r>
+              <a:rPr lang="ru-RU" sz="2000">
+                <a:solidFill>
+                  <a:srgbClr val="00FF00"/>
+                </a:solidFill>
+              </a:rPr>
+              <a:t>+   Затягивающая игра-таймкиллер</a:t>
+            </a:r>
+          </a:p>
+          <a:p>
+            <a:pPr marL="0" indent="0">
+              <a:buNone/>
+            </a:pPr>
+            <a:r>
+              <a:rPr lang="ru-RU" sz="2000">
+                <a:solidFill>
+                  <a:srgbClr val="00FF00"/>
+                </a:solidFill>
+              </a:rPr>
+              <a:t>+   Без рекламы и покупок</a:t>
+            </a:r>
+          </a:p>
+          <a:p>
+            <a:pPr marL="0" indent="0">
+              <a:buNone/>
+            </a:pPr>
+            <a:r>
+              <a:rPr lang="ru-RU" sz="2000">
+                <a:solidFill>
+                  <a:srgbClr val="00FF00"/>
+                </a:solidFill>
+              </a:rPr>
+              <a:t>+   Саундтрек по </a:t>
+            </a:r>
+            <a:r>
+              <a:rPr lang="en-US" sz="2000">
+                <a:solidFill>
+                  <a:srgbClr val="00FF00"/>
+                </a:solidFill>
+              </a:rPr>
+              <a:t>CC-BY-SA</a:t>
+            </a:r>
+            <a:endParaRPr lang="ru-RU" sz="2000">
               <a:solidFill>
-                <a:srgbClr val="66FFFF"/>
+                <a:srgbClr val="00FF00"/>
+              </a:solidFill>
+            </a:endParaRPr>
+          </a:p>
+          <a:p>
+            <a:pPr marL="0" indent="0">
+              <a:buNone/>
+            </a:pPr>
+            <a:endParaRPr lang="ru-RU" sz="2000">
+              <a:solidFill>
+                <a:srgbClr val="00FF00"/>
+              </a:solidFill>
+            </a:endParaRPr>
+          </a:p>
+          <a:p>
+            <a:pPr>
+              <a:buFontTx/>
+              <a:buChar char="-"/>
+            </a:pPr>
+            <a:r>
+              <a:rPr lang="ru-RU" sz="2000">
+                <a:solidFill>
+                  <a:srgbClr val="FF0000"/>
+                </a:solidFill>
+              </a:rPr>
+              <a:t>Большой вес</a:t>
+            </a:r>
+          </a:p>
+          <a:p>
+            <a:pPr>
+              <a:buFontTx/>
+              <a:buChar char="-"/>
+            </a:pPr>
+            <a:r>
+              <a:rPr lang="ru-RU" sz="2000">
+                <a:solidFill>
+                  <a:srgbClr val="FF0000"/>
+                </a:solidFill>
+              </a:rPr>
+              <a:t>Мало свистелок</a:t>
+            </a:r>
+            <a:r>
+              <a:rPr lang="en-US" sz="2000">
+                <a:solidFill>
+                  <a:srgbClr val="FF0000"/>
+                </a:solidFill>
+              </a:rPr>
+              <a:t>/</a:t>
+            </a:r>
+            <a:r>
+              <a:rPr lang="ru-RU" sz="2000">
+                <a:solidFill>
+                  <a:srgbClr val="FF0000"/>
+                </a:solidFill>
+              </a:rPr>
+              <a:t>эффектов</a:t>
+            </a:r>
+          </a:p>
+          <a:p>
+            <a:pPr>
+              <a:buFontTx/>
+              <a:buChar char="-"/>
+            </a:pPr>
+            <a:r>
+              <a:rPr lang="ru-RU" sz="2000">
+                <a:solidFill>
+                  <a:srgbClr val="FF0000"/>
+                </a:solidFill>
+              </a:rPr>
+              <a:t>Плохая поддержка узких экранов</a:t>
+            </a:r>
+          </a:p>
+          <a:p>
+            <a:pPr>
+              <a:buFontTx/>
+              <a:buChar char="-"/>
+            </a:pPr>
+            <a:endParaRPr lang="ru-RU" sz="2000">
+              <a:solidFill>
+                <a:srgbClr val="FF0000"/>
+              </a:solidFill>
+            </a:endParaRPr>
+          </a:p>
+          <a:p>
+            <a:pPr marL="0" indent="0">
+              <a:buNone/>
+            </a:pPr>
+            <a:endParaRPr lang="ru-RU" sz="2000">
+              <a:solidFill>
+                <a:srgbClr val="FF0000"/>
               </a:solidFill>
             </a:endParaRPr>
           </a:p>
@@ -3695,90 +4385,16 @@
           </a:extLst>
         </p:spPr>
       </p:pic>
-      <p:sp>
-        <p:nvSpPr>
-          <p:cNvPr id="5" name="TextBox 4"/>
-          <p:cNvSpPr txBox="1"/>
-          <p:nvPr/>
-        </p:nvSpPr>
-        <p:spPr>
-          <a:xfrm>
-            <a:off x="2555776" y="4308782"/>
-            <a:ext cx="1085554" cy="369332"/>
-          </a:xfrm>
-          <a:prstGeom prst="rect">
-            <a:avLst/>
-          </a:prstGeom>
-          <a:noFill/>
-        </p:spPr>
-        <p:txBody>
-          <a:bodyPr wrap="none" rtlCol="0">
-            <a:spAutoFit/>
-          </a:bodyPr>
-          <a:lstStyle/>
-          <a:p>
-            <a:r>
-              <a:rPr lang="ru-RU" smtClean="0"/>
-              <a:t>Магазин</a:t>
-            </a:r>
-            <a:endParaRPr lang="ru-RU"/>
-          </a:p>
-        </p:txBody>
-      </p:sp>
-      <p:sp>
-        <p:nvSpPr>
-          <p:cNvPr id="9" name="TextBox 8"/>
-          <p:cNvSpPr txBox="1"/>
-          <p:nvPr/>
-        </p:nvSpPr>
-        <p:spPr>
-          <a:xfrm>
-            <a:off x="5220072" y="4300505"/>
-            <a:ext cx="1321196" cy="646331"/>
-          </a:xfrm>
-          <a:prstGeom prst="rect">
-            <a:avLst/>
-          </a:prstGeom>
-          <a:noFill/>
-        </p:spPr>
-        <p:txBody>
-          <a:bodyPr wrap="none" rtlCol="0">
-            <a:spAutoFit/>
-          </a:bodyPr>
-          <a:lstStyle/>
-          <a:p>
-            <a:r>
-              <a:rPr lang="ru-RU" smtClean="0"/>
-              <a:t>Настройка</a:t>
-            </a:r>
-          </a:p>
-          <a:p>
-            <a:pPr algn="ctr"/>
-            <a:r>
-              <a:rPr lang="ru-RU" smtClean="0"/>
-              <a:t>корабля</a:t>
-            </a:r>
-            <a:endParaRPr lang="ru-RU"/>
-          </a:p>
-        </p:txBody>
-      </p:sp>
     </p:spTree>
     <p:extLst>
       <p:ext uri="{BB962C8B-B14F-4D97-AF65-F5344CB8AC3E}">
-        <p14:creationId xmlns:p14="http://schemas.microsoft.com/office/powerpoint/2010/main" val="545252916"/>
+        <p14:creationId xmlns:p14="http://schemas.microsoft.com/office/powerpoint/2010/main" val="1367028112"/>
       </p:ext>
     </p:extLst>
   </p:cSld>
   <p:clrMapOvr>
     <a:masterClrMapping/>
   </p:clrMapOvr>
-  <p:timing>
-    <p:tnLst>
-      <p:par>
-        <p:cTn id="1" dur="indefinite" restart="never" nodeType="tmRoot"/>
-      </p:par>
-    </p:tnLst>
-  </p:timing>
 </p:sld>
 </file>
 
@@ -3818,322 +4434,13 @@
           <a:p>
             <a:pPr algn="l"/>
             <a:r>
-              <a:rPr lang="ru-RU" sz="3200" smtClean="0">
-                <a:solidFill>
-                  <a:srgbClr val="66FFFF"/>
-                </a:solidFill>
-              </a:rPr>
-              <a:t>Итог</a:t>
-            </a:r>
-            <a:endParaRPr lang="ru-RU" sz="3200">
-              <a:solidFill>
-                <a:srgbClr val="66FFFF"/>
-              </a:solidFill>
-            </a:endParaRPr>
-          </a:p>
-        </p:txBody>
-      </p:sp>
-      <p:sp>
-        <p:nvSpPr>
-          <p:cNvPr id="3" name="Content Placeholder 2"/>
-          <p:cNvSpPr>
-            <a:spLocks noGrp="1"/>
-          </p:cNvSpPr>
-          <p:nvPr>
-            <p:ph idx="1"/>
-          </p:nvPr>
-        </p:nvSpPr>
-        <p:spPr>
-          <a:xfrm>
-            <a:off x="457200" y="1635647"/>
-            <a:ext cx="8229600" cy="2958976"/>
-          </a:xfrm>
-        </p:spPr>
-        <p:txBody>
-          <a:bodyPr>
-            <a:normAutofit/>
-          </a:bodyPr>
-          <a:lstStyle/>
-          <a:p>
-            <a:pPr marL="0" indent="0">
-              <a:buNone/>
-            </a:pPr>
-            <a:r>
-              <a:rPr lang="ru-RU" sz="2000" smtClean="0">
-                <a:solidFill>
-                  <a:srgbClr val="00FF00"/>
-                </a:solidFill>
-              </a:rPr>
-              <a:t>+   Затягивающая игра-таймкиллер</a:t>
-            </a:r>
-          </a:p>
-          <a:p>
-            <a:pPr marL="0" indent="0">
-              <a:buNone/>
-            </a:pPr>
-            <a:r>
-              <a:rPr lang="ru-RU" sz="2000" smtClean="0">
-                <a:solidFill>
-                  <a:srgbClr val="00FF00"/>
-                </a:solidFill>
-              </a:rPr>
-              <a:t>+   Без рекламы и покупок</a:t>
-            </a:r>
-          </a:p>
-          <a:p>
-            <a:pPr marL="0" indent="0">
-              <a:buNone/>
-            </a:pPr>
-            <a:r>
-              <a:rPr lang="ru-RU" sz="2000" smtClean="0">
-                <a:solidFill>
-                  <a:srgbClr val="00FF00"/>
-                </a:solidFill>
-              </a:rPr>
-              <a:t>+   Саундтрек по </a:t>
-            </a:r>
-            <a:r>
-              <a:rPr lang="en-US" sz="2000" smtClean="0">
-                <a:solidFill>
-                  <a:srgbClr val="00FF00"/>
-                </a:solidFill>
-              </a:rPr>
-              <a:t>CC-BY-SA</a:t>
-            </a:r>
-            <a:endParaRPr lang="ru-RU" sz="2000" smtClean="0">
-              <a:solidFill>
-                <a:srgbClr val="00FF00"/>
-              </a:solidFill>
-            </a:endParaRPr>
-          </a:p>
-          <a:p>
-            <a:pPr marL="0" indent="0">
-              <a:buNone/>
-            </a:pPr>
-            <a:endParaRPr lang="ru-RU" sz="2000">
-              <a:solidFill>
-                <a:srgbClr val="00FF00"/>
-              </a:solidFill>
-            </a:endParaRPr>
-          </a:p>
-          <a:p>
-            <a:pPr>
-              <a:buFontTx/>
-              <a:buChar char="-"/>
-            </a:pPr>
-            <a:r>
-              <a:rPr lang="ru-RU" sz="2000" smtClean="0">
-                <a:solidFill>
-                  <a:srgbClr val="FF0000"/>
-                </a:solidFill>
-              </a:rPr>
-              <a:t>Большой вес</a:t>
-            </a:r>
-          </a:p>
-          <a:p>
-            <a:pPr>
-              <a:buFontTx/>
-              <a:buChar char="-"/>
-            </a:pPr>
-            <a:r>
-              <a:rPr lang="ru-RU" sz="2000" smtClean="0">
-                <a:solidFill>
-                  <a:srgbClr val="FF0000"/>
-                </a:solidFill>
-              </a:rPr>
-              <a:t>Мало свистелок</a:t>
-            </a:r>
-            <a:r>
-              <a:rPr lang="en-US" sz="2000" smtClean="0">
-                <a:solidFill>
-                  <a:srgbClr val="FF0000"/>
-                </a:solidFill>
-              </a:rPr>
-              <a:t>/</a:t>
-            </a:r>
-            <a:r>
-              <a:rPr lang="ru-RU" sz="2000" smtClean="0">
-                <a:solidFill>
-                  <a:srgbClr val="FF0000"/>
-                </a:solidFill>
-              </a:rPr>
-              <a:t>эффектов</a:t>
-            </a:r>
-          </a:p>
-          <a:p>
-            <a:pPr>
-              <a:buFontTx/>
-              <a:buChar char="-"/>
-            </a:pPr>
-            <a:r>
-              <a:rPr lang="ru-RU" sz="2000" smtClean="0">
-                <a:solidFill>
-                  <a:srgbClr val="FF0000"/>
-                </a:solidFill>
-              </a:rPr>
-              <a:t>Плохая поддержка узких экранов</a:t>
-            </a:r>
-            <a:endParaRPr lang="ru-RU" sz="2000" smtClean="0">
-              <a:solidFill>
-                <a:srgbClr val="FF0000"/>
-              </a:solidFill>
-            </a:endParaRPr>
-          </a:p>
-          <a:p>
-            <a:pPr>
-              <a:buFontTx/>
-              <a:buChar char="-"/>
-            </a:pPr>
-            <a:endParaRPr lang="ru-RU" sz="2000" smtClean="0">
-              <a:solidFill>
-                <a:srgbClr val="FF0000"/>
-              </a:solidFill>
-            </a:endParaRPr>
-          </a:p>
-          <a:p>
-            <a:pPr marL="0" indent="0">
-              <a:buNone/>
-            </a:pPr>
-            <a:endParaRPr lang="ru-RU" sz="2000" smtClean="0">
-              <a:solidFill>
-                <a:srgbClr val="FF0000"/>
-              </a:solidFill>
-            </a:endParaRPr>
-          </a:p>
-        </p:txBody>
-      </p:sp>
-      <p:pic>
-        <p:nvPicPr>
-          <p:cNvPr id="4" name="Picture 2"/>
-          <p:cNvPicPr>
-            <a:picLocks noChangeAspect="1" noChangeArrowheads="1"/>
-          </p:cNvPicPr>
-          <p:nvPr/>
-        </p:nvPicPr>
-        <p:blipFill>
-          <a:blip r:embed="rId2" cstate="print">
-            <a:extLst>
-              <a:ext uri="{28A0092B-C50C-407E-A947-70E740481C1C}">
-                <a14:useLocalDpi xmlns:a14="http://schemas.microsoft.com/office/drawing/2010/main" val="0"/>
-              </a:ext>
-            </a:extLst>
-          </a:blip>
-          <a:srcRect/>
-          <a:stretch>
-            <a:fillRect/>
-          </a:stretch>
-        </p:blipFill>
-        <p:spPr bwMode="auto">
-          <a:xfrm>
-            <a:off x="8172400" y="411510"/>
-            <a:ext cx="589393" cy="557244"/>
-          </a:xfrm>
-          <a:prstGeom prst="rect">
-            <a:avLst/>
-          </a:prstGeom>
-          <a:noFill/>
-          <a:ln>
-            <a:noFill/>
-          </a:ln>
-          <a:effectLst/>
-          <a:extLst>
-            <a:ext uri="{909E8E84-426E-40DD-AFC4-6F175D3DCCD1}">
-              <a14:hiddenFill xmlns:a14="http://schemas.microsoft.com/office/drawing/2010/main">
-                <a:solidFill>
-                  <a:schemeClr val="accent1"/>
-                </a:solidFill>
-              </a14:hiddenFill>
-            </a:ext>
-            <a:ext uri="{91240B29-F687-4F45-9708-019B960494DF}">
-              <a14:hiddenLine xmlns:a14="http://schemas.microsoft.com/office/drawing/2010/main" w="9525">
-                <a:solidFill>
-                  <a:schemeClr val="tx1"/>
-                </a:solidFill>
-                <a:miter lim="800000"/>
-                <a:headEnd/>
-                <a:tailEnd/>
-              </a14:hiddenLine>
-            </a:ext>
-            <a:ext uri="{AF507438-7753-43E0-B8FC-AC1667EBCBE1}">
-              <a14:hiddenEffects xmlns:a14="http://schemas.microsoft.com/office/drawing/2010/main">
-                <a:effectLst>
-                  <a:outerShdw dist="35921" dir="2700000" algn="ctr" rotWithShape="0">
-                    <a:schemeClr val="bg2"/>
-                  </a:outerShdw>
-                </a:effectLst>
-              </a14:hiddenEffects>
-            </a:ext>
-          </a:extLst>
-        </p:spPr>
-      </p:pic>
-    </p:spTree>
-    <p:extLst>
-      <p:ext uri="{BB962C8B-B14F-4D97-AF65-F5344CB8AC3E}">
-        <p14:creationId xmlns:p14="http://schemas.microsoft.com/office/powerpoint/2010/main" val="1367028112"/>
-      </p:ext>
-    </p:extLst>
-  </p:cSld>
-  <p:clrMapOvr>
-    <a:masterClrMapping/>
-  </p:clrMapOvr>
-  <p:timing>
-    <p:tnLst>
-      <p:par>
-        <p:cTn id="1" dur="indefinite" restart="never" nodeType="tmRoot"/>
-      </p:par>
-    </p:tnLst>
-  </p:timing>
-</p:sld>
-</file>
-
-<file path=ppt/slides/slide12.xml><?xml version="1.0" encoding="utf-8"?>
-<p:sld xmlns:a="http://schemas.openxmlformats.org/drawingml/2006/main" xmlns:r="http://schemas.openxmlformats.org/officeDocument/2006/relationships" xmlns:p="http://schemas.openxmlformats.org/presentationml/2006/main">
-  <p:cSld>
-    <p:spTree>
-      <p:nvGrpSpPr>
-        <p:cNvPr id="1" name=""/>
-        <p:cNvGrpSpPr/>
-        <p:nvPr/>
-      </p:nvGrpSpPr>
-      <p:grpSpPr>
-        <a:xfrm>
-          <a:off x="0" y="0"/>
-          <a:ext cx="0" cy="0"/>
-          <a:chOff x="0" y="0"/>
-          <a:chExt cx="0" cy="0"/>
-        </a:xfrm>
-      </p:grpSpPr>
-      <p:sp>
-        <p:nvSpPr>
-          <p:cNvPr id="2" name="Title 1"/>
-          <p:cNvSpPr>
-            <a:spLocks noGrp="1"/>
-          </p:cNvSpPr>
-          <p:nvPr>
-            <p:ph type="title"/>
-          </p:nvPr>
-        </p:nvSpPr>
-        <p:spPr/>
-        <p:txBody>
-          <a:bodyPr>
-            <a:normAutofit/>
-          </a:bodyPr>
-          <a:lstStyle/>
-          <a:p>
-            <a:pPr algn="l"/>
-            <a:r>
-              <a:rPr lang="ru-RU" sz="3200" smtClean="0">
+              <a:rPr lang="ru-RU" sz="3200">
                 <a:solidFill>
                   <a:srgbClr val="66FFFF"/>
                 </a:solidFill>
               </a:rPr>
               <a:t>Планы на будущее</a:t>
             </a:r>
-            <a:endParaRPr lang="ru-RU" sz="3200">
-              <a:solidFill>
-                <a:srgbClr val="66FFFF"/>
-              </a:solidFill>
-            </a:endParaRPr>
           </a:p>
         </p:txBody>
       </p:sp>
@@ -4265,7 +4572,7 @@
           <a:lstStyle/>
           <a:p>
             <a:r>
-              <a:rPr lang="en-US" sz="1400" smtClean="0">
+              <a:rPr lang="en-US" sz="1400">
                 <a:latin typeface="Times New Roman" panose="02020603050405020304" pitchFamily="18" charset="0"/>
                 <a:cs typeface="Times New Roman" panose="02020603050405020304" pitchFamily="18" charset="0"/>
               </a:rPr>
@@ -4416,17 +4723,10 @@
   <p:clrMapOvr>
     <a:masterClrMapping/>
   </p:clrMapOvr>
-  <p:timing>
-    <p:tnLst>
-      <p:par>
-        <p:cTn id="1" dur="indefinite" restart="never" nodeType="tmRoot"/>
-      </p:par>
-    </p:tnLst>
-  </p:timing>
 </p:sld>
 </file>
 
-<file path=ppt/slides/slide13.xml><?xml version="1.0" encoding="utf-8"?>
+<file path=ppt/slides/slide12.xml><?xml version="1.0" encoding="utf-8"?>
 <p:sld xmlns:a="http://schemas.openxmlformats.org/drawingml/2006/main" xmlns:r="http://schemas.openxmlformats.org/officeDocument/2006/relationships" xmlns:p="http://schemas.openxmlformats.org/presentationml/2006/main">
   <p:cSld>
     <p:spTree>
@@ -4462,7 +4762,7 @@
           <a:p>
             <a:pPr algn="l"/>
             <a:r>
-              <a:rPr lang="en-US" sz="3200" smtClean="0">
+              <a:rPr lang="en-US" sz="3200">
                 <a:solidFill>
                   <a:srgbClr val="66FFFF"/>
                 </a:solidFill>
@@ -4500,10 +4800,9 @@
           <a:lstStyle/>
           <a:p>
             <a:r>
-              <a:rPr lang="ru-RU" sz="2800" smtClean="0"/>
+              <a:rPr lang="ru-RU" sz="2800"/>
               <a:t>Спасибо за внимание</a:t>
             </a:r>
-            <a:endParaRPr lang="ru-RU" sz="2800"/>
           </a:p>
         </p:txBody>
       </p:sp>
@@ -4581,13 +4880,6 @@
   <p:clrMapOvr>
     <a:masterClrMapping/>
   </p:clrMapOvr>
-  <p:timing>
-    <p:tnLst>
-      <p:par>
-        <p:cTn id="1" dur="indefinite" restart="never" nodeType="tmRoot"/>
-      </p:par>
-    </p:tnLst>
-  </p:timing>
 </p:sld>
 </file>
 
@@ -4627,18 +4919,13 @@
           <a:p>
             <a:pPr algn="l"/>
             <a:r>
-              <a:rPr lang="ru-RU" sz="3200" smtClean="0">
+              <a:rPr lang="ru-RU" sz="3200">
                 <a:solidFill>
                   <a:srgbClr val="66FFFF"/>
                 </a:solidFill>
               </a:rPr>
               <a:t>Зачем?</a:t>
             </a:r>
-            <a:endParaRPr lang="ru-RU" sz="3200">
-              <a:solidFill>
-                <a:srgbClr val="66FFFF"/>
-              </a:solidFill>
-            </a:endParaRPr>
           </a:p>
         </p:txBody>
       </p:sp>
@@ -4770,7 +5057,7 @@
           <a:lstStyle/>
           <a:p>
             <a:r>
-              <a:rPr lang="en-US" sz="1400" b="1" smtClean="0">
+              <a:rPr lang="en-US" sz="1400" b="1">
                 <a:solidFill>
                   <a:srgbClr val="C00000"/>
                 </a:solidFill>
@@ -5233,7 +5520,7 @@
           <a:lstStyle/>
           <a:p>
             <a:r>
-              <a:rPr lang="en-US" sz="4000" smtClean="0"/>
+              <a:rPr lang="en-US" sz="4000"/>
               <a:t>VS</a:t>
             </a:r>
             <a:endParaRPr lang="ru-RU" sz="4000"/>
@@ -5330,7 +5617,7 @@
           <a:p>
             <a:pPr algn="ctr"/>
             <a:r>
-              <a:rPr lang="en-US" smtClean="0">
+              <a:rPr lang="en-US">
                 <a:latin typeface="Sylfaen" panose="010A0502050306030303" pitchFamily="18" charset="0"/>
               </a:rPr>
               <a:t> Average “buy me a cup of coffee” enjoyer</a:t>
@@ -5364,7 +5651,7 @@
           <a:lstStyle/>
           <a:p>
             <a:r>
-              <a:rPr lang="en-US" smtClean="0">
+              <a:rPr lang="en-US">
                 <a:latin typeface="Arial" panose="020B0604020202020204" pitchFamily="34" charset="0"/>
                 <a:cs typeface="Arial" panose="020B0604020202020204" pitchFamily="34" charset="0"/>
               </a:rPr>
@@ -5377,6 +5664,53 @@
           </a:p>
         </p:txBody>
       </p:sp>
+      <p:pic>
+        <p:nvPicPr>
+          <p:cNvPr id="4" name="Picture 2" descr="Coffee PNG Transparent Images | PNG All">
+            <a:extLst>
+              <a:ext uri="{FF2B5EF4-FFF2-40B4-BE49-F238E27FC236}">
+                <a16:creationId xmlns:a16="http://schemas.microsoft.com/office/drawing/2014/main" id="{6DD72C23-E1B7-49F6-9B5D-57B5ED60B8FB}"/>
+              </a:ext>
+            </a:extLst>
+          </p:cNvPr>
+          <p:cNvPicPr>
+            <a:picLocks noChangeAspect="1" noChangeArrowheads="1"/>
+          </p:cNvPicPr>
+          <p:nvPr/>
+        </p:nvPicPr>
+        <p:blipFill>
+          <a:blip r:embed="rId13" cstate="print">
+            <a:extLst>
+              <a:ext uri="{28A0092B-C50C-407E-A947-70E740481C1C}">
+                <a14:useLocalDpi xmlns:a14="http://schemas.microsoft.com/office/drawing/2010/main" val="0"/>
+              </a:ext>
+            </a:extLst>
+          </a:blip>
+          <a:srcRect/>
+          <a:stretch>
+            <a:fillRect/>
+          </a:stretch>
+        </p:blipFill>
+        <p:spPr bwMode="auto">
+          <a:xfrm>
+            <a:off x="5385207" y="3442769"/>
+            <a:ext cx="974645" cy="713851"/>
+          </a:xfrm>
+          <a:prstGeom prst="rect">
+            <a:avLst/>
+          </a:prstGeom>
+          <a:noFill/>
+          <a:extLst>
+            <a:ext uri="{909E8E84-426E-40DD-AFC4-6F175D3DCCD1}">
+              <a14:hiddenFill xmlns:a14="http://schemas.microsoft.com/office/drawing/2010/main">
+                <a:solidFill>
+                  <a:srgbClr val="FFFFFF"/>
+                </a:solidFill>
+              </a14:hiddenFill>
+            </a:ext>
+          </a:extLst>
+        </p:spPr>
+      </p:pic>
     </p:spTree>
     <p:extLst>
       <p:ext uri="{BB962C8B-B14F-4D97-AF65-F5344CB8AC3E}">
@@ -5387,13 +5721,6 @@
   <p:clrMapOvr>
     <a:masterClrMapping/>
   </p:clrMapOvr>
-  <p:timing>
-    <p:tnLst>
-      <p:par>
-        <p:cTn id="1" dur="indefinite" restart="never" nodeType="tmRoot"/>
-      </p:par>
-    </p:tnLst>
-  </p:timing>
 </p:sld>
 </file>
 
@@ -5433,18 +5760,13 @@
           <a:p>
             <a:pPr algn="l"/>
             <a:r>
-              <a:rPr lang="ru-RU" sz="3200" smtClean="0">
+              <a:rPr lang="ru-RU" sz="3200">
                 <a:solidFill>
                   <a:srgbClr val="66FFFF"/>
                 </a:solidFill>
               </a:rPr>
               <a:t>Цели</a:t>
             </a:r>
-            <a:endParaRPr lang="ru-RU" sz="3200">
-              <a:solidFill>
-                <a:srgbClr val="66FFFF"/>
-              </a:solidFill>
-            </a:endParaRPr>
           </a:p>
         </p:txBody>
       </p:sp>
@@ -5471,16 +5793,15 @@
           <a:lstStyle/>
           <a:p>
             <a:r>
-              <a:rPr lang="ru-RU" sz="2000" smtClean="0"/>
+              <a:rPr lang="ru-RU" sz="2000"/>
               <a:t>Создать затягивающую убивалку времени</a:t>
             </a:r>
           </a:p>
           <a:p>
             <a:r>
-              <a:rPr lang="ru-RU" sz="2000" smtClean="0"/>
+              <a:rPr lang="ru-RU" sz="2000"/>
               <a:t>Без рекламы и покупок</a:t>
             </a:r>
-            <a:endParaRPr lang="ru-RU" sz="2000"/>
           </a:p>
         </p:txBody>
       </p:sp>
@@ -5662,7 +5983,7 @@
           <a:p>
             <a:pPr algn="ctr"/>
             <a:r>
-              <a:rPr lang="ru-RU" smtClean="0">
+              <a:rPr lang="ru-RU">
                 <a:solidFill>
                   <a:schemeClr val="bg1"/>
                 </a:solidFill>
@@ -5673,18 +5994,13 @@
           <a:p>
             <a:pPr algn="ctr"/>
             <a:r>
-              <a:rPr lang="ru-RU" smtClean="0">
+              <a:rPr lang="ru-RU">
                 <a:solidFill>
                   <a:schemeClr val="bg1"/>
                 </a:solidFill>
               </a:rPr>
               <a:t>всем советую</a:t>
             </a:r>
-            <a:endParaRPr lang="ru-RU">
-              <a:solidFill>
-                <a:schemeClr val="bg1"/>
-              </a:solidFill>
-            </a:endParaRPr>
           </a:p>
         </p:txBody>
       </p:sp>
@@ -5698,13 +6014,6 @@
   <p:clrMapOvr>
     <a:masterClrMapping/>
   </p:clrMapOvr>
-  <p:timing>
-    <p:tnLst>
-      <p:par>
-        <p:cTn id="1" dur="indefinite" restart="never" nodeType="tmRoot"/>
-      </p:par>
-    </p:tnLst>
-  </p:timing>
 </p:sld>
 </file>
 
@@ -5744,18 +6053,13 @@
           <a:p>
             <a:pPr algn="l"/>
             <a:r>
-              <a:rPr lang="ru-RU" sz="3200" smtClean="0">
+              <a:rPr lang="ru-RU" sz="3200">
                 <a:solidFill>
                   <a:srgbClr val="66FFFF"/>
                 </a:solidFill>
               </a:rPr>
               <a:t>Прототипы</a:t>
             </a:r>
-            <a:endParaRPr lang="ru-RU" sz="3200">
-              <a:solidFill>
-                <a:srgbClr val="66FFFF"/>
-              </a:solidFill>
-            </a:endParaRPr>
           </a:p>
         </p:txBody>
       </p:sp>
@@ -5967,7 +6271,7 @@
           <a:p>
             <a:pPr algn="ctr"/>
             <a:r>
-              <a:rPr lang="ru-RU" sz="2000" smtClean="0">
+              <a:rPr lang="ru-RU" sz="2000">
                 <a:solidFill>
                   <a:srgbClr val="FF0000"/>
                 </a:solidFill>
@@ -5975,7 +6279,7 @@
               <a:t>Не пошла: </a:t>
             </a:r>
             <a:r>
-              <a:rPr lang="en-US" sz="2000" smtClean="0">
+              <a:rPr lang="en-US" sz="2000">
                 <a:solidFill>
                   <a:srgbClr val="FF0000"/>
                 </a:solidFill>
@@ -5983,7 +6287,7 @@
               <a:t> </a:t>
             </a:r>
             <a:r>
-              <a:rPr lang="ru-RU" sz="2000" smtClean="0">
+              <a:rPr lang="ru-RU" sz="2000">
                 <a:solidFill>
                   <a:srgbClr val="FF0000"/>
                 </a:solidFill>
@@ -5991,7 +6295,7 @@
               <a:t> </a:t>
             </a:r>
             <a:r>
-              <a:rPr lang="ru-RU" sz="2000" smtClean="0"/>
+              <a:rPr lang="ru-RU" sz="2000"/>
               <a:t>идея взята из примеров</a:t>
             </a:r>
             <a:endParaRPr lang="ru-RU" sz="2000">
@@ -6012,13 +6316,6 @@
   <p:clrMapOvr>
     <a:masterClrMapping/>
   </p:clrMapOvr>
-  <p:timing>
-    <p:tnLst>
-      <p:par>
-        <p:cTn id="1" dur="indefinite" restart="never" nodeType="tmRoot"/>
-      </p:par>
-    </p:tnLst>
-  </p:timing>
 </p:sld>
 </file>
 
@@ -6058,18 +6355,13 @@
           <a:p>
             <a:pPr algn="l"/>
             <a:r>
-              <a:rPr lang="ru-RU" sz="3200" smtClean="0">
+              <a:rPr lang="ru-RU" sz="3200">
                 <a:solidFill>
                   <a:srgbClr val="66FFFF"/>
                 </a:solidFill>
               </a:rPr>
               <a:t>Прототипы</a:t>
             </a:r>
-            <a:endParaRPr lang="ru-RU" sz="3200">
-              <a:solidFill>
-                <a:srgbClr val="66FFFF"/>
-              </a:solidFill>
-            </a:endParaRPr>
           </a:p>
         </p:txBody>
       </p:sp>
@@ -6202,7 +6494,7 @@
           <a:p>
             <a:pPr algn="ctr"/>
             <a:r>
-              <a:rPr lang="ru-RU" sz="2000" smtClean="0">
+              <a:rPr lang="ru-RU" sz="2000">
                 <a:solidFill>
                   <a:srgbClr val="00FF00"/>
                 </a:solidFill>
@@ -6210,7 +6502,7 @@
               <a:t>Пошла:</a:t>
             </a:r>
             <a:r>
-              <a:rPr lang="en-US" sz="2000" smtClean="0">
+              <a:rPr lang="en-US" sz="2000">
                 <a:solidFill>
                   <a:srgbClr val="00FF00"/>
                 </a:solidFill>
@@ -6218,7 +6510,7 @@
               <a:t>  </a:t>
             </a:r>
             <a:r>
-              <a:rPr lang="ru-RU" sz="2000" smtClean="0"/>
+              <a:rPr lang="ru-RU" sz="2000"/>
               <a:t> препод сказал «кайф»</a:t>
             </a:r>
             <a:endParaRPr lang="ru-RU" sz="2000">
@@ -6336,13 +6628,6 @@
   <p:clrMapOvr>
     <a:masterClrMapping/>
   </p:clrMapOvr>
-  <p:timing>
-    <p:tnLst>
-      <p:par>
-        <p:cTn id="1" dur="indefinite" restart="never" nodeType="tmRoot"/>
-      </p:par>
-    </p:tnLst>
-  </p:timing>
 </p:sld>
 </file>
 
@@ -6382,18 +6667,13 @@
           <a:p>
             <a:pPr algn="l"/>
             <a:r>
-              <a:rPr lang="ru-RU" sz="3200" smtClean="0">
+              <a:rPr lang="ru-RU" sz="3200">
                 <a:solidFill>
                   <a:srgbClr val="66FFFF"/>
                 </a:solidFill>
               </a:rPr>
               <a:t>На чём сделана</a:t>
             </a:r>
-            <a:endParaRPr lang="ru-RU" sz="3200">
-              <a:solidFill>
-                <a:srgbClr val="66FFFF"/>
-              </a:solidFill>
-            </a:endParaRPr>
           </a:p>
         </p:txBody>
       </p:sp>
@@ -6420,27 +6700,27 @@
           <a:lstStyle/>
           <a:p>
             <a:r>
-              <a:rPr lang="ru-RU" sz="2000" smtClean="0"/>
+              <a:rPr lang="ru-RU" sz="2000"/>
               <a:t>Уйма библиотек</a:t>
             </a:r>
           </a:p>
           <a:p>
             <a:r>
-              <a:rPr lang="ru-RU" sz="2000" smtClean="0"/>
+              <a:rPr lang="ru-RU" sz="2000"/>
               <a:t>Документация, </a:t>
             </a:r>
             <a:r>
-              <a:rPr lang="en-US" sz="2000" smtClean="0"/>
+              <a:rPr lang="en-US" sz="2000"/>
               <a:t>Discord</a:t>
             </a:r>
           </a:p>
           <a:p>
             <a:r>
-              <a:rPr lang="ru-RU" sz="2000" smtClean="0"/>
+              <a:rPr lang="ru-RU" sz="2000"/>
               <a:t>Вменяемая </a:t>
             </a:r>
             <a:r>
-              <a:rPr lang="en-US" sz="2000" smtClean="0"/>
+              <a:rPr lang="en-US" sz="2000"/>
               <a:t>IDE</a:t>
             </a:r>
             <a:endParaRPr lang="ru-RU" sz="2000"/>
@@ -6657,13 +6937,6 @@
   <p:clrMapOvr>
     <a:masterClrMapping/>
   </p:clrMapOvr>
-  <p:timing>
-    <p:tnLst>
-      <p:par>
-        <p:cTn id="1" dur="indefinite" restart="never" nodeType="tmRoot"/>
-      </p:par>
-    </p:tnLst>
-  </p:timing>
 </p:sld>
 </file>
 
@@ -6703,18 +6976,13 @@
           <a:p>
             <a:pPr algn="l"/>
             <a:r>
-              <a:rPr lang="ru-RU" sz="3200" smtClean="0">
+              <a:rPr lang="ru-RU" sz="3200">
                 <a:solidFill>
                   <a:srgbClr val="66FFFF"/>
                 </a:solidFill>
               </a:rPr>
               <a:t>Как сделана</a:t>
             </a:r>
-            <a:endParaRPr lang="ru-RU" sz="3200">
-              <a:solidFill>
-                <a:srgbClr val="66FFFF"/>
-              </a:solidFill>
-            </a:endParaRPr>
           </a:p>
         </p:txBody>
       </p:sp>
@@ -6763,7 +7031,7 @@
           <a:p>
             <a:pPr algn="ctr"/>
             <a:r>
-              <a:rPr lang="en-US" smtClean="0">
+              <a:rPr lang="en-US">
                 <a:solidFill>
                   <a:schemeClr val="bg1"/>
                 </a:solidFill>
@@ -6823,7 +7091,7 @@
           <a:p>
             <a:pPr algn="ctr"/>
             <a:r>
-              <a:rPr lang="en-US" smtClean="0">
+              <a:rPr lang="en-US">
                 <a:solidFill>
                   <a:schemeClr val="bg1"/>
                 </a:solidFill>
@@ -6883,7 +7151,7 @@
           <a:p>
             <a:pPr algn="ctr"/>
             <a:r>
-              <a:rPr lang="en-US" smtClean="0">
+              <a:rPr lang="en-US">
                 <a:solidFill>
                   <a:schemeClr val="bg1"/>
                 </a:solidFill>
@@ -6943,7 +7211,7 @@
           <a:p>
             <a:pPr algn="ctr"/>
             <a:r>
-              <a:rPr lang="en-US" smtClean="0">
+              <a:rPr lang="en-US">
                 <a:solidFill>
                   <a:schemeClr val="bg1"/>
                 </a:solidFill>
@@ -7003,7 +7271,7 @@
           <a:p>
             <a:pPr algn="ctr"/>
             <a:r>
-              <a:rPr lang="en-US" smtClean="0">
+              <a:rPr lang="en-US">
                 <a:solidFill>
                   <a:schemeClr val="bg1"/>
                 </a:solidFill>
@@ -7063,7 +7331,7 @@
           <a:p>
             <a:pPr algn="ctr"/>
             <a:r>
-              <a:rPr lang="en-US" smtClean="0">
+              <a:rPr lang="en-US">
                 <a:solidFill>
                   <a:schemeClr val="bg1"/>
                 </a:solidFill>
@@ -7123,7 +7391,7 @@
           <a:p>
             <a:pPr algn="ctr"/>
             <a:r>
-              <a:rPr lang="en-US" smtClean="0">
+              <a:rPr lang="en-US">
                 <a:solidFill>
                   <a:schemeClr val="bg1"/>
                 </a:solidFill>
@@ -7183,7 +7451,7 @@
           <a:p>
             <a:pPr algn="ctr"/>
             <a:r>
-              <a:rPr lang="en-US" smtClean="0">
+              <a:rPr lang="en-US">
                 <a:solidFill>
                   <a:schemeClr val="bg1"/>
                 </a:solidFill>
@@ -7738,7 +8006,7 @@
           <a:p>
             <a:pPr algn="ctr"/>
             <a:r>
-              <a:rPr lang="en-US" sz="1100" smtClean="0">
+              <a:rPr lang="en-US" sz="1100">
                 <a:solidFill>
                   <a:schemeClr val="bg1"/>
                 </a:solidFill>
@@ -7798,7 +8066,7 @@
           <a:p>
             <a:pPr algn="ctr"/>
             <a:r>
-              <a:rPr lang="en-US" sz="1100" smtClean="0">
+              <a:rPr lang="en-US" sz="1100">
                 <a:solidFill>
                   <a:schemeClr val="bg1"/>
                 </a:solidFill>
@@ -7936,7 +8204,7 @@
           <a:p>
             <a:pPr algn="ctr"/>
             <a:r>
-              <a:rPr lang="en-US" sz="1100" smtClean="0">
+              <a:rPr lang="en-US" sz="1100">
                 <a:solidFill>
                   <a:schemeClr val="bg1"/>
                 </a:solidFill>
@@ -7999,7 +8267,7 @@
           <p:nvPr/>
         </p:nvPicPr>
         <p:blipFill>
-          <a:blip r:embed="rId2" cstate="print">
+          <a:blip r:embed="rId3" cstate="print">
             <a:extLst>
               <a:ext uri="{28A0092B-C50C-407E-A947-70E740481C1C}">
                 <a14:useLocalDpi xmlns:a14="http://schemas.microsoft.com/office/drawing/2010/main" val="0"/>
@@ -8181,7 +8449,7 @@
           <a:p>
             <a:pPr algn="ctr"/>
             <a:r>
-              <a:rPr lang="en-US" sz="1100" smtClean="0">
+              <a:rPr lang="en-US" sz="1100">
                 <a:solidFill>
                   <a:schemeClr val="bg1"/>
                 </a:solidFill>
@@ -8245,13 +8513,6 @@
   <p:clrMapOvr>
     <a:masterClrMapping/>
   </p:clrMapOvr>
-  <p:timing>
-    <p:tnLst>
-      <p:par>
-        <p:cTn id="1" dur="indefinite" restart="never" nodeType="tmRoot"/>
-      </p:par>
-    </p:tnLst>
-  </p:timing>
 </p:sld>
 </file>
 
@@ -8291,18 +8552,13 @@
           <a:p>
             <a:pPr algn="l"/>
             <a:r>
-              <a:rPr lang="ru-RU" sz="3200" smtClean="0">
+              <a:rPr lang="ru-RU" sz="3200">
                 <a:solidFill>
                   <a:srgbClr val="66FFFF"/>
                 </a:solidFill>
               </a:rPr>
               <a:t>Как выглядит</a:t>
             </a:r>
-            <a:endParaRPr lang="ru-RU" sz="3200">
-              <a:solidFill>
-                <a:srgbClr val="66FFFF"/>
-              </a:solidFill>
-            </a:endParaRPr>
           </a:p>
         </p:txBody>
       </p:sp>
@@ -8561,10 +8817,9 @@
           <a:lstStyle/>
           <a:p>
             <a:r>
-              <a:rPr lang="ru-RU" smtClean="0"/>
+              <a:rPr lang="ru-RU"/>
               <a:t>Настройки</a:t>
             </a:r>
-            <a:endParaRPr lang="ru-RU"/>
           </a:p>
         </p:txBody>
       </p:sp>
@@ -8591,10 +8846,9 @@
           <a:lstStyle/>
           <a:p>
             <a:r>
-              <a:rPr lang="ru-RU" smtClean="0"/>
+              <a:rPr lang="ru-RU"/>
               <a:t>Главное меню</a:t>
             </a:r>
-            <a:endParaRPr lang="ru-RU"/>
           </a:p>
         </p:txBody>
       </p:sp>
@@ -8621,17 +8875,16 @@
           <a:lstStyle/>
           <a:p>
             <a:r>
-              <a:rPr lang="ru-RU" smtClean="0"/>
+              <a:rPr lang="ru-RU"/>
               <a:t>Одноразовый</a:t>
             </a:r>
           </a:p>
           <a:p>
             <a:pPr algn="ctr"/>
             <a:r>
-              <a:rPr lang="ru-RU" smtClean="0"/>
+              <a:rPr lang="ru-RU"/>
               <a:t>гайд</a:t>
             </a:r>
-            <a:endParaRPr lang="ru-RU"/>
           </a:p>
         </p:txBody>
       </p:sp>
@@ -8645,13 +8898,6 @@
   <p:clrMapOvr>
     <a:masterClrMapping/>
   </p:clrMapOvr>
-  <p:timing>
-    <p:tnLst>
-      <p:par>
-        <p:cTn id="1" dur="indefinite" restart="never" nodeType="tmRoot"/>
-      </p:par>
-    </p:tnLst>
-  </p:timing>
 </p:sld>
 </file>
 
@@ -8691,18 +8937,13 @@
           <a:p>
             <a:pPr algn="l"/>
             <a:r>
-              <a:rPr lang="ru-RU" sz="3200" smtClean="0">
+              <a:rPr lang="ru-RU" sz="3200">
                 <a:solidFill>
                   <a:srgbClr val="66FFFF"/>
                 </a:solidFill>
               </a:rPr>
               <a:t>Как выглядит</a:t>
             </a:r>
-            <a:endParaRPr lang="ru-RU" sz="3200">
-              <a:solidFill>
-                <a:srgbClr val="66FFFF"/>
-              </a:solidFill>
-            </a:endParaRPr>
           </a:p>
         </p:txBody>
       </p:sp>
@@ -8715,7 +8956,7 @@
           <p:nvPr/>
         </p:nvPicPr>
         <p:blipFill>
-          <a:blip r:embed="rId2" cstate="print">
+          <a:blip r:embed="rId3" cstate="print">
             <a:extLst>
               <a:ext uri="{28A0092B-C50C-407E-A947-70E740481C1C}">
                 <a14:useLocalDpi xmlns:a14="http://schemas.microsoft.com/office/drawing/2010/main" val="0"/>
@@ -8793,10 +9034,9 @@
           <a:lstStyle/>
           <a:p>
             <a:r>
-              <a:rPr lang="ru-RU" smtClean="0"/>
+              <a:rPr lang="ru-RU"/>
               <a:t>Сама игра</a:t>
             </a:r>
-            <a:endParaRPr lang="ru-RU"/>
           </a:p>
         </p:txBody>
       </p:sp>
@@ -8823,10 +9063,9 @@
           <a:lstStyle/>
           <a:p>
             <a:r>
-              <a:rPr lang="ru-RU" smtClean="0"/>
+              <a:rPr lang="ru-RU"/>
               <a:t>Проигрыш</a:t>
             </a:r>
-            <a:endParaRPr lang="ru-RU"/>
           </a:p>
         </p:txBody>
       </p:sp>
@@ -8854,17 +9093,16 @@
           <a:p>
             <a:pPr algn="ctr"/>
             <a:r>
-              <a:rPr lang="ru-RU" smtClean="0"/>
+              <a:rPr lang="ru-RU"/>
               <a:t>Экран </a:t>
             </a:r>
           </a:p>
           <a:p>
             <a:pPr algn="ctr"/>
             <a:r>
-              <a:rPr lang="ru-RU" smtClean="0"/>
+              <a:rPr lang="ru-RU"/>
               <a:t>результатов</a:t>
             </a:r>
-            <a:endParaRPr lang="ru-RU"/>
           </a:p>
         </p:txBody>
       </p:sp>
@@ -8877,7 +9115,7 @@
           <p:nvPr/>
         </p:nvPicPr>
         <p:blipFill>
-          <a:blip r:embed="rId3" cstate="print">
+          <a:blip r:embed="rId4" cstate="print">
             <a:extLst>
               <a:ext uri="{28A0092B-C50C-407E-A947-70E740481C1C}">
                 <a14:useLocalDpi xmlns:a14="http://schemas.microsoft.com/office/drawing/2010/main" val="0"/>
@@ -8933,7 +9171,7 @@
           <p:nvPr/>
         </p:nvPicPr>
         <p:blipFill>
-          <a:blip r:embed="rId4" cstate="print">
+          <a:blip r:embed="rId5" cstate="print">
             <a:extLst>
               <a:ext uri="{28A0092B-C50C-407E-A947-70E740481C1C}">
                 <a14:useLocalDpi xmlns:a14="http://schemas.microsoft.com/office/drawing/2010/main" val="0"/>
@@ -8980,6 +9218,64 @@
           <a:extLst/>
         </p:spPr>
       </p:pic>
+      <p:pic>
+        <p:nvPicPr>
+          <p:cNvPr id="11" name="Рисунок 10">
+            <a:extLst>
+              <a:ext uri="{FF2B5EF4-FFF2-40B4-BE49-F238E27FC236}">
+                <a16:creationId xmlns:a16="http://schemas.microsoft.com/office/drawing/2014/main" id="{EEE84F5E-5B27-4BE4-8D9C-BA866746D6D1}"/>
+              </a:ext>
+            </a:extLst>
+          </p:cNvPr>
+          <p:cNvPicPr>
+            <a:picLocks noChangeAspect="1"/>
+          </p:cNvPicPr>
+          <p:nvPr/>
+        </p:nvPicPr>
+        <p:blipFill>
+          <a:blip r:embed="rId6" cstate="print">
+            <a:extLst>
+              <a:ext uri="{28A0092B-C50C-407E-A947-70E740481C1C}">
+                <a14:useLocalDpi xmlns:a14="http://schemas.microsoft.com/office/drawing/2010/main" val="0"/>
+              </a:ext>
+            </a:extLst>
+          </a:blip>
+          <a:stretch>
+            <a:fillRect/>
+          </a:stretch>
+        </p:blipFill>
+        <p:spPr>
+          <a:xfrm>
+            <a:off x="6368960" y="1417464"/>
+            <a:ext cx="1510349" cy="2736304"/>
+          </a:xfrm>
+          <a:prstGeom prst="roundRect">
+            <a:avLst>
+              <a:gd name="adj" fmla="val 4167"/>
+            </a:avLst>
+          </a:prstGeom>
+          <a:solidFill>
+            <a:srgbClr val="FFFFFF"/>
+          </a:solidFill>
+          <a:ln w="76200" cap="sq">
+            <a:solidFill>
+              <a:schemeClr val="bg1">
+                <a:lumMod val="85000"/>
+                <a:lumOff val="15000"/>
+              </a:schemeClr>
+            </a:solidFill>
+            <a:miter lim="800000"/>
+          </a:ln>
+          <a:effectLst/>
+          <a:scene3d>
+            <a:camera prst="orthographicFront"/>
+            <a:lightRig rig="threePt" dir="t"/>
+          </a:scene3d>
+          <a:sp3d>
+            <a:bevelT/>
+          </a:sp3d>
+        </p:spPr>
+      </p:pic>
     </p:spTree>
     <p:extLst>
       <p:ext uri="{BB962C8B-B14F-4D97-AF65-F5344CB8AC3E}">
@@ -8990,13 +9286,6 @@
   <p:clrMapOvr>
     <a:masterClrMapping/>
   </p:clrMapOvr>
-  <p:timing>
-    <p:tnLst>
-      <p:par>
-        <p:cTn id="1" dur="indefinite" restart="never" nodeType="tmRoot"/>
-      </p:par>
-    </p:tnLst>
-  </p:timing>
 </p:sld>
 </file>
 
@@ -9223,4 +9512,299 @@
   <a:objectDefaults/>
   <a:extraClrSchemeLst/>
 </a:theme>
+</file>
+
+<file path=ppt/theme/theme2.xml><?xml version="1.0" encoding="utf-8"?>
+<a:theme xmlns:a="http://schemas.openxmlformats.org/drawingml/2006/main" name="Тема Office">
+  <a:themeElements>
+    <a:clrScheme name="Стандартная">
+      <a:dk1>
+        <a:sysClr val="windowText" lastClr="000000"/>
+      </a:dk1>
+      <a:lt1>
+        <a:sysClr val="window" lastClr="FFFFFF"/>
+      </a:lt1>
+      <a:dk2>
+        <a:srgbClr val="44546A"/>
+      </a:dk2>
+      <a:lt2>
+        <a:srgbClr val="E7E6E6"/>
+      </a:lt2>
+      <a:accent1>
+        <a:srgbClr val="4472C4"/>
+      </a:accent1>
+      <a:accent2>
+        <a:srgbClr val="ED7D31"/>
+      </a:accent2>
+      <a:accent3>
+        <a:srgbClr val="A5A5A5"/>
+      </a:accent3>
+      <a:accent4>
+        <a:srgbClr val="FFC000"/>
+      </a:accent4>
+      <a:accent5>
+        <a:srgbClr val="5B9BD5"/>
+      </a:accent5>
+      <a:accent6>
+        <a:srgbClr val="70AD47"/>
+      </a:accent6>
+      <a:hlink>
+        <a:srgbClr val="0563C1"/>
+      </a:hlink>
+      <a:folHlink>
+        <a:srgbClr val="954F72"/>
+      </a:folHlink>
+    </a:clrScheme>
+    <a:fontScheme name="Стандартная">
+      <a:majorFont>
+        <a:latin typeface="Calibri Light" panose="020F0302020204030204"/>
+        <a:ea typeface=""/>
+        <a:cs typeface=""/>
+        <a:font script="Jpan" typeface="游ゴシック Light"/>
+        <a:font script="Hang" typeface="맑은 고딕"/>
+        <a:font script="Hans" typeface="等线 Light"/>
+        <a:font script="Hant" typeface="新細明體"/>
+        <a:font script="Arab" typeface="Times New Roman"/>
+        <a:font script="Hebr" typeface="Times New Roman"/>
+        <a:font script="Thai" typeface="Angsana New"/>
+        <a:font script="Ethi" typeface="Nyala"/>
+        <a:font script="Beng" typeface="Vrinda"/>
+        <a:font script="Gujr" typeface="Shruti"/>
+        <a:font script="Khmr" typeface="MoolBoran"/>
+        <a:font script="Knda" typeface="Tunga"/>
+        <a:font script="Guru" typeface="Raavi"/>
+        <a:font script="Cans" typeface="Euphemia"/>
+        <a:font script="Cher" typeface="Plantagenet Cherokee"/>
+        <a:font script="Yiii" typeface="Microsoft Yi Baiti"/>
+        <a:font script="Tibt" typeface="Microsoft Himalaya"/>
+        <a:font script="Thaa" typeface="MV Boli"/>
+        <a:font script="Deva" typeface="Mangal"/>
+        <a:font script="Telu" typeface="Gautami"/>
+        <a:font script="Taml" typeface="Latha"/>
+        <a:font script="Syrc" typeface="Estrangelo Edessa"/>
+        <a:font script="Orya" typeface="Kalinga"/>
+        <a:font script="Mlym" typeface="Kartika"/>
+        <a:font script="Laoo" typeface="DokChampa"/>
+        <a:font script="Sinh" typeface="Iskoola Pota"/>
+        <a:font script="Mong" typeface="Mongolian Baiti"/>
+        <a:font script="Viet" typeface="Times New Roman"/>
+        <a:font script="Uigh" typeface="Microsoft Uighur"/>
+        <a:font script="Geor" typeface="Sylfaen"/>
+        <a:font script="Armn" typeface="Arial"/>
+        <a:font script="Bugi" typeface="Leelawadee UI"/>
+        <a:font script="Bopo" typeface="Microsoft JhengHei"/>
+        <a:font script="Java" typeface="Javanese Text"/>
+        <a:font script="Lisu" typeface="Segoe UI"/>
+        <a:font script="Mymr" typeface="Myanmar Text"/>
+        <a:font script="Nkoo" typeface="Ebrima"/>
+        <a:font script="Olck" typeface="Nirmala UI"/>
+        <a:font script="Osma" typeface="Ebrima"/>
+        <a:font script="Phag" typeface="Phagspa"/>
+        <a:font script="Syrn" typeface="Estrangelo Edessa"/>
+        <a:font script="Syrj" typeface="Estrangelo Edessa"/>
+        <a:font script="Syre" typeface="Estrangelo Edessa"/>
+        <a:font script="Sora" typeface="Nirmala UI"/>
+        <a:font script="Tale" typeface="Microsoft Tai Le"/>
+        <a:font script="Talu" typeface="Microsoft New Tai Lue"/>
+        <a:font script="Tfng" typeface="Ebrima"/>
+      </a:majorFont>
+      <a:minorFont>
+        <a:latin typeface="Calibri" panose="020F0502020204030204"/>
+        <a:ea typeface=""/>
+        <a:cs typeface=""/>
+        <a:font script="Jpan" typeface="游ゴシック"/>
+        <a:font script="Hang" typeface="맑은 고딕"/>
+        <a:font script="Hans" typeface="等线"/>
+        <a:font script="Hant" typeface="新細明體"/>
+        <a:font script="Arab" typeface="Arial"/>
+        <a:font script="Hebr" typeface="Arial"/>
+        <a:font script="Thai" typeface="Cordia New"/>
+        <a:font script="Ethi" typeface="Nyala"/>
+        <a:font script="Beng" typeface="Vrinda"/>
+        <a:font script="Gujr" typeface="Shruti"/>
+        <a:font script="Khmr" typeface="DaunPenh"/>
+        <a:font script="Knda" typeface="Tunga"/>
+        <a:font script="Guru" typeface="Raavi"/>
+        <a:font script="Cans" typeface="Euphemia"/>
+        <a:font script="Cher" typeface="Plantagenet Cherokee"/>
+        <a:font script="Yiii" typeface="Microsoft Yi Baiti"/>
+        <a:font script="Tibt" typeface="Microsoft Himalaya"/>
+        <a:font script="Thaa" typeface="MV Boli"/>
+        <a:font script="Deva" typeface="Mangal"/>
+        <a:font script="Telu" typeface="Gautami"/>
+        <a:font script="Taml" typeface="Latha"/>
+        <a:font script="Syrc" typeface="Estrangelo Edessa"/>
+        <a:font script="Orya" typeface="Kalinga"/>
+        <a:font script="Mlym" typeface="Kartika"/>
+        <a:font script="Laoo" typeface="DokChampa"/>
+        <a:font script="Sinh" typeface="Iskoola Pota"/>
+        <a:font script="Mong" typeface="Mongolian Baiti"/>
+        <a:font script="Viet" typeface="Arial"/>
+        <a:font script="Uigh" typeface="Microsoft Uighur"/>
+        <a:font script="Geor" typeface="Sylfaen"/>
+        <a:font script="Armn" typeface="Arial"/>
+        <a:font script="Bugi" typeface="Leelawadee UI"/>
+        <a:font script="Bopo" typeface="Microsoft JhengHei"/>
+        <a:font script="Java" typeface="Javanese Text"/>
+        <a:font script="Lisu" typeface="Segoe UI"/>
+        <a:font script="Mymr" typeface="Myanmar Text"/>
+        <a:font script="Nkoo" typeface="Ebrima"/>
+        <a:font script="Olck" typeface="Nirmala UI"/>
+        <a:font script="Osma" typeface="Ebrima"/>
+        <a:font script="Phag" typeface="Phagspa"/>
+        <a:font script="Syrn" typeface="Estrangelo Edessa"/>
+        <a:font script="Syrj" typeface="Estrangelo Edessa"/>
+        <a:font script="Syre" typeface="Estrangelo Edessa"/>
+        <a:font script="Sora" typeface="Nirmala UI"/>
+        <a:font script="Tale" typeface="Microsoft Tai Le"/>
+        <a:font script="Talu" typeface="Microsoft New Tai Lue"/>
+        <a:font script="Tfng" typeface="Ebrima"/>
+      </a:minorFont>
+    </a:fontScheme>
+    <a:fmtScheme name="Стандартная">
+      <a:fillStyleLst>
+        <a:solidFill>
+          <a:schemeClr val="phClr"/>
+        </a:solidFill>
+        <a:gradFill rotWithShape="1">
+          <a:gsLst>
+            <a:gs pos="0">
+              <a:schemeClr val="phClr">
+                <a:lumMod val="110000"/>
+                <a:satMod val="105000"/>
+                <a:tint val="67000"/>
+              </a:schemeClr>
+            </a:gs>
+            <a:gs pos="50000">
+              <a:schemeClr val="phClr">
+                <a:lumMod val="105000"/>
+                <a:satMod val="103000"/>
+                <a:tint val="73000"/>
+              </a:schemeClr>
+            </a:gs>
+            <a:gs pos="100000">
+              <a:schemeClr val="phClr">
+                <a:lumMod val="105000"/>
+                <a:satMod val="109000"/>
+                <a:tint val="81000"/>
+              </a:schemeClr>
+            </a:gs>
+          </a:gsLst>
+          <a:lin ang="5400000" scaled="0"/>
+        </a:gradFill>
+        <a:gradFill rotWithShape="1">
+          <a:gsLst>
+            <a:gs pos="0">
+              <a:schemeClr val="phClr">
+                <a:satMod val="103000"/>
+                <a:lumMod val="102000"/>
+                <a:tint val="94000"/>
+              </a:schemeClr>
+            </a:gs>
+            <a:gs pos="50000">
+              <a:schemeClr val="phClr">
+                <a:satMod val="110000"/>
+                <a:lumMod val="100000"/>
+                <a:shade val="100000"/>
+              </a:schemeClr>
+            </a:gs>
+            <a:gs pos="100000">
+              <a:schemeClr val="phClr">
+                <a:lumMod val="99000"/>
+                <a:satMod val="120000"/>
+                <a:shade val="78000"/>
+              </a:schemeClr>
+            </a:gs>
+          </a:gsLst>
+          <a:lin ang="5400000" scaled="0"/>
+        </a:gradFill>
+      </a:fillStyleLst>
+      <a:lnStyleLst>
+        <a:ln w="6350" cap="flat" cmpd="sng" algn="ctr">
+          <a:solidFill>
+            <a:schemeClr val="phClr"/>
+          </a:solidFill>
+          <a:prstDash val="solid"/>
+          <a:miter lim="800000"/>
+        </a:ln>
+        <a:ln w="12700" cap="flat" cmpd="sng" algn="ctr">
+          <a:solidFill>
+            <a:schemeClr val="phClr"/>
+          </a:solidFill>
+          <a:prstDash val="solid"/>
+          <a:miter lim="800000"/>
+        </a:ln>
+        <a:ln w="19050" cap="flat" cmpd="sng" algn="ctr">
+          <a:solidFill>
+            <a:schemeClr val="phClr"/>
+          </a:solidFill>
+          <a:prstDash val="solid"/>
+          <a:miter lim="800000"/>
+        </a:ln>
+      </a:lnStyleLst>
+      <a:effectStyleLst>
+        <a:effectStyle>
+          <a:effectLst/>
+        </a:effectStyle>
+        <a:effectStyle>
+          <a:effectLst/>
+        </a:effectStyle>
+        <a:effectStyle>
+          <a:effectLst>
+            <a:outerShdw blurRad="57150" dist="19050" dir="5400000" algn="ctr" rotWithShape="0">
+              <a:srgbClr val="000000">
+                <a:alpha val="63000"/>
+              </a:srgbClr>
+            </a:outerShdw>
+          </a:effectLst>
+        </a:effectStyle>
+      </a:effectStyleLst>
+      <a:bgFillStyleLst>
+        <a:solidFill>
+          <a:schemeClr val="phClr"/>
+        </a:solidFill>
+        <a:solidFill>
+          <a:schemeClr val="phClr">
+            <a:tint val="95000"/>
+            <a:satMod val="170000"/>
+          </a:schemeClr>
+        </a:solidFill>
+        <a:gradFill rotWithShape="1">
+          <a:gsLst>
+            <a:gs pos="0">
+              <a:schemeClr val="phClr">
+                <a:tint val="93000"/>
+                <a:satMod val="150000"/>
+                <a:shade val="98000"/>
+                <a:lumMod val="102000"/>
+              </a:schemeClr>
+            </a:gs>
+            <a:gs pos="50000">
+              <a:schemeClr val="phClr">
+                <a:tint val="98000"/>
+                <a:satMod val="130000"/>
+                <a:shade val="90000"/>
+                <a:lumMod val="103000"/>
+              </a:schemeClr>
+            </a:gs>
+            <a:gs pos="100000">
+              <a:schemeClr val="phClr">
+                <a:shade val="63000"/>
+                <a:satMod val="120000"/>
+              </a:schemeClr>
+            </a:gs>
+          </a:gsLst>
+          <a:lin ang="5400000" scaled="0"/>
+        </a:gradFill>
+      </a:bgFillStyleLst>
+    </a:fmtScheme>
+  </a:themeElements>
+  <a:objectDefaults/>
+  <a:extraClrSchemeLst/>
+  <a:extLst>
+    <a:ext uri="{05A4C25C-085E-4340-85A3-A5531E510DB2}">
+      <thm15:themeFamily xmlns:thm15="http://schemas.microsoft.com/office/thememl/2012/main" name="Office Theme" id="{62F939B6-93AF-4DB8-9C6B-D6C7DFDC589F}" vid="{4A3C46E8-61CC-4603-A589-7422A47A8E4A}"/>
+    </a:ext>
+  </a:extLst>
+</a:theme>
 </file>
--- a/trjr.pptx
+++ b/trjr.pptx
@@ -11,12 +11,12 @@
     <p:sldId id="256" r:id="rId2"/>
     <p:sldId id="257" r:id="rId3"/>
     <p:sldId id="258" r:id="rId4"/>
-    <p:sldId id="260" r:id="rId5"/>
-    <p:sldId id="261" r:id="rId6"/>
-    <p:sldId id="259" r:id="rId7"/>
-    <p:sldId id="262" r:id="rId8"/>
-    <p:sldId id="263" r:id="rId9"/>
-    <p:sldId id="264" r:id="rId10"/>
+    <p:sldId id="269" r:id="rId5"/>
+    <p:sldId id="259" r:id="rId6"/>
+    <p:sldId id="262" r:id="rId7"/>
+    <p:sldId id="263" r:id="rId8"/>
+    <p:sldId id="264" r:id="rId9"/>
+    <p:sldId id="270" r:id="rId10"/>
     <p:sldId id="266" r:id="rId11"/>
     <p:sldId id="267" r:id="rId12"/>
     <p:sldId id="268" r:id="rId13"/>
@@ -120,7 +120,7 @@
   </p:defaultTextStyle>
   <p:extLst>
     <p:ext uri="{EFAFB233-063F-42B5-8137-9DF3F51BA10A}">
-      <p15:sldGuideLst xmlns:p15="http://schemas.microsoft.com/office/powerpoint/2012/main">
+      <p15:sldGuideLst xmlns:p15="http://schemas.microsoft.com/office/powerpoint/2012/main" xmlns="">
         <p15:guide id="1" orient="horz" pos="1620">
           <p15:clr>
             <a:srgbClr val="A4A3A4"/>
@@ -219,7 +219,7 @@
           <a:p>
             <a:fld id="{CB0F38E5-0B20-4F1C-938E-621F67937C58}" type="datetimeFigureOut">
               <a:rPr lang="ru-RU" smtClean="0"/>
-              <a:t>28.04.2021</a:t>
+              <a:t>13.05.2021</a:t>
             </a:fld>
             <a:endParaRPr lang="ru-RU"/>
           </a:p>
@@ -505,6 +505,614 @@
       </p:grpSpPr>
       <p:sp>
         <p:nvSpPr>
+          <p:cNvPr id="2" name="Slide Image Placeholder 1"/>
+          <p:cNvSpPr>
+            <a:spLocks noGrp="1" noRot="1" noChangeAspect="1"/>
+          </p:cNvSpPr>
+          <p:nvPr>
+            <p:ph type="sldImg"/>
+          </p:nvPr>
+        </p:nvSpPr>
+        <p:spPr/>
+      </p:sp>
+      <p:sp>
+        <p:nvSpPr>
+          <p:cNvPr id="3" name="Notes Placeholder 2"/>
+          <p:cNvSpPr>
+            <a:spLocks noGrp="1"/>
+          </p:cNvSpPr>
+          <p:nvPr>
+            <p:ph type="body" idx="1"/>
+          </p:nvPr>
+        </p:nvSpPr>
+        <p:spPr/>
+        <p:txBody>
+          <a:bodyPr/>
+          <a:lstStyle/>
+          <a:p>
+            <a:r>
+              <a:rPr lang="ru-RU" smtClean="0"/>
+              <a:t>Здравствуйте,</a:t>
+            </a:r>
+            <a:r>
+              <a:rPr lang="ru-RU" baseline="0" smtClean="0"/>
+              <a:t> меня зовут Лапутин Станислав, и я представляю свой проект – игру под названем </a:t>
+            </a:r>
+            <a:r>
+              <a:rPr lang="en-US" baseline="0" smtClean="0"/>
+              <a:t>Trance Journey.</a:t>
+            </a:r>
+            <a:endParaRPr lang="ru-RU"/>
+          </a:p>
+        </p:txBody>
+      </p:sp>
+      <p:sp>
+        <p:nvSpPr>
+          <p:cNvPr id="4" name="Slide Number Placeholder 3"/>
+          <p:cNvSpPr>
+            <a:spLocks noGrp="1"/>
+          </p:cNvSpPr>
+          <p:nvPr>
+            <p:ph type="sldNum" sz="quarter" idx="10"/>
+          </p:nvPr>
+        </p:nvSpPr>
+        <p:spPr/>
+        <p:txBody>
+          <a:bodyPr/>
+          <a:lstStyle/>
+          <a:p>
+            <a:fld id="{C46CACF8-0B57-4309-A89D-3207156BD671}" type="slidenum">
+              <a:rPr lang="ru-RU" smtClean="0"/>
+              <a:t>1</a:t>
+            </a:fld>
+            <a:endParaRPr lang="ru-RU"/>
+          </a:p>
+        </p:txBody>
+      </p:sp>
+    </p:spTree>
+    <p:extLst>
+      <p:ext uri="{BB962C8B-B14F-4D97-AF65-F5344CB8AC3E}">
+        <p14:creationId xmlns:p14="http://schemas.microsoft.com/office/powerpoint/2010/main" val="1889982157"/>
+      </p:ext>
+    </p:extLst>
+  </p:cSld>
+  <p:clrMapOvr>
+    <a:masterClrMapping/>
+  </p:clrMapOvr>
+</p:notes>
+</file>
+
+<file path=ppt/notesSlides/notesSlide10.xml><?xml version="1.0" encoding="utf-8"?>
+<p:notes xmlns:a="http://schemas.openxmlformats.org/drawingml/2006/main" xmlns:r="http://schemas.openxmlformats.org/officeDocument/2006/relationships" xmlns:p="http://schemas.openxmlformats.org/presentationml/2006/main">
+  <p:cSld>
+    <p:spTree>
+      <p:nvGrpSpPr>
+        <p:cNvPr id="1" name=""/>
+        <p:cNvGrpSpPr/>
+        <p:nvPr/>
+      </p:nvGrpSpPr>
+      <p:grpSpPr>
+        <a:xfrm>
+          <a:off x="0" y="0"/>
+          <a:ext cx="0" cy="0"/>
+          <a:chOff x="0" y="0"/>
+          <a:chExt cx="0" cy="0"/>
+        </a:xfrm>
+      </p:grpSpPr>
+      <p:sp>
+        <p:nvSpPr>
+          <p:cNvPr id="2" name="Slide Image Placeholder 1"/>
+          <p:cNvSpPr>
+            <a:spLocks noGrp="1" noRot="1" noChangeAspect="1"/>
+          </p:cNvSpPr>
+          <p:nvPr>
+            <p:ph type="sldImg"/>
+          </p:nvPr>
+        </p:nvSpPr>
+        <p:spPr/>
+      </p:sp>
+      <p:sp>
+        <p:nvSpPr>
+          <p:cNvPr id="3" name="Notes Placeholder 2"/>
+          <p:cNvSpPr>
+            <a:spLocks noGrp="1"/>
+          </p:cNvSpPr>
+          <p:nvPr>
+            <p:ph type="body" idx="1"/>
+          </p:nvPr>
+        </p:nvSpPr>
+        <p:spPr/>
+        <p:txBody>
+          <a:bodyPr/>
+          <a:lstStyle/>
+          <a:p>
+            <a:r>
+              <a:rPr lang="ru-RU" smtClean="0"/>
+              <a:t>В итоге я </a:t>
+            </a:r>
+            <a:endParaRPr lang="ru-RU"/>
+          </a:p>
+        </p:txBody>
+      </p:sp>
+      <p:sp>
+        <p:nvSpPr>
+          <p:cNvPr id="4" name="Slide Number Placeholder 3"/>
+          <p:cNvSpPr>
+            <a:spLocks noGrp="1"/>
+          </p:cNvSpPr>
+          <p:nvPr>
+            <p:ph type="sldNum" sz="quarter" idx="10"/>
+          </p:nvPr>
+        </p:nvSpPr>
+        <p:spPr/>
+        <p:txBody>
+          <a:bodyPr/>
+          <a:lstStyle/>
+          <a:p>
+            <a:fld id="{C46CACF8-0B57-4309-A89D-3207156BD671}" type="slidenum">
+              <a:rPr lang="ru-RU" smtClean="0"/>
+              <a:t>10</a:t>
+            </a:fld>
+            <a:endParaRPr lang="ru-RU"/>
+          </a:p>
+        </p:txBody>
+      </p:sp>
+    </p:spTree>
+    <p:extLst>
+      <p:ext uri="{BB962C8B-B14F-4D97-AF65-F5344CB8AC3E}">
+        <p14:creationId xmlns:p14="http://schemas.microsoft.com/office/powerpoint/2010/main" val="2156679425"/>
+      </p:ext>
+    </p:extLst>
+  </p:cSld>
+  <p:clrMapOvr>
+    <a:masterClrMapping/>
+  </p:clrMapOvr>
+</p:notes>
+</file>
+
+<file path=ppt/notesSlides/notesSlide2.xml><?xml version="1.0" encoding="utf-8"?>
+<p:notes xmlns:a="http://schemas.openxmlformats.org/drawingml/2006/main" xmlns:r="http://schemas.openxmlformats.org/officeDocument/2006/relationships" xmlns:p="http://schemas.openxmlformats.org/presentationml/2006/main">
+  <p:cSld>
+    <p:spTree>
+      <p:nvGrpSpPr>
+        <p:cNvPr id="1" name=""/>
+        <p:cNvGrpSpPr/>
+        <p:nvPr/>
+      </p:nvGrpSpPr>
+      <p:grpSpPr>
+        <a:xfrm>
+          <a:off x="0" y="0"/>
+          <a:ext cx="0" cy="0"/>
+          <a:chOff x="0" y="0"/>
+          <a:chExt cx="0" cy="0"/>
+        </a:xfrm>
+      </p:grpSpPr>
+      <p:sp>
+        <p:nvSpPr>
+          <p:cNvPr id="2" name="Slide Image Placeholder 1"/>
+          <p:cNvSpPr>
+            <a:spLocks noGrp="1" noRot="1" noChangeAspect="1"/>
+          </p:cNvSpPr>
+          <p:nvPr>
+            <p:ph type="sldImg"/>
+          </p:nvPr>
+        </p:nvSpPr>
+        <p:spPr/>
+      </p:sp>
+      <p:sp>
+        <p:nvSpPr>
+          <p:cNvPr id="3" name="Notes Placeholder 2"/>
+          <p:cNvSpPr>
+            <a:spLocks noGrp="1"/>
+          </p:cNvSpPr>
+          <p:nvPr>
+            <p:ph type="body" idx="1"/>
+          </p:nvPr>
+        </p:nvSpPr>
+        <p:spPr/>
+        <p:txBody>
+          <a:bodyPr/>
+          <a:lstStyle/>
+          <a:p>
+            <a:r>
+              <a:rPr lang="ru-RU" smtClean="0"/>
+              <a:t>В последнее время магазины приложений типа </a:t>
+            </a:r>
+            <a:r>
+              <a:rPr lang="en-US" smtClean="0"/>
+              <a:t>Google Play </a:t>
+            </a:r>
+            <a:r>
+              <a:rPr lang="ru-RU" smtClean="0"/>
+              <a:t>забиты играми, которые основаны на идеях других</a:t>
+            </a:r>
+            <a:r>
+              <a:rPr lang="ru-RU" baseline="0" smtClean="0"/>
+              <a:t> – то есть много плагиата. Причём не то что плагиат – но и игры из которых взяли идею – имеют неприятную особенность, а именно чрезмерное количество рекламы и покупок для каких-либо игровых бонусов, которые впоследствии себя не оправдают. По собственному опыту, те игры, которые я нашёл действительно затягивающими, хорошими и интересными – так это те, что просто не показывали рекламу. И даже если такая игра предлагает какие-то покупки, то покупка типа «купи мне чашку кофе» никак не понижает качество игры.</a:t>
+            </a:r>
+            <a:endParaRPr lang="ru-RU"/>
+          </a:p>
+        </p:txBody>
+      </p:sp>
+      <p:sp>
+        <p:nvSpPr>
+          <p:cNvPr id="4" name="Slide Number Placeholder 3"/>
+          <p:cNvSpPr>
+            <a:spLocks noGrp="1"/>
+          </p:cNvSpPr>
+          <p:nvPr>
+            <p:ph type="sldNum" sz="quarter" idx="10"/>
+          </p:nvPr>
+        </p:nvSpPr>
+        <p:spPr/>
+        <p:txBody>
+          <a:bodyPr/>
+          <a:lstStyle/>
+          <a:p>
+            <a:fld id="{C46CACF8-0B57-4309-A89D-3207156BD671}" type="slidenum">
+              <a:rPr lang="ru-RU" smtClean="0"/>
+              <a:t>2</a:t>
+            </a:fld>
+            <a:endParaRPr lang="ru-RU"/>
+          </a:p>
+        </p:txBody>
+      </p:sp>
+    </p:spTree>
+    <p:extLst>
+      <p:ext uri="{BB962C8B-B14F-4D97-AF65-F5344CB8AC3E}">
+        <p14:creationId xmlns:p14="http://schemas.microsoft.com/office/powerpoint/2010/main" val="4288674142"/>
+      </p:ext>
+    </p:extLst>
+  </p:cSld>
+  <p:clrMapOvr>
+    <a:masterClrMapping/>
+  </p:clrMapOvr>
+</p:notes>
+</file>
+
+<file path=ppt/notesSlides/notesSlide3.xml><?xml version="1.0" encoding="utf-8"?>
+<p:notes xmlns:a="http://schemas.openxmlformats.org/drawingml/2006/main" xmlns:r="http://schemas.openxmlformats.org/officeDocument/2006/relationships" xmlns:p="http://schemas.openxmlformats.org/presentationml/2006/main">
+  <p:cSld>
+    <p:spTree>
+      <p:nvGrpSpPr>
+        <p:cNvPr id="1" name=""/>
+        <p:cNvGrpSpPr/>
+        <p:nvPr/>
+      </p:nvGrpSpPr>
+      <p:grpSpPr>
+        <a:xfrm>
+          <a:off x="0" y="0"/>
+          <a:ext cx="0" cy="0"/>
+          <a:chOff x="0" y="0"/>
+          <a:chExt cx="0" cy="0"/>
+        </a:xfrm>
+      </p:grpSpPr>
+      <p:sp>
+        <p:nvSpPr>
+          <p:cNvPr id="2" name="Slide Image Placeholder 1"/>
+          <p:cNvSpPr>
+            <a:spLocks noGrp="1" noRot="1" noChangeAspect="1"/>
+          </p:cNvSpPr>
+          <p:nvPr>
+            <p:ph type="sldImg"/>
+          </p:nvPr>
+        </p:nvSpPr>
+        <p:spPr/>
+      </p:sp>
+      <p:sp>
+        <p:nvSpPr>
+          <p:cNvPr id="3" name="Notes Placeholder 2"/>
+          <p:cNvSpPr>
+            <a:spLocks noGrp="1"/>
+          </p:cNvSpPr>
+          <p:nvPr>
+            <p:ph type="body" idx="1"/>
+          </p:nvPr>
+        </p:nvSpPr>
+        <p:spPr/>
+        <p:txBody>
+          <a:bodyPr/>
+          <a:lstStyle/>
+          <a:p>
+            <a:r>
+              <a:rPr lang="ru-RU" smtClean="0"/>
+              <a:t>Поступив на этот курс, я почувствовал</a:t>
+            </a:r>
+            <a:r>
+              <a:rPr lang="ru-RU" baseline="0" smtClean="0"/>
+              <a:t>, что можеть быть, смогу и сам сделать такую игру, которую даже мне было бы приятно играть, и поставил себе такую цель.</a:t>
+            </a:r>
+            <a:endParaRPr lang="ru-RU"/>
+          </a:p>
+        </p:txBody>
+      </p:sp>
+      <p:sp>
+        <p:nvSpPr>
+          <p:cNvPr id="4" name="Slide Number Placeholder 3"/>
+          <p:cNvSpPr>
+            <a:spLocks noGrp="1"/>
+          </p:cNvSpPr>
+          <p:nvPr>
+            <p:ph type="sldNum" sz="quarter" idx="10"/>
+          </p:nvPr>
+        </p:nvSpPr>
+        <p:spPr/>
+        <p:txBody>
+          <a:bodyPr/>
+          <a:lstStyle/>
+          <a:p>
+            <a:fld id="{C46CACF8-0B57-4309-A89D-3207156BD671}" type="slidenum">
+              <a:rPr lang="ru-RU" smtClean="0"/>
+              <a:t>3</a:t>
+            </a:fld>
+            <a:endParaRPr lang="ru-RU"/>
+          </a:p>
+        </p:txBody>
+      </p:sp>
+    </p:spTree>
+    <p:extLst>
+      <p:ext uri="{BB962C8B-B14F-4D97-AF65-F5344CB8AC3E}">
+        <p14:creationId xmlns:p14="http://schemas.microsoft.com/office/powerpoint/2010/main" val="3147581071"/>
+      </p:ext>
+    </p:extLst>
+  </p:cSld>
+  <p:clrMapOvr>
+    <a:masterClrMapping/>
+  </p:clrMapOvr>
+</p:notes>
+</file>
+
+<file path=ppt/notesSlides/notesSlide4.xml><?xml version="1.0" encoding="utf-8"?>
+<p:notes xmlns:a="http://schemas.openxmlformats.org/drawingml/2006/main" xmlns:r="http://schemas.openxmlformats.org/officeDocument/2006/relationships" xmlns:p="http://schemas.openxmlformats.org/presentationml/2006/main">
+  <p:cSld>
+    <p:spTree>
+      <p:nvGrpSpPr>
+        <p:cNvPr id="1" name=""/>
+        <p:cNvGrpSpPr/>
+        <p:nvPr/>
+      </p:nvGrpSpPr>
+      <p:grpSpPr>
+        <a:xfrm>
+          <a:off x="0" y="0"/>
+          <a:ext cx="0" cy="0"/>
+          <a:chOff x="0" y="0"/>
+          <a:chExt cx="0" cy="0"/>
+        </a:xfrm>
+      </p:grpSpPr>
+      <p:sp>
+        <p:nvSpPr>
+          <p:cNvPr id="2" name="Slide Image Placeholder 1"/>
+          <p:cNvSpPr>
+            <a:spLocks noGrp="1" noRot="1" noChangeAspect="1"/>
+          </p:cNvSpPr>
+          <p:nvPr>
+            <p:ph type="sldImg"/>
+          </p:nvPr>
+        </p:nvSpPr>
+        <p:spPr/>
+      </p:sp>
+      <p:sp>
+        <p:nvSpPr>
+          <p:cNvPr id="3" name="Notes Placeholder 2"/>
+          <p:cNvSpPr>
+            <a:spLocks noGrp="1"/>
+          </p:cNvSpPr>
+          <p:nvPr>
+            <p:ph type="body" idx="1"/>
+          </p:nvPr>
+        </p:nvSpPr>
+        <p:spPr/>
+        <p:txBody>
+          <a:bodyPr/>
+          <a:lstStyle/>
+          <a:p>
+            <a:r>
+              <a:rPr lang="ru-RU" smtClean="0"/>
+              <a:t>Первоначальная идея нарисовалась</a:t>
+            </a:r>
+            <a:r>
+              <a:rPr lang="ru-RU" baseline="0" smtClean="0"/>
+              <a:t> весьма быстро – игрок должен водить по экрану пальцем, управляя треугольником, и уводя его от падающих на него препятствий. Впоследствии эта идея дорабатывалась, совершенствовалась, и на данный момент игра выглядит примерно так – то есть идея мало как изменилась.</a:t>
+            </a:r>
+            <a:endParaRPr lang="ru-RU"/>
+          </a:p>
+        </p:txBody>
+      </p:sp>
+      <p:sp>
+        <p:nvSpPr>
+          <p:cNvPr id="4" name="Slide Number Placeholder 3"/>
+          <p:cNvSpPr>
+            <a:spLocks noGrp="1"/>
+          </p:cNvSpPr>
+          <p:nvPr>
+            <p:ph type="sldNum" sz="quarter" idx="10"/>
+          </p:nvPr>
+        </p:nvSpPr>
+        <p:spPr/>
+        <p:txBody>
+          <a:bodyPr/>
+          <a:lstStyle/>
+          <a:p>
+            <a:fld id="{C46CACF8-0B57-4309-A89D-3207156BD671}" type="slidenum">
+              <a:rPr lang="ru-RU" smtClean="0"/>
+              <a:t>4</a:t>
+            </a:fld>
+            <a:endParaRPr lang="ru-RU"/>
+          </a:p>
+        </p:txBody>
+      </p:sp>
+    </p:spTree>
+    <p:extLst>
+      <p:ext uri="{BB962C8B-B14F-4D97-AF65-F5344CB8AC3E}">
+        <p14:creationId xmlns:p14="http://schemas.microsoft.com/office/powerpoint/2010/main" val="1707988783"/>
+      </p:ext>
+    </p:extLst>
+  </p:cSld>
+  <p:clrMapOvr>
+    <a:masterClrMapping/>
+  </p:clrMapOvr>
+</p:notes>
+</file>
+
+<file path=ppt/notesSlides/notesSlide5.xml><?xml version="1.0" encoding="utf-8"?>
+<p:notes xmlns:a="http://schemas.openxmlformats.org/drawingml/2006/main" xmlns:r="http://schemas.openxmlformats.org/officeDocument/2006/relationships" xmlns:p="http://schemas.openxmlformats.org/presentationml/2006/main">
+  <p:cSld>
+    <p:spTree>
+      <p:nvGrpSpPr>
+        <p:cNvPr id="1" name=""/>
+        <p:cNvGrpSpPr/>
+        <p:nvPr/>
+      </p:nvGrpSpPr>
+      <p:grpSpPr>
+        <a:xfrm>
+          <a:off x="0" y="0"/>
+          <a:ext cx="0" cy="0"/>
+          <a:chOff x="0" y="0"/>
+          <a:chExt cx="0" cy="0"/>
+        </a:xfrm>
+      </p:grpSpPr>
+      <p:sp>
+        <p:nvSpPr>
+          <p:cNvPr id="2" name="Slide Image Placeholder 1"/>
+          <p:cNvSpPr>
+            <a:spLocks noGrp="1" noRot="1" noChangeAspect="1"/>
+          </p:cNvSpPr>
+          <p:nvPr>
+            <p:ph type="sldImg"/>
+          </p:nvPr>
+        </p:nvSpPr>
+        <p:spPr/>
+      </p:sp>
+      <p:sp>
+        <p:nvSpPr>
+          <p:cNvPr id="3" name="Notes Placeholder 2"/>
+          <p:cNvSpPr>
+            <a:spLocks noGrp="1"/>
+          </p:cNvSpPr>
+          <p:nvPr>
+            <p:ph type="body" idx="1"/>
+          </p:nvPr>
+        </p:nvSpPr>
+        <p:spPr/>
+        <p:txBody>
+          <a:bodyPr/>
+          <a:lstStyle/>
+          <a:p>
+            <a:r>
+              <a:rPr lang="ru-RU" smtClean="0"/>
+              <a:t>По рекомендации моего преподавателя для воплощения этой игры в реальность я использовал совокупность библиотек для </a:t>
+            </a:r>
+            <a:r>
+              <a:rPr lang="en-US" smtClean="0"/>
+              <a:t>Java</a:t>
+            </a:r>
+            <a:r>
+              <a:rPr lang="ru-RU" smtClean="0"/>
+              <a:t>,</a:t>
+            </a:r>
+            <a:r>
+              <a:rPr lang="ru-RU" baseline="0" smtClean="0"/>
+              <a:t> которая называется </a:t>
+            </a:r>
+            <a:r>
+              <a:rPr lang="en-US" baseline="0" smtClean="0"/>
+              <a:t>LibGDX.</a:t>
+            </a:r>
+            <a:r>
+              <a:rPr lang="ru-RU" baseline="0" smtClean="0"/>
+              <a:t> В ней есть библиотеки и для разработки </a:t>
+            </a:r>
+            <a:r>
+              <a:rPr lang="en-US" baseline="0" smtClean="0"/>
+              <a:t>3D-</a:t>
+            </a:r>
+            <a:r>
+              <a:rPr lang="ru-RU" baseline="0" smtClean="0"/>
+              <a:t>игр, и </a:t>
+            </a:r>
+            <a:r>
+              <a:rPr lang="en-US" baseline="0" smtClean="0"/>
+              <a:t>2D-</a:t>
+            </a:r>
+            <a:r>
+              <a:rPr lang="ru-RU" baseline="0" smtClean="0"/>
+              <a:t>платформеров, шутеров, аркад и интерфейса к ним, и много для чего ещё. Лично я нашёл её сравнительно простой в освоении, и примерно за полтора месяца слепил с её помощью игру. Для непосредственно ввода кода я использовал программу </a:t>
+            </a:r>
+            <a:r>
+              <a:rPr lang="en-US" baseline="0" smtClean="0"/>
+              <a:t>Android Studio</a:t>
+            </a:r>
+            <a:r>
+              <a:rPr lang="ru-RU" baseline="0" smtClean="0"/>
+              <a:t>, так как она находится в активной разработке, удобна в использовании, и предоставляет функционал эмулятора смартфона. И для рисования текстур, таких как названий экранов и кнопок я использовал </a:t>
+            </a:r>
+            <a:r>
+              <a:rPr lang="en-US" baseline="0" smtClean="0"/>
+              <a:t>paint.net,</a:t>
+            </a:r>
+            <a:r>
+              <a:rPr lang="ru-RU" baseline="0" smtClean="0"/>
+              <a:t> так как по функционалу она сходна с фотошопом, но в отличие от него, бесплатна.</a:t>
+            </a:r>
+            <a:endParaRPr lang="ru-RU"/>
+          </a:p>
+        </p:txBody>
+      </p:sp>
+      <p:sp>
+        <p:nvSpPr>
+          <p:cNvPr id="4" name="Slide Number Placeholder 3"/>
+          <p:cNvSpPr>
+            <a:spLocks noGrp="1"/>
+          </p:cNvSpPr>
+          <p:nvPr>
+            <p:ph type="sldNum" sz="quarter" idx="10"/>
+          </p:nvPr>
+        </p:nvSpPr>
+        <p:spPr/>
+        <p:txBody>
+          <a:bodyPr/>
+          <a:lstStyle/>
+          <a:p>
+            <a:fld id="{C46CACF8-0B57-4309-A89D-3207156BD671}" type="slidenum">
+              <a:rPr lang="ru-RU" smtClean="0"/>
+              <a:t>5</a:t>
+            </a:fld>
+            <a:endParaRPr lang="ru-RU"/>
+          </a:p>
+        </p:txBody>
+      </p:sp>
+    </p:spTree>
+    <p:extLst>
+      <p:ext uri="{BB962C8B-B14F-4D97-AF65-F5344CB8AC3E}">
+        <p14:creationId xmlns:p14="http://schemas.microsoft.com/office/powerpoint/2010/main" val="3826148005"/>
+      </p:ext>
+    </p:extLst>
+  </p:cSld>
+  <p:clrMapOvr>
+    <a:masterClrMapping/>
+  </p:clrMapOvr>
+</p:notes>
+</file>
+
+<file path=ppt/notesSlides/notesSlide6.xml><?xml version="1.0" encoding="utf-8"?>
+<p:notes xmlns:a="http://schemas.openxmlformats.org/drawingml/2006/main" xmlns:r="http://schemas.openxmlformats.org/officeDocument/2006/relationships" xmlns:p="http://schemas.openxmlformats.org/presentationml/2006/main">
+  <p:cSld>
+    <p:spTree>
+      <p:nvGrpSpPr>
+        <p:cNvPr id="1" name=""/>
+        <p:cNvGrpSpPr/>
+        <p:nvPr/>
+      </p:nvGrpSpPr>
+      <p:grpSpPr>
+        <a:xfrm>
+          <a:off x="0" y="0"/>
+          <a:ext cx="0" cy="0"/>
+          <a:chOff x="0" y="0"/>
+          <a:chExt cx="0" cy="0"/>
+        </a:xfrm>
+      </p:grpSpPr>
+      <p:sp>
+        <p:nvSpPr>
           <p:cNvPr id="2" name="Образ слайда 1"/>
           <p:cNvSpPr>
             <a:spLocks noGrp="1" noRot="1" noChangeAspect="1"/>
@@ -531,8 +1139,52 @@
           <a:lstStyle/>
           <a:p>
             <a:r>
-              <a:rPr lang="en-US" dirty="0"/>
-              <a:t>TODO: Shop screen not implemented yet</a:t>
+              <a:rPr lang="ru-RU" smtClean="0"/>
+              <a:t>Ну а вот таким образом устроен интерфейс. В классе-фундаменте </a:t>
+            </a:r>
+            <a:r>
+              <a:rPr lang="en-US" smtClean="0"/>
+              <a:t>Foundation </a:t>
+            </a:r>
+            <a:r>
+              <a:rPr lang="ru-RU" smtClean="0"/>
+              <a:t>изначально прогружаются через класс </a:t>
+            </a:r>
+            <a:r>
+              <a:rPr lang="en-US" smtClean="0"/>
+              <a:t>Assets </a:t>
+            </a:r>
+            <a:r>
+              <a:rPr lang="ru-RU" smtClean="0"/>
+              <a:t>музыка, звуки и текстуры.</a:t>
+            </a:r>
+            <a:r>
+              <a:rPr lang="ru-RU" baseline="0" smtClean="0"/>
+              <a:t> В самом же классе создаются шрифты для интерфейса и позже используются буквально на каждом экране. После того, как всё это прогрузилось, происходит переход на титульный экран игры, </a:t>
+            </a:r>
+            <a:r>
+              <a:rPr lang="en-US" baseline="0" smtClean="0"/>
+              <a:t>MainScreen. </a:t>
+            </a:r>
+            <a:r>
+              <a:rPr lang="ru-RU" baseline="0" smtClean="0"/>
+              <a:t>С этого экрана можно перейти к экранам настроек, статистики, доски лидеров, титрам, выбора сложности, и непосредственно к экрану игры. Причём при первом запуске игра попросит вас ввести никнейм, а сама на фоне загружает все имеющиеся никнеймы на доске лидеров чтобы проверить, совпадает ли ваш с каким-нибудь на доске. После того как вы подобрали себе никнейм, вас перекинет на экран обучения, на котором объясняется, как играть и что нужно делать. После того как вы сыграете один раунд, эти экраны больше не появятся. На экране </a:t>
+            </a:r>
+            <a:r>
+              <a:rPr lang="en-US" baseline="0" smtClean="0"/>
+              <a:t>GameScreen </a:t>
+            </a:r>
+            <a:r>
+              <a:rPr lang="ru-RU" baseline="0" smtClean="0"/>
+              <a:t>проходит сам игровой процесс – постоянно обновляется время, позиция треугольника и препятствий, где и происходит их отрисовка. Класс этого экрана использует соответственные классы треугольника и препятствий. При столкновении треугольника с препятствием появляется экран окончания игры, на котором на фоне отправляется ваш рекорд, если это действительно рекорд. С него можно обратно перейти на экран игры или вернуться на титульный. В большинстве экранов используется класс </a:t>
+            </a:r>
+            <a:r>
+              <a:rPr lang="en-US" baseline="0" smtClean="0"/>
+              <a:t>Settings, </a:t>
+            </a:r>
+            <a:r>
+              <a:rPr lang="ru-RU" baseline="0" smtClean="0"/>
+              <a:t>который отвечает за обновление, хранение и возвращение различных настроек и параметров необходимых для нормального функционирования игры. </a:t>
             </a:r>
             <a:endParaRPr lang="ru-RU" dirty="0"/>
           </a:p>
@@ -555,7 +1207,7 @@
           <a:p>
             <a:fld id="{C46CACF8-0B57-4309-A89D-3207156BD671}" type="slidenum">
               <a:rPr lang="ru-RU" smtClean="0"/>
-              <a:t>7</a:t>
+              <a:t>6</a:t>
             </a:fld>
             <a:endParaRPr lang="ru-RU"/>
           </a:p>
@@ -574,7 +1226,183 @@
 </p:notes>
 </file>
 
-<file path=ppt/notesSlides/notesSlide2.xml><?xml version="1.0" encoding="utf-8"?>
+<file path=ppt/notesSlides/notesSlide7.xml><?xml version="1.0" encoding="utf-8"?>
+<p:notes xmlns:a="http://schemas.openxmlformats.org/drawingml/2006/main" xmlns:r="http://schemas.openxmlformats.org/officeDocument/2006/relationships" xmlns:p="http://schemas.openxmlformats.org/presentationml/2006/main">
+  <p:cSld>
+    <p:spTree>
+      <p:nvGrpSpPr>
+        <p:cNvPr id="1" name=""/>
+        <p:cNvGrpSpPr/>
+        <p:nvPr/>
+      </p:nvGrpSpPr>
+      <p:grpSpPr>
+        <a:xfrm>
+          <a:off x="0" y="0"/>
+          <a:ext cx="0" cy="0"/>
+          <a:chOff x="0" y="0"/>
+          <a:chExt cx="0" cy="0"/>
+        </a:xfrm>
+      </p:grpSpPr>
+      <p:sp>
+        <p:nvSpPr>
+          <p:cNvPr id="2" name="Slide Image Placeholder 1"/>
+          <p:cNvSpPr>
+            <a:spLocks noGrp="1" noRot="1" noChangeAspect="1"/>
+          </p:cNvSpPr>
+          <p:nvPr>
+            <p:ph type="sldImg"/>
+          </p:nvPr>
+        </p:nvSpPr>
+        <p:spPr/>
+      </p:sp>
+      <p:sp>
+        <p:nvSpPr>
+          <p:cNvPr id="3" name="Notes Placeholder 2"/>
+          <p:cNvSpPr>
+            <a:spLocks noGrp="1"/>
+          </p:cNvSpPr>
+          <p:nvPr>
+            <p:ph type="body" idx="1"/>
+          </p:nvPr>
+        </p:nvSpPr>
+        <p:spPr/>
+        <p:txBody>
+          <a:bodyPr/>
+          <a:lstStyle/>
+          <a:p>
+            <a:r>
+              <a:rPr lang="ru-RU" smtClean="0"/>
+              <a:t>Ну</a:t>
+            </a:r>
+            <a:r>
+              <a:rPr lang="ru-RU" baseline="0" smtClean="0"/>
+              <a:t> и вот как выглядят эти экраны.</a:t>
+            </a:r>
+            <a:endParaRPr lang="ru-RU"/>
+          </a:p>
+        </p:txBody>
+      </p:sp>
+      <p:sp>
+        <p:nvSpPr>
+          <p:cNvPr id="4" name="Slide Number Placeholder 3"/>
+          <p:cNvSpPr>
+            <a:spLocks noGrp="1"/>
+          </p:cNvSpPr>
+          <p:nvPr>
+            <p:ph type="sldNum" sz="quarter" idx="10"/>
+          </p:nvPr>
+        </p:nvSpPr>
+        <p:spPr/>
+        <p:txBody>
+          <a:bodyPr/>
+          <a:lstStyle/>
+          <a:p>
+            <a:fld id="{C46CACF8-0B57-4309-A89D-3207156BD671}" type="slidenum">
+              <a:rPr lang="ru-RU" smtClean="0"/>
+              <a:t>7</a:t>
+            </a:fld>
+            <a:endParaRPr lang="ru-RU"/>
+          </a:p>
+        </p:txBody>
+      </p:sp>
+    </p:spTree>
+    <p:extLst>
+      <p:ext uri="{BB962C8B-B14F-4D97-AF65-F5344CB8AC3E}">
+        <p14:creationId xmlns:p14="http://schemas.microsoft.com/office/powerpoint/2010/main" val="3575361742"/>
+      </p:ext>
+    </p:extLst>
+  </p:cSld>
+  <p:clrMapOvr>
+    <a:masterClrMapping/>
+  </p:clrMapOvr>
+</p:notes>
+</file>
+
+<file path=ppt/notesSlides/notesSlide8.xml><?xml version="1.0" encoding="utf-8"?>
+<p:notes xmlns:a="http://schemas.openxmlformats.org/drawingml/2006/main" xmlns:r="http://schemas.openxmlformats.org/officeDocument/2006/relationships" xmlns:p="http://schemas.openxmlformats.org/presentationml/2006/main">
+  <p:cSld>
+    <p:spTree>
+      <p:nvGrpSpPr>
+        <p:cNvPr id="1" name=""/>
+        <p:cNvGrpSpPr/>
+        <p:nvPr/>
+      </p:nvGrpSpPr>
+      <p:grpSpPr>
+        <a:xfrm>
+          <a:off x="0" y="0"/>
+          <a:ext cx="0" cy="0"/>
+          <a:chOff x="0" y="0"/>
+          <a:chExt cx="0" cy="0"/>
+        </a:xfrm>
+      </p:grpSpPr>
+      <p:sp>
+        <p:nvSpPr>
+          <p:cNvPr id="2" name="Образ слайда 1"/>
+          <p:cNvSpPr>
+            <a:spLocks noGrp="1" noRot="1" noChangeAspect="1"/>
+          </p:cNvSpPr>
+          <p:nvPr>
+            <p:ph type="sldImg"/>
+          </p:nvPr>
+        </p:nvSpPr>
+        <p:spPr/>
+      </p:sp>
+      <p:sp>
+        <p:nvSpPr>
+          <p:cNvPr id="3" name="Заметки 2"/>
+          <p:cNvSpPr>
+            <a:spLocks noGrp="1"/>
+          </p:cNvSpPr>
+          <p:nvPr>
+            <p:ph type="body" idx="1"/>
+          </p:nvPr>
+        </p:nvSpPr>
+        <p:spPr/>
+        <p:txBody>
+          <a:bodyPr/>
+          <a:lstStyle/>
+          <a:p>
+            <a:endParaRPr lang="ru-RU" dirty="0"/>
+          </a:p>
+        </p:txBody>
+      </p:sp>
+      <p:sp>
+        <p:nvSpPr>
+          <p:cNvPr id="4" name="Номер слайда 3"/>
+          <p:cNvSpPr>
+            <a:spLocks noGrp="1"/>
+          </p:cNvSpPr>
+          <p:nvPr>
+            <p:ph type="sldNum" sz="quarter" idx="5"/>
+          </p:nvPr>
+        </p:nvSpPr>
+        <p:spPr/>
+        <p:txBody>
+          <a:bodyPr/>
+          <a:lstStyle/>
+          <a:p>
+            <a:fld id="{C46CACF8-0B57-4309-A89D-3207156BD671}" type="slidenum">
+              <a:rPr lang="ru-RU" smtClean="0"/>
+              <a:t>8</a:t>
+            </a:fld>
+            <a:endParaRPr lang="ru-RU"/>
+          </a:p>
+        </p:txBody>
+      </p:sp>
+    </p:spTree>
+    <p:extLst>
+      <p:ext uri="{BB962C8B-B14F-4D97-AF65-F5344CB8AC3E}">
+        <p14:creationId xmlns:p14="http://schemas.microsoft.com/office/powerpoint/2010/main" val="3617734989"/>
+      </p:ext>
+    </p:extLst>
+  </p:cSld>
+  <p:clrMapOvr>
+    <a:masterClrMapping/>
+  </p:clrMapOvr>
+</p:notes>
+</file>
+
+<file path=ppt/notesSlides/notesSlide9.xml><?xml version="1.0" encoding="utf-8"?>
 <p:notes xmlns:a="http://schemas.openxmlformats.org/drawingml/2006/main" xmlns:r="http://schemas.openxmlformats.org/officeDocument/2006/relationships" xmlns:p="http://schemas.openxmlformats.org/presentationml/2006/main">
   <p:cSld>
     <p:spTree>
@@ -839,7 +1667,7 @@
           <a:p>
             <a:fld id="{F0EE7724-7823-4826-8C76-C9FB60324DDB}" type="datetimeFigureOut">
               <a:rPr lang="ru-RU" smtClean="0"/>
-              <a:t>28.04.2021</a:t>
+              <a:t>13.05.2021</a:t>
             </a:fld>
             <a:endParaRPr lang="ru-RU"/>
           </a:p>
@@ -1009,7 +1837,7 @@
           <a:p>
             <a:fld id="{F0EE7724-7823-4826-8C76-C9FB60324DDB}" type="datetimeFigureOut">
               <a:rPr lang="ru-RU" smtClean="0"/>
-              <a:t>28.04.2021</a:t>
+              <a:t>13.05.2021</a:t>
             </a:fld>
             <a:endParaRPr lang="ru-RU"/>
           </a:p>
@@ -1189,7 +2017,7 @@
           <a:p>
             <a:fld id="{F0EE7724-7823-4826-8C76-C9FB60324DDB}" type="datetimeFigureOut">
               <a:rPr lang="ru-RU" smtClean="0"/>
-              <a:t>28.04.2021</a:t>
+              <a:t>13.05.2021</a:t>
             </a:fld>
             <a:endParaRPr lang="ru-RU"/>
           </a:p>
@@ -1359,7 +2187,7 @@
           <a:p>
             <a:fld id="{F0EE7724-7823-4826-8C76-C9FB60324DDB}" type="datetimeFigureOut">
               <a:rPr lang="ru-RU" smtClean="0"/>
-              <a:t>28.04.2021</a:t>
+              <a:t>13.05.2021</a:t>
             </a:fld>
             <a:endParaRPr lang="ru-RU"/>
           </a:p>
@@ -1605,7 +2433,7 @@
           <a:p>
             <a:fld id="{F0EE7724-7823-4826-8C76-C9FB60324DDB}" type="datetimeFigureOut">
               <a:rPr lang="ru-RU" smtClean="0"/>
-              <a:t>28.04.2021</a:t>
+              <a:t>13.05.2021</a:t>
             </a:fld>
             <a:endParaRPr lang="ru-RU"/>
           </a:p>
@@ -1893,7 +2721,7 @@
           <a:p>
             <a:fld id="{F0EE7724-7823-4826-8C76-C9FB60324DDB}" type="datetimeFigureOut">
               <a:rPr lang="ru-RU" smtClean="0"/>
-              <a:t>28.04.2021</a:t>
+              <a:t>13.05.2021</a:t>
             </a:fld>
             <a:endParaRPr lang="ru-RU"/>
           </a:p>
@@ -2315,7 +3143,7 @@
           <a:p>
             <a:fld id="{F0EE7724-7823-4826-8C76-C9FB60324DDB}" type="datetimeFigureOut">
               <a:rPr lang="ru-RU" smtClean="0"/>
-              <a:t>28.04.2021</a:t>
+              <a:t>13.05.2021</a:t>
             </a:fld>
             <a:endParaRPr lang="ru-RU"/>
           </a:p>
@@ -2433,7 +3261,7 @@
           <a:p>
             <a:fld id="{F0EE7724-7823-4826-8C76-C9FB60324DDB}" type="datetimeFigureOut">
               <a:rPr lang="ru-RU" smtClean="0"/>
-              <a:t>28.04.2021</a:t>
+              <a:t>13.05.2021</a:t>
             </a:fld>
             <a:endParaRPr lang="ru-RU"/>
           </a:p>
@@ -2528,7 +3356,7 @@
           <a:p>
             <a:fld id="{F0EE7724-7823-4826-8C76-C9FB60324DDB}" type="datetimeFigureOut">
               <a:rPr lang="ru-RU" smtClean="0"/>
-              <a:t>28.04.2021</a:t>
+              <a:t>13.05.2021</a:t>
             </a:fld>
             <a:endParaRPr lang="ru-RU"/>
           </a:p>
@@ -2805,7 +3633,7 @@
           <a:p>
             <a:fld id="{F0EE7724-7823-4826-8C76-C9FB60324DDB}" type="datetimeFigureOut">
               <a:rPr lang="ru-RU" smtClean="0"/>
-              <a:t>28.04.2021</a:t>
+              <a:t>13.05.2021</a:t>
             </a:fld>
             <a:endParaRPr lang="ru-RU"/>
           </a:p>
@@ -3058,7 +3886,7 @@
           <a:p>
             <a:fld id="{F0EE7724-7823-4826-8C76-C9FB60324DDB}" type="datetimeFigureOut">
               <a:rPr lang="ru-RU" smtClean="0"/>
-              <a:t>28.04.2021</a:t>
+              <a:t>13.05.2021</a:t>
             </a:fld>
             <a:endParaRPr lang="ru-RU"/>
           </a:p>
@@ -3271,7 +4099,7 @@
           <a:p>
             <a:fld id="{F0EE7724-7823-4826-8C76-C9FB60324DDB}" type="datetimeFigureOut">
               <a:rPr lang="ru-RU" smtClean="0"/>
-              <a:t>28.04.2021</a:t>
+              <a:t>13.05.2021</a:t>
             </a:fld>
             <a:endParaRPr lang="ru-RU"/>
           </a:p>
@@ -3738,202 +4566,6 @@
           </a:p>
         </p:txBody>
       </p:sp>
-      <p:sp>
-        <p:nvSpPr>
-          <p:cNvPr id="5" name="Isosceles Triangle 4"/>
-          <p:cNvSpPr/>
-          <p:nvPr/>
-        </p:nvSpPr>
-        <p:spPr>
-          <a:xfrm flipH="1">
-            <a:off x="7130925" y="3806834"/>
-            <a:ext cx="366736" cy="316152"/>
-          </a:xfrm>
-          <a:prstGeom prst="triangle">
-            <a:avLst/>
-          </a:prstGeom>
-          <a:solidFill>
-            <a:schemeClr val="tx1">
-              <a:lumMod val="50000"/>
-            </a:schemeClr>
-          </a:solidFill>
-          <a:ln>
-            <a:solidFill>
-              <a:schemeClr val="tx1">
-                <a:lumMod val="50000"/>
-              </a:schemeClr>
-            </a:solidFill>
-          </a:ln>
-        </p:spPr>
-        <p:style>
-          <a:lnRef idx="2">
-            <a:schemeClr val="accent1">
-              <a:shade val="50000"/>
-            </a:schemeClr>
-          </a:lnRef>
-          <a:fillRef idx="1">
-            <a:schemeClr val="accent1"/>
-          </a:fillRef>
-          <a:effectRef idx="0">
-            <a:schemeClr val="accent1"/>
-          </a:effectRef>
-          <a:fontRef idx="minor">
-            <a:schemeClr val="lt1"/>
-          </a:fontRef>
-        </p:style>
-        <p:txBody>
-          <a:bodyPr rtlCol="0" anchor="ctr"/>
-          <a:lstStyle/>
-          <a:p>
-            <a:pPr algn="ctr"/>
-            <a:endParaRPr lang="ru-RU"/>
-          </a:p>
-        </p:txBody>
-      </p:sp>
-      <p:sp>
-        <p:nvSpPr>
-          <p:cNvPr id="6" name="Rectangle 5"/>
-          <p:cNvSpPr/>
-          <p:nvPr/>
-        </p:nvSpPr>
-        <p:spPr>
-          <a:xfrm flipH="1">
-            <a:off x="7130926" y="1275606"/>
-            <a:ext cx="366737" cy="1558686"/>
-          </a:xfrm>
-          <a:prstGeom prst="rect">
-            <a:avLst/>
-          </a:prstGeom>
-          <a:solidFill>
-            <a:schemeClr val="tx1"/>
-          </a:solidFill>
-          <a:ln>
-            <a:solidFill>
-              <a:schemeClr val="tx1"/>
-            </a:solidFill>
-          </a:ln>
-        </p:spPr>
-        <p:style>
-          <a:lnRef idx="2">
-            <a:schemeClr val="accent1">
-              <a:shade val="50000"/>
-            </a:schemeClr>
-          </a:lnRef>
-          <a:fillRef idx="1">
-            <a:schemeClr val="accent1"/>
-          </a:fillRef>
-          <a:effectRef idx="0">
-            <a:schemeClr val="accent1"/>
-          </a:effectRef>
-          <a:fontRef idx="minor">
-            <a:schemeClr val="lt1"/>
-          </a:fontRef>
-        </p:style>
-        <p:txBody>
-          <a:bodyPr rtlCol="0" anchor="ctr"/>
-          <a:lstStyle/>
-          <a:p>
-            <a:pPr algn="ctr"/>
-            <a:endParaRPr lang="ru-RU"/>
-          </a:p>
-        </p:txBody>
-      </p:sp>
-      <p:sp>
-        <p:nvSpPr>
-          <p:cNvPr id="7" name="Rectangle 6"/>
-          <p:cNvSpPr/>
-          <p:nvPr/>
-        </p:nvSpPr>
-        <p:spPr>
-          <a:xfrm flipH="1">
-            <a:off x="6340145" y="1275606"/>
-            <a:ext cx="366737" cy="1558686"/>
-          </a:xfrm>
-          <a:prstGeom prst="rect">
-            <a:avLst/>
-          </a:prstGeom>
-          <a:solidFill>
-            <a:schemeClr val="tx1"/>
-          </a:solidFill>
-          <a:ln>
-            <a:solidFill>
-              <a:schemeClr val="tx1"/>
-            </a:solidFill>
-          </a:ln>
-        </p:spPr>
-        <p:style>
-          <a:lnRef idx="2">
-            <a:schemeClr val="accent1">
-              <a:shade val="50000"/>
-            </a:schemeClr>
-          </a:lnRef>
-          <a:fillRef idx="1">
-            <a:schemeClr val="accent1"/>
-          </a:fillRef>
-          <a:effectRef idx="0">
-            <a:schemeClr val="accent1"/>
-          </a:effectRef>
-          <a:fontRef idx="minor">
-            <a:schemeClr val="lt1"/>
-          </a:fontRef>
-        </p:style>
-        <p:txBody>
-          <a:bodyPr rtlCol="0" anchor="ctr"/>
-          <a:lstStyle/>
-          <a:p>
-            <a:pPr algn="ctr"/>
-            <a:endParaRPr lang="ru-RU"/>
-          </a:p>
-        </p:txBody>
-      </p:sp>
-      <p:sp>
-        <p:nvSpPr>
-          <p:cNvPr id="8" name="Rectangle 7"/>
-          <p:cNvSpPr/>
-          <p:nvPr/>
-        </p:nvSpPr>
-        <p:spPr>
-          <a:xfrm flipH="1">
-            <a:off x="7948304" y="1275606"/>
-            <a:ext cx="366737" cy="1558686"/>
-          </a:xfrm>
-          <a:prstGeom prst="rect">
-            <a:avLst/>
-          </a:prstGeom>
-          <a:solidFill>
-            <a:schemeClr val="tx1"/>
-          </a:solidFill>
-          <a:ln>
-            <a:solidFill>
-              <a:schemeClr val="tx1"/>
-            </a:solidFill>
-          </a:ln>
-        </p:spPr>
-        <p:style>
-          <a:lnRef idx="2">
-            <a:schemeClr val="accent1">
-              <a:shade val="50000"/>
-            </a:schemeClr>
-          </a:lnRef>
-          <a:fillRef idx="1">
-            <a:schemeClr val="accent1"/>
-          </a:fillRef>
-          <a:effectRef idx="0">
-            <a:schemeClr val="accent1"/>
-          </a:effectRef>
-          <a:fontRef idx="minor">
-            <a:schemeClr val="lt1"/>
-          </a:fontRef>
-        </p:style>
-        <p:txBody>
-          <a:bodyPr rtlCol="0" anchor="ctr"/>
-          <a:lstStyle/>
-          <a:p>
-            <a:pPr algn="ctr"/>
-            <a:endParaRPr lang="ru-RU"/>
-          </a:p>
-        </p:txBody>
-      </p:sp>
       <p:pic>
         <p:nvPicPr>
           <p:cNvPr id="1026" name="Picture 2"/>
@@ -3943,7 +4575,7 @@
           <p:nvPr/>
         </p:nvPicPr>
         <p:blipFill>
-          <a:blip r:embed="rId2" cstate="print">
+          <a:blip r:embed="rId3" cstate="print">
             <a:extLst>
               <a:ext uri="{28A0092B-C50C-407E-A947-70E740481C1C}">
                 <a14:useLocalDpi xmlns:a14="http://schemas.microsoft.com/office/drawing/2010/main" val="0"/>
@@ -3998,106 +4630,6 @@
           </a:extLst>
         </p:spPr>
       </p:pic>
-      <p:sp>
-        <p:nvSpPr>
-          <p:cNvPr id="11" name="Isosceles Triangle 10"/>
-          <p:cNvSpPr/>
-          <p:nvPr/>
-        </p:nvSpPr>
-        <p:spPr>
-          <a:xfrm flipH="1">
-            <a:off x="7321495" y="3806834"/>
-            <a:ext cx="366736" cy="316152"/>
-          </a:xfrm>
-          <a:prstGeom prst="triangle">
-            <a:avLst/>
-          </a:prstGeom>
-          <a:solidFill>
-            <a:schemeClr val="tx1">
-              <a:lumMod val="85000"/>
-            </a:schemeClr>
-          </a:solidFill>
-          <a:ln>
-            <a:solidFill>
-              <a:schemeClr val="tx1">
-                <a:lumMod val="85000"/>
-              </a:schemeClr>
-            </a:solidFill>
-          </a:ln>
-        </p:spPr>
-        <p:style>
-          <a:lnRef idx="2">
-            <a:schemeClr val="accent1">
-              <a:shade val="50000"/>
-            </a:schemeClr>
-          </a:lnRef>
-          <a:fillRef idx="1">
-            <a:schemeClr val="accent1"/>
-          </a:fillRef>
-          <a:effectRef idx="0">
-            <a:schemeClr val="accent1"/>
-          </a:effectRef>
-          <a:fontRef idx="minor">
-            <a:schemeClr val="lt1"/>
-          </a:fontRef>
-        </p:style>
-        <p:txBody>
-          <a:bodyPr rtlCol="0" anchor="ctr"/>
-          <a:lstStyle/>
-          <a:p>
-            <a:pPr algn="ctr"/>
-            <a:endParaRPr lang="ru-RU"/>
-          </a:p>
-        </p:txBody>
-      </p:sp>
-      <p:sp>
-        <p:nvSpPr>
-          <p:cNvPr id="12" name="Isosceles Triangle 11"/>
-          <p:cNvSpPr/>
-          <p:nvPr/>
-        </p:nvSpPr>
-        <p:spPr>
-          <a:xfrm flipH="1">
-            <a:off x="7519196" y="3806834"/>
-            <a:ext cx="366736" cy="316152"/>
-          </a:xfrm>
-          <a:prstGeom prst="triangle">
-            <a:avLst/>
-          </a:prstGeom>
-          <a:solidFill>
-            <a:schemeClr val="tx1"/>
-          </a:solidFill>
-          <a:ln>
-            <a:solidFill>
-              <a:schemeClr val="tx1"/>
-            </a:solidFill>
-          </a:ln>
-        </p:spPr>
-        <p:style>
-          <a:lnRef idx="2">
-            <a:schemeClr val="accent1">
-              <a:shade val="50000"/>
-            </a:schemeClr>
-          </a:lnRef>
-          <a:fillRef idx="1">
-            <a:schemeClr val="accent1"/>
-          </a:fillRef>
-          <a:effectRef idx="0">
-            <a:schemeClr val="accent1"/>
-          </a:effectRef>
-          <a:fontRef idx="minor">
-            <a:schemeClr val="lt1"/>
-          </a:fontRef>
-        </p:style>
-        <p:txBody>
-          <a:bodyPr rtlCol="0" anchor="ctr"/>
-          <a:lstStyle/>
-          <a:p>
-            <a:pPr algn="ctr"/>
-            <a:endParaRPr lang="ru-RU"/>
-          </a:p>
-        </p:txBody>
-      </p:sp>
     </p:spTree>
     <p:extLst>
       <p:ext uri="{BB962C8B-B14F-4D97-AF65-F5344CB8AC3E}">
@@ -4108,6 +4640,13 @@
   <p:clrMapOvr>
     <a:masterClrMapping/>
   </p:clrMapOvr>
+  <p:timing>
+    <p:tnLst>
+      <p:par>
+        <p:cTn id="1" dur="indefinite" restart="never" nodeType="tmRoot"/>
+      </p:par>
+    </p:tnLst>
+  </p:timing>
 </p:sld>
 </file>
 
@@ -4169,7 +4708,7 @@
         </p:nvSpPr>
         <p:spPr>
           <a:xfrm>
-            <a:off x="457200" y="1635647"/>
+            <a:off x="467544" y="1635646"/>
             <a:ext cx="8229600" cy="2958976"/>
           </a:xfrm>
         </p:spPr>
@@ -4209,99 +4748,92 @@
               <a:buNone/>
             </a:pPr>
             <a:r>
-              <a:rPr lang="ru-RU" sz="2000">
+              <a:rPr lang="ru-RU" sz="2000" smtClean="0">
                 <a:solidFill>
                   <a:srgbClr val="00FF00"/>
                 </a:solidFill>
               </a:rPr>
-              <a:t>+   Саундтрек по </a:t>
-            </a:r>
-            <a:r>
-              <a:rPr lang="en-US" sz="2000">
-                <a:solidFill>
-                  <a:srgbClr val="00FF00"/>
-                </a:solidFill>
-              </a:rPr>
-              <a:t>CC-BY-SA</a:t>
-            </a:r>
-            <a:endParaRPr lang="ru-RU" sz="2000">
+              <a:t>+   Есть онлайн-функционал</a:t>
+            </a:r>
+          </a:p>
+          <a:p>
+            <a:pPr marL="0" indent="0">
+              <a:buNone/>
+            </a:pPr>
+            <a:endParaRPr lang="ru-RU" sz="2000" smtClean="0">
               <a:solidFill>
                 <a:srgbClr val="00FF00"/>
               </a:solidFill>
             </a:endParaRPr>
           </a:p>
           <a:p>
-            <a:pPr marL="0" indent="0">
-              <a:buNone/>
-            </a:pPr>
-            <a:endParaRPr lang="ru-RU" sz="2000">
-              <a:solidFill>
-                <a:srgbClr val="00FF00"/>
-              </a:solidFill>
-            </a:endParaRPr>
-          </a:p>
-          <a:p>
             <a:pPr>
               <a:buFontTx/>
               <a:buChar char="-"/>
             </a:pPr>
+            <a:r>
+              <a:rPr lang="ru-RU" sz="2000" smtClean="0">
+                <a:solidFill>
+                  <a:srgbClr val="FF0000"/>
+                </a:solidFill>
+              </a:rPr>
+              <a:t>Большой вес</a:t>
+            </a:r>
+            <a:r>
+              <a:rPr lang="en-US" sz="2000" smtClean="0">
+                <a:solidFill>
+                  <a:srgbClr val="FF0000"/>
+                </a:solidFill>
+              </a:rPr>
+              <a:t> (40 </a:t>
+            </a:r>
+            <a:r>
+              <a:rPr lang="ru-RU" sz="2000" smtClean="0">
+                <a:solidFill>
+                  <a:srgbClr val="FF0000"/>
+                </a:solidFill>
+              </a:rPr>
+              <a:t>МБ)</a:t>
+            </a:r>
+            <a:endParaRPr lang="ru-RU" sz="2000">
+              <a:solidFill>
+                <a:srgbClr val="FF0000"/>
+              </a:solidFill>
+            </a:endParaRPr>
+          </a:p>
+          <a:p>
+            <a:pPr>
+              <a:buFontTx/>
+              <a:buChar char="-"/>
+            </a:pPr>
+            <a:r>
+              <a:rPr lang="ru-RU" sz="2000" smtClean="0">
+                <a:solidFill>
+                  <a:srgbClr val="FF0000"/>
+                </a:solidFill>
+              </a:rPr>
+              <a:t>Плохая </a:t>
+            </a:r>
             <a:r>
               <a:rPr lang="ru-RU" sz="2000">
                 <a:solidFill>
                   <a:srgbClr val="FF0000"/>
                 </a:solidFill>
               </a:rPr>
-              <a:t>Большой вес</a:t>
-            </a:r>
-          </a:p>
-          <a:p>
-            <a:pPr>
-              <a:buFontTx/>
-              <a:buChar char="-"/>
-            </a:pPr>
-            <a:r>
-              <a:rPr lang="ru-RU" sz="2000">
+              <a:t>поддержка узких </a:t>
+            </a:r>
+            <a:r>
+              <a:rPr lang="ru-RU" sz="2000" smtClean="0">
                 <a:solidFill>
                   <a:srgbClr val="FF0000"/>
                 </a:solidFill>
               </a:rPr>
-              <a:t>Мало свистелок</a:t>
-            </a:r>
-            <a:r>
-              <a:rPr lang="en-US" sz="2000">
-                <a:solidFill>
-                  <a:srgbClr val="FF0000"/>
-                </a:solidFill>
-              </a:rPr>
-              <a:t>/</a:t>
-            </a:r>
-            <a:r>
-              <a:rPr lang="ru-RU" sz="2000">
-                <a:solidFill>
-                  <a:srgbClr val="FF0000"/>
-                </a:solidFill>
-              </a:rPr>
-              <a:t>эффектов</a:t>
-            </a:r>
-          </a:p>
-          <a:p>
-            <a:pPr>
-              <a:buFontTx/>
-              <a:buChar char="-"/>
-            </a:pPr>
-            <a:r>
-              <a:rPr lang="ru-RU" sz="2000">
-                <a:solidFill>
-                  <a:srgbClr val="FF0000"/>
-                </a:solidFill>
-              </a:rPr>
-              <a:t>Плохая поддержка узких экранов</a:t>
-            </a:r>
-          </a:p>
-          <a:p>
-            <a:pPr>
-              <a:buFontTx/>
-              <a:buChar char="-"/>
+              <a:t>экранов</a:t>
+            </a:r>
+          </a:p>
+          <a:p>
+            <a:pPr marL="0" indent="0">
+              <a:buNone/>
             </a:pPr>
             <a:endParaRPr lang="ru-RU" sz="2000">
               <a:solidFill>
@@ -4330,7 +4862,7 @@
           <p:nvPr/>
         </p:nvPicPr>
         <p:blipFill>
-          <a:blip r:embed="rId2" cstate="print">
+          <a:blip r:embed="rId3" cstate="print">
             <a:extLst>
               <a:ext uri="{28A0092B-C50C-407E-A947-70E740481C1C}">
                 <a14:useLocalDpi xmlns:a14="http://schemas.microsoft.com/office/drawing/2010/main" val="0"/>
@@ -4395,6 +4927,13 @@
   <p:clrMapOvr>
     <a:masterClrMapping/>
   </p:clrMapOvr>
+  <p:timing>
+    <p:tnLst>
+      <p:par>
+        <p:cTn id="1" dur="indefinite" restart="never" nodeType="tmRoot"/>
+      </p:par>
+    </p:tnLst>
+  </p:timing>
 </p:sld>
 </file>
 
@@ -4467,7 +5006,7 @@
         </p:blipFill>
         <p:spPr bwMode="auto">
           <a:xfrm>
-            <a:off x="4860032" y="1635646"/>
+            <a:off x="2987824" y="1635646"/>
             <a:ext cx="2929186" cy="2245971"/>
           </a:xfrm>
           <a:prstGeom prst="rect">
@@ -4485,16 +5024,52 @@
           </a:extLst>
         </p:spPr>
       </p:pic>
+      <p:sp>
+        <p:nvSpPr>
+          <p:cNvPr id="4" name="TextBox 3"/>
+          <p:cNvSpPr txBox="1"/>
+          <p:nvPr/>
+        </p:nvSpPr>
+        <p:spPr>
+          <a:xfrm>
+            <a:off x="3102560" y="3557090"/>
+            <a:ext cx="2699713" cy="307777"/>
+          </a:xfrm>
+          <a:prstGeom prst="rect">
+            <a:avLst/>
+          </a:prstGeom>
+          <a:noFill/>
+        </p:spPr>
+        <p:txBody>
+          <a:bodyPr wrap="none" rtlCol="0">
+            <a:spAutoFit/>
+          </a:bodyPr>
+          <a:lstStyle/>
+          <a:p>
+            <a:r>
+              <a:rPr lang="en-US" sz="1400">
+                <a:latin typeface="Times New Roman" panose="02020603050405020304" pitchFamily="18" charset="0"/>
+                <a:cs typeface="Times New Roman" panose="02020603050405020304" pitchFamily="18" charset="0"/>
+              </a:rPr>
+              <a:t>Why shouldn’t I publish it to       ?</a:t>
+            </a:r>
+            <a:endParaRPr lang="ru-RU" sz="1400">
+              <a:latin typeface="Times New Roman" panose="02020603050405020304" pitchFamily="18" charset="0"/>
+              <a:cs typeface="Times New Roman" panose="02020603050405020304" pitchFamily="18" charset="0"/>
+            </a:endParaRPr>
+          </a:p>
+        </p:txBody>
+      </p:sp>
       <p:pic>
         <p:nvPicPr>
-          <p:cNvPr id="8195" name="Picture 3"/>
+          <p:cNvPr id="8196" name="Picture 4"/>
           <p:cNvPicPr>
             <a:picLocks noChangeAspect="1" noChangeArrowheads="1"/>
           </p:cNvPicPr>
           <p:nvPr/>
         </p:nvPicPr>
         <p:blipFill>
-          <a:blip r:embed="rId3">
+          <a:blip r:embed="rId3" cstate="print">
             <a:extLst>
               <a:ext uri="{28A0092B-C50C-407E-A947-70E740481C1C}">
                 <a14:useLocalDpi xmlns:a14="http://schemas.microsoft.com/office/drawing/2010/main" val="0"/>
@@ -4507,9 +5082,9 @@
           </a:stretch>
         </p:blipFill>
         <p:spPr bwMode="auto">
-          <a:xfrm rot="14400000">
-            <a:off x="1166149" y="2104307"/>
-            <a:ext cx="2587359" cy="1454671"/>
+          <a:xfrm>
+            <a:off x="5292079" y="3588599"/>
+            <a:ext cx="225139" cy="244757"/>
           </a:xfrm>
           <a:prstGeom prst="rect">
             <a:avLst/>
@@ -4549,45 +5124,9 @@
           </a:extLst>
         </p:spPr>
       </p:pic>
-      <p:sp>
-        <p:nvSpPr>
-          <p:cNvPr id="4" name="TextBox 3"/>
-          <p:cNvSpPr txBox="1"/>
-          <p:nvPr/>
-        </p:nvSpPr>
-        <p:spPr>
-          <a:xfrm>
-            <a:off x="4974768" y="3557090"/>
-            <a:ext cx="2699713" cy="307777"/>
-          </a:xfrm>
-          <a:prstGeom prst="rect">
-            <a:avLst/>
-          </a:prstGeom>
-          <a:noFill/>
-        </p:spPr>
-        <p:txBody>
-          <a:bodyPr wrap="none" rtlCol="0">
-            <a:spAutoFit/>
-          </a:bodyPr>
-          <a:lstStyle/>
-          <a:p>
-            <a:r>
-              <a:rPr lang="en-US" sz="1400">
-                <a:latin typeface="Times New Roman" panose="02020603050405020304" pitchFamily="18" charset="0"/>
-                <a:cs typeface="Times New Roman" panose="02020603050405020304" pitchFamily="18" charset="0"/>
-              </a:rPr>
-              <a:t>Why shouldn’t I publish it to       ?</a:t>
-            </a:r>
-            <a:endParaRPr lang="ru-RU" sz="1400">
-              <a:latin typeface="Times New Roman" panose="02020603050405020304" pitchFamily="18" charset="0"/>
-              <a:cs typeface="Times New Roman" panose="02020603050405020304" pitchFamily="18" charset="0"/>
-            </a:endParaRPr>
-          </a:p>
-        </p:txBody>
-      </p:sp>
       <p:pic>
         <p:nvPicPr>
-          <p:cNvPr id="8196" name="Picture 4"/>
+          <p:cNvPr id="8" name="Picture 2"/>
           <p:cNvPicPr>
             <a:picLocks noChangeAspect="1" noChangeArrowheads="1"/>
           </p:cNvPicPr>
@@ -4608,8 +5147,8 @@
         </p:blipFill>
         <p:spPr bwMode="auto">
           <a:xfrm>
-            <a:off x="7164287" y="3588599"/>
-            <a:ext cx="225139" cy="244757"/>
+            <a:off x="8172400" y="411510"/>
+            <a:ext cx="589393" cy="557244"/>
           </a:xfrm>
           <a:prstGeom prst="rect">
             <a:avLst/>
@@ -4649,16 +5188,116 @@
           </a:extLst>
         </p:spPr>
       </p:pic>
+    </p:spTree>
+    <p:extLst>
+      <p:ext uri="{BB962C8B-B14F-4D97-AF65-F5344CB8AC3E}">
+        <p14:creationId xmlns:p14="http://schemas.microsoft.com/office/powerpoint/2010/main" val="701022962"/>
+      </p:ext>
+    </p:extLst>
+  </p:cSld>
+  <p:clrMapOvr>
+    <a:masterClrMapping/>
+  </p:clrMapOvr>
+  <p:timing>
+    <p:tnLst>
+      <p:par>
+        <p:cTn id="1" dur="indefinite" restart="never" nodeType="tmRoot"/>
+      </p:par>
+    </p:tnLst>
+  </p:timing>
+</p:sld>
+</file>
+
+<file path=ppt/slides/slide12.xml><?xml version="1.0" encoding="utf-8"?>
+<p:sld xmlns:a="http://schemas.openxmlformats.org/drawingml/2006/main" xmlns:r="http://schemas.openxmlformats.org/officeDocument/2006/relationships" xmlns:p="http://schemas.openxmlformats.org/presentationml/2006/main">
+  <p:cSld>
+    <p:spTree>
+      <p:nvGrpSpPr>
+        <p:cNvPr id="1" name=""/>
+        <p:cNvGrpSpPr/>
+        <p:nvPr/>
+      </p:nvGrpSpPr>
+      <p:grpSpPr>
+        <a:xfrm>
+          <a:off x="0" y="0"/>
+          <a:ext cx="0" cy="0"/>
+          <a:chOff x="0" y="0"/>
+          <a:chExt cx="0" cy="0"/>
+        </a:xfrm>
+      </p:grpSpPr>
+      <p:sp>
+        <p:nvSpPr>
+          <p:cNvPr id="2" name="Title 1"/>
+          <p:cNvSpPr>
+            <a:spLocks noGrp="1"/>
+          </p:cNvSpPr>
+          <p:nvPr>
+            <p:ph type="title"/>
+          </p:nvPr>
+        </p:nvSpPr>
+        <p:spPr/>
+        <p:txBody>
+          <a:bodyPr>
+            <a:normAutofit/>
+          </a:bodyPr>
+          <a:lstStyle/>
+          <a:p>
+            <a:pPr algn="l"/>
+            <a:r>
+              <a:rPr lang="en-US" sz="3200">
+                <a:solidFill>
+                  <a:srgbClr val="66FFFF"/>
+                </a:solidFill>
+              </a:rPr>
+              <a:t>batch.end();</a:t>
+            </a:r>
+            <a:endParaRPr lang="ru-RU" sz="3200">
+              <a:solidFill>
+                <a:srgbClr val="66FFFF"/>
+              </a:solidFill>
+            </a:endParaRPr>
+          </a:p>
+        </p:txBody>
+      </p:sp>
+      <p:sp>
+        <p:nvSpPr>
+          <p:cNvPr id="5" name="TextBox 4"/>
+          <p:cNvSpPr txBox="1"/>
+          <p:nvPr/>
+        </p:nvSpPr>
+        <p:spPr>
+          <a:xfrm>
+            <a:off x="2699792" y="2283718"/>
+            <a:ext cx="3768980" cy="523220"/>
+          </a:xfrm>
+          <a:prstGeom prst="rect">
+            <a:avLst/>
+          </a:prstGeom>
+          <a:noFill/>
+        </p:spPr>
+        <p:txBody>
+          <a:bodyPr wrap="none" rtlCol="0">
+            <a:spAutoFit/>
+          </a:bodyPr>
+          <a:lstStyle/>
+          <a:p>
+            <a:r>
+              <a:rPr lang="ru-RU" sz="2800"/>
+              <a:t>Спасибо за внимание</a:t>
+            </a:r>
+          </a:p>
+        </p:txBody>
+      </p:sp>
       <p:pic>
         <p:nvPicPr>
-          <p:cNvPr id="8" name="Picture 2"/>
+          <p:cNvPr id="6" name="Picture 2"/>
           <p:cNvPicPr>
             <a:picLocks noChangeAspect="1" noChangeArrowheads="1"/>
           </p:cNvPicPr>
           <p:nvPr/>
         </p:nvPicPr>
         <p:blipFill>
-          <a:blip r:embed="rId5" cstate="print">
+          <a:blip r:embed="rId2" cstate="print">
             <a:extLst>
               <a:ext uri="{28A0092B-C50C-407E-A947-70E740481C1C}">
                 <a14:useLocalDpi xmlns:a14="http://schemas.microsoft.com/office/drawing/2010/main" val="0"/>
@@ -4716,17 +5355,24 @@
     </p:spTree>
     <p:extLst>
       <p:ext uri="{BB962C8B-B14F-4D97-AF65-F5344CB8AC3E}">
-        <p14:creationId xmlns:p14="http://schemas.microsoft.com/office/powerpoint/2010/main" val="701022962"/>
+        <p14:creationId xmlns:p14="http://schemas.microsoft.com/office/powerpoint/2010/main" val="1874772205"/>
       </p:ext>
     </p:extLst>
   </p:cSld>
   <p:clrMapOvr>
     <a:masterClrMapping/>
   </p:clrMapOvr>
+  <p:timing>
+    <p:tnLst>
+      <p:par>
+        <p:cTn id="1" dur="indefinite" restart="never" nodeType="tmRoot"/>
+      </p:par>
+    </p:tnLst>
+  </p:timing>
 </p:sld>
 </file>
 
-<file path=ppt/slides/slide12.xml><?xml version="1.0" encoding="utf-8"?>
+<file path=ppt/slides/slide2.xml><?xml version="1.0" encoding="utf-8"?>
 <p:sld xmlns:a="http://schemas.openxmlformats.org/drawingml/2006/main" xmlns:r="http://schemas.openxmlformats.org/officeDocument/2006/relationships" xmlns:p="http://schemas.openxmlformats.org/presentationml/2006/main">
   <p:cSld>
     <p:spTree>
@@ -4762,60 +5408,26 @@
           <a:p>
             <a:pPr algn="l"/>
             <a:r>
-              <a:rPr lang="en-US" sz="3200">
+              <a:rPr lang="ru-RU" sz="3200">
                 <a:solidFill>
                   <a:srgbClr val="66FFFF"/>
                 </a:solidFill>
               </a:rPr>
-              <a:t>batch.end();</a:t>
-            </a:r>
-            <a:endParaRPr lang="ru-RU" sz="3200">
-              <a:solidFill>
-                <a:srgbClr val="66FFFF"/>
-              </a:solidFill>
-            </a:endParaRPr>
-          </a:p>
-        </p:txBody>
-      </p:sp>
-      <p:sp>
-        <p:nvSpPr>
-          <p:cNvPr id="5" name="TextBox 4"/>
-          <p:cNvSpPr txBox="1"/>
-          <p:nvPr/>
-        </p:nvSpPr>
-        <p:spPr>
-          <a:xfrm>
-            <a:off x="2555776" y="2517398"/>
-            <a:ext cx="3768980" cy="523220"/>
-          </a:xfrm>
-          <a:prstGeom prst="rect">
-            <a:avLst/>
-          </a:prstGeom>
-          <a:noFill/>
-        </p:spPr>
-        <p:txBody>
-          <a:bodyPr wrap="none" rtlCol="0">
-            <a:spAutoFit/>
-          </a:bodyPr>
-          <a:lstStyle/>
-          <a:p>
-            <a:r>
-              <a:rPr lang="ru-RU" sz="2800"/>
-              <a:t>Спасибо за внимание</a:t>
+              <a:t>Зачем?</a:t>
             </a:r>
           </a:p>
         </p:txBody>
       </p:sp>
       <p:pic>
         <p:nvPicPr>
-          <p:cNvPr id="6" name="Picture 2"/>
+          <p:cNvPr id="1026" name="Picture 2" descr="Premium Photo | The boys attention to playing tablet in group. kids  addicted to games."/>
           <p:cNvPicPr>
             <a:picLocks noChangeAspect="1" noChangeArrowheads="1"/>
           </p:cNvPicPr>
           <p:nvPr/>
         </p:nvPicPr>
         <p:blipFill>
-          <a:blip r:embed="rId2" cstate="print">
+          <a:blip r:embed="rId3" cstate="print">
             <a:extLst>
               <a:ext uri="{28A0092B-C50C-407E-A947-70E740481C1C}">
                 <a14:useLocalDpi xmlns:a14="http://schemas.microsoft.com/office/drawing/2010/main" val="0"/>
@@ -4829,8 +5441,49 @@
         </p:blipFill>
         <p:spPr bwMode="auto">
           <a:xfrm>
-            <a:off x="8172400" y="411510"/>
-            <a:ext cx="589393" cy="557244"/>
+            <a:off x="1100122" y="1173808"/>
+            <a:ext cx="1879063" cy="1251708"/>
+          </a:xfrm>
+          <a:prstGeom prst="rect">
+            <a:avLst/>
+          </a:prstGeom>
+          <a:noFill/>
+          <a:extLst>
+            <a:ext uri="{909E8E84-426E-40DD-AFC4-6F175D3DCCD1}">
+              <a14:hiddenFill xmlns:a14="http://schemas.microsoft.com/office/drawing/2010/main">
+                <a:solidFill>
+                  <a:srgbClr val="FFFFFF"/>
+                </a:solidFill>
+              </a14:hiddenFill>
+            </a:ext>
+          </a:extLst>
+        </p:spPr>
+      </p:pic>
+      <p:pic>
+        <p:nvPicPr>
+          <p:cNvPr id="1030" name="Picture 6"/>
+          <p:cNvPicPr>
+            <a:picLocks noChangeAspect="1" noChangeArrowheads="1"/>
+          </p:cNvPicPr>
+          <p:nvPr/>
+        </p:nvPicPr>
+        <p:blipFill>
+          <a:blip r:embed="rId4" cstate="print">
+            <a:extLst>
+              <a:ext uri="{28A0092B-C50C-407E-A947-70E740481C1C}">
+                <a14:useLocalDpi xmlns:a14="http://schemas.microsoft.com/office/drawing/2010/main" val="0"/>
+              </a:ext>
+            </a:extLst>
+          </a:blip>
+          <a:srcRect/>
+          <a:stretch>
+            <a:fillRect/>
+          </a:stretch>
+        </p:blipFill>
+        <p:spPr bwMode="auto">
+          <a:xfrm>
+            <a:off x="878177" y="978851"/>
+            <a:ext cx="490586" cy="490586"/>
           </a:xfrm>
           <a:prstGeom prst="rect">
             <a:avLst/>
@@ -4870,75 +5523,56 @@
           </a:extLst>
         </p:spPr>
       </p:pic>
-    </p:spTree>
-    <p:extLst>
-      <p:ext uri="{BB962C8B-B14F-4D97-AF65-F5344CB8AC3E}">
-        <p14:creationId xmlns:p14="http://schemas.microsoft.com/office/powerpoint/2010/main" val="1874772205"/>
-      </p:ext>
-    </p:extLst>
-  </p:cSld>
-  <p:clrMapOvr>
-    <a:masterClrMapping/>
-  </p:clrMapOvr>
-</p:sld>
-</file>
-
-<file path=ppt/slides/slide2.xml><?xml version="1.0" encoding="utf-8"?>
-<p:sld xmlns:a="http://schemas.openxmlformats.org/drawingml/2006/main" xmlns:r="http://schemas.openxmlformats.org/officeDocument/2006/relationships" xmlns:p="http://schemas.openxmlformats.org/presentationml/2006/main">
-  <p:cSld>
-    <p:spTree>
-      <p:nvGrpSpPr>
-        <p:cNvPr id="1" name=""/>
-        <p:cNvGrpSpPr/>
-        <p:nvPr/>
-      </p:nvGrpSpPr>
-      <p:grpSpPr>
-        <a:xfrm>
-          <a:off x="0" y="0"/>
-          <a:ext cx="0" cy="0"/>
-          <a:chOff x="0" y="0"/>
-          <a:chExt cx="0" cy="0"/>
-        </a:xfrm>
-      </p:grpSpPr>
-      <p:sp>
-        <p:nvSpPr>
-          <p:cNvPr id="2" name="Title 1"/>
-          <p:cNvSpPr>
-            <a:spLocks noGrp="1"/>
-          </p:cNvSpPr>
-          <p:nvPr>
-            <p:ph type="title"/>
-          </p:nvPr>
-        </p:nvSpPr>
-        <p:spPr/>
-        <p:txBody>
-          <a:bodyPr>
-            <a:normAutofit/>
+      <p:sp>
+        <p:nvSpPr>
+          <p:cNvPr id="5" name="TextBox 4"/>
+          <p:cNvSpPr txBox="1"/>
+          <p:nvPr/>
+        </p:nvSpPr>
+        <p:spPr>
+          <a:xfrm>
+            <a:off x="895867" y="2233809"/>
+            <a:ext cx="562478" cy="307777"/>
+          </a:xfrm>
+          <a:prstGeom prst="rect">
+            <a:avLst/>
+          </a:prstGeom>
+          <a:noFill/>
+        </p:spPr>
+        <p:txBody>
+          <a:bodyPr wrap="square" rtlCol="0">
+            <a:spAutoFit/>
           </a:bodyPr>
           <a:lstStyle/>
           <a:p>
-            <a:pPr algn="l"/>
-            <a:r>
-              <a:rPr lang="ru-RU" sz="3200">
+            <a:r>
+              <a:rPr lang="en-US" sz="1400" b="1">
                 <a:solidFill>
-                  <a:srgbClr val="66FFFF"/>
+                  <a:srgbClr val="C00000"/>
                 </a:solidFill>
+                <a:latin typeface="Comic Sans MS" panose="030F0702030302020204" pitchFamily="66" charset="0"/>
               </a:rPr>
-              <a:t>Зачем?</a:t>
-            </a:r>
+              <a:t>IAP</a:t>
+            </a:r>
+            <a:endParaRPr lang="ru-RU" sz="2000" b="1">
+              <a:solidFill>
+                <a:srgbClr val="C00000"/>
+              </a:solidFill>
+              <a:latin typeface="Comic Sans MS" panose="030F0702030302020204" pitchFamily="66" charset="0"/>
+            </a:endParaRPr>
           </a:p>
         </p:txBody>
       </p:sp>
       <p:pic>
         <p:nvPicPr>
-          <p:cNvPr id="1026" name="Picture 2" descr="Premium Photo | The boys attention to playing tablet in group. kids  addicted to games."/>
+          <p:cNvPr id="1032" name="Picture 8" descr="Dark UX Patterns in Advertising - Icons8 Blog"/>
           <p:cNvPicPr>
             <a:picLocks noChangeAspect="1" noChangeArrowheads="1"/>
           </p:cNvPicPr>
           <p:nvPr/>
         </p:nvPicPr>
         <p:blipFill>
-          <a:blip r:embed="rId2" cstate="print">
+          <a:blip r:embed="rId5" cstate="print">
             <a:extLst>
               <a:ext uri="{28A0092B-C50C-407E-A947-70E740481C1C}">
                 <a14:useLocalDpi xmlns:a14="http://schemas.microsoft.com/office/drawing/2010/main" val="0"/>
@@ -4952,8 +5586,8 @@
         </p:blipFill>
         <p:spPr bwMode="auto">
           <a:xfrm>
-            <a:off x="1100122" y="1173808"/>
-            <a:ext cx="1879063" cy="1251708"/>
+            <a:off x="2514350" y="1110569"/>
+            <a:ext cx="878301" cy="219339"/>
           </a:xfrm>
           <a:prstGeom prst="rect">
             <a:avLst/>
@@ -4972,14 +5606,14 @@
       </p:pic>
       <p:pic>
         <p:nvPicPr>
-          <p:cNvPr id="1030" name="Picture 6"/>
+          <p:cNvPr id="11" name="Picture 2"/>
           <p:cNvPicPr>
             <a:picLocks noChangeAspect="1" noChangeArrowheads="1"/>
           </p:cNvPicPr>
           <p:nvPr/>
         </p:nvPicPr>
         <p:blipFill>
-          <a:blip r:embed="rId3" cstate="print">
+          <a:blip r:embed="rId6" cstate="print">
             <a:extLst>
               <a:ext uri="{28A0092B-C50C-407E-A947-70E740481C1C}">
                 <a14:useLocalDpi xmlns:a14="http://schemas.microsoft.com/office/drawing/2010/main" val="0"/>
@@ -4993,8 +5627,8 @@
         </p:blipFill>
         <p:spPr bwMode="auto">
           <a:xfrm>
-            <a:off x="878177" y="978851"/>
-            <a:ext cx="490586" cy="490586"/>
+            <a:off x="8172400" y="411510"/>
+            <a:ext cx="589393" cy="557244"/>
           </a:xfrm>
           <a:prstGeom prst="rect">
             <a:avLst/>
@@ -5034,56 +5668,16 @@
           </a:extLst>
         </p:spPr>
       </p:pic>
-      <p:sp>
-        <p:nvSpPr>
-          <p:cNvPr id="5" name="TextBox 4"/>
-          <p:cNvSpPr txBox="1"/>
-          <p:nvPr/>
-        </p:nvSpPr>
-        <p:spPr>
-          <a:xfrm>
-            <a:off x="895867" y="2233809"/>
-            <a:ext cx="562478" cy="307777"/>
-          </a:xfrm>
-          <a:prstGeom prst="rect">
-            <a:avLst/>
-          </a:prstGeom>
-          <a:noFill/>
-        </p:spPr>
-        <p:txBody>
-          <a:bodyPr wrap="square" rtlCol="0">
-            <a:spAutoFit/>
-          </a:bodyPr>
-          <a:lstStyle/>
-          <a:p>
-            <a:r>
-              <a:rPr lang="en-US" sz="1400" b="1">
-                <a:solidFill>
-                  <a:srgbClr val="C00000"/>
-                </a:solidFill>
-                <a:latin typeface="Comic Sans MS" panose="030F0702030302020204" pitchFamily="66" charset="0"/>
-              </a:rPr>
-              <a:t>IAP</a:t>
-            </a:r>
-            <a:endParaRPr lang="ru-RU" sz="2000" b="1">
-              <a:solidFill>
-                <a:srgbClr val="C00000"/>
-              </a:solidFill>
-              <a:latin typeface="Comic Sans MS" panose="030F0702030302020204" pitchFamily="66" charset="0"/>
-            </a:endParaRPr>
-          </a:p>
-        </p:txBody>
-      </p:sp>
       <p:pic>
         <p:nvPicPr>
-          <p:cNvPr id="1032" name="Picture 8" descr="Dark UX Patterns in Advertising - Icons8 Blog"/>
+          <p:cNvPr id="1033" name="Picture 9"/>
           <p:cNvPicPr>
             <a:picLocks noChangeAspect="1" noChangeArrowheads="1"/>
           </p:cNvPicPr>
           <p:nvPr/>
         </p:nvPicPr>
         <p:blipFill>
-          <a:blip r:embed="rId4" cstate="print">
+          <a:blip r:embed="rId7" cstate="print">
             <a:extLst>
               <a:ext uri="{28A0092B-C50C-407E-A947-70E740481C1C}">
                 <a14:useLocalDpi xmlns:a14="http://schemas.microsoft.com/office/drawing/2010/main" val="0"/>
@@ -5097,49 +5691,8 @@
         </p:blipFill>
         <p:spPr bwMode="auto">
           <a:xfrm>
-            <a:off x="2514350" y="1110569"/>
-            <a:ext cx="878301" cy="219339"/>
-          </a:xfrm>
-          <a:prstGeom prst="rect">
-            <a:avLst/>
-          </a:prstGeom>
-          <a:noFill/>
-          <a:extLst>
-            <a:ext uri="{909E8E84-426E-40DD-AFC4-6F175D3DCCD1}">
-              <a14:hiddenFill xmlns:a14="http://schemas.microsoft.com/office/drawing/2010/main">
-                <a:solidFill>
-                  <a:srgbClr val="FFFFFF"/>
-                </a:solidFill>
-              </a14:hiddenFill>
-            </a:ext>
-          </a:extLst>
-        </p:spPr>
-      </p:pic>
-      <p:pic>
-        <p:nvPicPr>
-          <p:cNvPr id="11" name="Picture 2"/>
-          <p:cNvPicPr>
-            <a:picLocks noChangeAspect="1" noChangeArrowheads="1"/>
-          </p:cNvPicPr>
-          <p:nvPr/>
-        </p:nvPicPr>
-        <p:blipFill>
-          <a:blip r:embed="rId5" cstate="print">
-            <a:extLst>
-              <a:ext uri="{28A0092B-C50C-407E-A947-70E740481C1C}">
-                <a14:useLocalDpi xmlns:a14="http://schemas.microsoft.com/office/drawing/2010/main" val="0"/>
-              </a:ext>
-            </a:extLst>
-          </a:blip>
-          <a:srcRect/>
-          <a:stretch>
-            <a:fillRect/>
-          </a:stretch>
-        </p:blipFill>
-        <p:spPr bwMode="auto">
-          <a:xfrm>
-            <a:off x="8172400" y="411510"/>
-            <a:ext cx="589393" cy="557244"/>
+            <a:off x="2039653" y="1875543"/>
+            <a:ext cx="1505002" cy="696684"/>
           </a:xfrm>
           <a:prstGeom prst="rect">
             <a:avLst/>
@@ -5181,14 +5734,14 @@
       </p:pic>
       <p:pic>
         <p:nvPicPr>
-          <p:cNvPr id="1033" name="Picture 9"/>
+          <p:cNvPr id="1028" name="Picture 4" descr="Download - SimHub, DIY Sim Racing Dash and Hardware"/>
           <p:cNvPicPr>
             <a:picLocks noChangeAspect="1" noChangeArrowheads="1"/>
           </p:cNvPicPr>
           <p:nvPr/>
         </p:nvPicPr>
         <p:blipFill>
-          <a:blip r:embed="rId6" cstate="print">
+          <a:blip r:embed="rId8" cstate="print">
             <a:extLst>
               <a:ext uri="{28A0092B-C50C-407E-A947-70E740481C1C}">
                 <a14:useLocalDpi xmlns:a14="http://schemas.microsoft.com/office/drawing/2010/main" val="0"/>
@@ -5202,8 +5755,198 @@
         </p:blipFill>
         <p:spPr bwMode="auto">
           <a:xfrm>
-            <a:off x="2039653" y="1875543"/>
-            <a:ext cx="1505002" cy="696684"/>
+            <a:off x="1748051" y="2178180"/>
+            <a:ext cx="1490580" cy="473612"/>
+          </a:xfrm>
+          <a:prstGeom prst="rect">
+            <a:avLst/>
+          </a:prstGeom>
+          <a:noFill/>
+          <a:extLst>
+            <a:ext uri="{909E8E84-426E-40DD-AFC4-6F175D3DCCD1}">
+              <a14:hiddenFill xmlns:a14="http://schemas.microsoft.com/office/drawing/2010/main">
+                <a:solidFill>
+                  <a:srgbClr val="FFFFFF"/>
+                </a:solidFill>
+              </a14:hiddenFill>
+            </a:ext>
+          </a:extLst>
+        </p:spPr>
+      </p:pic>
+      <p:pic>
+        <p:nvPicPr>
+          <p:cNvPr id="1035" name="Picture 11"/>
+          <p:cNvPicPr>
+            <a:picLocks noChangeAspect="1" noChangeArrowheads="1"/>
+          </p:cNvPicPr>
+          <p:nvPr/>
+        </p:nvPicPr>
+        <p:blipFill>
+          <a:blip r:embed="rId9" cstate="print">
+            <a:extLst>
+              <a:ext uri="{28A0092B-C50C-407E-A947-70E740481C1C}">
+                <a14:useLocalDpi xmlns:a14="http://schemas.microsoft.com/office/drawing/2010/main" val="0"/>
+              </a:ext>
+            </a:extLst>
+          </a:blip>
+          <a:srcRect/>
+          <a:stretch>
+            <a:fillRect/>
+          </a:stretch>
+        </p:blipFill>
+        <p:spPr bwMode="auto">
+          <a:xfrm>
+            <a:off x="1023725" y="2809153"/>
+            <a:ext cx="2031855" cy="614338"/>
+          </a:xfrm>
+          <a:prstGeom prst="rect">
+            <a:avLst/>
+          </a:prstGeom>
+          <a:noFill/>
+          <a:ln>
+            <a:noFill/>
+          </a:ln>
+          <a:extLst>
+            <a:ext uri="{909E8E84-426E-40DD-AFC4-6F175D3DCCD1}">
+              <a14:hiddenFill xmlns:a14="http://schemas.microsoft.com/office/drawing/2010/main">
+                <a:solidFill>
+                  <a:schemeClr val="accent1"/>
+                </a:solidFill>
+              </a14:hiddenFill>
+            </a:ext>
+            <a:ext uri="{91240B29-F687-4F45-9708-019B960494DF}">
+              <a14:hiddenLine xmlns:a14="http://schemas.microsoft.com/office/drawing/2010/main" w="9525">
+                <a:solidFill>
+                  <a:schemeClr val="tx1"/>
+                </a:solidFill>
+                <a:miter lim="800000"/>
+                <a:headEnd/>
+                <a:tailEnd/>
+              </a14:hiddenLine>
+            </a:ext>
+          </a:extLst>
+        </p:spPr>
+      </p:pic>
+      <p:pic>
+        <p:nvPicPr>
+          <p:cNvPr id="1036" name="Picture 12"/>
+          <p:cNvPicPr>
+            <a:picLocks noChangeAspect="1" noChangeArrowheads="1"/>
+          </p:cNvPicPr>
+          <p:nvPr/>
+        </p:nvPicPr>
+        <p:blipFill>
+          <a:blip r:embed="rId10" cstate="print">
+            <a:extLst>
+              <a:ext uri="{28A0092B-C50C-407E-A947-70E740481C1C}">
+                <a14:useLocalDpi xmlns:a14="http://schemas.microsoft.com/office/drawing/2010/main" val="0"/>
+              </a:ext>
+            </a:extLst>
+          </a:blip>
+          <a:srcRect/>
+          <a:stretch>
+            <a:fillRect/>
+          </a:stretch>
+        </p:blipFill>
+        <p:spPr bwMode="auto">
+          <a:xfrm>
+            <a:off x="1023724" y="3423491"/>
+            <a:ext cx="2031855" cy="625735"/>
+          </a:xfrm>
+          <a:prstGeom prst="rect">
+            <a:avLst/>
+          </a:prstGeom>
+          <a:noFill/>
+          <a:ln>
+            <a:noFill/>
+          </a:ln>
+          <a:extLst>
+            <a:ext uri="{909E8E84-426E-40DD-AFC4-6F175D3DCCD1}">
+              <a14:hiddenFill xmlns:a14="http://schemas.microsoft.com/office/drawing/2010/main">
+                <a:solidFill>
+                  <a:schemeClr val="accent1"/>
+                </a:solidFill>
+              </a14:hiddenFill>
+            </a:ext>
+            <a:ext uri="{91240B29-F687-4F45-9708-019B960494DF}">
+              <a14:hiddenLine xmlns:a14="http://schemas.microsoft.com/office/drawing/2010/main" w="9525">
+                <a:solidFill>
+                  <a:schemeClr val="tx1"/>
+                </a:solidFill>
+                <a:miter lim="800000"/>
+                <a:headEnd/>
+                <a:tailEnd/>
+              </a14:hiddenLine>
+            </a:ext>
+          </a:extLst>
+        </p:spPr>
+      </p:pic>
+      <p:pic>
+        <p:nvPicPr>
+          <p:cNvPr id="1038" name="Picture 14" descr="Applause Emoji PNG Clipart | PNG All"/>
+          <p:cNvPicPr>
+            <a:picLocks noChangeAspect="1" noChangeArrowheads="1"/>
+          </p:cNvPicPr>
+          <p:nvPr/>
+        </p:nvPicPr>
+        <p:blipFill>
+          <a:blip r:embed="rId11" cstate="print">
+            <a:extLst>
+              <a:ext uri="{28A0092B-C50C-407E-A947-70E740481C1C}">
+                <a14:useLocalDpi xmlns:a14="http://schemas.microsoft.com/office/drawing/2010/main" val="0"/>
+              </a:ext>
+            </a:extLst>
+          </a:blip>
+          <a:srcRect/>
+          <a:stretch>
+            <a:fillRect/>
+          </a:stretch>
+        </p:blipFill>
+        <p:spPr bwMode="auto">
+          <a:xfrm>
+            <a:off x="609176" y="2577173"/>
+            <a:ext cx="573382" cy="573382"/>
+          </a:xfrm>
+          <a:prstGeom prst="rect">
+            <a:avLst/>
+          </a:prstGeom>
+          <a:noFill/>
+          <a:extLst>
+            <a:ext uri="{909E8E84-426E-40DD-AFC4-6F175D3DCCD1}">
+              <a14:hiddenFill xmlns:a14="http://schemas.microsoft.com/office/drawing/2010/main">
+                <a:solidFill>
+                  <a:srgbClr val="FFFFFF"/>
+                </a:solidFill>
+              </a14:hiddenFill>
+            </a:ext>
+          </a:extLst>
+        </p:spPr>
+      </p:pic>
+      <p:pic>
+        <p:nvPicPr>
+          <p:cNvPr id="1041" name="Picture 17"/>
+          <p:cNvPicPr>
+            <a:picLocks noChangeAspect="1" noChangeArrowheads="1"/>
+          </p:cNvPicPr>
+          <p:nvPr/>
+        </p:nvPicPr>
+        <p:blipFill>
+          <a:blip r:embed="rId12" cstate="print">
+            <a:extLst>
+              <a:ext uri="{28A0092B-C50C-407E-A947-70E740481C1C}">
+                <a14:useLocalDpi xmlns:a14="http://schemas.microsoft.com/office/drawing/2010/main" val="0"/>
+              </a:ext>
+            </a:extLst>
+          </a:blip>
+          <a:srcRect/>
+          <a:stretch>
+            <a:fillRect/>
+          </a:stretch>
+        </p:blipFill>
+        <p:spPr bwMode="auto">
+          <a:xfrm>
+            <a:off x="2736706" y="3663386"/>
+            <a:ext cx="655945" cy="582078"/>
           </a:xfrm>
           <a:prstGeom prst="rect">
             <a:avLst/>
@@ -5243,260 +5986,6 @@
           </a:extLst>
         </p:spPr>
       </p:pic>
-      <p:pic>
-        <p:nvPicPr>
-          <p:cNvPr id="1028" name="Picture 4" descr="Download - SimHub, DIY Sim Racing Dash and Hardware"/>
-          <p:cNvPicPr>
-            <a:picLocks noChangeAspect="1" noChangeArrowheads="1"/>
-          </p:cNvPicPr>
-          <p:nvPr/>
-        </p:nvPicPr>
-        <p:blipFill>
-          <a:blip r:embed="rId7" cstate="print">
-            <a:extLst>
-              <a:ext uri="{28A0092B-C50C-407E-A947-70E740481C1C}">
-                <a14:useLocalDpi xmlns:a14="http://schemas.microsoft.com/office/drawing/2010/main" val="0"/>
-              </a:ext>
-            </a:extLst>
-          </a:blip>
-          <a:srcRect/>
-          <a:stretch>
-            <a:fillRect/>
-          </a:stretch>
-        </p:blipFill>
-        <p:spPr bwMode="auto">
-          <a:xfrm>
-            <a:off x="1748051" y="2178180"/>
-            <a:ext cx="1490580" cy="473612"/>
-          </a:xfrm>
-          <a:prstGeom prst="rect">
-            <a:avLst/>
-          </a:prstGeom>
-          <a:noFill/>
-          <a:extLst>
-            <a:ext uri="{909E8E84-426E-40DD-AFC4-6F175D3DCCD1}">
-              <a14:hiddenFill xmlns:a14="http://schemas.microsoft.com/office/drawing/2010/main">
-                <a:solidFill>
-                  <a:srgbClr val="FFFFFF"/>
-                </a:solidFill>
-              </a14:hiddenFill>
-            </a:ext>
-          </a:extLst>
-        </p:spPr>
-      </p:pic>
-      <p:pic>
-        <p:nvPicPr>
-          <p:cNvPr id="1035" name="Picture 11"/>
-          <p:cNvPicPr>
-            <a:picLocks noChangeAspect="1" noChangeArrowheads="1"/>
-          </p:cNvPicPr>
-          <p:nvPr/>
-        </p:nvPicPr>
-        <p:blipFill>
-          <a:blip r:embed="rId8" cstate="print">
-            <a:extLst>
-              <a:ext uri="{28A0092B-C50C-407E-A947-70E740481C1C}">
-                <a14:useLocalDpi xmlns:a14="http://schemas.microsoft.com/office/drawing/2010/main" val="0"/>
-              </a:ext>
-            </a:extLst>
-          </a:blip>
-          <a:srcRect/>
-          <a:stretch>
-            <a:fillRect/>
-          </a:stretch>
-        </p:blipFill>
-        <p:spPr bwMode="auto">
-          <a:xfrm>
-            <a:off x="1023725" y="2809153"/>
-            <a:ext cx="2031855" cy="614338"/>
-          </a:xfrm>
-          <a:prstGeom prst="rect">
-            <a:avLst/>
-          </a:prstGeom>
-          <a:noFill/>
-          <a:ln>
-            <a:noFill/>
-          </a:ln>
-          <a:extLst>
-            <a:ext uri="{909E8E84-426E-40DD-AFC4-6F175D3DCCD1}">
-              <a14:hiddenFill xmlns:a14="http://schemas.microsoft.com/office/drawing/2010/main">
-                <a:solidFill>
-                  <a:schemeClr val="accent1"/>
-                </a:solidFill>
-              </a14:hiddenFill>
-            </a:ext>
-            <a:ext uri="{91240B29-F687-4F45-9708-019B960494DF}">
-              <a14:hiddenLine xmlns:a14="http://schemas.microsoft.com/office/drawing/2010/main" w="9525">
-                <a:solidFill>
-                  <a:schemeClr val="tx1"/>
-                </a:solidFill>
-                <a:miter lim="800000"/>
-                <a:headEnd/>
-                <a:tailEnd/>
-              </a14:hiddenLine>
-            </a:ext>
-          </a:extLst>
-        </p:spPr>
-      </p:pic>
-      <p:pic>
-        <p:nvPicPr>
-          <p:cNvPr id="1036" name="Picture 12"/>
-          <p:cNvPicPr>
-            <a:picLocks noChangeAspect="1" noChangeArrowheads="1"/>
-          </p:cNvPicPr>
-          <p:nvPr/>
-        </p:nvPicPr>
-        <p:blipFill>
-          <a:blip r:embed="rId9" cstate="print">
-            <a:extLst>
-              <a:ext uri="{28A0092B-C50C-407E-A947-70E740481C1C}">
-                <a14:useLocalDpi xmlns:a14="http://schemas.microsoft.com/office/drawing/2010/main" val="0"/>
-              </a:ext>
-            </a:extLst>
-          </a:blip>
-          <a:srcRect/>
-          <a:stretch>
-            <a:fillRect/>
-          </a:stretch>
-        </p:blipFill>
-        <p:spPr bwMode="auto">
-          <a:xfrm>
-            <a:off x="1023724" y="3423491"/>
-            <a:ext cx="2031855" cy="625735"/>
-          </a:xfrm>
-          <a:prstGeom prst="rect">
-            <a:avLst/>
-          </a:prstGeom>
-          <a:noFill/>
-          <a:ln>
-            <a:noFill/>
-          </a:ln>
-          <a:extLst>
-            <a:ext uri="{909E8E84-426E-40DD-AFC4-6F175D3DCCD1}">
-              <a14:hiddenFill xmlns:a14="http://schemas.microsoft.com/office/drawing/2010/main">
-                <a:solidFill>
-                  <a:schemeClr val="accent1"/>
-                </a:solidFill>
-              </a14:hiddenFill>
-            </a:ext>
-            <a:ext uri="{91240B29-F687-4F45-9708-019B960494DF}">
-              <a14:hiddenLine xmlns:a14="http://schemas.microsoft.com/office/drawing/2010/main" w="9525">
-                <a:solidFill>
-                  <a:schemeClr val="tx1"/>
-                </a:solidFill>
-                <a:miter lim="800000"/>
-                <a:headEnd/>
-                <a:tailEnd/>
-              </a14:hiddenLine>
-            </a:ext>
-          </a:extLst>
-        </p:spPr>
-      </p:pic>
-      <p:pic>
-        <p:nvPicPr>
-          <p:cNvPr id="1038" name="Picture 14" descr="Applause Emoji PNG Clipart | PNG All"/>
-          <p:cNvPicPr>
-            <a:picLocks noChangeAspect="1" noChangeArrowheads="1"/>
-          </p:cNvPicPr>
-          <p:nvPr/>
-        </p:nvPicPr>
-        <p:blipFill>
-          <a:blip r:embed="rId10" cstate="print">
-            <a:extLst>
-              <a:ext uri="{28A0092B-C50C-407E-A947-70E740481C1C}">
-                <a14:useLocalDpi xmlns:a14="http://schemas.microsoft.com/office/drawing/2010/main" val="0"/>
-              </a:ext>
-            </a:extLst>
-          </a:blip>
-          <a:srcRect/>
-          <a:stretch>
-            <a:fillRect/>
-          </a:stretch>
-        </p:blipFill>
-        <p:spPr bwMode="auto">
-          <a:xfrm>
-            <a:off x="609176" y="2577173"/>
-            <a:ext cx="573382" cy="573382"/>
-          </a:xfrm>
-          <a:prstGeom prst="rect">
-            <a:avLst/>
-          </a:prstGeom>
-          <a:noFill/>
-          <a:extLst>
-            <a:ext uri="{909E8E84-426E-40DD-AFC4-6F175D3DCCD1}">
-              <a14:hiddenFill xmlns:a14="http://schemas.microsoft.com/office/drawing/2010/main">
-                <a:solidFill>
-                  <a:srgbClr val="FFFFFF"/>
-                </a:solidFill>
-              </a14:hiddenFill>
-            </a:ext>
-          </a:extLst>
-        </p:spPr>
-      </p:pic>
-      <p:pic>
-        <p:nvPicPr>
-          <p:cNvPr id="1041" name="Picture 17"/>
-          <p:cNvPicPr>
-            <a:picLocks noChangeAspect="1" noChangeArrowheads="1"/>
-          </p:cNvPicPr>
-          <p:nvPr/>
-        </p:nvPicPr>
-        <p:blipFill>
-          <a:blip r:embed="rId11" cstate="print">
-            <a:extLst>
-              <a:ext uri="{28A0092B-C50C-407E-A947-70E740481C1C}">
-                <a14:useLocalDpi xmlns:a14="http://schemas.microsoft.com/office/drawing/2010/main" val="0"/>
-              </a:ext>
-            </a:extLst>
-          </a:blip>
-          <a:srcRect/>
-          <a:stretch>
-            <a:fillRect/>
-          </a:stretch>
-        </p:blipFill>
-        <p:spPr bwMode="auto">
-          <a:xfrm>
-            <a:off x="2736706" y="3663386"/>
-            <a:ext cx="655945" cy="582078"/>
-          </a:xfrm>
-          <a:prstGeom prst="rect">
-            <a:avLst/>
-          </a:prstGeom>
-          <a:noFill/>
-          <a:ln>
-            <a:noFill/>
-          </a:ln>
-          <a:effectLst/>
-          <a:extLst>
-            <a:ext uri="{909E8E84-426E-40DD-AFC4-6F175D3DCCD1}">
-              <a14:hiddenFill xmlns:a14="http://schemas.microsoft.com/office/drawing/2010/main">
-                <a:solidFill>
-                  <a:schemeClr val="accent1"/>
-                </a:solidFill>
-              </a14:hiddenFill>
-            </a:ext>
-            <a:ext uri="{91240B29-F687-4F45-9708-019B960494DF}">
-              <a14:hiddenLine xmlns:a14="http://schemas.microsoft.com/office/drawing/2010/main" w="9525">
-                <a:solidFill>
-                  <a:schemeClr val="tx1"/>
-                </a:solidFill>
-                <a:miter lim="800000"/>
-                <a:headEnd/>
-                <a:tailEnd/>
-              </a14:hiddenLine>
-            </a:ext>
-            <a:ext uri="{AF507438-7753-43E0-B8FC-AC1667EBCBE1}">
-              <a14:hiddenEffects xmlns:a14="http://schemas.microsoft.com/office/drawing/2010/main">
-                <a:effectLst>
-                  <a:outerShdw dist="35921" dir="2700000" algn="ctr" rotWithShape="0">
-                    <a:schemeClr val="bg2"/>
-                  </a:outerShdw>
-                </a:effectLst>
-              </a14:hiddenEffects>
-            </a:ext>
-          </a:extLst>
-        </p:spPr>
-      </p:pic>
       <p:sp>
         <p:nvSpPr>
           <p:cNvPr id="3" name="TextBox 2"/>
@@ -5536,7 +6025,7 @@
           <p:nvPr/>
         </p:nvPicPr>
         <p:blipFill>
-          <a:blip r:embed="rId12">
+          <a:blip r:embed="rId13">
             <a:extLst>
               <a:ext uri="{28A0092B-C50C-407E-A947-70E740481C1C}">
                 <a14:useLocalDpi xmlns:a14="http://schemas.microsoft.com/office/drawing/2010/main" val="0"/>
@@ -5618,12 +6107,14 @@
             <a:pPr algn="ctr"/>
             <a:r>
               <a:rPr lang="en-US">
-                <a:latin typeface="Sylfaen" panose="010A0502050306030303" pitchFamily="18" charset="0"/>
+                <a:latin typeface="Times New Roman" panose="02020603050405020304" pitchFamily="18" charset="0"/>
+                <a:cs typeface="Times New Roman" panose="02020603050405020304" pitchFamily="18" charset="0"/>
               </a:rPr>
               <a:t> Average “buy me a cup of coffee” enjoyer</a:t>
             </a:r>
             <a:endParaRPr lang="ru-RU">
-              <a:latin typeface="Sylfaen" panose="010A0502050306030303" pitchFamily="18" charset="0"/>
+              <a:latin typeface="Times New Roman" panose="02020603050405020304" pitchFamily="18" charset="0"/>
+              <a:cs typeface="Times New Roman" panose="02020603050405020304" pitchFamily="18" charset="0"/>
             </a:endParaRPr>
           </a:p>
         </p:txBody>
@@ -5669,7 +6160,7 @@
           <p:cNvPr id="4" name="Picture 2" descr="Coffee PNG Transparent Images | PNG All">
             <a:extLst>
               <a:ext uri="{FF2B5EF4-FFF2-40B4-BE49-F238E27FC236}">
-                <a16:creationId xmlns:a16="http://schemas.microsoft.com/office/drawing/2014/main" id="{6DD72C23-E1B7-49F6-9B5D-57B5ED60B8FB}"/>
+                <a16:creationId xmlns:a16="http://schemas.microsoft.com/office/drawing/2014/main" xmlns="" id="{6DD72C23-E1B7-49F6-9B5D-57B5ED60B8FB}"/>
               </a:ext>
             </a:extLst>
           </p:cNvPr>
@@ -5679,7 +6170,7 @@
           <p:nvPr/>
         </p:nvPicPr>
         <p:blipFill>
-          <a:blip r:embed="rId13" cstate="print">
+          <a:blip r:embed="rId14" cstate="print">
             <a:extLst>
               <a:ext uri="{28A0092B-C50C-407E-A947-70E740481C1C}">
                 <a14:useLocalDpi xmlns:a14="http://schemas.microsoft.com/office/drawing/2010/main" val="0"/>
@@ -5721,6 +6212,13 @@
   <p:clrMapOvr>
     <a:masterClrMapping/>
   </p:clrMapOvr>
+  <p:timing>
+    <p:tnLst>
+      <p:par>
+        <p:cTn id="1" dur="indefinite" restart="never" nodeType="tmRoot"/>
+      </p:par>
+    </p:tnLst>
+  </p:timing>
 </p:sld>
 </file>
 
@@ -5814,7 +6312,7 @@
           <p:nvPr/>
         </p:nvPicPr>
         <p:blipFill>
-          <a:blip r:embed="rId2" cstate="print">
+          <a:blip r:embed="rId3" cstate="print">
             <a:extLst>
               <a:ext uri="{28A0092B-C50C-407E-A947-70E740481C1C}">
                 <a14:useLocalDpi xmlns:a14="http://schemas.microsoft.com/office/drawing/2010/main" val="0"/>
@@ -5878,7 +6376,7 @@
           <p:nvPr/>
         </p:nvPicPr>
         <p:blipFill>
-          <a:blip r:embed="rId3">
+          <a:blip r:embed="rId4">
             <a:extLst>
               <a:ext uri="{28A0092B-C50C-407E-A947-70E740481C1C}">
                 <a14:useLocalDpi xmlns:a14="http://schemas.microsoft.com/office/drawing/2010/main" val="0"/>
@@ -6014,6 +6512,13 @@
   <p:clrMapOvr>
     <a:masterClrMapping/>
   </p:clrMapOvr>
+  <p:timing>
+    <p:tnLst>
+      <p:par>
+        <p:cTn id="1" dur="indefinite" restart="never" nodeType="tmRoot"/>
+      </p:par>
+    </p:tnLst>
+  </p:timing>
 </p:sld>
 </file>
 
@@ -6036,6 +6541,466 @@
       </p:grpSpPr>
       <p:sp>
         <p:nvSpPr>
+          <p:cNvPr id="25" name="Isosceles Triangle 24"/>
+          <p:cNvSpPr/>
+          <p:nvPr/>
+        </p:nvSpPr>
+        <p:spPr>
+          <a:xfrm flipH="1">
+            <a:off x="3130337" y="4164688"/>
+            <a:ext cx="259802" cy="223967"/>
+          </a:xfrm>
+          <a:prstGeom prst="triangle">
+            <a:avLst/>
+          </a:prstGeom>
+          <a:solidFill>
+            <a:schemeClr val="accent2">
+              <a:lumMod val="50000"/>
+            </a:schemeClr>
+          </a:solidFill>
+          <a:ln>
+            <a:solidFill>
+              <a:schemeClr val="accent2">
+                <a:lumMod val="50000"/>
+              </a:schemeClr>
+            </a:solidFill>
+          </a:ln>
+        </p:spPr>
+        <p:style>
+          <a:lnRef idx="2">
+            <a:schemeClr val="accent1">
+              <a:shade val="50000"/>
+            </a:schemeClr>
+          </a:lnRef>
+          <a:fillRef idx="1">
+            <a:schemeClr val="accent1"/>
+          </a:fillRef>
+          <a:effectRef idx="0">
+            <a:schemeClr val="accent1"/>
+          </a:effectRef>
+          <a:fontRef idx="minor">
+            <a:schemeClr val="lt1"/>
+          </a:fontRef>
+        </p:style>
+        <p:txBody>
+          <a:bodyPr rtlCol="0" anchor="ctr"/>
+          <a:lstStyle/>
+          <a:p>
+            <a:pPr algn="ctr"/>
+            <a:endParaRPr lang="ru-RU"/>
+          </a:p>
+        </p:txBody>
+      </p:sp>
+      <p:sp>
+        <p:nvSpPr>
+          <p:cNvPr id="26" name="Isosceles Triangle 25"/>
+          <p:cNvSpPr/>
+          <p:nvPr/>
+        </p:nvSpPr>
+        <p:spPr>
+          <a:xfrm flipH="1">
+            <a:off x="3320907" y="4164688"/>
+            <a:ext cx="259802" cy="223967"/>
+          </a:xfrm>
+          <a:prstGeom prst="triangle">
+            <a:avLst/>
+          </a:prstGeom>
+          <a:solidFill>
+            <a:schemeClr val="accent2"/>
+          </a:solidFill>
+          <a:ln>
+            <a:solidFill>
+              <a:schemeClr val="accent2"/>
+            </a:solidFill>
+          </a:ln>
+        </p:spPr>
+        <p:style>
+          <a:lnRef idx="2">
+            <a:schemeClr val="accent1">
+              <a:shade val="50000"/>
+            </a:schemeClr>
+          </a:lnRef>
+          <a:fillRef idx="1">
+            <a:schemeClr val="accent1"/>
+          </a:fillRef>
+          <a:effectRef idx="0">
+            <a:schemeClr val="accent1"/>
+          </a:effectRef>
+          <a:fontRef idx="minor">
+            <a:schemeClr val="lt1"/>
+          </a:fontRef>
+        </p:style>
+        <p:txBody>
+          <a:bodyPr rtlCol="0" anchor="ctr"/>
+          <a:lstStyle/>
+          <a:p>
+            <a:pPr algn="ctr"/>
+            <a:endParaRPr lang="ru-RU"/>
+          </a:p>
+        </p:txBody>
+      </p:sp>
+      <p:sp>
+        <p:nvSpPr>
+          <p:cNvPr id="27" name="Isosceles Triangle 26"/>
+          <p:cNvSpPr/>
+          <p:nvPr/>
+        </p:nvSpPr>
+        <p:spPr>
+          <a:xfrm flipH="1">
+            <a:off x="3518608" y="4164688"/>
+            <a:ext cx="259802" cy="223967"/>
+          </a:xfrm>
+          <a:prstGeom prst="triangle">
+            <a:avLst/>
+          </a:prstGeom>
+          <a:solidFill>
+            <a:srgbClr val="FF0000"/>
+          </a:solidFill>
+          <a:ln>
+            <a:solidFill>
+              <a:srgbClr val="FF0000"/>
+            </a:solidFill>
+          </a:ln>
+        </p:spPr>
+        <p:style>
+          <a:lnRef idx="2">
+            <a:schemeClr val="accent1">
+              <a:shade val="50000"/>
+            </a:schemeClr>
+          </a:lnRef>
+          <a:fillRef idx="1">
+            <a:schemeClr val="accent1"/>
+          </a:fillRef>
+          <a:effectRef idx="0">
+            <a:schemeClr val="accent1"/>
+          </a:effectRef>
+          <a:fontRef idx="minor">
+            <a:schemeClr val="lt1"/>
+          </a:fontRef>
+        </p:style>
+        <p:txBody>
+          <a:bodyPr rtlCol="0" anchor="ctr"/>
+          <a:lstStyle/>
+          <a:p>
+            <a:pPr algn="ctr"/>
+            <a:endParaRPr lang="ru-RU"/>
+          </a:p>
+        </p:txBody>
+      </p:sp>
+      <p:sp>
+        <p:nvSpPr>
+          <p:cNvPr id="19" name="Rectangle 18"/>
+          <p:cNvSpPr/>
+          <p:nvPr/>
+        </p:nvSpPr>
+        <p:spPr>
+          <a:xfrm flipH="1">
+            <a:off x="3878336" y="1766917"/>
+            <a:ext cx="366737" cy="1414670"/>
+          </a:xfrm>
+          <a:prstGeom prst="rect">
+            <a:avLst/>
+          </a:prstGeom>
+          <a:solidFill>
+            <a:schemeClr val="tx1">
+              <a:lumMod val="50000"/>
+            </a:schemeClr>
+          </a:solidFill>
+          <a:ln>
+            <a:solidFill>
+              <a:schemeClr val="tx1">
+                <a:lumMod val="50000"/>
+              </a:schemeClr>
+            </a:solidFill>
+          </a:ln>
+        </p:spPr>
+        <p:style>
+          <a:lnRef idx="2">
+            <a:schemeClr val="accent1">
+              <a:shade val="50000"/>
+            </a:schemeClr>
+          </a:lnRef>
+          <a:fillRef idx="1">
+            <a:schemeClr val="accent1"/>
+          </a:fillRef>
+          <a:effectRef idx="0">
+            <a:schemeClr val="accent1"/>
+          </a:effectRef>
+          <a:fontRef idx="minor">
+            <a:schemeClr val="lt1"/>
+          </a:fontRef>
+        </p:style>
+        <p:txBody>
+          <a:bodyPr rtlCol="0" anchor="ctr"/>
+          <a:lstStyle/>
+          <a:p>
+            <a:pPr algn="ctr"/>
+            <a:endParaRPr lang="ru-RU"/>
+          </a:p>
+        </p:txBody>
+      </p:sp>
+      <p:sp>
+        <p:nvSpPr>
+          <p:cNvPr id="20" name="Rectangle 19"/>
+          <p:cNvSpPr/>
+          <p:nvPr/>
+        </p:nvSpPr>
+        <p:spPr>
+          <a:xfrm flipH="1">
+            <a:off x="2270175" y="1766917"/>
+            <a:ext cx="366737" cy="1414670"/>
+          </a:xfrm>
+          <a:prstGeom prst="rect">
+            <a:avLst/>
+          </a:prstGeom>
+          <a:solidFill>
+            <a:schemeClr val="tx1">
+              <a:lumMod val="50000"/>
+            </a:schemeClr>
+          </a:solidFill>
+          <a:ln>
+            <a:solidFill>
+              <a:schemeClr val="tx1">
+                <a:lumMod val="50000"/>
+              </a:schemeClr>
+            </a:solidFill>
+          </a:ln>
+        </p:spPr>
+        <p:style>
+          <a:lnRef idx="2">
+            <a:schemeClr val="accent1">
+              <a:shade val="50000"/>
+            </a:schemeClr>
+          </a:lnRef>
+          <a:fillRef idx="1">
+            <a:schemeClr val="accent1"/>
+          </a:fillRef>
+          <a:effectRef idx="0">
+            <a:schemeClr val="accent1"/>
+          </a:effectRef>
+          <a:fontRef idx="minor">
+            <a:schemeClr val="lt1"/>
+          </a:fontRef>
+        </p:style>
+        <p:txBody>
+          <a:bodyPr rtlCol="0" anchor="ctr"/>
+          <a:lstStyle/>
+          <a:p>
+            <a:pPr algn="ctr"/>
+            <a:endParaRPr lang="ru-RU"/>
+          </a:p>
+        </p:txBody>
+      </p:sp>
+      <p:sp>
+        <p:nvSpPr>
+          <p:cNvPr id="18" name="Rectangle 17"/>
+          <p:cNvSpPr/>
+          <p:nvPr/>
+        </p:nvSpPr>
+        <p:spPr>
+          <a:xfrm flipH="1">
+            <a:off x="3059368" y="1766917"/>
+            <a:ext cx="366737" cy="1414670"/>
+          </a:xfrm>
+          <a:prstGeom prst="rect">
+            <a:avLst/>
+          </a:prstGeom>
+          <a:solidFill>
+            <a:schemeClr val="tx1">
+              <a:lumMod val="50000"/>
+            </a:schemeClr>
+          </a:solidFill>
+          <a:ln>
+            <a:solidFill>
+              <a:schemeClr val="tx1">
+                <a:lumMod val="50000"/>
+              </a:schemeClr>
+            </a:solidFill>
+          </a:ln>
+        </p:spPr>
+        <p:style>
+          <a:lnRef idx="2">
+            <a:schemeClr val="accent1">
+              <a:shade val="50000"/>
+            </a:schemeClr>
+          </a:lnRef>
+          <a:fillRef idx="1">
+            <a:schemeClr val="accent1"/>
+          </a:fillRef>
+          <a:effectRef idx="0">
+            <a:schemeClr val="accent1"/>
+          </a:effectRef>
+          <a:fontRef idx="minor">
+            <a:schemeClr val="lt1"/>
+          </a:fontRef>
+        </p:style>
+        <p:txBody>
+          <a:bodyPr rtlCol="0" anchor="ctr"/>
+          <a:lstStyle/>
+          <a:p>
+            <a:pPr algn="ctr"/>
+            <a:endParaRPr lang="ru-RU"/>
+          </a:p>
+        </p:txBody>
+      </p:sp>
+      <p:sp>
+        <p:nvSpPr>
+          <p:cNvPr id="17" name="Rectangle 16"/>
+          <p:cNvSpPr/>
+          <p:nvPr/>
+        </p:nvSpPr>
+        <p:spPr>
+          <a:xfrm flipH="1">
+            <a:off x="2270176" y="1910933"/>
+            <a:ext cx="366737" cy="1414670"/>
+          </a:xfrm>
+          <a:prstGeom prst="rect">
+            <a:avLst/>
+          </a:prstGeom>
+          <a:solidFill>
+            <a:schemeClr val="tx1">
+              <a:lumMod val="75000"/>
+            </a:schemeClr>
+          </a:solidFill>
+          <a:ln>
+            <a:solidFill>
+              <a:schemeClr val="tx1">
+                <a:lumMod val="75000"/>
+              </a:schemeClr>
+            </a:solidFill>
+          </a:ln>
+        </p:spPr>
+        <p:style>
+          <a:lnRef idx="2">
+            <a:schemeClr val="accent1">
+              <a:shade val="50000"/>
+            </a:schemeClr>
+          </a:lnRef>
+          <a:fillRef idx="1">
+            <a:schemeClr val="accent1"/>
+          </a:fillRef>
+          <a:effectRef idx="0">
+            <a:schemeClr val="accent1"/>
+          </a:effectRef>
+          <a:fontRef idx="minor">
+            <a:schemeClr val="lt1"/>
+          </a:fontRef>
+        </p:style>
+        <p:txBody>
+          <a:bodyPr rtlCol="0" anchor="ctr"/>
+          <a:lstStyle/>
+          <a:p>
+            <a:pPr algn="ctr"/>
+            <a:endParaRPr lang="ru-RU"/>
+          </a:p>
+        </p:txBody>
+      </p:sp>
+      <p:sp>
+        <p:nvSpPr>
+          <p:cNvPr id="16" name="Rectangle 15"/>
+          <p:cNvSpPr/>
+          <p:nvPr/>
+        </p:nvSpPr>
+        <p:spPr>
+          <a:xfrm flipH="1">
+            <a:off x="3878336" y="1910933"/>
+            <a:ext cx="366737" cy="1414670"/>
+          </a:xfrm>
+          <a:prstGeom prst="rect">
+            <a:avLst/>
+          </a:prstGeom>
+          <a:solidFill>
+            <a:schemeClr val="tx1">
+              <a:lumMod val="75000"/>
+            </a:schemeClr>
+          </a:solidFill>
+          <a:ln>
+            <a:solidFill>
+              <a:schemeClr val="tx1">
+                <a:lumMod val="75000"/>
+              </a:schemeClr>
+            </a:solidFill>
+          </a:ln>
+        </p:spPr>
+        <p:style>
+          <a:lnRef idx="2">
+            <a:schemeClr val="accent1">
+              <a:shade val="50000"/>
+            </a:schemeClr>
+          </a:lnRef>
+          <a:fillRef idx="1">
+            <a:schemeClr val="accent1"/>
+          </a:fillRef>
+          <a:effectRef idx="0">
+            <a:schemeClr val="accent1"/>
+          </a:effectRef>
+          <a:fontRef idx="minor">
+            <a:schemeClr val="lt1"/>
+          </a:fontRef>
+        </p:style>
+        <p:txBody>
+          <a:bodyPr rtlCol="0" anchor="ctr"/>
+          <a:lstStyle/>
+          <a:p>
+            <a:pPr algn="ctr"/>
+            <a:endParaRPr lang="ru-RU"/>
+          </a:p>
+        </p:txBody>
+      </p:sp>
+      <p:sp>
+        <p:nvSpPr>
+          <p:cNvPr id="15" name="Rectangle 14"/>
+          <p:cNvSpPr/>
+          <p:nvPr/>
+        </p:nvSpPr>
+        <p:spPr>
+          <a:xfrm flipH="1">
+            <a:off x="3060956" y="1910933"/>
+            <a:ext cx="366737" cy="1414670"/>
+          </a:xfrm>
+          <a:prstGeom prst="rect">
+            <a:avLst/>
+          </a:prstGeom>
+          <a:solidFill>
+            <a:schemeClr val="tx1">
+              <a:lumMod val="75000"/>
+            </a:schemeClr>
+          </a:solidFill>
+          <a:ln>
+            <a:solidFill>
+              <a:schemeClr val="tx1">
+                <a:lumMod val="75000"/>
+              </a:schemeClr>
+            </a:solidFill>
+          </a:ln>
+        </p:spPr>
+        <p:style>
+          <a:lnRef idx="2">
+            <a:schemeClr val="accent1">
+              <a:shade val="50000"/>
+            </a:schemeClr>
+          </a:lnRef>
+          <a:fillRef idx="1">
+            <a:schemeClr val="accent1"/>
+          </a:fillRef>
+          <a:effectRef idx="0">
+            <a:schemeClr val="accent1"/>
+          </a:effectRef>
+          <a:fontRef idx="minor">
+            <a:schemeClr val="lt1"/>
+          </a:fontRef>
+        </p:style>
+        <p:txBody>
+          <a:bodyPr rtlCol="0" anchor="ctr"/>
+          <a:lstStyle/>
+          <a:p>
+            <a:pPr algn="ctr"/>
+            <a:endParaRPr lang="ru-RU"/>
+          </a:p>
+        </p:txBody>
+      </p:sp>
+      <p:sp>
+        <p:nvSpPr>
           <p:cNvPr id="2" name="Title 1"/>
           <p:cNvSpPr>
             <a:spLocks noGrp="1"/>
@@ -6053,13 +7018,18 @@
           <a:p>
             <a:pPr algn="l"/>
             <a:r>
-              <a:rPr lang="ru-RU" sz="3200">
+              <a:rPr lang="ru-RU" sz="3200" smtClean="0">
                 <a:solidFill>
                   <a:srgbClr val="66FFFF"/>
                 </a:solidFill>
               </a:rPr>
-              <a:t>Прототипы</a:t>
-            </a:r>
+              <a:t>Игровой процесс</a:t>
+            </a:r>
+            <a:endParaRPr lang="ru-RU" sz="3200">
+              <a:solidFill>
+                <a:srgbClr val="66FFFF"/>
+              </a:solidFill>
+            </a:endParaRPr>
           </a:p>
         </p:txBody>
       </p:sp>
@@ -6072,7 +7042,7 @@
           <p:nvPr/>
         </p:nvPicPr>
         <p:blipFill>
-          <a:blip r:embed="rId2" cstate="print">
+          <a:blip r:embed="rId3" cstate="print">
             <a:extLst>
               <a:ext uri="{28A0092B-C50C-407E-A947-70E740481C1C}">
                 <a14:useLocalDpi xmlns:a14="http://schemas.microsoft.com/office/drawing/2010/main" val="0"/>
@@ -6127,16 +7097,312 @@
           </a:extLst>
         </p:spPr>
       </p:pic>
+      <p:sp>
+        <p:nvSpPr>
+          <p:cNvPr id="8" name="Isosceles Triangle 7"/>
+          <p:cNvSpPr/>
+          <p:nvPr/>
+        </p:nvSpPr>
+        <p:spPr>
+          <a:xfrm flipH="1">
+            <a:off x="3130337" y="4115041"/>
+            <a:ext cx="259802" cy="223967"/>
+          </a:xfrm>
+          <a:prstGeom prst="triangle">
+            <a:avLst/>
+          </a:prstGeom>
+          <a:solidFill>
+            <a:schemeClr val="tx1">
+              <a:lumMod val="50000"/>
+            </a:schemeClr>
+          </a:solidFill>
+          <a:ln>
+            <a:solidFill>
+              <a:schemeClr val="tx1">
+                <a:lumMod val="50000"/>
+              </a:schemeClr>
+            </a:solidFill>
+          </a:ln>
+        </p:spPr>
+        <p:style>
+          <a:lnRef idx="2">
+            <a:schemeClr val="accent1">
+              <a:shade val="50000"/>
+            </a:schemeClr>
+          </a:lnRef>
+          <a:fillRef idx="1">
+            <a:schemeClr val="accent1"/>
+          </a:fillRef>
+          <a:effectRef idx="0">
+            <a:schemeClr val="accent1"/>
+          </a:effectRef>
+          <a:fontRef idx="minor">
+            <a:schemeClr val="lt1"/>
+          </a:fontRef>
+        </p:style>
+        <p:txBody>
+          <a:bodyPr rtlCol="0" anchor="ctr"/>
+          <a:lstStyle/>
+          <a:p>
+            <a:pPr algn="ctr"/>
+            <a:endParaRPr lang="ru-RU"/>
+          </a:p>
+        </p:txBody>
+      </p:sp>
+      <p:sp>
+        <p:nvSpPr>
+          <p:cNvPr id="9" name="Rectangle 8"/>
+          <p:cNvSpPr/>
+          <p:nvPr/>
+        </p:nvSpPr>
+        <p:spPr>
+          <a:xfrm flipH="1">
+            <a:off x="3060958" y="2054949"/>
+            <a:ext cx="366737" cy="1414670"/>
+          </a:xfrm>
+          <a:prstGeom prst="rect">
+            <a:avLst/>
+          </a:prstGeom>
+          <a:solidFill>
+            <a:schemeClr val="tx1"/>
+          </a:solidFill>
+          <a:ln>
+            <a:solidFill>
+              <a:schemeClr val="tx1"/>
+            </a:solidFill>
+          </a:ln>
+        </p:spPr>
+        <p:style>
+          <a:lnRef idx="2">
+            <a:schemeClr val="accent1">
+              <a:shade val="50000"/>
+            </a:schemeClr>
+          </a:lnRef>
+          <a:fillRef idx="1">
+            <a:schemeClr val="accent1"/>
+          </a:fillRef>
+          <a:effectRef idx="0">
+            <a:schemeClr val="accent1"/>
+          </a:effectRef>
+          <a:fontRef idx="minor">
+            <a:schemeClr val="lt1"/>
+          </a:fontRef>
+        </p:style>
+        <p:txBody>
+          <a:bodyPr rtlCol="0" anchor="ctr"/>
+          <a:lstStyle/>
+          <a:p>
+            <a:pPr algn="ctr"/>
+            <a:endParaRPr lang="ru-RU"/>
+          </a:p>
+        </p:txBody>
+      </p:sp>
+      <p:sp>
+        <p:nvSpPr>
+          <p:cNvPr id="10" name="Rectangle 9"/>
+          <p:cNvSpPr/>
+          <p:nvPr/>
+        </p:nvSpPr>
+        <p:spPr>
+          <a:xfrm flipH="1">
+            <a:off x="2270177" y="2054949"/>
+            <a:ext cx="366737" cy="1414670"/>
+          </a:xfrm>
+          <a:prstGeom prst="rect">
+            <a:avLst/>
+          </a:prstGeom>
+          <a:solidFill>
+            <a:schemeClr val="tx1"/>
+          </a:solidFill>
+          <a:ln>
+            <a:solidFill>
+              <a:schemeClr val="tx1"/>
+            </a:solidFill>
+          </a:ln>
+        </p:spPr>
+        <p:style>
+          <a:lnRef idx="2">
+            <a:schemeClr val="accent1">
+              <a:shade val="50000"/>
+            </a:schemeClr>
+          </a:lnRef>
+          <a:fillRef idx="1">
+            <a:schemeClr val="accent1"/>
+          </a:fillRef>
+          <a:effectRef idx="0">
+            <a:schemeClr val="accent1"/>
+          </a:effectRef>
+          <a:fontRef idx="minor">
+            <a:schemeClr val="lt1"/>
+          </a:fontRef>
+        </p:style>
+        <p:txBody>
+          <a:bodyPr rtlCol="0" anchor="ctr"/>
+          <a:lstStyle/>
+          <a:p>
+            <a:pPr algn="ctr"/>
+            <a:endParaRPr lang="ru-RU"/>
+          </a:p>
+        </p:txBody>
+      </p:sp>
+      <p:sp>
+        <p:nvSpPr>
+          <p:cNvPr id="11" name="Rectangle 10"/>
+          <p:cNvSpPr/>
+          <p:nvPr/>
+        </p:nvSpPr>
+        <p:spPr>
+          <a:xfrm flipH="1">
+            <a:off x="3878336" y="2054949"/>
+            <a:ext cx="366737" cy="1414670"/>
+          </a:xfrm>
+          <a:prstGeom prst="rect">
+            <a:avLst/>
+          </a:prstGeom>
+          <a:solidFill>
+            <a:schemeClr val="tx1"/>
+          </a:solidFill>
+          <a:ln>
+            <a:solidFill>
+              <a:schemeClr val="tx1"/>
+            </a:solidFill>
+          </a:ln>
+        </p:spPr>
+        <p:style>
+          <a:lnRef idx="2">
+            <a:schemeClr val="accent1">
+              <a:shade val="50000"/>
+            </a:schemeClr>
+          </a:lnRef>
+          <a:fillRef idx="1">
+            <a:schemeClr val="accent1"/>
+          </a:fillRef>
+          <a:effectRef idx="0">
+            <a:schemeClr val="accent1"/>
+          </a:effectRef>
+          <a:fontRef idx="minor">
+            <a:schemeClr val="lt1"/>
+          </a:fontRef>
+        </p:style>
+        <p:txBody>
+          <a:bodyPr rtlCol="0" anchor="ctr"/>
+          <a:lstStyle/>
+          <a:p>
+            <a:pPr algn="ctr"/>
+            <a:endParaRPr lang="ru-RU"/>
+          </a:p>
+        </p:txBody>
+      </p:sp>
+      <p:sp>
+        <p:nvSpPr>
+          <p:cNvPr id="12" name="Isosceles Triangle 11"/>
+          <p:cNvSpPr/>
+          <p:nvPr/>
+        </p:nvSpPr>
+        <p:spPr>
+          <a:xfrm flipH="1">
+            <a:off x="3320907" y="4115041"/>
+            <a:ext cx="259802" cy="223967"/>
+          </a:xfrm>
+          <a:prstGeom prst="triangle">
+            <a:avLst/>
+          </a:prstGeom>
+          <a:solidFill>
+            <a:schemeClr val="tx1">
+              <a:lumMod val="85000"/>
+            </a:schemeClr>
+          </a:solidFill>
+          <a:ln>
+            <a:solidFill>
+              <a:schemeClr val="tx1">
+                <a:lumMod val="85000"/>
+              </a:schemeClr>
+            </a:solidFill>
+          </a:ln>
+        </p:spPr>
+        <p:style>
+          <a:lnRef idx="2">
+            <a:schemeClr val="accent1">
+              <a:shade val="50000"/>
+            </a:schemeClr>
+          </a:lnRef>
+          <a:fillRef idx="1">
+            <a:schemeClr val="accent1"/>
+          </a:fillRef>
+          <a:effectRef idx="0">
+            <a:schemeClr val="accent1"/>
+          </a:effectRef>
+          <a:fontRef idx="minor">
+            <a:schemeClr val="lt1"/>
+          </a:fontRef>
+        </p:style>
+        <p:txBody>
+          <a:bodyPr rtlCol="0" anchor="ctr"/>
+          <a:lstStyle/>
+          <a:p>
+            <a:pPr algn="ctr"/>
+            <a:endParaRPr lang="ru-RU"/>
+          </a:p>
+        </p:txBody>
+      </p:sp>
+      <p:sp>
+        <p:nvSpPr>
+          <p:cNvPr id="13" name="Isosceles Triangle 12"/>
+          <p:cNvSpPr/>
+          <p:nvPr/>
+        </p:nvSpPr>
+        <p:spPr>
+          <a:xfrm flipH="1">
+            <a:off x="3518608" y="4115041"/>
+            <a:ext cx="259802" cy="223967"/>
+          </a:xfrm>
+          <a:prstGeom prst="triangle">
+            <a:avLst/>
+          </a:prstGeom>
+          <a:solidFill>
+            <a:schemeClr val="tx1"/>
+          </a:solidFill>
+          <a:ln>
+            <a:solidFill>
+              <a:schemeClr val="tx1"/>
+            </a:solidFill>
+          </a:ln>
+        </p:spPr>
+        <p:style>
+          <a:lnRef idx="2">
+            <a:schemeClr val="accent1">
+              <a:shade val="50000"/>
+            </a:schemeClr>
+          </a:lnRef>
+          <a:fillRef idx="1">
+            <a:schemeClr val="accent1"/>
+          </a:fillRef>
+          <a:effectRef idx="0">
+            <a:schemeClr val="accent1"/>
+          </a:effectRef>
+          <a:fontRef idx="minor">
+            <a:schemeClr val="lt1"/>
+          </a:fontRef>
+        </p:style>
+        <p:txBody>
+          <a:bodyPr rtlCol="0" anchor="ctr"/>
+          <a:lstStyle/>
+          <a:p>
+            <a:pPr algn="ctr"/>
+            <a:endParaRPr lang="ru-RU"/>
+          </a:p>
+        </p:txBody>
+      </p:sp>
       <p:pic>
         <p:nvPicPr>
-          <p:cNvPr id="2051" name="Picture 3"/>
+          <p:cNvPr id="1026" name="Picture 2"/>
           <p:cNvPicPr>
             <a:picLocks noChangeAspect="1" noChangeArrowheads="1"/>
           </p:cNvPicPr>
           <p:nvPr/>
         </p:nvPicPr>
         <p:blipFill>
-          <a:blip r:embed="rId3">
+          <a:blip r:embed="rId4" cstate="print">
             <a:extLst>
               <a:ext uri="{28A0092B-C50C-407E-A947-70E740481C1C}">
                 <a14:useLocalDpi xmlns:a14="http://schemas.microsoft.com/office/drawing/2010/main" val="0"/>
@@ -6149,65 +7415,9 @@
           </a:stretch>
         </p:blipFill>
         <p:spPr bwMode="auto">
-          <a:xfrm>
-            <a:off x="1475656" y="1461477"/>
-            <a:ext cx="3960440" cy="2189999"/>
-          </a:xfrm>
-          <a:prstGeom prst="roundRect">
-            <a:avLst>
-              <a:gd name="adj" fmla="val 4167"/>
-            </a:avLst>
-          </a:prstGeom>
-          <a:solidFill>
-            <a:srgbClr val="FFFFFF"/>
-          </a:solidFill>
-          <a:ln w="76200" cap="sq">
-            <a:solidFill>
-              <a:srgbClr val="292929"/>
-            </a:solidFill>
-            <a:miter lim="800000"/>
-          </a:ln>
-          <a:effectLst/>
-          <a:scene3d>
-            <a:camera prst="orthographicFront"/>
-            <a:lightRig rig="threePt" dir="t">
-              <a:rot lat="0" lon="0" rev="2700000"/>
-            </a:lightRig>
-          </a:scene3d>
-          <a:sp3d>
-            <a:bevelT h="38100"/>
-            <a:contourClr>
-              <a:srgbClr val="C0C0C0"/>
-            </a:contourClr>
-          </a:sp3d>
-          <a:extLst/>
-        </p:spPr>
-      </p:pic>
-      <p:pic>
-        <p:nvPicPr>
-          <p:cNvPr id="2052" name="Picture 4"/>
-          <p:cNvPicPr>
-            <a:picLocks noChangeAspect="1" noChangeArrowheads="1"/>
-          </p:cNvPicPr>
-          <p:nvPr/>
-        </p:nvPicPr>
-        <p:blipFill>
-          <a:blip r:embed="rId4">
-            <a:extLst>
-              <a:ext uri="{28A0092B-C50C-407E-A947-70E740481C1C}">
-                <a14:useLocalDpi xmlns:a14="http://schemas.microsoft.com/office/drawing/2010/main" val="0"/>
-              </a:ext>
-            </a:extLst>
-          </a:blip>
-          <a:srcRect/>
-          <a:stretch>
-            <a:fillRect/>
-          </a:stretch>
-        </p:blipFill>
-        <p:spPr bwMode="auto">
-          <a:xfrm>
-            <a:off x="5868144" y="1642077"/>
-            <a:ext cx="1828800" cy="1828800"/>
+          <a:xfrm rot="20122802">
+            <a:off x="3521309" y="4258303"/>
+            <a:ext cx="574873" cy="574873"/>
           </a:xfrm>
           <a:prstGeom prst="rect">
             <a:avLst/>
@@ -6249,14 +7459,140 @@
       </p:pic>
       <p:sp>
         <p:nvSpPr>
-          <p:cNvPr id="5" name="TextBox 4"/>
+          <p:cNvPr id="7" name="TextBox 6"/>
           <p:cNvSpPr txBox="1"/>
           <p:nvPr/>
         </p:nvSpPr>
         <p:spPr>
           <a:xfrm>
-            <a:off x="755576" y="4371950"/>
-            <a:ext cx="7513164" cy="400110"/>
+            <a:off x="2270175" y="929253"/>
+            <a:ext cx="724878" cy="369332"/>
+          </a:xfrm>
+          <a:prstGeom prst="rect">
+            <a:avLst/>
+          </a:prstGeom>
+          <a:noFill/>
+        </p:spPr>
+        <p:txBody>
+          <a:bodyPr wrap="none" rtlCol="0">
+            <a:spAutoFit/>
+          </a:bodyPr>
+          <a:lstStyle/>
+          <a:p>
+            <a:r>
+              <a:rPr lang="en-US" smtClean="0"/>
+              <a:t>42.69</a:t>
+            </a:r>
+            <a:endParaRPr lang="ru-RU"/>
+          </a:p>
+        </p:txBody>
+      </p:sp>
+      <p:sp>
+        <p:nvSpPr>
+          <p:cNvPr id="22" name="TextBox 21"/>
+          <p:cNvSpPr txBox="1"/>
+          <p:nvPr/>
+        </p:nvSpPr>
+        <p:spPr>
+          <a:xfrm>
+            <a:off x="2267163" y="1136764"/>
+            <a:ext cx="720069" cy="230832"/>
+          </a:xfrm>
+          <a:prstGeom prst="rect">
+            <a:avLst/>
+          </a:prstGeom>
+          <a:noFill/>
+        </p:spPr>
+        <p:txBody>
+          <a:bodyPr wrap="none" rtlCol="0">
+            <a:spAutoFit/>
+          </a:bodyPr>
+          <a:lstStyle/>
+          <a:p>
+            <a:r>
+              <a:rPr lang="en-US" sz="900" smtClean="0"/>
+              <a:t>Best: </a:t>
+            </a:r>
+            <a:r>
+              <a:rPr lang="ru-RU" sz="900" smtClean="0"/>
+              <a:t>76.41</a:t>
+            </a:r>
+            <a:endParaRPr lang="ru-RU" sz="900"/>
+          </a:p>
+        </p:txBody>
+      </p:sp>
+      <p:sp>
+        <p:nvSpPr>
+          <p:cNvPr id="14" name="TextBox 13"/>
+          <p:cNvSpPr txBox="1"/>
+          <p:nvPr/>
+        </p:nvSpPr>
+        <p:spPr>
+          <a:xfrm>
+            <a:off x="2916943" y="2931790"/>
+            <a:ext cx="184731" cy="369332"/>
+          </a:xfrm>
+          <a:prstGeom prst="rect">
+            <a:avLst/>
+          </a:prstGeom>
+          <a:noFill/>
+        </p:spPr>
+        <p:txBody>
+          <a:bodyPr wrap="none" rtlCol="0">
+            <a:spAutoFit/>
+          </a:bodyPr>
+          <a:lstStyle/>
+          <a:p>
+            <a:endParaRPr lang="ru-RU"/>
+          </a:p>
+        </p:txBody>
+      </p:sp>
+      <p:sp>
+        <p:nvSpPr>
+          <p:cNvPr id="21" name="TextBox 20"/>
+          <p:cNvSpPr txBox="1"/>
+          <p:nvPr/>
+        </p:nvSpPr>
+        <p:spPr>
+          <a:xfrm>
+            <a:off x="4644008" y="3945811"/>
+            <a:ext cx="2582758" cy="523220"/>
+          </a:xfrm>
+          <a:prstGeom prst="rect">
+            <a:avLst/>
+          </a:prstGeom>
+          <a:noFill/>
+        </p:spPr>
+        <p:txBody>
+          <a:bodyPr wrap="none" rtlCol="0">
+            <a:spAutoFit/>
+          </a:bodyPr>
+          <a:lstStyle/>
+          <a:p>
+            <a:r>
+              <a:rPr lang="ru-RU" sz="1400" smtClean="0"/>
+              <a:t>Тень треугольника меняется</a:t>
+            </a:r>
+          </a:p>
+          <a:p>
+            <a:r>
+              <a:rPr lang="ru-RU" sz="1400" smtClean="0"/>
+              <a:t>в зависимости от сложности</a:t>
+            </a:r>
+            <a:endParaRPr lang="ru-RU" sz="1400"/>
+          </a:p>
+        </p:txBody>
+      </p:sp>
+      <p:sp>
+        <p:nvSpPr>
+          <p:cNvPr id="29" name="TextBox 28"/>
+          <p:cNvSpPr txBox="1"/>
+          <p:nvPr/>
+        </p:nvSpPr>
+        <p:spPr>
+          <a:xfrm>
+            <a:off x="4644008" y="2930514"/>
+            <a:ext cx="2013198" cy="523220"/>
           </a:xfrm>
           <a:prstGeom prst="rect">
             <a:avLst/>
@@ -6269,53 +7605,137 @@
           </a:bodyPr>
           <a:lstStyle/>
           <a:p>
+            <a:r>
+              <a:rPr lang="ru-RU" sz="1400" smtClean="0"/>
+              <a:t>Нужно уворачиваться от препятствий</a:t>
+            </a:r>
+            <a:endParaRPr lang="ru-RU" sz="1400"/>
+          </a:p>
+        </p:txBody>
+      </p:sp>
+      <p:sp>
+        <p:nvSpPr>
+          <p:cNvPr id="23" name="TextBox 22"/>
+          <p:cNvSpPr txBox="1"/>
+          <p:nvPr/>
+        </p:nvSpPr>
+        <p:spPr>
+          <a:xfrm>
+            <a:off x="4644007" y="1945678"/>
+            <a:ext cx="2088231" cy="523220"/>
+          </a:xfrm>
+          <a:prstGeom prst="rect">
+            <a:avLst/>
+          </a:prstGeom>
+          <a:noFill/>
+        </p:spPr>
+        <p:txBody>
+          <a:bodyPr wrap="square" rtlCol="0">
+            <a:spAutoFit/>
+          </a:bodyPr>
+          <a:lstStyle/>
+          <a:p>
+            <a:r>
+              <a:rPr lang="ru-RU" sz="1400" smtClean="0"/>
+              <a:t>Скорость препятствий зависит от сложности</a:t>
+            </a:r>
+            <a:endParaRPr lang="ru-RU" sz="1400"/>
+          </a:p>
+        </p:txBody>
+      </p:sp>
+      <p:sp>
+        <p:nvSpPr>
+          <p:cNvPr id="31" name="TextBox 30"/>
+          <p:cNvSpPr txBox="1"/>
+          <p:nvPr/>
+        </p:nvSpPr>
+        <p:spPr>
+          <a:xfrm>
+            <a:off x="4644008" y="1067276"/>
+            <a:ext cx="2088231" cy="523220"/>
+          </a:xfrm>
+          <a:prstGeom prst="rect">
+            <a:avLst/>
+          </a:prstGeom>
+          <a:noFill/>
+        </p:spPr>
+        <p:txBody>
+          <a:bodyPr wrap="square" rtlCol="0">
+            <a:spAutoFit/>
+          </a:bodyPr>
+          <a:lstStyle/>
+          <a:p>
+            <a:r>
+              <a:rPr lang="ru-RU" sz="1400" smtClean="0"/>
+              <a:t>Рекорды измеряются временем</a:t>
+            </a:r>
+            <a:endParaRPr lang="ru-RU" sz="1400"/>
+          </a:p>
+        </p:txBody>
+      </p:sp>
+      <p:sp>
+        <p:nvSpPr>
+          <p:cNvPr id="28" name="Rectangle 27"/>
+          <p:cNvSpPr/>
+          <p:nvPr/>
+        </p:nvSpPr>
+        <p:spPr>
+          <a:xfrm>
+            <a:off x="2270174" y="915566"/>
+            <a:ext cx="1974899" cy="4011225"/>
+          </a:xfrm>
+          <a:prstGeom prst="rect">
+            <a:avLst/>
+          </a:prstGeom>
+          <a:noFill/>
+          <a:ln>
+            <a:solidFill>
+              <a:schemeClr val="tx1"/>
+            </a:solidFill>
+          </a:ln>
+        </p:spPr>
+        <p:style>
+          <a:lnRef idx="2">
+            <a:schemeClr val="accent1">
+              <a:shade val="50000"/>
+            </a:schemeClr>
+          </a:lnRef>
+          <a:fillRef idx="1">
+            <a:schemeClr val="accent1"/>
+          </a:fillRef>
+          <a:effectRef idx="0">
+            <a:schemeClr val="accent1"/>
+          </a:effectRef>
+          <a:fontRef idx="minor">
+            <a:schemeClr val="lt1"/>
+          </a:fontRef>
+        </p:style>
+        <p:txBody>
+          <a:bodyPr rtlCol="0" anchor="ctr"/>
+          <a:lstStyle/>
+          <a:p>
             <a:pPr algn="ctr"/>
-            <a:r>
-              <a:rPr lang="ru-RU" sz="2000">
-                <a:solidFill>
-                  <a:srgbClr val="FF0000"/>
-                </a:solidFill>
-              </a:rPr>
-              <a:t>Не пошла: </a:t>
-            </a:r>
-            <a:r>
-              <a:rPr lang="en-US" sz="2000">
-                <a:solidFill>
-                  <a:srgbClr val="FF0000"/>
-                </a:solidFill>
-              </a:rPr>
-              <a:t> </a:t>
-            </a:r>
-            <a:r>
-              <a:rPr lang="ru-RU" sz="2000">
-                <a:solidFill>
-                  <a:srgbClr val="FF0000"/>
-                </a:solidFill>
-              </a:rPr>
-              <a:t> </a:t>
-            </a:r>
-            <a:r>
-              <a:rPr lang="ru-RU" sz="2000"/>
-              <a:t>идея взята из примеров</a:t>
-            </a:r>
-            <a:endParaRPr lang="ru-RU" sz="2000">
-              <a:solidFill>
-                <a:srgbClr val="FF0000"/>
-              </a:solidFill>
-            </a:endParaRPr>
+            <a:endParaRPr lang="ru-RU"/>
           </a:p>
         </p:txBody>
       </p:sp>
     </p:spTree>
     <p:extLst>
       <p:ext uri="{BB962C8B-B14F-4D97-AF65-F5344CB8AC3E}">
-        <p14:creationId xmlns:p14="http://schemas.microsoft.com/office/powerpoint/2010/main" val="2416647189"/>
+        <p14:creationId xmlns:p14="http://schemas.microsoft.com/office/powerpoint/2010/main" val="2949240297"/>
       </p:ext>
     </p:extLst>
   </p:cSld>
   <p:clrMapOvr>
     <a:masterClrMapping/>
   </p:clrMapOvr>
+  <p:timing>
+    <p:tnLst>
+      <p:par>
+        <p:cTn id="1" dur="indefinite" restart="never" nodeType="tmRoot"/>
+      </p:par>
+    </p:tnLst>
+  </p:timing>
 </p:sld>
 </file>
 
@@ -6360,8 +7780,152 @@
                   <a:srgbClr val="66FFFF"/>
                 </a:solidFill>
               </a:rPr>
-              <a:t>Прототипы</a:t>
-            </a:r>
+              <a:t>На чём сделана</a:t>
+            </a:r>
+          </a:p>
+        </p:txBody>
+      </p:sp>
+      <p:sp>
+        <p:nvSpPr>
+          <p:cNvPr id="3" name="Content Placeholder 2"/>
+          <p:cNvSpPr>
+            <a:spLocks noGrp="1"/>
+          </p:cNvSpPr>
+          <p:nvPr>
+            <p:ph idx="1"/>
+          </p:nvPr>
+        </p:nvSpPr>
+        <p:spPr>
+          <a:xfrm>
+            <a:off x="539552" y="1427892"/>
+            <a:ext cx="5112568" cy="2664296"/>
+          </a:xfrm>
+        </p:spPr>
+        <p:txBody>
+          <a:bodyPr>
+            <a:normAutofit/>
+          </a:bodyPr>
+          <a:lstStyle/>
+          <a:p>
+            <a:pPr marL="0" indent="0">
+              <a:buNone/>
+            </a:pPr>
+            <a:r>
+              <a:rPr lang="en-US" sz="1800" smtClean="0"/>
+              <a:t>Lib</a:t>
+            </a:r>
+            <a:r>
+              <a:rPr lang="en-US" sz="1800" smtClean="0">
+                <a:solidFill>
+                  <a:schemeClr val="accent2"/>
+                </a:solidFill>
+              </a:rPr>
+              <a:t>GDX</a:t>
+            </a:r>
+          </a:p>
+          <a:p>
+            <a:r>
+              <a:rPr lang="ru-RU" sz="1400" smtClean="0"/>
+              <a:t>Много библиотек для создания игр</a:t>
+            </a:r>
+          </a:p>
+          <a:p>
+            <a:r>
+              <a:rPr lang="ru-RU" sz="1400" smtClean="0"/>
+              <a:t>Поддержка </a:t>
+            </a:r>
+            <a:r>
+              <a:rPr lang="en-US" sz="1400" smtClean="0"/>
+              <a:t>Android, Web, iOS, PC, macOS, Linux</a:t>
+            </a:r>
+            <a:endParaRPr lang="ru-RU" sz="1400"/>
+          </a:p>
+          <a:p>
+            <a:r>
+              <a:rPr lang="ru-RU" sz="1400"/>
+              <a:t>Документация, </a:t>
+            </a:r>
+            <a:r>
+              <a:rPr lang="en-US" sz="1400" smtClean="0"/>
+              <a:t>Discord</a:t>
+            </a:r>
+            <a:endParaRPr lang="ru-RU" sz="1400" smtClean="0"/>
+          </a:p>
+          <a:p>
+            <a:r>
+              <a:rPr lang="ru-RU" sz="1400" smtClean="0"/>
+              <a:t>Доступность, бесплатность</a:t>
+            </a:r>
+            <a:endParaRPr lang="en-US" sz="1400"/>
+          </a:p>
+          <a:p>
+            <a:pPr marL="0" indent="0">
+              <a:buNone/>
+            </a:pPr>
+            <a:r>
+              <a:rPr lang="en-US" sz="1800" smtClean="0">
+                <a:solidFill>
+                  <a:srgbClr val="00B050"/>
+                </a:solidFill>
+              </a:rPr>
+              <a:t>Android </a:t>
+            </a:r>
+            <a:r>
+              <a:rPr lang="en-US" sz="1800" smtClean="0">
+                <a:solidFill>
+                  <a:schemeClr val="tx1">
+                    <a:lumMod val="65000"/>
+                  </a:schemeClr>
+                </a:solidFill>
+              </a:rPr>
+              <a:t>Studio</a:t>
+            </a:r>
+            <a:endParaRPr lang="en-US" sz="1800">
+              <a:solidFill>
+                <a:schemeClr val="tx1">
+                  <a:lumMod val="65000"/>
+                </a:schemeClr>
+              </a:solidFill>
+            </a:endParaRPr>
+          </a:p>
+          <a:p>
+            <a:r>
+              <a:rPr lang="ru-RU" sz="1400" smtClean="0"/>
+              <a:t>Удобная среда</a:t>
+            </a:r>
+            <a:r>
+              <a:rPr lang="en-US" sz="1400" smtClean="0"/>
+              <a:t> </a:t>
+            </a:r>
+            <a:r>
+              <a:rPr lang="ru-RU" sz="1400" smtClean="0"/>
+              <a:t>программирования</a:t>
+            </a:r>
+            <a:endParaRPr lang="en-US" sz="1400"/>
+          </a:p>
+          <a:p>
+            <a:pPr marL="0" indent="0">
+              <a:buNone/>
+            </a:pPr>
+            <a:r>
+              <a:rPr lang="en-US" sz="1800" smtClean="0">
+                <a:solidFill>
+                  <a:schemeClr val="accent1"/>
+                </a:solidFill>
+              </a:rPr>
+              <a:t>paint.net</a:t>
+            </a:r>
+          </a:p>
+          <a:p>
+            <a:r>
+              <a:rPr lang="ru-RU" sz="1400" smtClean="0"/>
+              <a:t>Зарисовка </a:t>
+            </a:r>
+            <a:r>
+              <a:rPr lang="ru-RU" sz="1400" smtClean="0"/>
+              <a:t>текстур</a:t>
+            </a:r>
+            <a:endParaRPr lang="ru-RU" sz="1200"/>
           </a:p>
         </p:txBody>
       </p:sp>
@@ -6374,7 +7938,7 @@
           <p:nvPr/>
         </p:nvPicPr>
         <p:blipFill>
-          <a:blip r:embed="rId2" cstate="print">
+          <a:blip r:embed="rId3" cstate="print">
             <a:extLst>
               <a:ext uri="{28A0092B-C50C-407E-A947-70E740481C1C}">
                 <a14:useLocalDpi xmlns:a14="http://schemas.microsoft.com/office/drawing/2010/main" val="0"/>
@@ -6431,99 +7995,7 @@
       </p:pic>
       <p:pic>
         <p:nvPicPr>
-          <p:cNvPr id="3075" name="Picture 3" descr="C:\Users\username\Desktop\random\ic_launcher.png"/>
-          <p:cNvPicPr>
-            <a:picLocks noChangeAspect="1" noChangeArrowheads="1"/>
-          </p:cNvPicPr>
-          <p:nvPr/>
-        </p:nvPicPr>
-        <p:blipFill>
-          <a:blip r:embed="rId3">
-            <a:extLst>
-              <a:ext uri="{28A0092B-C50C-407E-A947-70E740481C1C}">
-                <a14:useLocalDpi xmlns:a14="http://schemas.microsoft.com/office/drawing/2010/main" val="0"/>
-              </a:ext>
-            </a:extLst>
-          </a:blip>
-          <a:srcRect/>
-          <a:stretch>
-            <a:fillRect/>
-          </a:stretch>
-        </p:blipFill>
-        <p:spPr bwMode="auto">
-          <a:xfrm>
-            <a:off x="3563888" y="1778052"/>
-            <a:ext cx="1828800" cy="1828800"/>
-          </a:xfrm>
-          <a:prstGeom prst="rect">
-            <a:avLst/>
-          </a:prstGeom>
-          <a:noFill/>
-          <a:extLst>
-            <a:ext uri="{909E8E84-426E-40DD-AFC4-6F175D3DCCD1}">
-              <a14:hiddenFill xmlns:a14="http://schemas.microsoft.com/office/drawing/2010/main">
-                <a:solidFill>
-                  <a:srgbClr val="FFFFFF"/>
-                </a:solidFill>
-              </a14:hiddenFill>
-            </a:ext>
-          </a:extLst>
-        </p:spPr>
-      </p:pic>
-      <p:sp>
-        <p:nvSpPr>
-          <p:cNvPr id="9" name="TextBox 8"/>
-          <p:cNvSpPr txBox="1"/>
-          <p:nvPr/>
-        </p:nvSpPr>
-        <p:spPr>
-          <a:xfrm>
-            <a:off x="755576" y="4371950"/>
-            <a:ext cx="7513164" cy="400110"/>
-          </a:xfrm>
-          <a:prstGeom prst="rect">
-            <a:avLst/>
-          </a:prstGeom>
-          <a:noFill/>
-        </p:spPr>
-        <p:txBody>
-          <a:bodyPr wrap="square" rtlCol="0">
-            <a:spAutoFit/>
-          </a:bodyPr>
-          <a:lstStyle/>
-          <a:p>
-            <a:pPr algn="ctr"/>
-            <a:r>
-              <a:rPr lang="ru-RU" sz="2000">
-                <a:solidFill>
-                  <a:srgbClr val="00FF00"/>
-                </a:solidFill>
-              </a:rPr>
-              <a:t>Пошла:</a:t>
-            </a:r>
-            <a:r>
-              <a:rPr lang="en-US" sz="2000">
-                <a:solidFill>
-                  <a:srgbClr val="00FF00"/>
-                </a:solidFill>
-              </a:rPr>
-              <a:t>  </a:t>
-            </a:r>
-            <a:r>
-              <a:rPr lang="ru-RU" sz="2000"/>
-              <a:t> препод сказал «кайф»</a:t>
-            </a:r>
-            <a:endParaRPr lang="ru-RU" sz="2000">
-              <a:solidFill>
-                <a:srgbClr val="FF0000"/>
-              </a:solidFill>
-            </a:endParaRPr>
-          </a:p>
-        </p:txBody>
-      </p:sp>
-      <p:pic>
-        <p:nvPicPr>
-          <p:cNvPr id="3076" name="Picture 4"/>
+          <p:cNvPr id="4098" name="Picture 2" descr="Brand Guidelines - libGDX"/>
           <p:cNvPicPr>
             <a:picLocks noChangeAspect="1" noChangeArrowheads="1"/>
           </p:cNvPicPr>
@@ -6544,64 +8016,8 @@
         </p:blipFill>
         <p:spPr bwMode="auto">
           <a:xfrm>
-            <a:off x="1475656" y="1275604"/>
-            <a:ext cx="1659605" cy="2833697"/>
-          </a:xfrm>
-          <a:prstGeom prst="roundRect">
-            <a:avLst>
-              <a:gd name="adj" fmla="val 4167"/>
-            </a:avLst>
-          </a:prstGeom>
-          <a:solidFill>
-            <a:srgbClr val="FFFFFF"/>
-          </a:solidFill>
-          <a:ln w="76200" cap="sq">
-            <a:solidFill>
-              <a:srgbClr val="292929"/>
-            </a:solidFill>
-            <a:miter lim="800000"/>
-          </a:ln>
-          <a:effectLst/>
-          <a:scene3d>
-            <a:camera prst="orthographicFront"/>
-            <a:lightRig rig="threePt" dir="t">
-              <a:rot lat="0" lon="0" rev="2700000"/>
-            </a:lightRig>
-          </a:scene3d>
-          <a:sp3d>
-            <a:bevelT h="38100"/>
-            <a:contourClr>
-              <a:srgbClr val="C0C0C0"/>
-            </a:contourClr>
-          </a:sp3d>
-          <a:extLst/>
-        </p:spPr>
-      </p:pic>
-      <p:pic>
-        <p:nvPicPr>
-          <p:cNvPr id="3077" name="Picture 5" descr="C:\Users\username\Documents\Trance6-master\android\assets\textures\gamelogo.png"/>
-          <p:cNvPicPr>
-            <a:picLocks noChangeAspect="1" noChangeArrowheads="1"/>
-          </p:cNvPicPr>
-          <p:nvPr/>
-        </p:nvPicPr>
-        <p:blipFill>
-          <a:blip r:embed="rId5" cstate="print">
-            <a:extLst>
-              <a:ext uri="{28A0092B-C50C-407E-A947-70E740481C1C}">
-                <a14:useLocalDpi xmlns:a14="http://schemas.microsoft.com/office/drawing/2010/main" val="0"/>
-              </a:ext>
-            </a:extLst>
-          </a:blip>
-          <a:srcRect/>
-          <a:stretch>
-            <a:fillRect/>
-          </a:stretch>
-        </p:blipFill>
-        <p:spPr bwMode="auto">
-          <a:xfrm>
-            <a:off x="5721639" y="2099470"/>
-            <a:ext cx="2070845" cy="1185963"/>
+            <a:off x="5220072" y="2476040"/>
+            <a:ext cx="3408006" cy="568001"/>
           </a:xfrm>
           <a:prstGeom prst="rect">
             <a:avLst/>
@@ -6621,13 +8037,20 @@
     </p:spTree>
     <p:extLst>
       <p:ext uri="{BB962C8B-B14F-4D97-AF65-F5344CB8AC3E}">
-        <p14:creationId xmlns:p14="http://schemas.microsoft.com/office/powerpoint/2010/main" val="4277096997"/>
+        <p14:creationId xmlns:p14="http://schemas.microsoft.com/office/powerpoint/2010/main" val="2525848354"/>
       </p:ext>
     </p:extLst>
   </p:cSld>
   <p:clrMapOvr>
     <a:masterClrMapping/>
   </p:clrMapOvr>
+  <p:timing>
+    <p:tnLst>
+      <p:par>
+        <p:cTn id="1" dur="indefinite" restart="never" nodeType="tmRoot"/>
+      </p:par>
+    </p:tnLst>
+  </p:timing>
 </p:sld>
 </file>
 
@@ -6672,71 +8095,1300 @@
                   <a:srgbClr val="66FFFF"/>
                 </a:solidFill>
               </a:rPr>
-              <a:t>На чём сделана</a:t>
-            </a:r>
-          </a:p>
-        </p:txBody>
-      </p:sp>
-      <p:sp>
-        <p:nvSpPr>
-          <p:cNvPr id="3" name="Content Placeholder 2"/>
-          <p:cNvSpPr>
-            <a:spLocks noGrp="1"/>
-          </p:cNvSpPr>
-          <p:nvPr>
-            <p:ph idx="1"/>
-          </p:nvPr>
+              <a:t>Как сделана</a:t>
+            </a:r>
+          </a:p>
+        </p:txBody>
+      </p:sp>
+      <p:sp>
+        <p:nvSpPr>
+          <p:cNvPr id="4" name="Rectangle 3"/>
+          <p:cNvSpPr/>
+          <p:nvPr/>
         </p:nvSpPr>
         <p:spPr>
           <a:xfrm>
-            <a:off x="467544" y="2165816"/>
-            <a:ext cx="4114800" cy="2432253"/>
-          </a:xfrm>
-        </p:spPr>
-        <p:txBody>
-          <a:bodyPr>
-            <a:normAutofit/>
-          </a:bodyPr>
-          <a:lstStyle/>
-          <a:p>
-            <a:r>
-              <a:rPr lang="ru-RU" sz="2000"/>
-              <a:t>Уйма библиотек</a:t>
-            </a:r>
-          </a:p>
-          <a:p>
-            <a:r>
-              <a:rPr lang="ru-RU" sz="2000"/>
-              <a:t>Документация, </a:t>
-            </a:r>
-            <a:r>
-              <a:rPr lang="en-US" sz="2000"/>
-              <a:t>Discord</a:t>
-            </a:r>
-          </a:p>
-          <a:p>
-            <a:r>
-              <a:rPr lang="ru-RU" sz="2000"/>
-              <a:t>Вменяемая </a:t>
-            </a:r>
-            <a:r>
-              <a:rPr lang="en-US" sz="2000"/>
-              <a:t>IDE</a:t>
-            </a:r>
-            <a:endParaRPr lang="ru-RU" sz="2000"/>
-          </a:p>
-        </p:txBody>
-      </p:sp>
+            <a:off x="630962" y="2287330"/>
+            <a:ext cx="1289138" cy="368325"/>
+          </a:xfrm>
+          <a:prstGeom prst="rect">
+            <a:avLst/>
+          </a:prstGeom>
+          <a:solidFill>
+            <a:schemeClr val="tx1"/>
+          </a:solidFill>
+          <a:ln>
+            <a:solidFill>
+              <a:schemeClr val="bg1"/>
+            </a:solidFill>
+          </a:ln>
+        </p:spPr>
+        <p:style>
+          <a:lnRef idx="2">
+            <a:schemeClr val="accent1">
+              <a:shade val="50000"/>
+            </a:schemeClr>
+          </a:lnRef>
+          <a:fillRef idx="1">
+            <a:schemeClr val="accent1"/>
+          </a:fillRef>
+          <a:effectRef idx="0">
+            <a:schemeClr val="accent1"/>
+          </a:effectRef>
+          <a:fontRef idx="minor">
+            <a:schemeClr val="lt1"/>
+          </a:fontRef>
+        </p:style>
+        <p:txBody>
+          <a:bodyPr rtlCol="0" anchor="ctr"/>
+          <a:lstStyle/>
+          <a:p>
+            <a:pPr algn="ctr"/>
+            <a:r>
+              <a:rPr lang="en-US" sz="1600">
+                <a:solidFill>
+                  <a:schemeClr val="bg1"/>
+                </a:solidFill>
+              </a:rPr>
+              <a:t>Foundation</a:t>
+            </a:r>
+            <a:endParaRPr lang="ru-RU" sz="1600">
+              <a:solidFill>
+                <a:schemeClr val="bg1"/>
+              </a:solidFill>
+            </a:endParaRPr>
+          </a:p>
+        </p:txBody>
+      </p:sp>
+      <p:sp>
+        <p:nvSpPr>
+          <p:cNvPr id="5" name="Rectangle 4"/>
+          <p:cNvSpPr/>
+          <p:nvPr/>
+        </p:nvSpPr>
+        <p:spPr>
+          <a:xfrm>
+            <a:off x="2647186" y="2287331"/>
+            <a:ext cx="1289138" cy="368325"/>
+          </a:xfrm>
+          <a:prstGeom prst="rect">
+            <a:avLst/>
+          </a:prstGeom>
+          <a:solidFill>
+            <a:schemeClr val="tx1"/>
+          </a:solidFill>
+          <a:ln>
+            <a:solidFill>
+              <a:schemeClr val="bg1"/>
+            </a:solidFill>
+          </a:ln>
+        </p:spPr>
+        <p:style>
+          <a:lnRef idx="2">
+            <a:schemeClr val="accent1">
+              <a:shade val="50000"/>
+            </a:schemeClr>
+          </a:lnRef>
+          <a:fillRef idx="1">
+            <a:schemeClr val="accent1"/>
+          </a:fillRef>
+          <a:effectRef idx="0">
+            <a:schemeClr val="accent1"/>
+          </a:effectRef>
+          <a:fontRef idx="minor">
+            <a:schemeClr val="lt1"/>
+          </a:fontRef>
+        </p:style>
+        <p:txBody>
+          <a:bodyPr rtlCol="0" anchor="ctr"/>
+          <a:lstStyle/>
+          <a:p>
+            <a:pPr algn="ctr"/>
+            <a:r>
+              <a:rPr lang="en-US" sz="1600">
+                <a:solidFill>
+                  <a:schemeClr val="bg1"/>
+                </a:solidFill>
+              </a:rPr>
+              <a:t>MainScreen</a:t>
+            </a:r>
+            <a:endParaRPr lang="ru-RU" sz="1600">
+              <a:solidFill>
+                <a:schemeClr val="bg1"/>
+              </a:solidFill>
+            </a:endParaRPr>
+          </a:p>
+        </p:txBody>
+      </p:sp>
+      <p:sp>
+        <p:nvSpPr>
+          <p:cNvPr id="6" name="Rectangle 5"/>
+          <p:cNvSpPr/>
+          <p:nvPr/>
+        </p:nvSpPr>
+        <p:spPr>
+          <a:xfrm>
+            <a:off x="4663410" y="1699817"/>
+            <a:ext cx="1289138" cy="368325"/>
+          </a:xfrm>
+          <a:prstGeom prst="rect">
+            <a:avLst/>
+          </a:prstGeom>
+          <a:solidFill>
+            <a:schemeClr val="tx1"/>
+          </a:solidFill>
+          <a:ln>
+            <a:solidFill>
+              <a:schemeClr val="bg1"/>
+            </a:solidFill>
+          </a:ln>
+        </p:spPr>
+        <p:style>
+          <a:lnRef idx="2">
+            <a:schemeClr val="accent1">
+              <a:shade val="50000"/>
+            </a:schemeClr>
+          </a:lnRef>
+          <a:fillRef idx="1">
+            <a:schemeClr val="accent1"/>
+          </a:fillRef>
+          <a:effectRef idx="0">
+            <a:schemeClr val="accent1"/>
+          </a:effectRef>
+          <a:fontRef idx="minor">
+            <a:schemeClr val="lt1"/>
+          </a:fontRef>
+        </p:style>
+        <p:txBody>
+          <a:bodyPr rtlCol="0" anchor="ctr"/>
+          <a:lstStyle/>
+          <a:p>
+            <a:pPr algn="ctr"/>
+            <a:r>
+              <a:rPr lang="en-US" sz="1600">
+                <a:solidFill>
+                  <a:schemeClr val="bg1"/>
+                </a:solidFill>
+              </a:rPr>
+              <a:t>OptsScreen</a:t>
+            </a:r>
+            <a:endParaRPr lang="ru-RU" sz="1600">
+              <a:solidFill>
+                <a:schemeClr val="bg1"/>
+              </a:solidFill>
+            </a:endParaRPr>
+          </a:p>
+        </p:txBody>
+      </p:sp>
+      <p:sp>
+        <p:nvSpPr>
+          <p:cNvPr id="7" name="Rectangle 6"/>
+          <p:cNvSpPr/>
+          <p:nvPr/>
+        </p:nvSpPr>
+        <p:spPr>
+          <a:xfrm>
+            <a:off x="4663410" y="2887803"/>
+            <a:ext cx="1289138" cy="368325"/>
+          </a:xfrm>
+          <a:prstGeom prst="rect">
+            <a:avLst/>
+          </a:prstGeom>
+          <a:solidFill>
+            <a:schemeClr val="tx1"/>
+          </a:solidFill>
+          <a:ln>
+            <a:solidFill>
+              <a:schemeClr val="bg1"/>
+            </a:solidFill>
+          </a:ln>
+        </p:spPr>
+        <p:style>
+          <a:lnRef idx="2">
+            <a:schemeClr val="accent1">
+              <a:shade val="50000"/>
+            </a:schemeClr>
+          </a:lnRef>
+          <a:fillRef idx="1">
+            <a:schemeClr val="accent1"/>
+          </a:fillRef>
+          <a:effectRef idx="0">
+            <a:schemeClr val="accent1"/>
+          </a:effectRef>
+          <a:fontRef idx="minor">
+            <a:schemeClr val="lt1"/>
+          </a:fontRef>
+        </p:style>
+        <p:txBody>
+          <a:bodyPr rtlCol="0" anchor="ctr"/>
+          <a:lstStyle/>
+          <a:p>
+            <a:pPr algn="ctr"/>
+            <a:r>
+              <a:rPr lang="en-US" sz="1600">
+                <a:solidFill>
+                  <a:schemeClr val="bg1"/>
+                </a:solidFill>
+              </a:rPr>
+              <a:t>StatScreen</a:t>
+            </a:r>
+            <a:endParaRPr lang="ru-RU" sz="1600">
+              <a:solidFill>
+                <a:schemeClr val="bg1"/>
+              </a:solidFill>
+            </a:endParaRPr>
+          </a:p>
+        </p:txBody>
+      </p:sp>
+      <p:sp>
+        <p:nvSpPr>
+          <p:cNvPr id="8" name="Rectangle 7"/>
+          <p:cNvSpPr/>
+          <p:nvPr/>
+        </p:nvSpPr>
+        <p:spPr>
+          <a:xfrm>
+            <a:off x="2647186" y="3511055"/>
+            <a:ext cx="1289138" cy="368325"/>
+          </a:xfrm>
+          <a:prstGeom prst="rect">
+            <a:avLst/>
+          </a:prstGeom>
+          <a:solidFill>
+            <a:schemeClr val="tx1"/>
+          </a:solidFill>
+          <a:ln>
+            <a:solidFill>
+              <a:schemeClr val="bg1"/>
+            </a:solidFill>
+          </a:ln>
+        </p:spPr>
+        <p:style>
+          <a:lnRef idx="2">
+            <a:schemeClr val="accent1">
+              <a:shade val="50000"/>
+            </a:schemeClr>
+          </a:lnRef>
+          <a:fillRef idx="1">
+            <a:schemeClr val="accent1"/>
+          </a:fillRef>
+          <a:effectRef idx="0">
+            <a:schemeClr val="accent1"/>
+          </a:effectRef>
+          <a:fontRef idx="minor">
+            <a:schemeClr val="lt1"/>
+          </a:fontRef>
+        </p:style>
+        <p:txBody>
+          <a:bodyPr rtlCol="0" anchor="ctr"/>
+          <a:lstStyle/>
+          <a:p>
+            <a:pPr algn="ctr"/>
+            <a:r>
+              <a:rPr lang="en-US" sz="1600">
+                <a:solidFill>
+                  <a:schemeClr val="bg1"/>
+                </a:solidFill>
+              </a:rPr>
+              <a:t>TutrScreen</a:t>
+            </a:r>
+            <a:endParaRPr lang="ru-RU" sz="1600">
+              <a:solidFill>
+                <a:schemeClr val="bg1"/>
+              </a:solidFill>
+            </a:endParaRPr>
+          </a:p>
+        </p:txBody>
+      </p:sp>
+      <p:sp>
+        <p:nvSpPr>
+          <p:cNvPr id="9" name="Rectangle 8"/>
+          <p:cNvSpPr/>
+          <p:nvPr/>
+        </p:nvSpPr>
+        <p:spPr>
+          <a:xfrm>
+            <a:off x="4658082" y="3511818"/>
+            <a:ext cx="1298222" cy="368325"/>
+          </a:xfrm>
+          <a:prstGeom prst="rect">
+            <a:avLst/>
+          </a:prstGeom>
+          <a:solidFill>
+            <a:schemeClr val="tx1"/>
+          </a:solidFill>
+          <a:ln>
+            <a:solidFill>
+              <a:schemeClr val="bg1"/>
+            </a:solidFill>
+          </a:ln>
+        </p:spPr>
+        <p:style>
+          <a:lnRef idx="2">
+            <a:schemeClr val="accent1">
+              <a:shade val="50000"/>
+            </a:schemeClr>
+          </a:lnRef>
+          <a:fillRef idx="1">
+            <a:schemeClr val="accent1"/>
+          </a:fillRef>
+          <a:effectRef idx="0">
+            <a:schemeClr val="accent1"/>
+          </a:effectRef>
+          <a:fontRef idx="minor">
+            <a:schemeClr val="lt1"/>
+          </a:fontRef>
+        </p:style>
+        <p:txBody>
+          <a:bodyPr rtlCol="0" anchor="ctr"/>
+          <a:lstStyle/>
+          <a:p>
+            <a:pPr algn="ctr"/>
+            <a:r>
+              <a:rPr lang="en-US" sz="1400">
+                <a:solidFill>
+                  <a:schemeClr val="bg1"/>
+                </a:solidFill>
+              </a:rPr>
+              <a:t>GameScreen</a:t>
+            </a:r>
+            <a:endParaRPr lang="ru-RU" sz="1400">
+              <a:solidFill>
+                <a:schemeClr val="bg1"/>
+              </a:solidFill>
+            </a:endParaRPr>
+          </a:p>
+        </p:txBody>
+      </p:sp>
+      <p:sp>
+        <p:nvSpPr>
+          <p:cNvPr id="10" name="Rectangle 9"/>
+          <p:cNvSpPr/>
+          <p:nvPr/>
+        </p:nvSpPr>
+        <p:spPr>
+          <a:xfrm>
+            <a:off x="6707430" y="3511055"/>
+            <a:ext cx="1298222" cy="368325"/>
+          </a:xfrm>
+          <a:prstGeom prst="rect">
+            <a:avLst/>
+          </a:prstGeom>
+          <a:solidFill>
+            <a:schemeClr val="tx1"/>
+          </a:solidFill>
+          <a:ln>
+            <a:solidFill>
+              <a:schemeClr val="bg1"/>
+            </a:solidFill>
+          </a:ln>
+        </p:spPr>
+        <p:style>
+          <a:lnRef idx="2">
+            <a:schemeClr val="accent1">
+              <a:shade val="50000"/>
+            </a:schemeClr>
+          </a:lnRef>
+          <a:fillRef idx="1">
+            <a:schemeClr val="accent1"/>
+          </a:fillRef>
+          <a:effectRef idx="0">
+            <a:schemeClr val="accent1"/>
+          </a:effectRef>
+          <a:fontRef idx="minor">
+            <a:schemeClr val="lt1"/>
+          </a:fontRef>
+        </p:style>
+        <p:txBody>
+          <a:bodyPr rtlCol="0" anchor="ctr"/>
+          <a:lstStyle/>
+          <a:p>
+            <a:pPr algn="ctr"/>
+            <a:r>
+              <a:rPr lang="en-US" sz="1600">
+                <a:solidFill>
+                  <a:schemeClr val="bg1"/>
+                </a:solidFill>
+              </a:rPr>
+              <a:t>EndScreen</a:t>
+            </a:r>
+            <a:endParaRPr lang="ru-RU" sz="1600">
+              <a:solidFill>
+                <a:schemeClr val="bg1"/>
+              </a:solidFill>
+            </a:endParaRPr>
+          </a:p>
+        </p:txBody>
+      </p:sp>
+      <p:sp>
+        <p:nvSpPr>
+          <p:cNvPr id="11" name="Rectangle 10"/>
+          <p:cNvSpPr/>
+          <p:nvPr/>
+        </p:nvSpPr>
+        <p:spPr>
+          <a:xfrm>
+            <a:off x="4663410" y="2287331"/>
+            <a:ext cx="1289138" cy="368325"/>
+          </a:xfrm>
+          <a:prstGeom prst="rect">
+            <a:avLst/>
+          </a:prstGeom>
+          <a:solidFill>
+            <a:schemeClr val="tx1"/>
+          </a:solidFill>
+          <a:ln>
+            <a:solidFill>
+              <a:schemeClr val="bg1"/>
+            </a:solidFill>
+          </a:ln>
+        </p:spPr>
+        <p:style>
+          <a:lnRef idx="2">
+            <a:schemeClr val="accent1">
+              <a:shade val="50000"/>
+            </a:schemeClr>
+          </a:lnRef>
+          <a:fillRef idx="1">
+            <a:schemeClr val="accent1"/>
+          </a:fillRef>
+          <a:effectRef idx="0">
+            <a:schemeClr val="accent1"/>
+          </a:effectRef>
+          <a:fontRef idx="minor">
+            <a:schemeClr val="lt1"/>
+          </a:fontRef>
+        </p:style>
+        <p:txBody>
+          <a:bodyPr rtlCol="0" anchor="ctr"/>
+          <a:lstStyle/>
+          <a:p>
+            <a:pPr algn="ctr"/>
+            <a:r>
+              <a:rPr lang="en-US" sz="1600" smtClean="0">
+                <a:solidFill>
+                  <a:schemeClr val="bg1"/>
+                </a:solidFill>
+              </a:rPr>
+              <a:t>DiffScreen</a:t>
+            </a:r>
+            <a:endParaRPr lang="ru-RU" sz="1600">
+              <a:solidFill>
+                <a:schemeClr val="bg1"/>
+              </a:solidFill>
+            </a:endParaRPr>
+          </a:p>
+        </p:txBody>
+      </p:sp>
+      <p:cxnSp>
+        <p:nvCxnSpPr>
+          <p:cNvPr id="16" name="Elbow Connector 15"/>
+          <p:cNvCxnSpPr>
+            <a:stCxn id="4" idx="3"/>
+            <a:endCxn id="5" idx="1"/>
+          </p:cNvCxnSpPr>
+          <p:nvPr/>
+        </p:nvCxnSpPr>
+        <p:spPr>
+          <a:xfrm>
+            <a:off x="1920100" y="2471493"/>
+            <a:ext cx="727086" cy="1"/>
+          </a:xfrm>
+          <a:prstGeom prst="bentConnector3">
+            <a:avLst/>
+          </a:prstGeom>
+          <a:ln w="28575">
+            <a:solidFill>
+              <a:schemeClr val="tx1"/>
+            </a:solidFill>
+            <a:tailEnd type="arrow"/>
+          </a:ln>
+        </p:spPr>
+        <p:style>
+          <a:lnRef idx="1">
+            <a:schemeClr val="accent1"/>
+          </a:lnRef>
+          <a:fillRef idx="0">
+            <a:schemeClr val="accent1"/>
+          </a:fillRef>
+          <a:effectRef idx="0">
+            <a:schemeClr val="accent1"/>
+          </a:effectRef>
+          <a:fontRef idx="minor">
+            <a:schemeClr val="tx1"/>
+          </a:fontRef>
+        </p:style>
+      </p:cxnSp>
+      <p:cxnSp>
+        <p:nvCxnSpPr>
+          <p:cNvPr id="22" name="Elbow Connector 21"/>
+          <p:cNvCxnSpPr>
+            <a:stCxn id="5" idx="3"/>
+            <a:endCxn id="6" idx="1"/>
+          </p:cNvCxnSpPr>
+          <p:nvPr/>
+        </p:nvCxnSpPr>
+        <p:spPr>
+          <a:xfrm flipV="1">
+            <a:off x="3936324" y="1883980"/>
+            <a:ext cx="727086" cy="587514"/>
+          </a:xfrm>
+          <a:prstGeom prst="bentConnector3">
+            <a:avLst>
+              <a:gd name="adj1" fmla="val 50000"/>
+            </a:avLst>
+          </a:prstGeom>
+          <a:ln w="28575">
+            <a:solidFill>
+              <a:schemeClr val="tx1"/>
+            </a:solidFill>
+            <a:tailEnd type="arrow"/>
+          </a:ln>
+        </p:spPr>
+        <p:style>
+          <a:lnRef idx="1">
+            <a:schemeClr val="accent1"/>
+          </a:lnRef>
+          <a:fillRef idx="0">
+            <a:schemeClr val="accent1"/>
+          </a:fillRef>
+          <a:effectRef idx="0">
+            <a:schemeClr val="accent1"/>
+          </a:effectRef>
+          <a:fontRef idx="minor">
+            <a:schemeClr val="tx1"/>
+          </a:fontRef>
+        </p:style>
+      </p:cxnSp>
+      <p:cxnSp>
+        <p:nvCxnSpPr>
+          <p:cNvPr id="25" name="Elbow Connector 24"/>
+          <p:cNvCxnSpPr>
+            <a:stCxn id="5" idx="3"/>
+            <a:endCxn id="7" idx="1"/>
+          </p:cNvCxnSpPr>
+          <p:nvPr/>
+        </p:nvCxnSpPr>
+        <p:spPr>
+          <a:xfrm>
+            <a:off x="3936324" y="2471494"/>
+            <a:ext cx="727086" cy="600472"/>
+          </a:xfrm>
+          <a:prstGeom prst="bentConnector3">
+            <a:avLst>
+              <a:gd name="adj1" fmla="val 50000"/>
+            </a:avLst>
+          </a:prstGeom>
+          <a:ln w="28575">
+            <a:solidFill>
+              <a:schemeClr val="tx1"/>
+            </a:solidFill>
+            <a:tailEnd type="arrow"/>
+          </a:ln>
+        </p:spPr>
+        <p:style>
+          <a:lnRef idx="1">
+            <a:schemeClr val="accent1"/>
+          </a:lnRef>
+          <a:fillRef idx="0">
+            <a:schemeClr val="accent1"/>
+          </a:fillRef>
+          <a:effectRef idx="0">
+            <a:schemeClr val="accent1"/>
+          </a:effectRef>
+          <a:fontRef idx="minor">
+            <a:schemeClr val="tx1"/>
+          </a:fontRef>
+        </p:style>
+      </p:cxnSp>
+      <p:cxnSp>
+        <p:nvCxnSpPr>
+          <p:cNvPr id="29" name="Straight Arrow Connector 28"/>
+          <p:cNvCxnSpPr>
+            <a:stCxn id="5" idx="3"/>
+            <a:endCxn id="11" idx="1"/>
+          </p:cNvCxnSpPr>
+          <p:nvPr/>
+        </p:nvCxnSpPr>
+        <p:spPr>
+          <a:xfrm>
+            <a:off x="3936324" y="2471494"/>
+            <a:ext cx="727086" cy="0"/>
+          </a:xfrm>
+          <a:prstGeom prst="straightConnector1">
+            <a:avLst/>
+          </a:prstGeom>
+          <a:ln w="28575">
+            <a:solidFill>
+              <a:schemeClr val="tx1"/>
+            </a:solidFill>
+            <a:tailEnd type="arrow"/>
+          </a:ln>
+        </p:spPr>
+        <p:style>
+          <a:lnRef idx="1">
+            <a:schemeClr val="accent1"/>
+          </a:lnRef>
+          <a:fillRef idx="0">
+            <a:schemeClr val="accent1"/>
+          </a:fillRef>
+          <a:effectRef idx="0">
+            <a:schemeClr val="accent1"/>
+          </a:effectRef>
+          <a:fontRef idx="minor">
+            <a:schemeClr val="tx1"/>
+          </a:fontRef>
+        </p:style>
+      </p:cxnSp>
+      <p:cxnSp>
+        <p:nvCxnSpPr>
+          <p:cNvPr id="34" name="Straight Arrow Connector 33"/>
+          <p:cNvCxnSpPr>
+            <a:stCxn id="9" idx="3"/>
+            <a:endCxn id="10" idx="1"/>
+          </p:cNvCxnSpPr>
+          <p:nvPr/>
+        </p:nvCxnSpPr>
+        <p:spPr>
+          <a:xfrm flipV="1">
+            <a:off x="5956304" y="3695218"/>
+            <a:ext cx="751126" cy="763"/>
+          </a:xfrm>
+          <a:prstGeom prst="straightConnector1">
+            <a:avLst/>
+          </a:prstGeom>
+          <a:ln w="28575">
+            <a:solidFill>
+              <a:schemeClr val="tx1"/>
+            </a:solidFill>
+            <a:tailEnd type="arrow"/>
+          </a:ln>
+        </p:spPr>
+        <p:style>
+          <a:lnRef idx="1">
+            <a:schemeClr val="accent1"/>
+          </a:lnRef>
+          <a:fillRef idx="0">
+            <a:schemeClr val="accent1"/>
+          </a:fillRef>
+          <a:effectRef idx="0">
+            <a:schemeClr val="accent1"/>
+          </a:effectRef>
+          <a:fontRef idx="minor">
+            <a:schemeClr val="tx1"/>
+          </a:fontRef>
+        </p:style>
+      </p:cxnSp>
+      <p:cxnSp>
+        <p:nvCxnSpPr>
+          <p:cNvPr id="35" name="Straight Arrow Connector 34"/>
+          <p:cNvCxnSpPr>
+            <a:stCxn id="5" idx="2"/>
+            <a:endCxn id="93" idx="0"/>
+          </p:cNvCxnSpPr>
+          <p:nvPr/>
+        </p:nvCxnSpPr>
+        <p:spPr>
+          <a:xfrm>
+            <a:off x="3291755" y="2655656"/>
+            <a:ext cx="0" cy="232147"/>
+          </a:xfrm>
+          <a:prstGeom prst="straightConnector1">
+            <a:avLst/>
+          </a:prstGeom>
+          <a:ln w="28575">
+            <a:solidFill>
+              <a:schemeClr val="tx1"/>
+            </a:solidFill>
+            <a:tailEnd type="arrow"/>
+          </a:ln>
+        </p:spPr>
+        <p:style>
+          <a:lnRef idx="1">
+            <a:schemeClr val="accent1"/>
+          </a:lnRef>
+          <a:fillRef idx="0">
+            <a:schemeClr val="accent1"/>
+          </a:fillRef>
+          <a:effectRef idx="0">
+            <a:schemeClr val="accent1"/>
+          </a:effectRef>
+          <a:fontRef idx="minor">
+            <a:schemeClr val="tx1"/>
+          </a:fontRef>
+        </p:style>
+      </p:cxnSp>
+      <p:cxnSp>
+        <p:nvCxnSpPr>
+          <p:cNvPr id="46" name="Straight Arrow Connector 45"/>
+          <p:cNvCxnSpPr>
+            <a:stCxn id="8" idx="3"/>
+            <a:endCxn id="9" idx="1"/>
+          </p:cNvCxnSpPr>
+          <p:nvPr/>
+        </p:nvCxnSpPr>
+        <p:spPr>
+          <a:xfrm>
+            <a:off x="3936324" y="3695218"/>
+            <a:ext cx="721758" cy="763"/>
+          </a:xfrm>
+          <a:prstGeom prst="straightConnector1">
+            <a:avLst/>
+          </a:prstGeom>
+          <a:ln w="28575">
+            <a:solidFill>
+              <a:schemeClr val="tx1"/>
+            </a:solidFill>
+            <a:tailEnd type="arrow"/>
+          </a:ln>
+        </p:spPr>
+        <p:style>
+          <a:lnRef idx="1">
+            <a:schemeClr val="accent1"/>
+          </a:lnRef>
+          <a:fillRef idx="0">
+            <a:schemeClr val="accent1"/>
+          </a:fillRef>
+          <a:effectRef idx="0">
+            <a:schemeClr val="accent1"/>
+          </a:effectRef>
+          <a:fontRef idx="minor">
+            <a:schemeClr val="tx1"/>
+          </a:fontRef>
+        </p:style>
+      </p:cxnSp>
+      <p:cxnSp>
+        <p:nvCxnSpPr>
+          <p:cNvPr id="47" name="Straight Arrow Connector 46"/>
+          <p:cNvCxnSpPr>
+            <a:stCxn id="11" idx="1"/>
+            <a:endCxn id="5" idx="3"/>
+          </p:cNvCxnSpPr>
+          <p:nvPr/>
+        </p:nvCxnSpPr>
+        <p:spPr>
+          <a:xfrm flipH="1">
+            <a:off x="3936324" y="2471494"/>
+            <a:ext cx="727086" cy="0"/>
+          </a:xfrm>
+          <a:prstGeom prst="straightConnector1">
+            <a:avLst/>
+          </a:prstGeom>
+          <a:ln w="28575">
+            <a:solidFill>
+              <a:schemeClr val="tx1"/>
+            </a:solidFill>
+            <a:tailEnd type="arrow"/>
+          </a:ln>
+        </p:spPr>
+        <p:style>
+          <a:lnRef idx="1">
+            <a:schemeClr val="accent1"/>
+          </a:lnRef>
+          <a:fillRef idx="0">
+            <a:schemeClr val="accent1"/>
+          </a:fillRef>
+          <a:effectRef idx="0">
+            <a:schemeClr val="accent1"/>
+          </a:effectRef>
+          <a:fontRef idx="minor">
+            <a:schemeClr val="tx1"/>
+          </a:fontRef>
+        </p:style>
+      </p:cxnSp>
+      <p:cxnSp>
+        <p:nvCxnSpPr>
+          <p:cNvPr id="54" name="Straight Connector 53"/>
+          <p:cNvCxnSpPr>
+            <a:stCxn id="10" idx="3"/>
+          </p:cNvCxnSpPr>
+          <p:nvPr/>
+        </p:nvCxnSpPr>
+        <p:spPr>
+          <a:xfrm>
+            <a:off x="8005652" y="3695218"/>
+            <a:ext cx="474183" cy="0"/>
+          </a:xfrm>
+          <a:prstGeom prst="line">
+            <a:avLst/>
+          </a:prstGeom>
+          <a:ln w="28575">
+            <a:solidFill>
+              <a:schemeClr val="tx1"/>
+            </a:solidFill>
+          </a:ln>
+        </p:spPr>
+        <p:style>
+          <a:lnRef idx="1">
+            <a:schemeClr val="accent1"/>
+          </a:lnRef>
+          <a:fillRef idx="0">
+            <a:schemeClr val="accent1"/>
+          </a:fillRef>
+          <a:effectRef idx="0">
+            <a:schemeClr val="accent1"/>
+          </a:effectRef>
+          <a:fontRef idx="minor">
+            <a:schemeClr val="tx1"/>
+          </a:fontRef>
+        </p:style>
+      </p:cxnSp>
+      <p:cxnSp>
+        <p:nvCxnSpPr>
+          <p:cNvPr id="55" name="Straight Connector 54"/>
+          <p:cNvCxnSpPr>
+            <a:endCxn id="96" idx="2"/>
+          </p:cNvCxnSpPr>
+          <p:nvPr/>
+        </p:nvCxnSpPr>
+        <p:spPr>
+          <a:xfrm flipV="1">
+            <a:off x="8467096" y="968754"/>
+            <a:ext cx="1" cy="2731400"/>
+          </a:xfrm>
+          <a:prstGeom prst="line">
+            <a:avLst/>
+          </a:prstGeom>
+          <a:ln w="28575">
+            <a:solidFill>
+              <a:schemeClr val="tx1"/>
+            </a:solidFill>
+          </a:ln>
+        </p:spPr>
+        <p:style>
+          <a:lnRef idx="1">
+            <a:schemeClr val="accent1"/>
+          </a:lnRef>
+          <a:fillRef idx="0">
+            <a:schemeClr val="accent1"/>
+          </a:fillRef>
+          <a:effectRef idx="0">
+            <a:schemeClr val="accent1"/>
+          </a:effectRef>
+          <a:fontRef idx="minor">
+            <a:schemeClr val="tx1"/>
+          </a:fontRef>
+        </p:style>
+      </p:cxnSp>
+      <p:cxnSp>
+        <p:nvCxnSpPr>
+          <p:cNvPr id="58" name="Straight Connector 57"/>
+          <p:cNvCxnSpPr/>
+          <p:nvPr/>
+        </p:nvCxnSpPr>
+        <p:spPr>
+          <a:xfrm>
+            <a:off x="3289686" y="995189"/>
+            <a:ext cx="5190149" cy="4916"/>
+          </a:xfrm>
+          <a:prstGeom prst="line">
+            <a:avLst/>
+          </a:prstGeom>
+          <a:ln w="28575">
+            <a:solidFill>
+              <a:schemeClr val="tx1"/>
+            </a:solidFill>
+          </a:ln>
+        </p:spPr>
+        <p:style>
+          <a:lnRef idx="1">
+            <a:schemeClr val="accent1"/>
+          </a:lnRef>
+          <a:fillRef idx="0">
+            <a:schemeClr val="accent1"/>
+          </a:fillRef>
+          <a:effectRef idx="0">
+            <a:schemeClr val="accent1"/>
+          </a:effectRef>
+          <a:fontRef idx="minor">
+            <a:schemeClr val="tx1"/>
+          </a:fontRef>
+        </p:style>
+      </p:cxnSp>
+      <p:cxnSp>
+        <p:nvCxnSpPr>
+          <p:cNvPr id="61" name="Straight Arrow Connector 60"/>
+          <p:cNvCxnSpPr>
+            <a:endCxn id="5" idx="0"/>
+          </p:cNvCxnSpPr>
+          <p:nvPr/>
+        </p:nvCxnSpPr>
+        <p:spPr>
+          <a:xfrm>
+            <a:off x="3291755" y="1005021"/>
+            <a:ext cx="0" cy="1282310"/>
+          </a:xfrm>
+          <a:prstGeom prst="straightConnector1">
+            <a:avLst/>
+          </a:prstGeom>
+          <a:ln w="28575">
+            <a:solidFill>
+              <a:schemeClr val="tx1"/>
+            </a:solidFill>
+            <a:tailEnd type="arrow"/>
+          </a:ln>
+        </p:spPr>
+        <p:style>
+          <a:lnRef idx="1">
+            <a:schemeClr val="accent1"/>
+          </a:lnRef>
+          <a:fillRef idx="0">
+            <a:schemeClr val="accent1"/>
+          </a:fillRef>
+          <a:effectRef idx="0">
+            <a:schemeClr val="accent1"/>
+          </a:effectRef>
+          <a:fontRef idx="minor">
+            <a:schemeClr val="tx1"/>
+          </a:fontRef>
+        </p:style>
+      </p:cxnSp>
+      <p:cxnSp>
+        <p:nvCxnSpPr>
+          <p:cNvPr id="64" name="Straight Arrow Connector 63"/>
+          <p:cNvCxnSpPr>
+            <a:stCxn id="10" idx="1"/>
+            <a:endCxn id="9" idx="3"/>
+          </p:cNvCxnSpPr>
+          <p:nvPr/>
+        </p:nvCxnSpPr>
+        <p:spPr>
+          <a:xfrm flipH="1">
+            <a:off x="5956304" y="3695218"/>
+            <a:ext cx="751126" cy="763"/>
+          </a:xfrm>
+          <a:prstGeom prst="straightConnector1">
+            <a:avLst/>
+          </a:prstGeom>
+          <a:ln w="28575">
+            <a:solidFill>
+              <a:schemeClr val="tx1"/>
+            </a:solidFill>
+            <a:tailEnd type="arrow"/>
+          </a:ln>
+        </p:spPr>
+        <p:style>
+          <a:lnRef idx="1">
+            <a:schemeClr val="accent1"/>
+          </a:lnRef>
+          <a:fillRef idx="0">
+            <a:schemeClr val="accent1"/>
+          </a:fillRef>
+          <a:effectRef idx="0">
+            <a:schemeClr val="accent1"/>
+          </a:effectRef>
+          <a:fontRef idx="minor">
+            <a:schemeClr val="tx1"/>
+          </a:fontRef>
+        </p:style>
+      </p:cxnSp>
+      <p:sp>
+        <p:nvSpPr>
+          <p:cNvPr id="69" name="Rectangle 68"/>
+          <p:cNvSpPr/>
+          <p:nvPr/>
+        </p:nvSpPr>
+        <p:spPr>
+          <a:xfrm>
+            <a:off x="4169251" y="4415706"/>
+            <a:ext cx="958170" cy="271848"/>
+          </a:xfrm>
+          <a:prstGeom prst="rect">
+            <a:avLst/>
+          </a:prstGeom>
+          <a:solidFill>
+            <a:schemeClr val="tx1"/>
+          </a:solidFill>
+          <a:ln>
+            <a:solidFill>
+              <a:schemeClr val="bg1"/>
+            </a:solidFill>
+          </a:ln>
+        </p:spPr>
+        <p:style>
+          <a:lnRef idx="2">
+            <a:schemeClr val="accent1">
+              <a:shade val="50000"/>
+            </a:schemeClr>
+          </a:lnRef>
+          <a:fillRef idx="1">
+            <a:schemeClr val="accent1"/>
+          </a:fillRef>
+          <a:effectRef idx="0">
+            <a:schemeClr val="accent1"/>
+          </a:effectRef>
+          <a:fontRef idx="minor">
+            <a:schemeClr val="lt1"/>
+          </a:fontRef>
+        </p:style>
+        <p:txBody>
+          <a:bodyPr rtlCol="0" anchor="ctr"/>
+          <a:lstStyle/>
+          <a:p>
+            <a:pPr algn="ctr"/>
+            <a:r>
+              <a:rPr lang="en-US" sz="1100">
+                <a:solidFill>
+                  <a:schemeClr val="bg1"/>
+                </a:solidFill>
+              </a:rPr>
+              <a:t>Player</a:t>
+            </a:r>
+            <a:endParaRPr lang="ru-RU" sz="1100">
+              <a:solidFill>
+                <a:schemeClr val="bg1"/>
+              </a:solidFill>
+            </a:endParaRPr>
+          </a:p>
+        </p:txBody>
+      </p:sp>
+      <p:sp>
+        <p:nvSpPr>
+          <p:cNvPr id="72" name="Rectangle 71"/>
+          <p:cNvSpPr/>
+          <p:nvPr/>
+        </p:nvSpPr>
+        <p:spPr>
+          <a:xfrm>
+            <a:off x="5547662" y="4415706"/>
+            <a:ext cx="958170" cy="271848"/>
+          </a:xfrm>
+          <a:prstGeom prst="rect">
+            <a:avLst/>
+          </a:prstGeom>
+          <a:solidFill>
+            <a:schemeClr val="tx1"/>
+          </a:solidFill>
+          <a:ln>
+            <a:solidFill>
+              <a:schemeClr val="bg1"/>
+            </a:solidFill>
+          </a:ln>
+        </p:spPr>
+        <p:style>
+          <a:lnRef idx="2">
+            <a:schemeClr val="accent1">
+              <a:shade val="50000"/>
+            </a:schemeClr>
+          </a:lnRef>
+          <a:fillRef idx="1">
+            <a:schemeClr val="accent1"/>
+          </a:fillRef>
+          <a:effectRef idx="0">
+            <a:schemeClr val="accent1"/>
+          </a:effectRef>
+          <a:fontRef idx="minor">
+            <a:schemeClr val="lt1"/>
+          </a:fontRef>
+        </p:style>
+        <p:txBody>
+          <a:bodyPr rtlCol="0" anchor="ctr"/>
+          <a:lstStyle/>
+          <a:p>
+            <a:pPr algn="ctr"/>
+            <a:r>
+              <a:rPr lang="en-US" sz="1100">
+                <a:solidFill>
+                  <a:schemeClr val="bg1"/>
+                </a:solidFill>
+              </a:rPr>
+              <a:t>PatternN</a:t>
+            </a:r>
+            <a:endParaRPr lang="ru-RU" sz="1100">
+              <a:solidFill>
+                <a:schemeClr val="bg1"/>
+              </a:solidFill>
+            </a:endParaRPr>
+          </a:p>
+        </p:txBody>
+      </p:sp>
+      <p:cxnSp>
+        <p:nvCxnSpPr>
+          <p:cNvPr id="74" name="Elbow Connector 73"/>
+          <p:cNvCxnSpPr>
+            <a:stCxn id="69" idx="0"/>
+            <a:endCxn id="9" idx="2"/>
+          </p:cNvCxnSpPr>
+          <p:nvPr/>
+        </p:nvCxnSpPr>
+        <p:spPr>
+          <a:xfrm rot="5400000" flipH="1" flipV="1">
+            <a:off x="4709983" y="3818497"/>
+            <a:ext cx="535563" cy="658857"/>
+          </a:xfrm>
+          <a:prstGeom prst="bentConnector3">
+            <a:avLst/>
+          </a:prstGeom>
+          <a:ln w="28575">
+            <a:solidFill>
+              <a:schemeClr val="tx1"/>
+            </a:solidFill>
+            <a:tailEnd type="arrow"/>
+          </a:ln>
+        </p:spPr>
+        <p:style>
+          <a:lnRef idx="1">
+            <a:schemeClr val="accent1"/>
+          </a:lnRef>
+          <a:fillRef idx="0">
+            <a:schemeClr val="accent1"/>
+          </a:fillRef>
+          <a:effectRef idx="0">
+            <a:schemeClr val="accent1"/>
+          </a:effectRef>
+          <a:fontRef idx="minor">
+            <a:schemeClr val="tx1"/>
+          </a:fontRef>
+        </p:style>
+      </p:cxnSp>
+      <p:cxnSp>
+        <p:nvCxnSpPr>
+          <p:cNvPr id="75" name="Elbow Connector 74"/>
+          <p:cNvCxnSpPr>
+            <a:stCxn id="72" idx="0"/>
+            <a:endCxn id="9" idx="2"/>
+          </p:cNvCxnSpPr>
+          <p:nvPr/>
+        </p:nvCxnSpPr>
+        <p:spPr>
+          <a:xfrm rot="16200000" flipV="1">
+            <a:off x="5399189" y="3788148"/>
+            <a:ext cx="535563" cy="719554"/>
+          </a:xfrm>
+          <a:prstGeom prst="bentConnector3">
+            <a:avLst/>
+          </a:prstGeom>
+          <a:ln w="28575">
+            <a:solidFill>
+              <a:schemeClr val="tx1"/>
+            </a:solidFill>
+            <a:tailEnd type="arrow"/>
+          </a:ln>
+        </p:spPr>
+        <p:style>
+          <a:lnRef idx="1">
+            <a:schemeClr val="accent1"/>
+          </a:lnRef>
+          <a:fillRef idx="0">
+            <a:schemeClr val="accent1"/>
+          </a:fillRef>
+          <a:effectRef idx="0">
+            <a:schemeClr val="accent1"/>
+          </a:effectRef>
+          <a:fontRef idx="minor">
+            <a:schemeClr val="tx1"/>
+          </a:fontRef>
+        </p:style>
+      </p:cxnSp>
+      <p:sp>
+        <p:nvSpPr>
+          <p:cNvPr id="91" name="Rectangle 90"/>
+          <p:cNvSpPr/>
+          <p:nvPr/>
+        </p:nvSpPr>
+        <p:spPr>
+          <a:xfrm>
+            <a:off x="6866063" y="2327224"/>
+            <a:ext cx="958170" cy="271848"/>
+          </a:xfrm>
+          <a:prstGeom prst="rect">
+            <a:avLst/>
+          </a:prstGeom>
+          <a:solidFill>
+            <a:schemeClr val="tx1"/>
+          </a:solidFill>
+          <a:ln>
+            <a:solidFill>
+              <a:schemeClr val="bg1"/>
+            </a:solidFill>
+          </a:ln>
+        </p:spPr>
+        <p:style>
+          <a:lnRef idx="2">
+            <a:schemeClr val="accent1">
+              <a:shade val="50000"/>
+            </a:schemeClr>
+          </a:lnRef>
+          <a:fillRef idx="1">
+            <a:schemeClr val="accent1"/>
+          </a:fillRef>
+          <a:effectRef idx="0">
+            <a:schemeClr val="accent1"/>
+          </a:effectRef>
+          <a:fontRef idx="minor">
+            <a:schemeClr val="lt1"/>
+          </a:fontRef>
+        </p:style>
+        <p:txBody>
+          <a:bodyPr rtlCol="0" anchor="ctr"/>
+          <a:lstStyle/>
+          <a:p>
+            <a:pPr algn="ctr"/>
+            <a:r>
+              <a:rPr lang="en-US" sz="1100">
+                <a:solidFill>
+                  <a:schemeClr val="bg1"/>
+                </a:solidFill>
+              </a:rPr>
+              <a:t>Settings</a:t>
+            </a:r>
+            <a:endParaRPr lang="ru-RU" sz="1100">
+              <a:solidFill>
+                <a:schemeClr val="bg1"/>
+              </a:solidFill>
+            </a:endParaRPr>
+          </a:p>
+        </p:txBody>
+      </p:sp>
+      <p:cxnSp>
+        <p:nvCxnSpPr>
+          <p:cNvPr id="92" name="Straight Arrow Connector 91"/>
+          <p:cNvCxnSpPr>
+            <a:stCxn id="91" idx="1"/>
+            <a:endCxn id="11" idx="3"/>
+          </p:cNvCxnSpPr>
+          <p:nvPr/>
+        </p:nvCxnSpPr>
+        <p:spPr>
+          <a:xfrm flipH="1">
+            <a:off x="5952548" y="2463148"/>
+            <a:ext cx="913515" cy="8346"/>
+          </a:xfrm>
+          <a:prstGeom prst="straightConnector1">
+            <a:avLst/>
+          </a:prstGeom>
+          <a:ln w="28575">
+            <a:solidFill>
+              <a:schemeClr val="tx1"/>
+            </a:solidFill>
+            <a:tailEnd type="arrow"/>
+          </a:ln>
+        </p:spPr>
+        <p:style>
+          <a:lnRef idx="1">
+            <a:schemeClr val="accent1"/>
+          </a:lnRef>
+          <a:fillRef idx="0">
+            <a:schemeClr val="accent1"/>
+          </a:fillRef>
+          <a:effectRef idx="0">
+            <a:schemeClr val="accent1"/>
+          </a:effectRef>
+          <a:fontRef idx="minor">
+            <a:schemeClr val="tx1"/>
+          </a:fontRef>
+        </p:style>
+      </p:cxnSp>
       <p:pic>
         <p:nvPicPr>
-          <p:cNvPr id="4" name="Picture 2"/>
+          <p:cNvPr id="96" name="Picture 2"/>
           <p:cNvPicPr>
             <a:picLocks noChangeAspect="1" noChangeArrowheads="1"/>
           </p:cNvPicPr>
           <p:nvPr/>
         </p:nvPicPr>
         <p:blipFill>
-          <a:blip r:embed="rId2" cstate="print">
+          <a:blip r:embed="rId3" cstate="print">
             <a:extLst>
               <a:ext uri="{28A0092B-C50C-407E-A947-70E740481C1C}">
                 <a14:useLocalDpi xmlns:a14="http://schemas.microsoft.com/office/drawing/2010/main" val="0"/>
@@ -6791,152 +9443,722 @@
           </a:extLst>
         </p:spPr>
       </p:pic>
-      <p:pic>
-        <p:nvPicPr>
-          <p:cNvPr id="4098" name="Picture 2" descr="Brand Guidelines - libGDX"/>
-          <p:cNvPicPr>
-            <a:picLocks noChangeAspect="1" noChangeArrowheads="1"/>
-          </p:cNvPicPr>
+      <p:cxnSp>
+        <p:nvCxnSpPr>
+          <p:cNvPr id="98" name="Elbow Connector 97"/>
+          <p:cNvCxnSpPr>
+            <a:stCxn id="91" idx="1"/>
+            <a:endCxn id="6" idx="3"/>
+          </p:cNvCxnSpPr>
           <p:nvPr/>
-        </p:nvPicPr>
-        <p:blipFill>
-          <a:blip r:embed="rId3" cstate="print">
-            <a:extLst>
-              <a:ext uri="{28A0092B-C50C-407E-A947-70E740481C1C}">
-                <a14:useLocalDpi xmlns:a14="http://schemas.microsoft.com/office/drawing/2010/main" val="0"/>
-              </a:ext>
-            </a:extLst>
-          </a:blip>
-          <a:srcRect/>
-          <a:stretch>
-            <a:fillRect/>
-          </a:stretch>
-        </p:blipFill>
-        <p:spPr bwMode="auto">
+        </p:nvCxnSpPr>
+        <p:spPr>
+          <a:xfrm rot="10800000">
+            <a:off x="5952549" y="1883980"/>
+            <a:ext cx="913515" cy="579168"/>
+          </a:xfrm>
+          <a:prstGeom prst="bentConnector3">
+            <a:avLst>
+              <a:gd name="adj1" fmla="val 50000"/>
+            </a:avLst>
+          </a:prstGeom>
+          <a:ln w="28575">
+            <a:solidFill>
+              <a:schemeClr val="tx1"/>
+            </a:solidFill>
+            <a:tailEnd type="arrow"/>
+          </a:ln>
+        </p:spPr>
+        <p:style>
+          <a:lnRef idx="1">
+            <a:schemeClr val="accent1"/>
+          </a:lnRef>
+          <a:fillRef idx="0">
+            <a:schemeClr val="accent1"/>
+          </a:fillRef>
+          <a:effectRef idx="0">
+            <a:schemeClr val="accent1"/>
+          </a:effectRef>
+          <a:fontRef idx="minor">
+            <a:schemeClr val="tx1"/>
+          </a:fontRef>
+        </p:style>
+      </p:cxnSp>
+      <p:cxnSp>
+        <p:nvCxnSpPr>
+          <p:cNvPr id="101" name="Elbow Connector 100"/>
+          <p:cNvCxnSpPr>
+            <a:stCxn id="91" idx="1"/>
+            <a:endCxn id="7" idx="3"/>
+          </p:cNvCxnSpPr>
+          <p:nvPr/>
+        </p:nvCxnSpPr>
+        <p:spPr>
+          <a:xfrm rot="10800000" flipV="1">
+            <a:off x="5952549" y="2463148"/>
+            <a:ext cx="913515" cy="608818"/>
+          </a:xfrm>
+          <a:prstGeom prst="bentConnector3">
+            <a:avLst>
+              <a:gd name="adj1" fmla="val 50000"/>
+            </a:avLst>
+          </a:prstGeom>
+          <a:ln w="28575">
+            <a:solidFill>
+              <a:schemeClr val="tx1"/>
+            </a:solidFill>
+            <a:tailEnd type="arrow"/>
+          </a:ln>
+        </p:spPr>
+        <p:style>
+          <a:lnRef idx="1">
+            <a:schemeClr val="accent1"/>
+          </a:lnRef>
+          <a:fillRef idx="0">
+            <a:schemeClr val="accent1"/>
+          </a:fillRef>
+          <a:effectRef idx="0">
+            <a:schemeClr val="accent1"/>
+          </a:effectRef>
+          <a:fontRef idx="minor">
+            <a:schemeClr val="tx1"/>
+          </a:fontRef>
+        </p:style>
+      </p:cxnSp>
+      <p:sp>
+        <p:nvSpPr>
+          <p:cNvPr id="109" name="Rectangle 108"/>
+          <p:cNvSpPr/>
+          <p:nvPr/>
+        </p:nvSpPr>
+        <p:spPr>
           <a:xfrm>
-            <a:off x="5909472" y="1851670"/>
-            <a:ext cx="2574590" cy="429098"/>
+            <a:off x="796446" y="3555884"/>
+            <a:ext cx="958170" cy="271848"/>
           </a:xfrm>
           <a:prstGeom prst="rect">
             <a:avLst/>
           </a:prstGeom>
-          <a:noFill/>
-          <a:extLst>
-            <a:ext uri="{909E8E84-426E-40DD-AFC4-6F175D3DCCD1}">
-              <a14:hiddenFill xmlns:a14="http://schemas.microsoft.com/office/drawing/2010/main">
+          <a:solidFill>
+            <a:schemeClr val="tx1"/>
+          </a:solidFill>
+          <a:ln>
+            <a:solidFill>
+              <a:schemeClr val="bg1"/>
+            </a:solidFill>
+          </a:ln>
+        </p:spPr>
+        <p:style>
+          <a:lnRef idx="2">
+            <a:schemeClr val="accent1">
+              <a:shade val="50000"/>
+            </a:schemeClr>
+          </a:lnRef>
+          <a:fillRef idx="1">
+            <a:schemeClr val="accent1"/>
+          </a:fillRef>
+          <a:effectRef idx="0">
+            <a:schemeClr val="accent1"/>
+          </a:effectRef>
+          <a:fontRef idx="minor">
+            <a:schemeClr val="lt1"/>
+          </a:fontRef>
+        </p:style>
+        <p:txBody>
+          <a:bodyPr rtlCol="0" anchor="ctr"/>
+          <a:lstStyle/>
+          <a:p>
+            <a:pPr algn="ctr"/>
+            <a:r>
+              <a:rPr lang="en-US" sz="1100">
                 <a:solidFill>
-                  <a:srgbClr val="FFFFFF"/>
+                  <a:schemeClr val="bg1"/>
                 </a:solidFill>
-              </a14:hiddenFill>
-            </a:ext>
-          </a:extLst>
-        </p:spPr>
-      </p:pic>
-      <p:pic>
-        <p:nvPicPr>
-          <p:cNvPr id="4099" name="Picture 3"/>
-          <p:cNvPicPr>
-            <a:picLocks noChangeAspect="1" noChangeArrowheads="1"/>
-          </p:cNvPicPr>
+              </a:rPr>
+              <a:t>Assets</a:t>
+            </a:r>
+            <a:endParaRPr lang="ru-RU" sz="1100">
+              <a:solidFill>
+                <a:schemeClr val="bg1"/>
+              </a:solidFill>
+            </a:endParaRPr>
+          </a:p>
+        </p:txBody>
+      </p:sp>
+      <p:cxnSp>
+        <p:nvCxnSpPr>
+          <p:cNvPr id="111" name="Straight Arrow Connector 110"/>
+          <p:cNvCxnSpPr>
+            <a:stCxn id="109" idx="0"/>
+            <a:endCxn id="4" idx="2"/>
+          </p:cNvCxnSpPr>
           <p:nvPr/>
-        </p:nvPicPr>
-        <p:blipFill>
-          <a:blip r:embed="rId4" cstate="print">
-            <a:extLst>
-              <a:ext uri="{28A0092B-C50C-407E-A947-70E740481C1C}">
-                <a14:useLocalDpi xmlns:a14="http://schemas.microsoft.com/office/drawing/2010/main" val="0"/>
-              </a:ext>
-            </a:extLst>
-          </a:blip>
-          <a:srcRect/>
-          <a:stretch>
-            <a:fillRect/>
-          </a:stretch>
-        </p:blipFill>
-        <p:spPr bwMode="auto">
+        </p:nvCxnSpPr>
+        <p:spPr>
+          <a:xfrm flipV="1">
+            <a:off x="1275531" y="2655655"/>
+            <a:ext cx="0" cy="900229"/>
+          </a:xfrm>
+          <a:prstGeom prst="straightConnector1">
+            <a:avLst/>
+          </a:prstGeom>
+          <a:ln w="28575">
+            <a:solidFill>
+              <a:schemeClr val="tx1"/>
+            </a:solidFill>
+            <a:tailEnd type="arrow"/>
+          </a:ln>
+        </p:spPr>
+        <p:style>
+          <a:lnRef idx="1">
+            <a:schemeClr val="accent1"/>
+          </a:lnRef>
+          <a:fillRef idx="0">
+            <a:schemeClr val="accent1"/>
+          </a:fillRef>
+          <a:effectRef idx="0">
+            <a:schemeClr val="accent1"/>
+          </a:effectRef>
+          <a:fontRef idx="minor">
+            <a:schemeClr val="tx1"/>
+          </a:fontRef>
+        </p:style>
+      </p:cxnSp>
+      <p:sp>
+        <p:nvSpPr>
+          <p:cNvPr id="38" name="Rectangle 37"/>
+          <p:cNvSpPr/>
+          <p:nvPr/>
+        </p:nvSpPr>
+        <p:spPr>
           <a:xfrm>
-            <a:off x="5652120" y="2652699"/>
-            <a:ext cx="2183109" cy="1584176"/>
+            <a:off x="4658082" y="1127169"/>
+            <a:ext cx="1289138" cy="368325"/>
           </a:xfrm>
           <a:prstGeom prst="rect">
             <a:avLst/>
           </a:prstGeom>
-          <a:noFill/>
+          <a:solidFill>
+            <a:schemeClr val="tx1"/>
+          </a:solidFill>
           <a:ln>
-            <a:noFill/>
+            <a:solidFill>
+              <a:schemeClr val="bg1"/>
+            </a:solidFill>
           </a:ln>
-          <a:extLst>
-            <a:ext uri="{909E8E84-426E-40DD-AFC4-6F175D3DCCD1}">
-              <a14:hiddenFill xmlns:a14="http://schemas.microsoft.com/office/drawing/2010/main">
+        </p:spPr>
+        <p:style>
+          <a:lnRef idx="2">
+            <a:schemeClr val="accent1">
+              <a:shade val="50000"/>
+            </a:schemeClr>
+          </a:lnRef>
+          <a:fillRef idx="1">
+            <a:schemeClr val="accent1"/>
+          </a:fillRef>
+          <a:effectRef idx="0">
+            <a:schemeClr val="accent1"/>
+          </a:effectRef>
+          <a:fontRef idx="minor">
+            <a:schemeClr val="lt1"/>
+          </a:fontRef>
+        </p:style>
+        <p:txBody>
+          <a:bodyPr rtlCol="0" anchor="ctr"/>
+          <a:lstStyle/>
+          <a:p>
+            <a:pPr algn="ctr"/>
+            <a:r>
+              <a:rPr lang="en-US" sz="1400" smtClean="0">
                 <a:solidFill>
-                  <a:schemeClr val="accent1"/>
+                  <a:schemeClr val="bg1"/>
                 </a:solidFill>
-              </a14:hiddenFill>
-            </a:ext>
-            <a:ext uri="{91240B29-F687-4F45-9708-019B960494DF}">
-              <a14:hiddenLine xmlns:a14="http://schemas.microsoft.com/office/drawing/2010/main" w="9525">
-                <a:solidFill>
-                  <a:schemeClr val="tx1"/>
-                </a:solidFill>
-                <a:miter lim="800000"/>
-                <a:headEnd/>
-                <a:tailEnd/>
-              </a14:hiddenLine>
-            </a:ext>
-          </a:extLst>
-        </p:spPr>
-      </p:pic>
-      <p:pic>
-        <p:nvPicPr>
-          <p:cNvPr id="4103" name="Picture 7" descr="Install IDEA Educational for Linux using the Snap Store | Snapcraft"/>
-          <p:cNvPicPr>
-            <a:picLocks noChangeAspect="1" noChangeArrowheads="1"/>
-          </p:cNvPicPr>
+              </a:rPr>
+              <a:t>ScoreScreen</a:t>
+            </a:r>
+            <a:endParaRPr lang="ru-RU" sz="1400">
+              <a:solidFill>
+                <a:schemeClr val="bg1"/>
+              </a:solidFill>
+            </a:endParaRPr>
+          </a:p>
+        </p:txBody>
+      </p:sp>
+      <p:cxnSp>
+        <p:nvCxnSpPr>
+          <p:cNvPr id="89" name="Elbow Connector 88"/>
+          <p:cNvCxnSpPr>
+            <a:stCxn id="5" idx="3"/>
+            <a:endCxn id="38" idx="1"/>
+          </p:cNvCxnSpPr>
           <p:nvPr/>
-        </p:nvPicPr>
-        <p:blipFill>
-          <a:blip r:embed="rId5" cstate="print">
-            <a:extLst>
-              <a:ext uri="{28A0092B-C50C-407E-A947-70E740481C1C}">
-                <a14:useLocalDpi xmlns:a14="http://schemas.microsoft.com/office/drawing/2010/main" val="0"/>
-              </a:ext>
-            </a:extLst>
-          </a:blip>
-          <a:srcRect/>
-          <a:stretch>
-            <a:fillRect/>
-          </a:stretch>
-        </p:blipFill>
-        <p:spPr bwMode="auto">
+        </p:nvCxnSpPr>
+        <p:spPr>
+          <a:xfrm flipV="1">
+            <a:off x="3936324" y="1311332"/>
+            <a:ext cx="721758" cy="1160162"/>
+          </a:xfrm>
+          <a:prstGeom prst="bentConnector3">
+            <a:avLst>
+              <a:gd name="adj1" fmla="val 50000"/>
+            </a:avLst>
+          </a:prstGeom>
+          <a:ln w="28575">
+            <a:solidFill>
+              <a:schemeClr val="tx1"/>
+            </a:solidFill>
+            <a:tailEnd type="arrow"/>
+          </a:ln>
+        </p:spPr>
+        <p:style>
+          <a:lnRef idx="1">
+            <a:schemeClr val="accent1"/>
+          </a:lnRef>
+          <a:fillRef idx="0">
+            <a:schemeClr val="accent1"/>
+          </a:fillRef>
+          <a:effectRef idx="0">
+            <a:schemeClr val="accent1"/>
+          </a:effectRef>
+          <a:fontRef idx="minor">
+            <a:schemeClr val="tx1"/>
+          </a:fontRef>
+        </p:style>
+      </p:cxnSp>
+      <p:sp>
+        <p:nvSpPr>
+          <p:cNvPr id="93" name="Rectangle 92"/>
+          <p:cNvSpPr/>
+          <p:nvPr/>
+        </p:nvSpPr>
+        <p:spPr>
           <a:xfrm>
-            <a:off x="4901360" y="1603103"/>
-            <a:ext cx="926232" cy="926232"/>
+            <a:off x="2647186" y="2887803"/>
+            <a:ext cx="1289138" cy="368325"/>
           </a:xfrm>
           <a:prstGeom prst="rect">
             <a:avLst/>
           </a:prstGeom>
-          <a:noFill/>
-          <a:extLst>
-            <a:ext uri="{909E8E84-426E-40DD-AFC4-6F175D3DCCD1}">
-              <a14:hiddenFill xmlns:a14="http://schemas.microsoft.com/office/drawing/2010/main">
+          <a:solidFill>
+            <a:schemeClr val="tx1"/>
+          </a:solidFill>
+          <a:ln>
+            <a:solidFill>
+              <a:schemeClr val="bg1"/>
+            </a:solidFill>
+          </a:ln>
+        </p:spPr>
+        <p:style>
+          <a:lnRef idx="2">
+            <a:schemeClr val="accent1">
+              <a:shade val="50000"/>
+            </a:schemeClr>
+          </a:lnRef>
+          <a:fillRef idx="1">
+            <a:schemeClr val="accent1"/>
+          </a:fillRef>
+          <a:effectRef idx="0">
+            <a:schemeClr val="accent1"/>
+          </a:effectRef>
+          <a:fontRef idx="minor">
+            <a:schemeClr val="lt1"/>
+          </a:fontRef>
+        </p:style>
+        <p:txBody>
+          <a:bodyPr rtlCol="0" anchor="ctr"/>
+          <a:lstStyle/>
+          <a:p>
+            <a:pPr algn="ctr"/>
+            <a:r>
+              <a:rPr lang="en-US" sz="1400" smtClean="0">
                 <a:solidFill>
-                  <a:srgbClr val="FFFFFF"/>
+                  <a:schemeClr val="bg1"/>
                 </a:solidFill>
-              </a14:hiddenFill>
-            </a:ext>
-          </a:extLst>
-        </p:spPr>
-      </p:pic>
+              </a:rPr>
+              <a:t>NameScreen</a:t>
+            </a:r>
+            <a:endParaRPr lang="ru-RU" sz="1400">
+              <a:solidFill>
+                <a:schemeClr val="bg1"/>
+              </a:solidFill>
+            </a:endParaRPr>
+          </a:p>
+        </p:txBody>
+      </p:sp>
+      <p:cxnSp>
+        <p:nvCxnSpPr>
+          <p:cNvPr id="95" name="Straight Arrow Connector 94"/>
+          <p:cNvCxnSpPr>
+            <a:stCxn id="93" idx="2"/>
+            <a:endCxn id="8" idx="0"/>
+          </p:cNvCxnSpPr>
+          <p:nvPr/>
+        </p:nvCxnSpPr>
+        <p:spPr>
+          <a:xfrm>
+            <a:off x="3291755" y="3256128"/>
+            <a:ext cx="0" cy="254927"/>
+          </a:xfrm>
+          <a:prstGeom prst="straightConnector1">
+            <a:avLst/>
+          </a:prstGeom>
+          <a:ln w="28575">
+            <a:solidFill>
+              <a:schemeClr val="tx1"/>
+            </a:solidFill>
+            <a:tailEnd type="arrow"/>
+          </a:ln>
+        </p:spPr>
+        <p:style>
+          <a:lnRef idx="1">
+            <a:schemeClr val="accent1"/>
+          </a:lnRef>
+          <a:fillRef idx="0">
+            <a:schemeClr val="accent1"/>
+          </a:fillRef>
+          <a:effectRef idx="0">
+            <a:schemeClr val="accent1"/>
+          </a:effectRef>
+          <a:fontRef idx="minor">
+            <a:schemeClr val="tx1"/>
+          </a:fontRef>
+        </p:style>
+      </p:cxnSp>
+      <p:cxnSp>
+        <p:nvCxnSpPr>
+          <p:cNvPr id="100" name="Elbow Connector 99"/>
+          <p:cNvCxnSpPr>
+            <a:stCxn id="91" idx="1"/>
+            <a:endCxn id="38" idx="3"/>
+          </p:cNvCxnSpPr>
+          <p:nvPr/>
+        </p:nvCxnSpPr>
+        <p:spPr>
+          <a:xfrm rot="10800000">
+            <a:off x="5947221" y="1311332"/>
+            <a:ext cx="918843" cy="1151816"/>
+          </a:xfrm>
+          <a:prstGeom prst="bentConnector3">
+            <a:avLst>
+              <a:gd name="adj1" fmla="val 50000"/>
+            </a:avLst>
+          </a:prstGeom>
+          <a:ln w="28575">
+            <a:solidFill>
+              <a:schemeClr val="tx1"/>
+            </a:solidFill>
+            <a:tailEnd type="arrow"/>
+          </a:ln>
+        </p:spPr>
+        <p:style>
+          <a:lnRef idx="1">
+            <a:schemeClr val="accent1"/>
+          </a:lnRef>
+          <a:fillRef idx="0">
+            <a:schemeClr val="accent1"/>
+          </a:fillRef>
+          <a:effectRef idx="0">
+            <a:schemeClr val="accent1"/>
+          </a:effectRef>
+          <a:fontRef idx="minor">
+            <a:schemeClr val="tx1"/>
+          </a:fontRef>
+        </p:style>
+      </p:cxnSp>
+      <p:cxnSp>
+        <p:nvCxnSpPr>
+          <p:cNvPr id="103" name="Elbow Connector 102"/>
+          <p:cNvCxnSpPr>
+            <a:stCxn id="91" idx="2"/>
+            <a:endCxn id="9" idx="0"/>
+          </p:cNvCxnSpPr>
+          <p:nvPr/>
+        </p:nvCxnSpPr>
+        <p:spPr>
+          <a:xfrm rot="5400000">
+            <a:off x="5869798" y="2036468"/>
+            <a:ext cx="912746" cy="2037955"/>
+          </a:xfrm>
+          <a:prstGeom prst="bentConnector3">
+            <a:avLst>
+              <a:gd name="adj1" fmla="val 81306"/>
+            </a:avLst>
+          </a:prstGeom>
+          <a:ln w="28575">
+            <a:solidFill>
+              <a:schemeClr val="tx1"/>
+            </a:solidFill>
+            <a:tailEnd type="arrow"/>
+          </a:ln>
+        </p:spPr>
+        <p:style>
+          <a:lnRef idx="1">
+            <a:schemeClr val="accent1"/>
+          </a:lnRef>
+          <a:fillRef idx="0">
+            <a:schemeClr val="accent1"/>
+          </a:fillRef>
+          <a:effectRef idx="0">
+            <a:schemeClr val="accent1"/>
+          </a:effectRef>
+          <a:fontRef idx="minor">
+            <a:schemeClr val="tx1"/>
+          </a:fontRef>
+        </p:style>
+      </p:cxnSp>
+      <p:sp>
+        <p:nvSpPr>
+          <p:cNvPr id="117" name="Rectangle 116"/>
+          <p:cNvSpPr/>
+          <p:nvPr/>
+        </p:nvSpPr>
+        <p:spPr>
+          <a:xfrm>
+            <a:off x="6877456" y="1175407"/>
+            <a:ext cx="958170" cy="271848"/>
+          </a:xfrm>
+          <a:prstGeom prst="rect">
+            <a:avLst/>
+          </a:prstGeom>
+          <a:solidFill>
+            <a:schemeClr val="tx1"/>
+          </a:solidFill>
+          <a:ln>
+            <a:solidFill>
+              <a:schemeClr val="bg1"/>
+            </a:solidFill>
+          </a:ln>
+        </p:spPr>
+        <p:style>
+          <a:lnRef idx="2">
+            <a:schemeClr val="accent1">
+              <a:shade val="50000"/>
+            </a:schemeClr>
+          </a:lnRef>
+          <a:fillRef idx="1">
+            <a:schemeClr val="accent1"/>
+          </a:fillRef>
+          <a:effectRef idx="0">
+            <a:schemeClr val="accent1"/>
+          </a:effectRef>
+          <a:fontRef idx="minor">
+            <a:schemeClr val="lt1"/>
+          </a:fontRef>
+        </p:style>
+        <p:txBody>
+          <a:bodyPr rtlCol="0" anchor="ctr"/>
+          <a:lstStyle/>
+          <a:p>
+            <a:pPr algn="ctr"/>
+            <a:r>
+              <a:rPr lang="en-US" sz="1100" smtClean="0">
+                <a:solidFill>
+                  <a:schemeClr val="bg1"/>
+                </a:solidFill>
+              </a:rPr>
+              <a:t>HttpRequest</a:t>
+            </a:r>
+            <a:endParaRPr lang="ru-RU" sz="1100">
+              <a:solidFill>
+                <a:schemeClr val="bg1"/>
+              </a:solidFill>
+            </a:endParaRPr>
+          </a:p>
+        </p:txBody>
+      </p:sp>
+      <p:cxnSp>
+        <p:nvCxnSpPr>
+          <p:cNvPr id="132" name="Elbow Connector 131"/>
+          <p:cNvCxnSpPr>
+            <a:endCxn id="117" idx="3"/>
+          </p:cNvCxnSpPr>
+          <p:nvPr/>
+        </p:nvCxnSpPr>
+        <p:spPr>
+          <a:xfrm rot="16200000" flipV="1">
+            <a:off x="6848947" y="2298011"/>
+            <a:ext cx="2380477" cy="407117"/>
+          </a:xfrm>
+          <a:prstGeom prst="bentConnector2">
+            <a:avLst/>
+          </a:prstGeom>
+          <a:ln w="28575">
+            <a:solidFill>
+              <a:schemeClr val="tx1"/>
+            </a:solidFill>
+            <a:tailEnd type="arrow"/>
+          </a:ln>
+        </p:spPr>
+        <p:style>
+          <a:lnRef idx="1">
+            <a:schemeClr val="accent1"/>
+          </a:lnRef>
+          <a:fillRef idx="0">
+            <a:schemeClr val="accent1"/>
+          </a:fillRef>
+          <a:effectRef idx="0">
+            <a:schemeClr val="accent1"/>
+          </a:effectRef>
+          <a:fontRef idx="minor">
+            <a:schemeClr val="tx1"/>
+          </a:fontRef>
+        </p:style>
+      </p:cxnSp>
+      <p:cxnSp>
+        <p:nvCxnSpPr>
+          <p:cNvPr id="151" name="Straight Arrow Connector 150"/>
+          <p:cNvCxnSpPr>
+            <a:stCxn id="38" idx="3"/>
+            <a:endCxn id="117" idx="1"/>
+          </p:cNvCxnSpPr>
+          <p:nvPr/>
+        </p:nvCxnSpPr>
+        <p:spPr>
+          <a:xfrm flipV="1">
+            <a:off x="5947220" y="1311331"/>
+            <a:ext cx="930236" cy="1"/>
+          </a:xfrm>
+          <a:prstGeom prst="straightConnector1">
+            <a:avLst/>
+          </a:prstGeom>
+          <a:ln w="28575">
+            <a:solidFill>
+              <a:schemeClr val="tx1"/>
+            </a:solidFill>
+            <a:tailEnd type="arrow"/>
+          </a:ln>
+        </p:spPr>
+        <p:style>
+          <a:lnRef idx="1">
+            <a:schemeClr val="accent1"/>
+          </a:lnRef>
+          <a:fillRef idx="0">
+            <a:schemeClr val="accent1"/>
+          </a:fillRef>
+          <a:effectRef idx="0">
+            <a:schemeClr val="accent1"/>
+          </a:effectRef>
+          <a:fontRef idx="minor">
+            <a:schemeClr val="tx1"/>
+          </a:fontRef>
+        </p:style>
+      </p:cxnSp>
+      <p:sp>
+        <p:nvSpPr>
+          <p:cNvPr id="154" name="Rectangle 153"/>
+          <p:cNvSpPr/>
+          <p:nvPr/>
+        </p:nvSpPr>
+        <p:spPr>
+          <a:xfrm>
+            <a:off x="6700579" y="1699816"/>
+            <a:ext cx="1289138" cy="368325"/>
+          </a:xfrm>
+          <a:prstGeom prst="rect">
+            <a:avLst/>
+          </a:prstGeom>
+          <a:solidFill>
+            <a:schemeClr val="tx1"/>
+          </a:solidFill>
+          <a:ln>
+            <a:solidFill>
+              <a:schemeClr val="bg1"/>
+            </a:solidFill>
+          </a:ln>
+        </p:spPr>
+        <p:style>
+          <a:lnRef idx="2">
+            <a:schemeClr val="accent1">
+              <a:shade val="50000"/>
+            </a:schemeClr>
+          </a:lnRef>
+          <a:fillRef idx="1">
+            <a:schemeClr val="accent1"/>
+          </a:fillRef>
+          <a:effectRef idx="0">
+            <a:schemeClr val="accent1"/>
+          </a:effectRef>
+          <a:fontRef idx="minor">
+            <a:schemeClr val="lt1"/>
+          </a:fontRef>
+        </p:style>
+        <p:txBody>
+          <a:bodyPr rtlCol="0" anchor="ctr"/>
+          <a:lstStyle/>
+          <a:p>
+            <a:pPr algn="ctr"/>
+            <a:r>
+              <a:rPr lang="en-US" sz="1200" smtClean="0">
+                <a:solidFill>
+                  <a:schemeClr val="bg1"/>
+                </a:solidFill>
+              </a:rPr>
+              <a:t>CreditsScreen</a:t>
+            </a:r>
+            <a:endParaRPr lang="ru-RU" sz="1200">
+              <a:solidFill>
+                <a:schemeClr val="bg1"/>
+              </a:solidFill>
+            </a:endParaRPr>
+          </a:p>
+        </p:txBody>
+      </p:sp>
+      <p:cxnSp>
+        <p:nvCxnSpPr>
+          <p:cNvPr id="155" name="Straight Arrow Connector 154"/>
+          <p:cNvCxnSpPr>
+            <a:stCxn id="6" idx="3"/>
+            <a:endCxn id="154" idx="1"/>
+          </p:cNvCxnSpPr>
+          <p:nvPr/>
+        </p:nvCxnSpPr>
+        <p:spPr>
+          <a:xfrm flipV="1">
+            <a:off x="5952548" y="1883979"/>
+            <a:ext cx="748031" cy="1"/>
+          </a:xfrm>
+          <a:prstGeom prst="straightConnector1">
+            <a:avLst/>
+          </a:prstGeom>
+          <a:ln w="28575">
+            <a:solidFill>
+              <a:schemeClr val="tx1"/>
+            </a:solidFill>
+            <a:tailEnd type="arrow"/>
+          </a:ln>
+        </p:spPr>
+        <p:style>
+          <a:lnRef idx="1">
+            <a:schemeClr val="accent1"/>
+          </a:lnRef>
+          <a:fillRef idx="0">
+            <a:schemeClr val="accent1"/>
+          </a:fillRef>
+          <a:effectRef idx="0">
+            <a:schemeClr val="accent1"/>
+          </a:effectRef>
+          <a:fontRef idx="minor">
+            <a:schemeClr val="tx1"/>
+          </a:fontRef>
+        </p:style>
+      </p:cxnSp>
     </p:spTree>
     <p:extLst>
       <p:ext uri="{BB962C8B-B14F-4D97-AF65-F5344CB8AC3E}">
-        <p14:creationId xmlns:p14="http://schemas.microsoft.com/office/powerpoint/2010/main" val="2525848354"/>
+        <p14:creationId xmlns:p14="http://schemas.microsoft.com/office/powerpoint/2010/main" val="602522651"/>
       </p:ext>
     </p:extLst>
   </p:cSld>
   <p:clrMapOvr>
     <a:masterClrMapping/>
   </p:clrMapOvr>
+  <p:timing>
+    <p:tnLst>
+      <p:par>
+        <p:cTn id="1" dur="indefinite" restart="never" nodeType="tmRoot"/>
+      </p:par>
+    </p:tnLst>
+  </p:timing>
 </p:sld>
 </file>
 
@@ -6981,1286 +10203,14 @@
                   <a:srgbClr val="66FFFF"/>
                 </a:solidFill>
               </a:rPr>
-              <a:t>Как сделана</a:t>
-            </a:r>
-          </a:p>
-        </p:txBody>
-      </p:sp>
-      <p:sp>
-        <p:nvSpPr>
-          <p:cNvPr id="4" name="Rectangle 3"/>
-          <p:cNvSpPr/>
-          <p:nvPr/>
-        </p:nvSpPr>
-        <p:spPr>
-          <a:xfrm>
-            <a:off x="630962" y="2223608"/>
-            <a:ext cx="1512168" cy="432048"/>
-          </a:xfrm>
-          <a:prstGeom prst="rect">
-            <a:avLst/>
-          </a:prstGeom>
-          <a:solidFill>
-            <a:schemeClr val="tx1"/>
-          </a:solidFill>
-          <a:ln>
-            <a:solidFill>
-              <a:schemeClr val="bg1"/>
-            </a:solidFill>
-          </a:ln>
-        </p:spPr>
-        <p:style>
-          <a:lnRef idx="2">
-            <a:schemeClr val="accent1">
-              <a:shade val="50000"/>
-            </a:schemeClr>
-          </a:lnRef>
-          <a:fillRef idx="1">
-            <a:schemeClr val="accent1"/>
-          </a:fillRef>
-          <a:effectRef idx="0">
-            <a:schemeClr val="accent1"/>
-          </a:effectRef>
-          <a:fontRef idx="minor">
-            <a:schemeClr val="lt1"/>
-          </a:fontRef>
-        </p:style>
-        <p:txBody>
-          <a:bodyPr rtlCol="0" anchor="ctr"/>
-          <a:lstStyle/>
-          <a:p>
-            <a:pPr algn="ctr"/>
-            <a:r>
-              <a:rPr lang="en-US">
-                <a:solidFill>
-                  <a:schemeClr val="bg1"/>
-                </a:solidFill>
-              </a:rPr>
-              <a:t>Foundation</a:t>
-            </a:r>
-            <a:endParaRPr lang="ru-RU">
-              <a:solidFill>
-                <a:schemeClr val="bg1"/>
-              </a:solidFill>
-            </a:endParaRPr>
-          </a:p>
-        </p:txBody>
-      </p:sp>
-      <p:sp>
-        <p:nvSpPr>
-          <p:cNvPr id="5" name="Rectangle 4"/>
-          <p:cNvSpPr/>
-          <p:nvPr/>
-        </p:nvSpPr>
-        <p:spPr>
-          <a:xfrm>
-            <a:off x="2647186" y="2223609"/>
-            <a:ext cx="1512168" cy="432048"/>
-          </a:xfrm>
-          <a:prstGeom prst="rect">
-            <a:avLst/>
-          </a:prstGeom>
-          <a:solidFill>
-            <a:schemeClr val="tx1"/>
-          </a:solidFill>
-          <a:ln>
-            <a:solidFill>
-              <a:schemeClr val="bg1"/>
-            </a:solidFill>
-          </a:ln>
-        </p:spPr>
-        <p:style>
-          <a:lnRef idx="2">
-            <a:schemeClr val="accent1">
-              <a:shade val="50000"/>
-            </a:schemeClr>
-          </a:lnRef>
-          <a:fillRef idx="1">
-            <a:schemeClr val="accent1"/>
-          </a:fillRef>
-          <a:effectRef idx="0">
-            <a:schemeClr val="accent1"/>
-          </a:effectRef>
-          <a:fontRef idx="minor">
-            <a:schemeClr val="lt1"/>
-          </a:fontRef>
-        </p:style>
-        <p:txBody>
-          <a:bodyPr rtlCol="0" anchor="ctr"/>
-          <a:lstStyle/>
-          <a:p>
-            <a:pPr algn="ctr"/>
-            <a:r>
-              <a:rPr lang="en-US">
-                <a:solidFill>
-                  <a:schemeClr val="bg1"/>
-                </a:solidFill>
-              </a:rPr>
-              <a:t>MainScreen</a:t>
-            </a:r>
-            <a:endParaRPr lang="ru-RU">
-              <a:solidFill>
-                <a:schemeClr val="bg1"/>
-              </a:solidFill>
-            </a:endParaRPr>
-          </a:p>
-        </p:txBody>
-      </p:sp>
-      <p:sp>
-        <p:nvSpPr>
-          <p:cNvPr id="6" name="Rectangle 5"/>
-          <p:cNvSpPr/>
-          <p:nvPr/>
-        </p:nvSpPr>
-        <p:spPr>
-          <a:xfrm>
-            <a:off x="4663410" y="1636095"/>
-            <a:ext cx="1512168" cy="432048"/>
-          </a:xfrm>
-          <a:prstGeom prst="rect">
-            <a:avLst/>
-          </a:prstGeom>
-          <a:solidFill>
-            <a:schemeClr val="tx1"/>
-          </a:solidFill>
-          <a:ln>
-            <a:solidFill>
-              <a:schemeClr val="bg1"/>
-            </a:solidFill>
-          </a:ln>
-        </p:spPr>
-        <p:style>
-          <a:lnRef idx="2">
-            <a:schemeClr val="accent1">
-              <a:shade val="50000"/>
-            </a:schemeClr>
-          </a:lnRef>
-          <a:fillRef idx="1">
-            <a:schemeClr val="accent1"/>
-          </a:fillRef>
-          <a:effectRef idx="0">
-            <a:schemeClr val="accent1"/>
-          </a:effectRef>
-          <a:fontRef idx="minor">
-            <a:schemeClr val="lt1"/>
-          </a:fontRef>
-        </p:style>
-        <p:txBody>
-          <a:bodyPr rtlCol="0" anchor="ctr"/>
-          <a:lstStyle/>
-          <a:p>
-            <a:pPr algn="ctr"/>
-            <a:r>
-              <a:rPr lang="en-US">
-                <a:solidFill>
-                  <a:schemeClr val="bg1"/>
-                </a:solidFill>
-              </a:rPr>
-              <a:t>OptsScreen</a:t>
-            </a:r>
-            <a:endParaRPr lang="ru-RU">
-              <a:solidFill>
-                <a:schemeClr val="bg1"/>
-              </a:solidFill>
-            </a:endParaRPr>
-          </a:p>
-        </p:txBody>
-      </p:sp>
-      <p:sp>
-        <p:nvSpPr>
-          <p:cNvPr id="7" name="Rectangle 6"/>
-          <p:cNvSpPr/>
-          <p:nvPr/>
-        </p:nvSpPr>
-        <p:spPr>
-          <a:xfrm>
-            <a:off x="4663410" y="2824081"/>
-            <a:ext cx="1512168" cy="432048"/>
-          </a:xfrm>
-          <a:prstGeom prst="rect">
-            <a:avLst/>
-          </a:prstGeom>
-          <a:solidFill>
-            <a:schemeClr val="tx1"/>
-          </a:solidFill>
-          <a:ln>
-            <a:solidFill>
-              <a:schemeClr val="bg1"/>
-            </a:solidFill>
-          </a:ln>
-        </p:spPr>
-        <p:style>
-          <a:lnRef idx="2">
-            <a:schemeClr val="accent1">
-              <a:shade val="50000"/>
-            </a:schemeClr>
-          </a:lnRef>
-          <a:fillRef idx="1">
-            <a:schemeClr val="accent1"/>
-          </a:fillRef>
-          <a:effectRef idx="0">
-            <a:schemeClr val="accent1"/>
-          </a:effectRef>
-          <a:fontRef idx="minor">
-            <a:schemeClr val="lt1"/>
-          </a:fontRef>
-        </p:style>
-        <p:txBody>
-          <a:bodyPr rtlCol="0" anchor="ctr"/>
-          <a:lstStyle/>
-          <a:p>
-            <a:pPr algn="ctr"/>
-            <a:r>
-              <a:rPr lang="en-US">
-                <a:solidFill>
-                  <a:schemeClr val="bg1"/>
-                </a:solidFill>
-              </a:rPr>
-              <a:t>StatScreen</a:t>
-            </a:r>
-            <a:endParaRPr lang="ru-RU">
-              <a:solidFill>
-                <a:schemeClr val="bg1"/>
-              </a:solidFill>
-            </a:endParaRPr>
-          </a:p>
-        </p:txBody>
-      </p:sp>
-      <p:sp>
-        <p:nvSpPr>
-          <p:cNvPr id="8" name="Rectangle 7"/>
-          <p:cNvSpPr/>
-          <p:nvPr/>
-        </p:nvSpPr>
-        <p:spPr>
-          <a:xfrm>
-            <a:off x="2647186" y="3447333"/>
-            <a:ext cx="1512168" cy="432048"/>
-          </a:xfrm>
-          <a:prstGeom prst="rect">
-            <a:avLst/>
-          </a:prstGeom>
-          <a:solidFill>
-            <a:schemeClr val="tx1"/>
-          </a:solidFill>
-          <a:ln>
-            <a:solidFill>
-              <a:schemeClr val="bg1"/>
-            </a:solidFill>
-          </a:ln>
-        </p:spPr>
-        <p:style>
-          <a:lnRef idx="2">
-            <a:schemeClr val="accent1">
-              <a:shade val="50000"/>
-            </a:schemeClr>
-          </a:lnRef>
-          <a:fillRef idx="1">
-            <a:schemeClr val="accent1"/>
-          </a:fillRef>
-          <a:effectRef idx="0">
-            <a:schemeClr val="accent1"/>
-          </a:effectRef>
-          <a:fontRef idx="minor">
-            <a:schemeClr val="lt1"/>
-          </a:fontRef>
-        </p:style>
-        <p:txBody>
-          <a:bodyPr rtlCol="0" anchor="ctr"/>
-          <a:lstStyle/>
-          <a:p>
-            <a:pPr algn="ctr"/>
-            <a:r>
-              <a:rPr lang="en-US">
-                <a:solidFill>
-                  <a:schemeClr val="bg1"/>
-                </a:solidFill>
-              </a:rPr>
-              <a:t>TutrScreen</a:t>
-            </a:r>
-            <a:endParaRPr lang="ru-RU">
-              <a:solidFill>
-                <a:schemeClr val="bg1"/>
-              </a:solidFill>
-            </a:endParaRPr>
-          </a:p>
-        </p:txBody>
-      </p:sp>
-      <p:sp>
-        <p:nvSpPr>
-          <p:cNvPr id="9" name="Rectangle 8"/>
-          <p:cNvSpPr/>
-          <p:nvPr/>
-        </p:nvSpPr>
-        <p:spPr>
-          <a:xfrm>
-            <a:off x="4658082" y="3452269"/>
-            <a:ext cx="1522824" cy="432048"/>
-          </a:xfrm>
-          <a:prstGeom prst="rect">
-            <a:avLst/>
-          </a:prstGeom>
-          <a:solidFill>
-            <a:schemeClr val="tx1"/>
-          </a:solidFill>
-          <a:ln>
-            <a:solidFill>
-              <a:schemeClr val="bg1"/>
-            </a:solidFill>
-          </a:ln>
-        </p:spPr>
-        <p:style>
-          <a:lnRef idx="2">
-            <a:schemeClr val="accent1">
-              <a:shade val="50000"/>
-            </a:schemeClr>
-          </a:lnRef>
-          <a:fillRef idx="1">
-            <a:schemeClr val="accent1"/>
-          </a:fillRef>
-          <a:effectRef idx="0">
-            <a:schemeClr val="accent1"/>
-          </a:effectRef>
-          <a:fontRef idx="minor">
-            <a:schemeClr val="lt1"/>
-          </a:fontRef>
-        </p:style>
-        <p:txBody>
-          <a:bodyPr rtlCol="0" anchor="ctr"/>
-          <a:lstStyle/>
-          <a:p>
-            <a:pPr algn="ctr"/>
-            <a:r>
-              <a:rPr lang="en-US">
-                <a:solidFill>
-                  <a:schemeClr val="bg1"/>
-                </a:solidFill>
-              </a:rPr>
-              <a:t>GameScreen</a:t>
-            </a:r>
-            <a:endParaRPr lang="ru-RU">
-              <a:solidFill>
-                <a:schemeClr val="bg1"/>
-              </a:solidFill>
-            </a:endParaRPr>
-          </a:p>
-        </p:txBody>
-      </p:sp>
-      <p:sp>
-        <p:nvSpPr>
-          <p:cNvPr id="10" name="Rectangle 9"/>
-          <p:cNvSpPr/>
-          <p:nvPr/>
-        </p:nvSpPr>
-        <p:spPr>
-          <a:xfrm>
-            <a:off x="6707430" y="3452269"/>
-            <a:ext cx="1522824" cy="432048"/>
-          </a:xfrm>
-          <a:prstGeom prst="rect">
-            <a:avLst/>
-          </a:prstGeom>
-          <a:solidFill>
-            <a:schemeClr val="tx1"/>
-          </a:solidFill>
-          <a:ln>
-            <a:solidFill>
-              <a:schemeClr val="bg1"/>
-            </a:solidFill>
-          </a:ln>
-        </p:spPr>
-        <p:style>
-          <a:lnRef idx="2">
-            <a:schemeClr val="accent1">
-              <a:shade val="50000"/>
-            </a:schemeClr>
-          </a:lnRef>
-          <a:fillRef idx="1">
-            <a:schemeClr val="accent1"/>
-          </a:fillRef>
-          <a:effectRef idx="0">
-            <a:schemeClr val="accent1"/>
-          </a:effectRef>
-          <a:fontRef idx="minor">
-            <a:schemeClr val="lt1"/>
-          </a:fontRef>
-        </p:style>
-        <p:txBody>
-          <a:bodyPr rtlCol="0" anchor="ctr"/>
-          <a:lstStyle/>
-          <a:p>
-            <a:pPr algn="ctr"/>
-            <a:r>
-              <a:rPr lang="en-US">
-                <a:solidFill>
-                  <a:schemeClr val="bg1"/>
-                </a:solidFill>
-              </a:rPr>
-              <a:t>EndScreen</a:t>
-            </a:r>
-            <a:endParaRPr lang="ru-RU">
-              <a:solidFill>
-                <a:schemeClr val="bg1"/>
-              </a:solidFill>
-            </a:endParaRPr>
-          </a:p>
-        </p:txBody>
-      </p:sp>
-      <p:sp>
-        <p:nvSpPr>
-          <p:cNvPr id="11" name="Rectangle 10"/>
-          <p:cNvSpPr/>
-          <p:nvPr/>
-        </p:nvSpPr>
-        <p:spPr>
-          <a:xfrm>
-            <a:off x="4663410" y="2223609"/>
-            <a:ext cx="1512168" cy="432048"/>
-          </a:xfrm>
-          <a:prstGeom prst="rect">
-            <a:avLst/>
-          </a:prstGeom>
-          <a:solidFill>
-            <a:schemeClr val="tx1"/>
-          </a:solidFill>
-          <a:ln>
-            <a:solidFill>
-              <a:schemeClr val="bg1"/>
-            </a:solidFill>
-          </a:ln>
-        </p:spPr>
-        <p:style>
-          <a:lnRef idx="2">
-            <a:schemeClr val="accent1">
-              <a:shade val="50000"/>
-            </a:schemeClr>
-          </a:lnRef>
-          <a:fillRef idx="1">
-            <a:schemeClr val="accent1"/>
-          </a:fillRef>
-          <a:effectRef idx="0">
-            <a:schemeClr val="accent1"/>
-          </a:effectRef>
-          <a:fontRef idx="minor">
-            <a:schemeClr val="lt1"/>
-          </a:fontRef>
-        </p:style>
-        <p:txBody>
-          <a:bodyPr rtlCol="0" anchor="ctr"/>
-          <a:lstStyle/>
-          <a:p>
-            <a:pPr algn="ctr"/>
-            <a:r>
-              <a:rPr lang="en-US">
-                <a:solidFill>
-                  <a:schemeClr val="bg1"/>
-                </a:solidFill>
-              </a:rPr>
-              <a:t>ShopScreen</a:t>
-            </a:r>
-            <a:endParaRPr lang="ru-RU">
-              <a:solidFill>
-                <a:schemeClr val="bg1"/>
-              </a:solidFill>
-            </a:endParaRPr>
-          </a:p>
-        </p:txBody>
-      </p:sp>
-      <p:cxnSp>
-        <p:nvCxnSpPr>
-          <p:cNvPr id="16" name="Elbow Connector 15"/>
-          <p:cNvCxnSpPr>
-            <a:stCxn id="4" idx="3"/>
-            <a:endCxn id="5" idx="1"/>
-          </p:cNvCxnSpPr>
-          <p:nvPr/>
-        </p:nvCxnSpPr>
-        <p:spPr>
-          <a:xfrm>
-            <a:off x="2143130" y="2439632"/>
-            <a:ext cx="504056" cy="1"/>
-          </a:xfrm>
-          <a:prstGeom prst="bentConnector3">
-            <a:avLst/>
-          </a:prstGeom>
-          <a:ln w="28575">
-            <a:solidFill>
-              <a:schemeClr val="tx1"/>
-            </a:solidFill>
-            <a:tailEnd type="arrow"/>
-          </a:ln>
-        </p:spPr>
-        <p:style>
-          <a:lnRef idx="1">
-            <a:schemeClr val="accent1"/>
-          </a:lnRef>
-          <a:fillRef idx="0">
-            <a:schemeClr val="accent1"/>
-          </a:fillRef>
-          <a:effectRef idx="0">
-            <a:schemeClr val="accent1"/>
-          </a:effectRef>
-          <a:fontRef idx="minor">
-            <a:schemeClr val="tx1"/>
-          </a:fontRef>
-        </p:style>
-      </p:cxnSp>
-      <p:cxnSp>
-        <p:nvCxnSpPr>
-          <p:cNvPr id="22" name="Elbow Connector 21"/>
-          <p:cNvCxnSpPr>
-            <a:stCxn id="5" idx="3"/>
-            <a:endCxn id="6" idx="1"/>
-          </p:cNvCxnSpPr>
-          <p:nvPr/>
-        </p:nvCxnSpPr>
-        <p:spPr>
-          <a:xfrm flipV="1">
-            <a:off x="4159354" y="1852119"/>
-            <a:ext cx="504056" cy="587514"/>
-          </a:xfrm>
-          <a:prstGeom prst="bentConnector3">
-            <a:avLst>
-              <a:gd name="adj1" fmla="val 50000"/>
-            </a:avLst>
-          </a:prstGeom>
-          <a:ln w="28575">
-            <a:solidFill>
-              <a:schemeClr val="tx1"/>
-            </a:solidFill>
-            <a:tailEnd type="arrow"/>
-          </a:ln>
-        </p:spPr>
-        <p:style>
-          <a:lnRef idx="1">
-            <a:schemeClr val="accent1"/>
-          </a:lnRef>
-          <a:fillRef idx="0">
-            <a:schemeClr val="accent1"/>
-          </a:fillRef>
-          <a:effectRef idx="0">
-            <a:schemeClr val="accent1"/>
-          </a:effectRef>
-          <a:fontRef idx="minor">
-            <a:schemeClr val="tx1"/>
-          </a:fontRef>
-        </p:style>
-      </p:cxnSp>
-      <p:cxnSp>
-        <p:nvCxnSpPr>
-          <p:cNvPr id="25" name="Elbow Connector 24"/>
-          <p:cNvCxnSpPr>
-            <a:stCxn id="5" idx="3"/>
-            <a:endCxn id="7" idx="1"/>
-          </p:cNvCxnSpPr>
-          <p:nvPr/>
-        </p:nvCxnSpPr>
-        <p:spPr>
-          <a:xfrm>
-            <a:off x="4159354" y="2439633"/>
-            <a:ext cx="504056" cy="600472"/>
-          </a:xfrm>
-          <a:prstGeom prst="bentConnector3">
-            <a:avLst>
-              <a:gd name="adj1" fmla="val 50000"/>
-            </a:avLst>
-          </a:prstGeom>
-          <a:ln w="28575">
-            <a:solidFill>
-              <a:schemeClr val="tx1"/>
-            </a:solidFill>
-            <a:tailEnd type="arrow"/>
-          </a:ln>
-        </p:spPr>
-        <p:style>
-          <a:lnRef idx="1">
-            <a:schemeClr val="accent1"/>
-          </a:lnRef>
-          <a:fillRef idx="0">
-            <a:schemeClr val="accent1"/>
-          </a:fillRef>
-          <a:effectRef idx="0">
-            <a:schemeClr val="accent1"/>
-          </a:effectRef>
-          <a:fontRef idx="minor">
-            <a:schemeClr val="tx1"/>
-          </a:fontRef>
-        </p:style>
-      </p:cxnSp>
-      <p:cxnSp>
-        <p:nvCxnSpPr>
-          <p:cNvPr id="29" name="Straight Arrow Connector 28"/>
-          <p:cNvCxnSpPr>
-            <a:stCxn id="5" idx="3"/>
-            <a:endCxn id="11" idx="1"/>
-          </p:cNvCxnSpPr>
-          <p:nvPr/>
-        </p:nvCxnSpPr>
-        <p:spPr>
-          <a:xfrm>
-            <a:off x="4159354" y="2439633"/>
-            <a:ext cx="504056" cy="0"/>
-          </a:xfrm>
-          <a:prstGeom prst="straightConnector1">
-            <a:avLst/>
-          </a:prstGeom>
-          <a:ln w="28575">
-            <a:solidFill>
-              <a:schemeClr val="tx1"/>
-            </a:solidFill>
-            <a:tailEnd type="arrow"/>
-          </a:ln>
-        </p:spPr>
-        <p:style>
-          <a:lnRef idx="1">
-            <a:schemeClr val="accent1"/>
-          </a:lnRef>
-          <a:fillRef idx="0">
-            <a:schemeClr val="accent1"/>
-          </a:fillRef>
-          <a:effectRef idx="0">
-            <a:schemeClr val="accent1"/>
-          </a:effectRef>
-          <a:fontRef idx="minor">
-            <a:schemeClr val="tx1"/>
-          </a:fontRef>
-        </p:style>
-      </p:cxnSp>
-      <p:cxnSp>
-        <p:nvCxnSpPr>
-          <p:cNvPr id="34" name="Straight Arrow Connector 33"/>
-          <p:cNvCxnSpPr>
-            <a:stCxn id="9" idx="3"/>
-            <a:endCxn id="10" idx="1"/>
-          </p:cNvCxnSpPr>
-          <p:nvPr/>
-        </p:nvCxnSpPr>
-        <p:spPr>
-          <a:xfrm>
-            <a:off x="6180906" y="3668293"/>
-            <a:ext cx="526524" cy="0"/>
-          </a:xfrm>
-          <a:prstGeom prst="straightConnector1">
-            <a:avLst/>
-          </a:prstGeom>
-          <a:ln w="28575">
-            <a:solidFill>
-              <a:schemeClr val="tx1"/>
-            </a:solidFill>
-            <a:tailEnd type="arrow"/>
-          </a:ln>
-        </p:spPr>
-        <p:style>
-          <a:lnRef idx="1">
-            <a:schemeClr val="accent1"/>
-          </a:lnRef>
-          <a:fillRef idx="0">
-            <a:schemeClr val="accent1"/>
-          </a:fillRef>
-          <a:effectRef idx="0">
-            <a:schemeClr val="accent1"/>
-          </a:effectRef>
-          <a:fontRef idx="minor">
-            <a:schemeClr val="tx1"/>
-          </a:fontRef>
-        </p:style>
-      </p:cxnSp>
-      <p:cxnSp>
-        <p:nvCxnSpPr>
-          <p:cNvPr id="35" name="Straight Arrow Connector 34"/>
-          <p:cNvCxnSpPr>
-            <a:stCxn id="5" idx="2"/>
-            <a:endCxn id="8" idx="0"/>
-          </p:cNvCxnSpPr>
-          <p:nvPr/>
-        </p:nvCxnSpPr>
-        <p:spPr>
-          <a:xfrm>
-            <a:off x="3403270" y="2655657"/>
-            <a:ext cx="0" cy="791676"/>
-          </a:xfrm>
-          <a:prstGeom prst="straightConnector1">
-            <a:avLst/>
-          </a:prstGeom>
-          <a:ln w="28575">
-            <a:solidFill>
-              <a:schemeClr val="tx1"/>
-            </a:solidFill>
-            <a:tailEnd type="arrow"/>
-          </a:ln>
-        </p:spPr>
-        <p:style>
-          <a:lnRef idx="1">
-            <a:schemeClr val="accent1"/>
-          </a:lnRef>
-          <a:fillRef idx="0">
-            <a:schemeClr val="accent1"/>
-          </a:fillRef>
-          <a:effectRef idx="0">
-            <a:schemeClr val="accent1"/>
-          </a:effectRef>
-          <a:fontRef idx="minor">
-            <a:schemeClr val="tx1"/>
-          </a:fontRef>
-        </p:style>
-      </p:cxnSp>
-      <p:cxnSp>
-        <p:nvCxnSpPr>
-          <p:cNvPr id="46" name="Straight Arrow Connector 45"/>
-          <p:cNvCxnSpPr/>
-          <p:nvPr/>
-        </p:nvCxnSpPr>
-        <p:spPr>
-          <a:xfrm>
-            <a:off x="4131558" y="3668293"/>
-            <a:ext cx="526524" cy="0"/>
-          </a:xfrm>
-          <a:prstGeom prst="straightConnector1">
-            <a:avLst/>
-          </a:prstGeom>
-          <a:ln w="28575">
-            <a:solidFill>
-              <a:schemeClr val="tx1"/>
-            </a:solidFill>
-            <a:tailEnd type="arrow"/>
-          </a:ln>
-        </p:spPr>
-        <p:style>
-          <a:lnRef idx="1">
-            <a:schemeClr val="accent1"/>
-          </a:lnRef>
-          <a:fillRef idx="0">
-            <a:schemeClr val="accent1"/>
-          </a:fillRef>
-          <a:effectRef idx="0">
-            <a:schemeClr val="accent1"/>
-          </a:effectRef>
-          <a:fontRef idx="minor">
-            <a:schemeClr val="tx1"/>
-          </a:fontRef>
-        </p:style>
-      </p:cxnSp>
-      <p:cxnSp>
-        <p:nvCxnSpPr>
-          <p:cNvPr id="47" name="Straight Arrow Connector 46"/>
-          <p:cNvCxnSpPr>
-            <a:stCxn id="11" idx="1"/>
-            <a:endCxn id="5" idx="3"/>
-          </p:cNvCxnSpPr>
-          <p:nvPr/>
-        </p:nvCxnSpPr>
-        <p:spPr>
-          <a:xfrm flipH="1">
-            <a:off x="4159354" y="2439633"/>
-            <a:ext cx="504056" cy="0"/>
-          </a:xfrm>
-          <a:prstGeom prst="straightConnector1">
-            <a:avLst/>
-          </a:prstGeom>
-          <a:ln w="28575">
-            <a:solidFill>
-              <a:schemeClr val="tx1"/>
-            </a:solidFill>
-            <a:tailEnd type="arrow"/>
-          </a:ln>
-        </p:spPr>
-        <p:style>
-          <a:lnRef idx="1">
-            <a:schemeClr val="accent1"/>
-          </a:lnRef>
-          <a:fillRef idx="0">
-            <a:schemeClr val="accent1"/>
-          </a:fillRef>
-          <a:effectRef idx="0">
-            <a:schemeClr val="accent1"/>
-          </a:effectRef>
-          <a:fontRef idx="minor">
-            <a:schemeClr val="tx1"/>
-          </a:fontRef>
-        </p:style>
-      </p:cxnSp>
-      <p:cxnSp>
-        <p:nvCxnSpPr>
-          <p:cNvPr id="54" name="Straight Connector 53"/>
-          <p:cNvCxnSpPr>
-            <a:stCxn id="10" idx="3"/>
-          </p:cNvCxnSpPr>
-          <p:nvPr/>
-        </p:nvCxnSpPr>
-        <p:spPr>
-          <a:xfrm>
-            <a:off x="8230254" y="3668293"/>
-            <a:ext cx="249580" cy="0"/>
-          </a:xfrm>
-          <a:prstGeom prst="line">
-            <a:avLst/>
-          </a:prstGeom>
-          <a:ln w="28575">
-            <a:solidFill>
-              <a:schemeClr val="tx1"/>
-            </a:solidFill>
-          </a:ln>
-        </p:spPr>
-        <p:style>
-          <a:lnRef idx="1">
-            <a:schemeClr val="accent1"/>
-          </a:lnRef>
-          <a:fillRef idx="0">
-            <a:schemeClr val="accent1"/>
-          </a:fillRef>
-          <a:effectRef idx="0">
-            <a:schemeClr val="accent1"/>
-          </a:effectRef>
-          <a:fontRef idx="minor">
-            <a:schemeClr val="tx1"/>
-          </a:fontRef>
-        </p:style>
-      </p:cxnSp>
-      <p:cxnSp>
-        <p:nvCxnSpPr>
-          <p:cNvPr id="55" name="Straight Connector 54"/>
-          <p:cNvCxnSpPr/>
-          <p:nvPr/>
-        </p:nvCxnSpPr>
-        <p:spPr>
-          <a:xfrm flipV="1">
-            <a:off x="8479834" y="1276056"/>
-            <a:ext cx="0" cy="2392237"/>
-          </a:xfrm>
-          <a:prstGeom prst="line">
-            <a:avLst/>
-          </a:prstGeom>
-          <a:ln w="28575">
-            <a:solidFill>
-              <a:schemeClr val="tx1"/>
-            </a:solidFill>
-          </a:ln>
-        </p:spPr>
-        <p:style>
-          <a:lnRef idx="1">
-            <a:schemeClr val="accent1"/>
-          </a:lnRef>
-          <a:fillRef idx="0">
-            <a:schemeClr val="accent1"/>
-          </a:fillRef>
-          <a:effectRef idx="0">
-            <a:schemeClr val="accent1"/>
-          </a:effectRef>
-          <a:fontRef idx="minor">
-            <a:schemeClr val="tx1"/>
-          </a:fontRef>
-        </p:style>
-      </p:cxnSp>
-      <p:cxnSp>
-        <p:nvCxnSpPr>
-          <p:cNvPr id="58" name="Straight Connector 57"/>
-          <p:cNvCxnSpPr/>
-          <p:nvPr/>
-        </p:nvCxnSpPr>
-        <p:spPr>
-          <a:xfrm>
-            <a:off x="3403094" y="1276055"/>
-            <a:ext cx="5076740" cy="1"/>
-          </a:xfrm>
-          <a:prstGeom prst="line">
-            <a:avLst/>
-          </a:prstGeom>
-          <a:ln w="28575">
-            <a:solidFill>
-              <a:schemeClr val="tx1"/>
-            </a:solidFill>
-          </a:ln>
-        </p:spPr>
-        <p:style>
-          <a:lnRef idx="1">
-            <a:schemeClr val="accent1"/>
-          </a:lnRef>
-          <a:fillRef idx="0">
-            <a:schemeClr val="accent1"/>
-          </a:fillRef>
-          <a:effectRef idx="0">
-            <a:schemeClr val="accent1"/>
-          </a:effectRef>
-          <a:fontRef idx="minor">
-            <a:schemeClr val="tx1"/>
-          </a:fontRef>
-        </p:style>
-      </p:cxnSp>
-      <p:cxnSp>
-        <p:nvCxnSpPr>
-          <p:cNvPr id="61" name="Straight Arrow Connector 60"/>
-          <p:cNvCxnSpPr/>
-          <p:nvPr/>
-        </p:nvCxnSpPr>
-        <p:spPr>
-          <a:xfrm flipH="1">
-            <a:off x="3403094" y="1276056"/>
-            <a:ext cx="176" cy="971901"/>
-          </a:xfrm>
-          <a:prstGeom prst="straightConnector1">
-            <a:avLst/>
-          </a:prstGeom>
-          <a:ln w="28575">
-            <a:solidFill>
-              <a:schemeClr val="tx1"/>
-            </a:solidFill>
-            <a:tailEnd type="arrow"/>
-          </a:ln>
-        </p:spPr>
-        <p:style>
-          <a:lnRef idx="1">
-            <a:schemeClr val="accent1"/>
-          </a:lnRef>
-          <a:fillRef idx="0">
-            <a:schemeClr val="accent1"/>
-          </a:fillRef>
-          <a:effectRef idx="0">
-            <a:schemeClr val="accent1"/>
-          </a:effectRef>
-          <a:fontRef idx="minor">
-            <a:schemeClr val="tx1"/>
-          </a:fontRef>
-        </p:style>
-      </p:cxnSp>
-      <p:cxnSp>
-        <p:nvCxnSpPr>
-          <p:cNvPr id="64" name="Straight Arrow Connector 63"/>
-          <p:cNvCxnSpPr>
-            <a:stCxn id="10" idx="1"/>
-            <a:endCxn id="9" idx="3"/>
-          </p:cNvCxnSpPr>
-          <p:nvPr/>
-        </p:nvCxnSpPr>
-        <p:spPr>
-          <a:xfrm flipH="1">
-            <a:off x="6180906" y="3668293"/>
-            <a:ext cx="526524" cy="0"/>
-          </a:xfrm>
-          <a:prstGeom prst="straightConnector1">
-            <a:avLst/>
-          </a:prstGeom>
-          <a:ln w="28575">
-            <a:solidFill>
-              <a:schemeClr val="tx1"/>
-            </a:solidFill>
-            <a:tailEnd type="arrow"/>
-          </a:ln>
-        </p:spPr>
-        <p:style>
-          <a:lnRef idx="1">
-            <a:schemeClr val="accent1"/>
-          </a:lnRef>
-          <a:fillRef idx="0">
-            <a:schemeClr val="accent1"/>
-          </a:fillRef>
-          <a:effectRef idx="0">
-            <a:schemeClr val="accent1"/>
-          </a:effectRef>
-          <a:fontRef idx="minor">
-            <a:schemeClr val="tx1"/>
-          </a:fontRef>
-        </p:style>
-      </p:cxnSp>
-      <p:sp>
-        <p:nvSpPr>
-          <p:cNvPr id="69" name="Rectangle 68"/>
-          <p:cNvSpPr/>
-          <p:nvPr/>
-        </p:nvSpPr>
-        <p:spPr>
-          <a:xfrm>
-            <a:off x="4169251" y="4368675"/>
-            <a:ext cx="1123940" cy="318879"/>
-          </a:xfrm>
-          <a:prstGeom prst="rect">
-            <a:avLst/>
-          </a:prstGeom>
-          <a:solidFill>
-            <a:schemeClr val="tx1"/>
-          </a:solidFill>
-          <a:ln>
-            <a:solidFill>
-              <a:schemeClr val="bg1"/>
-            </a:solidFill>
-          </a:ln>
-        </p:spPr>
-        <p:style>
-          <a:lnRef idx="2">
-            <a:schemeClr val="accent1">
-              <a:shade val="50000"/>
-            </a:schemeClr>
-          </a:lnRef>
-          <a:fillRef idx="1">
-            <a:schemeClr val="accent1"/>
-          </a:fillRef>
-          <a:effectRef idx="0">
-            <a:schemeClr val="accent1"/>
-          </a:effectRef>
-          <a:fontRef idx="minor">
-            <a:schemeClr val="lt1"/>
-          </a:fontRef>
-        </p:style>
-        <p:txBody>
-          <a:bodyPr rtlCol="0" anchor="ctr"/>
-          <a:lstStyle/>
-          <a:p>
-            <a:pPr algn="ctr"/>
-            <a:r>
-              <a:rPr lang="en-US" sz="1100">
-                <a:solidFill>
-                  <a:schemeClr val="bg1"/>
-                </a:solidFill>
-              </a:rPr>
-              <a:t>Player</a:t>
-            </a:r>
-            <a:endParaRPr lang="ru-RU" sz="1100">
-              <a:solidFill>
-                <a:schemeClr val="bg1"/>
-              </a:solidFill>
-            </a:endParaRPr>
-          </a:p>
-        </p:txBody>
-      </p:sp>
-      <p:sp>
-        <p:nvSpPr>
-          <p:cNvPr id="72" name="Rectangle 71"/>
-          <p:cNvSpPr/>
-          <p:nvPr/>
-        </p:nvSpPr>
-        <p:spPr>
-          <a:xfrm>
-            <a:off x="5547662" y="4368675"/>
-            <a:ext cx="1123940" cy="318879"/>
-          </a:xfrm>
-          <a:prstGeom prst="rect">
-            <a:avLst/>
-          </a:prstGeom>
-          <a:solidFill>
-            <a:schemeClr val="tx1"/>
-          </a:solidFill>
-          <a:ln>
-            <a:solidFill>
-              <a:schemeClr val="bg1"/>
-            </a:solidFill>
-          </a:ln>
-        </p:spPr>
-        <p:style>
-          <a:lnRef idx="2">
-            <a:schemeClr val="accent1">
-              <a:shade val="50000"/>
-            </a:schemeClr>
-          </a:lnRef>
-          <a:fillRef idx="1">
-            <a:schemeClr val="accent1"/>
-          </a:fillRef>
-          <a:effectRef idx="0">
-            <a:schemeClr val="accent1"/>
-          </a:effectRef>
-          <a:fontRef idx="minor">
-            <a:schemeClr val="lt1"/>
-          </a:fontRef>
-        </p:style>
-        <p:txBody>
-          <a:bodyPr rtlCol="0" anchor="ctr"/>
-          <a:lstStyle/>
-          <a:p>
-            <a:pPr algn="ctr"/>
-            <a:r>
-              <a:rPr lang="en-US" sz="1100">
-                <a:solidFill>
-                  <a:schemeClr val="bg1"/>
-                </a:solidFill>
-              </a:rPr>
-              <a:t>PatternN</a:t>
-            </a:r>
-            <a:endParaRPr lang="ru-RU" sz="1100">
-              <a:solidFill>
-                <a:schemeClr val="bg1"/>
-              </a:solidFill>
-            </a:endParaRPr>
-          </a:p>
-        </p:txBody>
-      </p:sp>
-      <p:cxnSp>
-        <p:nvCxnSpPr>
-          <p:cNvPr id="74" name="Elbow Connector 73"/>
-          <p:cNvCxnSpPr>
-            <a:stCxn id="69" idx="0"/>
-            <a:endCxn id="9" idx="2"/>
-          </p:cNvCxnSpPr>
-          <p:nvPr/>
-        </p:nvCxnSpPr>
-        <p:spPr>
-          <a:xfrm rot="5400000" flipH="1" flipV="1">
-            <a:off x="4833178" y="3782360"/>
-            <a:ext cx="484358" cy="688273"/>
-          </a:xfrm>
-          <a:prstGeom prst="bentConnector3">
-            <a:avLst/>
-          </a:prstGeom>
-          <a:ln w="28575">
-            <a:solidFill>
-              <a:schemeClr val="tx1"/>
-            </a:solidFill>
-            <a:tailEnd type="arrow"/>
-          </a:ln>
-        </p:spPr>
-        <p:style>
-          <a:lnRef idx="1">
-            <a:schemeClr val="accent1"/>
-          </a:lnRef>
-          <a:fillRef idx="0">
-            <a:schemeClr val="accent1"/>
-          </a:fillRef>
-          <a:effectRef idx="0">
-            <a:schemeClr val="accent1"/>
-          </a:effectRef>
-          <a:fontRef idx="minor">
-            <a:schemeClr val="tx1"/>
-          </a:fontRef>
-        </p:style>
-      </p:cxnSp>
-      <p:cxnSp>
-        <p:nvCxnSpPr>
-          <p:cNvPr id="75" name="Elbow Connector 74"/>
-          <p:cNvCxnSpPr>
-            <a:stCxn id="72" idx="0"/>
-            <a:endCxn id="9" idx="2"/>
-          </p:cNvCxnSpPr>
-          <p:nvPr/>
-        </p:nvCxnSpPr>
-        <p:spPr>
-          <a:xfrm rot="16200000" flipV="1">
-            <a:off x="5522384" y="3781427"/>
-            <a:ext cx="484358" cy="690138"/>
-          </a:xfrm>
-          <a:prstGeom prst="bentConnector3">
-            <a:avLst/>
-          </a:prstGeom>
-          <a:ln w="28575">
-            <a:solidFill>
-              <a:schemeClr val="tx1"/>
-            </a:solidFill>
-            <a:tailEnd type="arrow"/>
-          </a:ln>
-        </p:spPr>
-        <p:style>
-          <a:lnRef idx="1">
-            <a:schemeClr val="accent1"/>
-          </a:lnRef>
-          <a:fillRef idx="0">
-            <a:schemeClr val="accent1"/>
-          </a:fillRef>
-          <a:effectRef idx="0">
-            <a:schemeClr val="accent1"/>
-          </a:effectRef>
-          <a:fontRef idx="minor">
-            <a:schemeClr val="tx1"/>
-          </a:fontRef>
-        </p:style>
-      </p:cxnSp>
-      <p:sp>
-        <p:nvSpPr>
-          <p:cNvPr id="91" name="Rectangle 90"/>
-          <p:cNvSpPr/>
-          <p:nvPr/>
-        </p:nvSpPr>
-        <p:spPr>
-          <a:xfrm>
-            <a:off x="6866063" y="2280193"/>
-            <a:ext cx="1123940" cy="318879"/>
-          </a:xfrm>
-          <a:prstGeom prst="rect">
-            <a:avLst/>
-          </a:prstGeom>
-          <a:solidFill>
-            <a:schemeClr val="tx1"/>
-          </a:solidFill>
-          <a:ln>
-            <a:solidFill>
-              <a:schemeClr val="bg1"/>
-            </a:solidFill>
-          </a:ln>
-        </p:spPr>
-        <p:style>
-          <a:lnRef idx="2">
-            <a:schemeClr val="accent1">
-              <a:shade val="50000"/>
-            </a:schemeClr>
-          </a:lnRef>
-          <a:fillRef idx="1">
-            <a:schemeClr val="accent1"/>
-          </a:fillRef>
-          <a:effectRef idx="0">
-            <a:schemeClr val="accent1"/>
-          </a:effectRef>
-          <a:fontRef idx="minor">
-            <a:schemeClr val="lt1"/>
-          </a:fontRef>
-        </p:style>
-        <p:txBody>
-          <a:bodyPr rtlCol="0" anchor="ctr"/>
-          <a:lstStyle/>
-          <a:p>
-            <a:pPr algn="ctr"/>
-            <a:r>
-              <a:rPr lang="en-US" sz="1100">
-                <a:solidFill>
-                  <a:schemeClr val="bg1"/>
-                </a:solidFill>
-              </a:rPr>
-              <a:t>Settings</a:t>
-            </a:r>
-            <a:endParaRPr lang="ru-RU" sz="1100">
-              <a:solidFill>
-                <a:schemeClr val="bg1"/>
-              </a:solidFill>
-            </a:endParaRPr>
-          </a:p>
-        </p:txBody>
-      </p:sp>
-      <p:cxnSp>
-        <p:nvCxnSpPr>
-          <p:cNvPr id="92" name="Straight Arrow Connector 91"/>
-          <p:cNvCxnSpPr>
-            <a:stCxn id="91" idx="1"/>
-            <a:endCxn id="11" idx="3"/>
-          </p:cNvCxnSpPr>
-          <p:nvPr/>
-        </p:nvCxnSpPr>
-        <p:spPr>
-          <a:xfrm flipH="1">
-            <a:off x="6175578" y="2439633"/>
-            <a:ext cx="690485" cy="0"/>
-          </a:xfrm>
-          <a:prstGeom prst="straightConnector1">
-            <a:avLst/>
-          </a:prstGeom>
-          <a:ln w="28575">
-            <a:solidFill>
-              <a:schemeClr val="tx1"/>
-            </a:solidFill>
-            <a:tailEnd type="arrow"/>
-          </a:ln>
-        </p:spPr>
-        <p:style>
-          <a:lnRef idx="1">
-            <a:schemeClr val="accent1"/>
-          </a:lnRef>
-          <a:fillRef idx="0">
-            <a:schemeClr val="accent1"/>
-          </a:fillRef>
-          <a:effectRef idx="0">
-            <a:schemeClr val="accent1"/>
-          </a:effectRef>
-          <a:fontRef idx="minor">
-            <a:schemeClr val="tx1"/>
-          </a:fontRef>
-        </p:style>
-      </p:cxnSp>
+              <a:t>Как выглядит</a:t>
+            </a:r>
+          </a:p>
+        </p:txBody>
+      </p:sp>
       <p:pic>
         <p:nvPicPr>
-          <p:cNvPr id="96" name="Picture 2"/>
+          <p:cNvPr id="4" name="Picture 2"/>
           <p:cNvPicPr>
             <a:picLocks noChangeAspect="1" noChangeArrowheads="1"/>
           </p:cNvPicPr>
@@ -8322,197 +10272,288 @@
           </a:extLst>
         </p:spPr>
       </p:pic>
-      <p:cxnSp>
-        <p:nvCxnSpPr>
-          <p:cNvPr id="98" name="Elbow Connector 97"/>
-          <p:cNvCxnSpPr>
-            <a:stCxn id="91" idx="1"/>
-            <a:endCxn id="6" idx="3"/>
-          </p:cNvCxnSpPr>
-          <p:nvPr/>
-        </p:nvCxnSpPr>
-        <p:spPr>
-          <a:xfrm rot="10800000">
-            <a:off x="6175579" y="1852119"/>
-            <a:ext cx="690485" cy="587514"/>
-          </a:xfrm>
-          <a:prstGeom prst="bentConnector3">
-            <a:avLst>
-              <a:gd name="adj1" fmla="val 50000"/>
-            </a:avLst>
-          </a:prstGeom>
-          <a:ln w="28575">
-            <a:solidFill>
-              <a:schemeClr val="tx1"/>
-            </a:solidFill>
-            <a:tailEnd type="arrow"/>
-          </a:ln>
-        </p:spPr>
-        <p:style>
-          <a:lnRef idx="1">
-            <a:schemeClr val="accent1"/>
-          </a:lnRef>
-          <a:fillRef idx="0">
-            <a:schemeClr val="accent1"/>
-          </a:fillRef>
-          <a:effectRef idx="0">
-            <a:schemeClr val="accent1"/>
-          </a:effectRef>
-          <a:fontRef idx="minor">
-            <a:schemeClr val="tx1"/>
-          </a:fontRef>
-        </p:style>
-      </p:cxnSp>
-      <p:cxnSp>
-        <p:nvCxnSpPr>
-          <p:cNvPr id="101" name="Elbow Connector 100"/>
-          <p:cNvCxnSpPr>
-            <a:stCxn id="91" idx="1"/>
-            <a:endCxn id="7" idx="3"/>
-          </p:cNvCxnSpPr>
-          <p:nvPr/>
-        </p:nvCxnSpPr>
-        <p:spPr>
-          <a:xfrm rot="10800000" flipV="1">
-            <a:off x="6175579" y="2439633"/>
-            <a:ext cx="690485" cy="600472"/>
-          </a:xfrm>
-          <a:prstGeom prst="bentConnector3">
-            <a:avLst>
-              <a:gd name="adj1" fmla="val 50000"/>
-            </a:avLst>
-          </a:prstGeom>
-          <a:ln w="28575">
-            <a:solidFill>
-              <a:schemeClr val="tx1"/>
-            </a:solidFill>
-            <a:tailEnd type="arrow"/>
-          </a:ln>
-        </p:spPr>
-        <p:style>
-          <a:lnRef idx="1">
-            <a:schemeClr val="accent1"/>
-          </a:lnRef>
-          <a:fillRef idx="0">
-            <a:schemeClr val="accent1"/>
-          </a:fillRef>
-          <a:effectRef idx="0">
-            <a:schemeClr val="accent1"/>
-          </a:effectRef>
-          <a:fontRef idx="minor">
-            <a:schemeClr val="tx1"/>
-          </a:fontRef>
-        </p:style>
-      </p:cxnSp>
-      <p:sp>
-        <p:nvSpPr>
-          <p:cNvPr id="109" name="Rectangle 108"/>
-          <p:cNvSpPr/>
+      <p:sp>
+        <p:nvSpPr>
+          <p:cNvPr id="5" name="TextBox 4"/>
+          <p:cNvSpPr txBox="1"/>
           <p:nvPr/>
         </p:nvSpPr>
         <p:spPr>
           <a:xfrm>
-            <a:off x="825076" y="3508853"/>
-            <a:ext cx="1123940" cy="318879"/>
+            <a:off x="916517" y="4308782"/>
+            <a:ext cx="1702710" cy="369332"/>
           </a:xfrm>
           <a:prstGeom prst="rect">
             <a:avLst/>
           </a:prstGeom>
+          <a:noFill/>
+        </p:spPr>
+        <p:txBody>
+          <a:bodyPr wrap="none" rtlCol="0">
+            <a:spAutoFit/>
+          </a:bodyPr>
+          <a:lstStyle/>
+          <a:p>
+            <a:r>
+              <a:rPr lang="ru-RU" smtClean="0"/>
+              <a:t>Главное меню</a:t>
+            </a:r>
+            <a:endParaRPr lang="ru-RU"/>
+          </a:p>
+        </p:txBody>
+      </p:sp>
+      <p:sp>
+        <p:nvSpPr>
+          <p:cNvPr id="9" name="TextBox 8"/>
+          <p:cNvSpPr txBox="1"/>
+          <p:nvPr/>
+        </p:nvSpPr>
+        <p:spPr>
+          <a:xfrm>
+            <a:off x="3838770" y="4308028"/>
+            <a:ext cx="1330814" cy="369332"/>
+          </a:xfrm>
+          <a:prstGeom prst="rect">
+            <a:avLst/>
+          </a:prstGeom>
+          <a:noFill/>
+        </p:spPr>
+        <p:txBody>
+          <a:bodyPr wrap="none" rtlCol="0">
+            <a:spAutoFit/>
+          </a:bodyPr>
+          <a:lstStyle/>
+          <a:p>
+            <a:r>
+              <a:rPr lang="ru-RU" smtClean="0"/>
+              <a:t>Настройки</a:t>
+            </a:r>
+            <a:endParaRPr lang="ru-RU"/>
+          </a:p>
+        </p:txBody>
+      </p:sp>
+      <p:sp>
+        <p:nvSpPr>
+          <p:cNvPr id="10" name="TextBox 9"/>
+          <p:cNvSpPr txBox="1"/>
+          <p:nvPr/>
+        </p:nvSpPr>
+        <p:spPr>
+          <a:xfrm>
+            <a:off x="6407479" y="4308781"/>
+            <a:ext cx="1680268" cy="646331"/>
+          </a:xfrm>
+          <a:prstGeom prst="rect">
+            <a:avLst/>
+          </a:prstGeom>
+          <a:noFill/>
+        </p:spPr>
+        <p:txBody>
+          <a:bodyPr wrap="none" rtlCol="0">
+            <a:spAutoFit/>
+          </a:bodyPr>
+          <a:lstStyle/>
+          <a:p>
+            <a:r>
+              <a:rPr lang="ru-RU" smtClean="0"/>
+              <a:t>Экран выбора</a:t>
+            </a:r>
+          </a:p>
+          <a:p>
+            <a:pPr algn="ctr"/>
+            <a:r>
+              <a:rPr lang="ru-RU" smtClean="0"/>
+              <a:t>сложности</a:t>
+            </a:r>
+            <a:endParaRPr lang="ru-RU"/>
+          </a:p>
+        </p:txBody>
+      </p:sp>
+      <p:pic>
+        <p:nvPicPr>
+          <p:cNvPr id="2050" name="Picture 2" descr="C:\Users\username\Desktop\trance-scr\Screenshot_2021-05-10-20-13-17-213_com.cubecrusher.trancej.jpg"/>
+          <p:cNvPicPr>
+            <a:picLocks noChangeAspect="1" noChangeArrowheads="1"/>
+          </p:cNvPicPr>
+          <p:nvPr/>
+        </p:nvPicPr>
+        <p:blipFill>
+          <a:blip r:embed="rId4" cstate="print">
+            <a:extLst>
+              <a:ext uri="{28A0092B-C50C-407E-A947-70E740481C1C}">
+                <a14:useLocalDpi xmlns:a14="http://schemas.microsoft.com/office/drawing/2010/main" val="0"/>
+              </a:ext>
+            </a:extLst>
+          </a:blip>
+          <a:srcRect/>
+          <a:stretch>
+            <a:fillRect/>
+          </a:stretch>
+        </p:blipFill>
+        <p:spPr bwMode="auto">
+          <a:xfrm>
+            <a:off x="1115616" y="1275606"/>
+            <a:ext cx="1304512" cy="2826444"/>
+          </a:xfrm>
+          <a:prstGeom prst="roundRect">
+            <a:avLst>
+              <a:gd name="adj" fmla="val 4167"/>
+            </a:avLst>
+          </a:prstGeom>
           <a:solidFill>
-            <a:schemeClr val="tx1"/>
+            <a:srgbClr val="FFFFFF"/>
           </a:solidFill>
-          <a:ln>
+          <a:ln w="76200" cap="sq">
             <a:solidFill>
-              <a:schemeClr val="bg1"/>
+              <a:srgbClr val="292929"/>
             </a:solidFill>
+            <a:miter lim="800000"/>
           </a:ln>
-        </p:spPr>
-        <p:style>
-          <a:lnRef idx="2">
-            <a:schemeClr val="accent1">
-              <a:shade val="50000"/>
-            </a:schemeClr>
-          </a:lnRef>
-          <a:fillRef idx="1">
-            <a:schemeClr val="accent1"/>
-          </a:fillRef>
-          <a:effectRef idx="0">
-            <a:schemeClr val="accent1"/>
-          </a:effectRef>
-          <a:fontRef idx="minor">
-            <a:schemeClr val="lt1"/>
-          </a:fontRef>
-        </p:style>
-        <p:txBody>
-          <a:bodyPr rtlCol="0" anchor="ctr"/>
-          <a:lstStyle/>
-          <a:p>
-            <a:pPr algn="ctr"/>
-            <a:r>
-              <a:rPr lang="en-US" sz="1100">
-                <a:solidFill>
-                  <a:schemeClr val="bg1"/>
-                </a:solidFill>
-              </a:rPr>
-              <a:t>Assets</a:t>
-            </a:r>
-            <a:endParaRPr lang="ru-RU" sz="1100">
-              <a:solidFill>
-                <a:schemeClr val="bg1"/>
-              </a:solidFill>
-            </a:endParaRPr>
-          </a:p>
-        </p:txBody>
-      </p:sp>
-      <p:cxnSp>
-        <p:nvCxnSpPr>
-          <p:cNvPr id="111" name="Straight Arrow Connector 110"/>
-          <p:cNvCxnSpPr>
-            <a:stCxn id="109" idx="0"/>
-            <a:endCxn id="4" idx="2"/>
-          </p:cNvCxnSpPr>
+          <a:effectLst/>
+          <a:scene3d>
+            <a:camera prst="orthographicFront"/>
+            <a:lightRig rig="threePt" dir="t">
+              <a:rot lat="0" lon="0" rev="2700000"/>
+            </a:lightRig>
+          </a:scene3d>
+          <a:sp3d>
+            <a:bevelT h="38100"/>
+            <a:contourClr>
+              <a:srgbClr val="C0C0C0"/>
+            </a:contourClr>
+          </a:sp3d>
+          <a:extLst/>
+        </p:spPr>
+      </p:pic>
+      <p:pic>
+        <p:nvPicPr>
+          <p:cNvPr id="2051" name="Picture 3" descr="C:\Users\username\Desktop\trance-scr\Screenshot_2021-05-10-20-13-21-570_com.cubecrusher.trancej.jpg"/>
+          <p:cNvPicPr>
+            <a:picLocks noChangeAspect="1" noChangeArrowheads="1"/>
+          </p:cNvPicPr>
           <p:nvPr/>
-        </p:nvCxnSpPr>
-        <p:spPr>
-          <a:xfrm flipV="1">
-            <a:off x="1387046" y="2655656"/>
-            <a:ext cx="0" cy="853197"/>
-          </a:xfrm>
-          <a:prstGeom prst="straightConnector1">
-            <a:avLst/>
-          </a:prstGeom>
-          <a:ln w="28575">
+        </p:nvPicPr>
+        <p:blipFill>
+          <a:blip r:embed="rId5" cstate="print">
+            <a:extLst>
+              <a:ext uri="{28A0092B-C50C-407E-A947-70E740481C1C}">
+                <a14:useLocalDpi xmlns:a14="http://schemas.microsoft.com/office/drawing/2010/main" val="0"/>
+              </a:ext>
+            </a:extLst>
+          </a:blip>
+          <a:srcRect/>
+          <a:stretch>
+            <a:fillRect/>
+          </a:stretch>
+        </p:blipFill>
+        <p:spPr bwMode="auto">
+          <a:xfrm>
+            <a:off x="3851920" y="1274852"/>
+            <a:ext cx="1304513" cy="2826444"/>
+          </a:xfrm>
+          <a:prstGeom prst="roundRect">
+            <a:avLst>
+              <a:gd name="adj" fmla="val 4167"/>
+            </a:avLst>
+          </a:prstGeom>
+          <a:solidFill>
+            <a:srgbClr val="FFFFFF"/>
+          </a:solidFill>
+          <a:ln w="76200" cap="sq">
             <a:solidFill>
-              <a:schemeClr val="tx1"/>
+              <a:srgbClr val="292929"/>
             </a:solidFill>
-            <a:tailEnd type="arrow"/>
+            <a:miter lim="800000"/>
           </a:ln>
-        </p:spPr>
-        <p:style>
-          <a:lnRef idx="1">
-            <a:schemeClr val="accent1"/>
-          </a:lnRef>
-          <a:fillRef idx="0">
-            <a:schemeClr val="accent1"/>
-          </a:fillRef>
-          <a:effectRef idx="0">
-            <a:schemeClr val="accent1"/>
-          </a:effectRef>
-          <a:fontRef idx="minor">
-            <a:schemeClr val="tx1"/>
-          </a:fontRef>
-        </p:style>
-      </p:cxnSp>
+          <a:effectLst/>
+          <a:scene3d>
+            <a:camera prst="orthographicFront"/>
+            <a:lightRig rig="threePt" dir="t">
+              <a:rot lat="0" lon="0" rev="2700000"/>
+            </a:lightRig>
+          </a:scene3d>
+          <a:sp3d>
+            <a:bevelT h="38100"/>
+            <a:contourClr>
+              <a:srgbClr val="C0C0C0"/>
+            </a:contourClr>
+          </a:sp3d>
+          <a:extLst/>
+        </p:spPr>
+      </p:pic>
+      <p:pic>
+        <p:nvPicPr>
+          <p:cNvPr id="2052" name="Picture 4" descr="C:\Users\username\Desktop\trance-scr\Screenshot_2021-05-10-20-13-51-606_com.cubecrusher.trancej.jpg"/>
+          <p:cNvPicPr>
+            <a:picLocks noChangeAspect="1" noChangeArrowheads="1"/>
+          </p:cNvPicPr>
+          <p:nvPr/>
+        </p:nvPicPr>
+        <p:blipFill>
+          <a:blip r:embed="rId6" cstate="print">
+            <a:extLst>
+              <a:ext uri="{28A0092B-C50C-407E-A947-70E740481C1C}">
+                <a14:useLocalDpi xmlns:a14="http://schemas.microsoft.com/office/drawing/2010/main" val="0"/>
+              </a:ext>
+            </a:extLst>
+          </a:blip>
+          <a:srcRect/>
+          <a:stretch>
+            <a:fillRect/>
+          </a:stretch>
+        </p:blipFill>
+        <p:spPr bwMode="auto">
+          <a:xfrm>
+            <a:off x="6605483" y="1298228"/>
+            <a:ext cx="1294071" cy="2803822"/>
+          </a:xfrm>
+          <a:prstGeom prst="roundRect">
+            <a:avLst>
+              <a:gd name="adj" fmla="val 4167"/>
+            </a:avLst>
+          </a:prstGeom>
+          <a:solidFill>
+            <a:srgbClr val="FFFFFF"/>
+          </a:solidFill>
+          <a:ln w="76200" cap="sq">
+            <a:solidFill>
+              <a:srgbClr val="292929"/>
+            </a:solidFill>
+            <a:miter lim="800000"/>
+          </a:ln>
+          <a:effectLst/>
+          <a:scene3d>
+            <a:camera prst="orthographicFront"/>
+            <a:lightRig rig="threePt" dir="t">
+              <a:rot lat="0" lon="0" rev="2700000"/>
+            </a:lightRig>
+          </a:scene3d>
+          <a:sp3d>
+            <a:bevelT h="38100"/>
+            <a:contourClr>
+              <a:srgbClr val="C0C0C0"/>
+            </a:contourClr>
+          </a:sp3d>
+          <a:extLst/>
+        </p:spPr>
+      </p:pic>
     </p:spTree>
     <p:extLst>
       <p:ext uri="{BB962C8B-B14F-4D97-AF65-F5344CB8AC3E}">
-        <p14:creationId xmlns:p14="http://schemas.microsoft.com/office/powerpoint/2010/main" val="602522651"/>
+        <p14:creationId xmlns:p14="http://schemas.microsoft.com/office/powerpoint/2010/main" val="173544168"/>
       </p:ext>
     </p:extLst>
   </p:cSld>
   <p:clrMapOvr>
     <a:masterClrMapping/>
   </p:clrMapOvr>
+  <p:timing>
+    <p:tnLst>
+      <p:par>
+        <p:cTn id="1" dur="indefinite" restart="never" nodeType="tmRoot"/>
+      </p:par>
+    </p:tnLst>
+  </p:timing>
 </p:sld>
 </file>
 
@@ -8571,7 +10612,7 @@
           <p:nvPr/>
         </p:nvPicPr>
         <p:blipFill>
-          <a:blip r:embed="rId2" cstate="print">
+          <a:blip r:embed="rId3" cstate="print">
             <a:extLst>
               <a:ext uri="{28A0092B-C50C-407E-A947-70E740481C1C}">
                 <a14:useLocalDpi xmlns:a14="http://schemas.microsoft.com/office/drawing/2010/main" val="0"/>
@@ -8626,16 +10667,121 @@
           </a:extLst>
         </p:spPr>
       </p:pic>
+      <p:sp>
+        <p:nvSpPr>
+          <p:cNvPr id="5" name="TextBox 4"/>
+          <p:cNvSpPr txBox="1"/>
+          <p:nvPr/>
+        </p:nvSpPr>
+        <p:spPr>
+          <a:xfrm>
+            <a:off x="1011140" y="4294901"/>
+            <a:ext cx="1534394" cy="646331"/>
+          </a:xfrm>
+          <a:prstGeom prst="rect">
+            <a:avLst/>
+          </a:prstGeom>
+          <a:noFill/>
+        </p:spPr>
+        <p:txBody>
+          <a:bodyPr wrap="none" rtlCol="0">
+            <a:spAutoFit/>
+          </a:bodyPr>
+          <a:lstStyle/>
+          <a:p>
+            <a:r>
+              <a:rPr lang="ru-RU" smtClean="0"/>
+              <a:t>Экран ввода</a:t>
+            </a:r>
+          </a:p>
+          <a:p>
+            <a:pPr algn="ctr"/>
+            <a:r>
+              <a:rPr lang="ru-RU" smtClean="0"/>
+              <a:t>имени</a:t>
+            </a:r>
+            <a:endParaRPr lang="ru-RU"/>
+          </a:p>
+        </p:txBody>
+      </p:sp>
+      <p:sp>
+        <p:nvSpPr>
+          <p:cNvPr id="9" name="TextBox 8"/>
+          <p:cNvSpPr txBox="1"/>
+          <p:nvPr/>
+        </p:nvSpPr>
+        <p:spPr>
+          <a:xfrm>
+            <a:off x="3693816" y="4312264"/>
+            <a:ext cx="1640193" cy="646331"/>
+          </a:xfrm>
+          <a:prstGeom prst="rect">
+            <a:avLst/>
+          </a:prstGeom>
+          <a:noFill/>
+        </p:spPr>
+        <p:txBody>
+          <a:bodyPr wrap="none" rtlCol="0">
+            <a:spAutoFit/>
+          </a:bodyPr>
+          <a:lstStyle/>
+          <a:p>
+            <a:r>
+              <a:rPr lang="ru-RU" smtClean="0"/>
+              <a:t>Одноразовый</a:t>
+            </a:r>
+          </a:p>
+          <a:p>
+            <a:pPr algn="ctr"/>
+            <a:r>
+              <a:rPr lang="ru-RU" smtClean="0"/>
+              <a:t>гайд</a:t>
+            </a:r>
+            <a:endParaRPr lang="ru-RU"/>
+          </a:p>
+        </p:txBody>
+      </p:sp>
+      <p:sp>
+        <p:nvSpPr>
+          <p:cNvPr id="10" name="TextBox 9"/>
+          <p:cNvSpPr txBox="1"/>
+          <p:nvPr/>
+        </p:nvSpPr>
+        <p:spPr>
+          <a:xfrm>
+            <a:off x="6584072" y="4300506"/>
+            <a:ext cx="1263487" cy="369332"/>
+          </a:xfrm>
+          <a:prstGeom prst="rect">
+            <a:avLst/>
+          </a:prstGeom>
+          <a:noFill/>
+        </p:spPr>
+        <p:txBody>
+          <a:bodyPr wrap="none" rtlCol="0">
+            <a:spAutoFit/>
+          </a:bodyPr>
+          <a:lstStyle/>
+          <a:p>
+            <a:pPr algn="ctr"/>
+            <a:r>
+              <a:rPr lang="ru-RU" smtClean="0"/>
+              <a:t>Сама игра</a:t>
+            </a:r>
+            <a:endParaRPr lang="ru-RU"/>
+          </a:p>
+        </p:txBody>
+      </p:sp>
       <p:pic>
         <p:nvPicPr>
-          <p:cNvPr id="6146" name="Picture 2"/>
+          <p:cNvPr id="3074" name="Picture 2" descr="C:\Users\username\Desktop\trance-scr\Screenshot_2021-05-07-21-44-14-949_com.cubecrusher.trancej.jpg"/>
           <p:cNvPicPr>
             <a:picLocks noChangeAspect="1" noChangeArrowheads="1"/>
           </p:cNvPicPr>
           <p:nvPr/>
         </p:nvPicPr>
         <p:blipFill>
-          <a:blip r:embed="rId3" cstate="print">
+          <a:blip r:embed="rId4" cstate="print">
             <a:extLst>
               <a:ext uri="{28A0092B-C50C-407E-A947-70E740481C1C}">
                 <a14:useLocalDpi xmlns:a14="http://schemas.microsoft.com/office/drawing/2010/main" val="0"/>
@@ -8649,8 +10795,8 @@
         </p:blipFill>
         <p:spPr bwMode="auto">
           <a:xfrm>
-            <a:off x="3707904" y="1417464"/>
-            <a:ext cx="1596646" cy="2736304"/>
+            <a:off x="1126081" y="1264783"/>
+            <a:ext cx="1304512" cy="2826444"/>
           </a:xfrm>
           <a:prstGeom prst="roundRect">
             <a:avLst>
@@ -8684,14 +10830,14 @@
       </p:pic>
       <p:pic>
         <p:nvPicPr>
-          <p:cNvPr id="6147" name="Picture 3"/>
+          <p:cNvPr id="3075" name="Picture 3" descr="C:\Users\username\Desktop\trance-scr\Screenshot_2021-04-21-19-56-22-421_com.cubecrusher.trancej.jpg"/>
           <p:cNvPicPr>
             <a:picLocks noChangeAspect="1" noChangeArrowheads="1"/>
           </p:cNvPicPr>
           <p:nvPr/>
         </p:nvPicPr>
         <p:blipFill>
-          <a:blip r:embed="rId4" cstate="print">
+          <a:blip r:embed="rId5" cstate="print">
             <a:extLst>
               <a:ext uri="{28A0092B-C50C-407E-A947-70E740481C1C}">
                 <a14:useLocalDpi xmlns:a14="http://schemas.microsoft.com/office/drawing/2010/main" val="0"/>
@@ -8705,8 +10851,8 @@
         </p:blipFill>
         <p:spPr bwMode="auto">
           <a:xfrm>
-            <a:off x="1115616" y="1417464"/>
-            <a:ext cx="1647581" cy="2736304"/>
+            <a:off x="3847051" y="1264783"/>
+            <a:ext cx="1304513" cy="2826444"/>
           </a:xfrm>
           <a:prstGeom prst="roundRect">
             <a:avLst>
@@ -8740,14 +10886,14 @@
       </p:pic>
       <p:pic>
         <p:nvPicPr>
-          <p:cNvPr id="6148" name="Picture 4"/>
+          <p:cNvPr id="3076" name="Picture 4" descr="C:\Users\username\Desktop\trance-scr\Screenshot_2021-05-10-20-14-08-109_com.cubecrusher.trancej.jpg"/>
           <p:cNvPicPr>
             <a:picLocks noChangeAspect="1" noChangeArrowheads="1"/>
           </p:cNvPicPr>
           <p:nvPr/>
         </p:nvPicPr>
         <p:blipFill>
-          <a:blip r:embed="rId5" cstate="print">
+          <a:blip r:embed="rId6" cstate="print">
             <a:extLst>
               <a:ext uri="{28A0092B-C50C-407E-A947-70E740481C1C}">
                 <a14:useLocalDpi xmlns:a14="http://schemas.microsoft.com/office/drawing/2010/main" val="0"/>
@@ -8761,8 +10907,8 @@
         </p:blipFill>
         <p:spPr bwMode="auto">
           <a:xfrm>
-            <a:off x="6300192" y="1417464"/>
-            <a:ext cx="1647886" cy="2736304"/>
+            <a:off x="6588224" y="1264783"/>
+            <a:ext cx="1304512" cy="2826444"/>
           </a:xfrm>
           <a:prstGeom prst="roundRect">
             <a:avLst>
@@ -8794,110 +10940,23 @@
           <a:extLst/>
         </p:spPr>
       </p:pic>
-      <p:sp>
-        <p:nvSpPr>
-          <p:cNvPr id="5" name="TextBox 4"/>
-          <p:cNvSpPr txBox="1"/>
-          <p:nvPr/>
-        </p:nvSpPr>
-        <p:spPr>
-          <a:xfrm>
-            <a:off x="1273999" y="4308782"/>
-            <a:ext cx="1330814" cy="369332"/>
-          </a:xfrm>
-          <a:prstGeom prst="rect">
-            <a:avLst/>
-          </a:prstGeom>
-          <a:noFill/>
-        </p:spPr>
-        <p:txBody>
-          <a:bodyPr wrap="none" rtlCol="0">
-            <a:spAutoFit/>
-          </a:bodyPr>
-          <a:lstStyle/>
-          <a:p>
-            <a:r>
-              <a:rPr lang="ru-RU"/>
-              <a:t>Настройки</a:t>
-            </a:r>
-          </a:p>
-        </p:txBody>
-      </p:sp>
-      <p:sp>
-        <p:nvSpPr>
-          <p:cNvPr id="9" name="TextBox 8"/>
-          <p:cNvSpPr txBox="1"/>
-          <p:nvPr/>
-        </p:nvSpPr>
-        <p:spPr>
-          <a:xfrm>
-            <a:off x="3654872" y="4308782"/>
-            <a:ext cx="1702710" cy="369332"/>
-          </a:xfrm>
-          <a:prstGeom prst="rect">
-            <a:avLst/>
-          </a:prstGeom>
-          <a:noFill/>
-        </p:spPr>
-        <p:txBody>
-          <a:bodyPr wrap="none" rtlCol="0">
-            <a:spAutoFit/>
-          </a:bodyPr>
-          <a:lstStyle/>
-          <a:p>
-            <a:r>
-              <a:rPr lang="ru-RU"/>
-              <a:t>Главное меню</a:t>
-            </a:r>
-          </a:p>
-        </p:txBody>
-      </p:sp>
-      <p:sp>
-        <p:nvSpPr>
-          <p:cNvPr id="10" name="TextBox 9"/>
-          <p:cNvSpPr txBox="1"/>
-          <p:nvPr/>
-        </p:nvSpPr>
-        <p:spPr>
-          <a:xfrm>
-            <a:off x="6307885" y="4308782"/>
-            <a:ext cx="1640193" cy="646331"/>
-          </a:xfrm>
-          <a:prstGeom prst="rect">
-            <a:avLst/>
-          </a:prstGeom>
-          <a:noFill/>
-        </p:spPr>
-        <p:txBody>
-          <a:bodyPr wrap="none" rtlCol="0">
-            <a:spAutoFit/>
-          </a:bodyPr>
-          <a:lstStyle/>
-          <a:p>
-            <a:r>
-              <a:rPr lang="ru-RU"/>
-              <a:t>Одноразовый</a:t>
-            </a:r>
-          </a:p>
-          <a:p>
-            <a:pPr algn="ctr"/>
-            <a:r>
-              <a:rPr lang="ru-RU"/>
-              <a:t>гайд</a:t>
-            </a:r>
-          </a:p>
-        </p:txBody>
-      </p:sp>
     </p:spTree>
     <p:extLst>
       <p:ext uri="{BB962C8B-B14F-4D97-AF65-F5344CB8AC3E}">
-        <p14:creationId xmlns:p14="http://schemas.microsoft.com/office/powerpoint/2010/main" val="173544168"/>
+        <p14:creationId xmlns:p14="http://schemas.microsoft.com/office/powerpoint/2010/main" val="1695636635"/>
       </p:ext>
     </p:extLst>
   </p:cSld>
   <p:clrMapOvr>
     <a:masterClrMapping/>
   </p:clrMapOvr>
+  <p:timing>
+    <p:tnLst>
+      <p:par>
+        <p:cTn id="1" dur="indefinite" restart="never" nodeType="tmRoot"/>
+      </p:par>
+    </p:tnLst>
+  </p:timing>
 </p:sld>
 </file>
 
@@ -9019,8 +11078,8 @@
         </p:nvSpPr>
         <p:spPr>
           <a:xfrm>
-            <a:off x="1307662" y="4308782"/>
-            <a:ext cx="1263487" cy="369332"/>
+            <a:off x="1123856" y="4315090"/>
+            <a:ext cx="1289135" cy="369332"/>
           </a:xfrm>
           <a:prstGeom prst="rect">
             <a:avLst/>
@@ -9034,9 +11093,10 @@
           <a:lstStyle/>
           <a:p>
             <a:r>
-              <a:rPr lang="ru-RU"/>
-              <a:t>Сама игра</a:t>
-            </a:r>
+              <a:rPr lang="ru-RU" smtClean="0"/>
+              <a:t>Проигрыш</a:t>
+            </a:r>
+            <a:endParaRPr lang="ru-RU"/>
           </a:p>
         </p:txBody>
       </p:sp>
@@ -9048,8 +11108,8 @@
         </p:nvSpPr>
         <p:spPr>
           <a:xfrm>
-            <a:off x="3861657" y="4312264"/>
-            <a:ext cx="1289135" cy="369332"/>
+            <a:off x="3794650" y="4315090"/>
+            <a:ext cx="1420582" cy="369332"/>
           </a:xfrm>
           <a:prstGeom prst="rect">
             <a:avLst/>
@@ -9063,9 +11123,10 @@
           <a:lstStyle/>
           <a:p>
             <a:r>
-              <a:rPr lang="ru-RU"/>
-              <a:t>Проигрыш</a:t>
-            </a:r>
+              <a:rPr lang="ru-RU" smtClean="0"/>
+              <a:t>Статистика</a:t>
+            </a:r>
+            <a:endParaRPr lang="ru-RU"/>
           </a:p>
         </p:txBody>
       </p:sp>
@@ -9077,8 +11138,8 @@
         </p:nvSpPr>
         <p:spPr>
           <a:xfrm>
-            <a:off x="6368960" y="4300506"/>
-            <a:ext cx="1510350" cy="646331"/>
+            <a:off x="6337829" y="4315090"/>
+            <a:ext cx="1805302" cy="369332"/>
           </a:xfrm>
           <a:prstGeom prst="rect">
             <a:avLst/>
@@ -9093,22 +11154,16 @@
           <a:p>
             <a:pPr algn="ctr"/>
             <a:r>
-              <a:rPr lang="ru-RU"/>
-              <a:t>Экран </a:t>
-            </a:r>
-          </a:p>
-          <a:p>
-            <a:pPr algn="ctr"/>
-            <a:r>
-              <a:rPr lang="ru-RU"/>
-              <a:t>результатов</a:t>
-            </a:r>
+              <a:rPr lang="ru-RU" smtClean="0"/>
+              <a:t>Доска лидеров</a:t>
+            </a:r>
+            <a:endParaRPr lang="ru-RU"/>
           </a:p>
         </p:txBody>
       </p:sp>
       <p:pic>
         <p:nvPicPr>
-          <p:cNvPr id="7170" name="Picture 2"/>
+          <p:cNvPr id="4098" name="Picture 2" descr="C:\Users\username\Desktop\trance-scr\Screenshot_2021-05-10-20-13-30-002_com.cubecrusher.trancej.jpg"/>
           <p:cNvPicPr>
             <a:picLocks noChangeAspect="1" noChangeArrowheads="1"/>
           </p:cNvPicPr>
@@ -9129,8 +11184,8 @@
         </p:blipFill>
         <p:spPr bwMode="auto">
           <a:xfrm>
-            <a:off x="1115425" y="1417464"/>
-            <a:ext cx="1647962" cy="2736304"/>
+            <a:off x="3851920" y="1264783"/>
+            <a:ext cx="1304513" cy="2826444"/>
           </a:xfrm>
           <a:prstGeom prst="roundRect">
             <a:avLst>
@@ -9164,7 +11219,7 @@
       </p:pic>
       <p:pic>
         <p:nvPicPr>
-          <p:cNvPr id="7171" name="Picture 3"/>
+          <p:cNvPr id="4099" name="Picture 3" descr="C:\Users\username\Desktop\trance-scr\Screenshot_2021-05-10-20-14-13-143_com.cubecrusher.trancej.jpg"/>
           <p:cNvPicPr>
             <a:picLocks noChangeAspect="1" noChangeArrowheads="1"/>
           </p:cNvPicPr>
@@ -9185,8 +11240,8 @@
         </p:blipFill>
         <p:spPr bwMode="auto">
           <a:xfrm>
-            <a:off x="3696158" y="1417465"/>
-            <a:ext cx="1620135" cy="2736304"/>
+            <a:off x="1115616" y="1264783"/>
+            <a:ext cx="1306149" cy="2829989"/>
           </a:xfrm>
           <a:prstGeom prst="roundRect">
             <a:avLst>
@@ -9220,15 +11275,9 @@
       </p:pic>
       <p:pic>
         <p:nvPicPr>
-          <p:cNvPr id="11" name="Рисунок 10">
-            <a:extLst>
-              <a:ext uri="{FF2B5EF4-FFF2-40B4-BE49-F238E27FC236}">
-                <a16:creationId xmlns:a16="http://schemas.microsoft.com/office/drawing/2014/main" id="{EEE84F5E-5B27-4BE4-8D9C-BA866746D6D1}"/>
-              </a:ext>
-            </a:extLst>
-          </p:cNvPr>
+          <p:cNvPr id="4100" name="Picture 4" descr="C:\Users\username\Desktop\trance-scr\Screenshot_2021-05-10-20-13-42-269_com.cubecrusher.trancej.jpg"/>
           <p:cNvPicPr>
-            <a:picLocks noChangeAspect="1"/>
+            <a:picLocks noChangeAspect="1" noChangeArrowheads="1"/>
           </p:cNvPicPr>
           <p:nvPr/>
         </p:nvPicPr>
@@ -9240,14 +11289,15 @@
               </a:ext>
             </a:extLst>
           </a:blip>
+          <a:srcRect/>
           <a:stretch>
             <a:fillRect/>
           </a:stretch>
         </p:blipFill>
-        <p:spPr>
+        <p:spPr bwMode="auto">
           <a:xfrm>
-            <a:off x="6368960" y="1417464"/>
-            <a:ext cx="1510349" cy="2736304"/>
+            <a:off x="6588224" y="1264783"/>
+            <a:ext cx="1304512" cy="2826443"/>
           </a:xfrm>
           <a:prstGeom prst="roundRect">
             <a:avLst>
@@ -9259,33 +11309,43 @@
           </a:solidFill>
           <a:ln w="76200" cap="sq">
             <a:solidFill>
-              <a:schemeClr val="bg1">
-                <a:lumMod val="85000"/>
-                <a:lumOff val="15000"/>
-              </a:schemeClr>
+              <a:srgbClr val="292929"/>
             </a:solidFill>
             <a:miter lim="800000"/>
           </a:ln>
           <a:effectLst/>
           <a:scene3d>
             <a:camera prst="orthographicFront"/>
-            <a:lightRig rig="threePt" dir="t"/>
+            <a:lightRig rig="threePt" dir="t">
+              <a:rot lat="0" lon="0" rev="2700000"/>
+            </a:lightRig>
           </a:scene3d>
           <a:sp3d>
-            <a:bevelT/>
+            <a:bevelT h="38100"/>
+            <a:contourClr>
+              <a:srgbClr val="C0C0C0"/>
+            </a:contourClr>
           </a:sp3d>
+          <a:extLst/>
         </p:spPr>
       </p:pic>
     </p:spTree>
     <p:extLst>
       <p:ext uri="{BB962C8B-B14F-4D97-AF65-F5344CB8AC3E}">
-        <p14:creationId xmlns:p14="http://schemas.microsoft.com/office/powerpoint/2010/main" val="1695636635"/>
+        <p14:creationId xmlns:p14="http://schemas.microsoft.com/office/powerpoint/2010/main" val="3783764185"/>
       </p:ext>
     </p:extLst>
   </p:cSld>
   <p:clrMapOvr>
     <a:masterClrMapping/>
   </p:clrMapOvr>
+  <p:timing>
+    <p:tnLst>
+      <p:par>
+        <p:cTn id="1" dur="indefinite" restart="never" nodeType="tmRoot"/>
+      </p:par>
+    </p:tnLst>
+  </p:timing>
 </p:sld>
 </file>
 
@@ -9803,7 +11863,7 @@
   <a:extraClrSchemeLst/>
   <a:extLst>
     <a:ext uri="{05A4C25C-085E-4340-85A3-A5531E510DB2}">
-      <thm15:themeFamily xmlns:thm15="http://schemas.microsoft.com/office/thememl/2012/main" name="Office Theme" id="{62F939B6-93AF-4DB8-9C6B-D6C7DFDC589F}" vid="{4A3C46E8-61CC-4603-A589-7422A47A8E4A}"/>
+      <thm15:themeFamily xmlns:thm15="http://schemas.microsoft.com/office/thememl/2012/main" xmlns="" name="Office Theme" id="{62F939B6-93AF-4DB8-9C6B-D6C7DFDC589F}" vid="{4A3C46E8-61CC-4603-A589-7422A47A8E4A}"/>
     </a:ext>
   </a:extLst>
 </a:theme>
